--- a/конференция/конференция.pptx
+++ b/конференция/конференция.pptx
@@ -4,9 +4,19 @@
   <p:sldMasterIdLst>
     <p:sldMasterId id="2147483648" r:id="rId1"/>
   </p:sldMasterIdLst>
+  <p:notesMasterIdLst>
+    <p:notesMasterId r:id="rId11"/>
+  </p:notesMasterIdLst>
   <p:sldIdLst>
     <p:sldId id="256" r:id="rId2"/>
     <p:sldId id="257" r:id="rId3"/>
+    <p:sldId id="258" r:id="rId4"/>
+    <p:sldId id="259" r:id="rId5"/>
+    <p:sldId id="260" r:id="rId6"/>
+    <p:sldId id="261" r:id="rId7"/>
+    <p:sldId id="262" r:id="rId8"/>
+    <p:sldId id="263" r:id="rId9"/>
+    <p:sldId id="264" r:id="rId10"/>
   </p:sldIdLst>
   <p:sldSz cx="12192000" cy="6858000"/>
   <p:notesSz cx="6858000" cy="9144000"/>
@@ -105,7 +115,362 @@
       </a:defRPr>
     </a:lvl9pPr>
   </p:defaultTextStyle>
+  <p:extLst>
+    <p:ext uri="{EFAFB233-063F-42B5-8137-9DF3F51BA10A}">
+      <p15:sldGuideLst xmlns:p15="http://schemas.microsoft.com/office/powerpoint/2012/main"/>
+    </p:ext>
+  </p:extLst>
 </p:presentation>
+</file>
+
+<file path=ppt/notesMasters/notesMaster1.xml><?xml version="1.0" encoding="utf-8"?>
+<p:notesMaster xmlns:a="http://schemas.openxmlformats.org/drawingml/2006/main" xmlns:r="http://schemas.openxmlformats.org/officeDocument/2006/relationships" xmlns:p="http://schemas.openxmlformats.org/presentationml/2006/main">
+  <p:cSld>
+    <p:bg>
+      <p:bgRef idx="1001">
+        <a:schemeClr val="bg1"/>
+      </p:bgRef>
+    </p:bg>
+    <p:spTree>
+      <p:nvGrpSpPr>
+        <p:cNvPr id="1" name=""/>
+        <p:cNvGrpSpPr/>
+        <p:nvPr/>
+      </p:nvGrpSpPr>
+      <p:grpSpPr>
+        <a:xfrm>
+          <a:off x="0" y="0"/>
+          <a:ext cx="0" cy="0"/>
+          <a:chOff x="0" y="0"/>
+          <a:chExt cx="0" cy="0"/>
+        </a:xfrm>
+      </p:grpSpPr>
+      <p:sp>
+        <p:nvSpPr>
+          <p:cNvPr id="2" name="Верхний колонтитул 1"/>
+          <p:cNvSpPr>
+            <a:spLocks noGrp="1"/>
+          </p:cNvSpPr>
+          <p:nvPr>
+            <p:ph type="hdr" sz="quarter"/>
+          </p:nvPr>
+        </p:nvSpPr>
+        <p:spPr>
+          <a:xfrm>
+            <a:off x="0" y="0"/>
+            <a:ext cx="2971800" cy="458788"/>
+          </a:xfrm>
+          <a:prstGeom prst="rect">
+            <a:avLst/>
+          </a:prstGeom>
+        </p:spPr>
+        <p:txBody>
+          <a:bodyPr vert="horz" lIns="91440" tIns="45720" rIns="91440" bIns="45720" rtlCol="0"/>
+          <a:lstStyle>
+            <a:lvl1pPr algn="l">
+              <a:defRPr sz="1200"/>
+            </a:lvl1pPr>
+          </a:lstStyle>
+          <a:p>
+            <a:endParaRPr lang="ru-RU"/>
+          </a:p>
+        </p:txBody>
+      </p:sp>
+      <p:sp>
+        <p:nvSpPr>
+          <p:cNvPr id="3" name="Дата 2"/>
+          <p:cNvSpPr>
+            <a:spLocks noGrp="1"/>
+          </p:cNvSpPr>
+          <p:nvPr>
+            <p:ph type="dt" idx="1"/>
+          </p:nvPr>
+        </p:nvSpPr>
+        <p:spPr>
+          <a:xfrm>
+            <a:off x="3884613" y="0"/>
+            <a:ext cx="2971800" cy="458788"/>
+          </a:xfrm>
+          <a:prstGeom prst="rect">
+            <a:avLst/>
+          </a:prstGeom>
+        </p:spPr>
+        <p:txBody>
+          <a:bodyPr vert="horz" lIns="91440" tIns="45720" rIns="91440" bIns="45720" rtlCol="0"/>
+          <a:lstStyle>
+            <a:lvl1pPr algn="r">
+              <a:defRPr sz="1200"/>
+            </a:lvl1pPr>
+          </a:lstStyle>
+          <a:p>
+            <a:fld id="{95B27228-39F1-48DC-9365-C069E5D67A7E}" type="datetimeFigureOut">
+              <a:rPr lang="ru-RU" smtClean="0"/>
+              <a:t>09.09.2020</a:t>
+            </a:fld>
+            <a:endParaRPr lang="ru-RU"/>
+          </a:p>
+        </p:txBody>
+      </p:sp>
+      <p:sp>
+        <p:nvSpPr>
+          <p:cNvPr id="4" name="Образ слайда 3"/>
+          <p:cNvSpPr>
+            <a:spLocks noGrp="1" noRot="1" noChangeAspect="1"/>
+          </p:cNvSpPr>
+          <p:nvPr>
+            <p:ph type="sldImg" idx="2"/>
+          </p:nvPr>
+        </p:nvSpPr>
+        <p:spPr>
+          <a:xfrm>
+            <a:off x="685800" y="1143000"/>
+            <a:ext cx="5486400" cy="3086100"/>
+          </a:xfrm>
+          <a:prstGeom prst="rect">
+            <a:avLst/>
+          </a:prstGeom>
+          <a:noFill/>
+          <a:ln w="12700">
+            <a:solidFill>
+              <a:prstClr val="black"/>
+            </a:solidFill>
+          </a:ln>
+        </p:spPr>
+        <p:txBody>
+          <a:bodyPr vert="horz" lIns="91440" tIns="45720" rIns="91440" bIns="45720" rtlCol="0" anchor="ctr"/>
+          <a:lstStyle/>
+          <a:p>
+            <a:endParaRPr lang="ru-RU"/>
+          </a:p>
+        </p:txBody>
+      </p:sp>
+      <p:sp>
+        <p:nvSpPr>
+          <p:cNvPr id="5" name="Заметки 4"/>
+          <p:cNvSpPr>
+            <a:spLocks noGrp="1"/>
+          </p:cNvSpPr>
+          <p:nvPr>
+            <p:ph type="body" sz="quarter" idx="3"/>
+          </p:nvPr>
+        </p:nvSpPr>
+        <p:spPr>
+          <a:xfrm>
+            <a:off x="685800" y="4400550"/>
+            <a:ext cx="5486400" cy="3600450"/>
+          </a:xfrm>
+          <a:prstGeom prst="rect">
+            <a:avLst/>
+          </a:prstGeom>
+        </p:spPr>
+        <p:txBody>
+          <a:bodyPr vert="horz" lIns="91440" tIns="45720" rIns="91440" bIns="45720" rtlCol="0"/>
+          <a:lstStyle/>
+          <a:p>
+            <a:pPr lvl="0"/>
+            <a:r>
+              <a:rPr lang="ru-RU" smtClean="0"/>
+              <a:t>Образец текста</a:t>
+            </a:r>
+          </a:p>
+          <a:p>
+            <a:pPr lvl="1"/>
+            <a:r>
+              <a:rPr lang="ru-RU" smtClean="0"/>
+              <a:t>Второй уровень</a:t>
+            </a:r>
+          </a:p>
+          <a:p>
+            <a:pPr lvl="2"/>
+            <a:r>
+              <a:rPr lang="ru-RU" smtClean="0"/>
+              <a:t>Третий уровень</a:t>
+            </a:r>
+          </a:p>
+          <a:p>
+            <a:pPr lvl="3"/>
+            <a:r>
+              <a:rPr lang="ru-RU" smtClean="0"/>
+              <a:t>Четвертый уровень</a:t>
+            </a:r>
+          </a:p>
+          <a:p>
+            <a:pPr lvl="4"/>
+            <a:r>
+              <a:rPr lang="ru-RU" smtClean="0"/>
+              <a:t>Пятый уровень</a:t>
+            </a:r>
+            <a:endParaRPr lang="ru-RU"/>
+          </a:p>
+        </p:txBody>
+      </p:sp>
+      <p:sp>
+        <p:nvSpPr>
+          <p:cNvPr id="6" name="Нижний колонтитул 5"/>
+          <p:cNvSpPr>
+            <a:spLocks noGrp="1"/>
+          </p:cNvSpPr>
+          <p:nvPr>
+            <p:ph type="ftr" sz="quarter" idx="4"/>
+          </p:nvPr>
+        </p:nvSpPr>
+        <p:spPr>
+          <a:xfrm>
+            <a:off x="0" y="8685213"/>
+            <a:ext cx="2971800" cy="458787"/>
+          </a:xfrm>
+          <a:prstGeom prst="rect">
+            <a:avLst/>
+          </a:prstGeom>
+        </p:spPr>
+        <p:txBody>
+          <a:bodyPr vert="horz" lIns="91440" tIns="45720" rIns="91440" bIns="45720" rtlCol="0" anchor="b"/>
+          <a:lstStyle>
+            <a:lvl1pPr algn="l">
+              <a:defRPr sz="1200"/>
+            </a:lvl1pPr>
+          </a:lstStyle>
+          <a:p>
+            <a:endParaRPr lang="ru-RU"/>
+          </a:p>
+        </p:txBody>
+      </p:sp>
+      <p:sp>
+        <p:nvSpPr>
+          <p:cNvPr id="7" name="Номер слайда 6"/>
+          <p:cNvSpPr>
+            <a:spLocks noGrp="1"/>
+          </p:cNvSpPr>
+          <p:nvPr>
+            <p:ph type="sldNum" sz="quarter" idx="5"/>
+          </p:nvPr>
+        </p:nvSpPr>
+        <p:spPr>
+          <a:xfrm>
+            <a:off x="3884613" y="8685213"/>
+            <a:ext cx="2971800" cy="458787"/>
+          </a:xfrm>
+          <a:prstGeom prst="rect">
+            <a:avLst/>
+          </a:prstGeom>
+        </p:spPr>
+        <p:txBody>
+          <a:bodyPr vert="horz" lIns="91440" tIns="45720" rIns="91440" bIns="45720" rtlCol="0" anchor="b"/>
+          <a:lstStyle>
+            <a:lvl1pPr algn="r">
+              <a:defRPr sz="1200"/>
+            </a:lvl1pPr>
+          </a:lstStyle>
+          <a:p>
+            <a:fld id="{E2250665-D45C-4F8A-9FC9-1A3A48A307F5}" type="slidenum">
+              <a:rPr lang="ru-RU" smtClean="0"/>
+              <a:t>‹#›</a:t>
+            </a:fld>
+            <a:endParaRPr lang="ru-RU"/>
+          </a:p>
+        </p:txBody>
+      </p:sp>
+    </p:spTree>
+    <p:extLst>
+      <p:ext uri="{BB962C8B-B14F-4D97-AF65-F5344CB8AC3E}">
+        <p14:creationId xmlns:p14="http://schemas.microsoft.com/office/powerpoint/2010/main" val="3280901892"/>
+      </p:ext>
+    </p:extLst>
+  </p:cSld>
+  <p:clrMap bg1="lt1" tx1="dk1" bg2="lt2" tx2="dk2" accent1="accent1" accent2="accent2" accent3="accent3" accent4="accent4" accent5="accent5" accent6="accent6" hlink="hlink" folHlink="folHlink"/>
+  <p:notesStyle>
+    <a:lvl1pPr marL="0" algn="l" defTabSz="914400" rtl="0" eaLnBrk="1" latinLnBrk="0" hangingPunct="1">
+      <a:defRPr sz="1200" kern="1200">
+        <a:solidFill>
+          <a:schemeClr val="tx1"/>
+        </a:solidFill>
+        <a:latin typeface="+mn-lt"/>
+        <a:ea typeface="+mn-ea"/>
+        <a:cs typeface="+mn-cs"/>
+      </a:defRPr>
+    </a:lvl1pPr>
+    <a:lvl2pPr marL="457200" algn="l" defTabSz="914400" rtl="0" eaLnBrk="1" latinLnBrk="0" hangingPunct="1">
+      <a:defRPr sz="1200" kern="1200">
+        <a:solidFill>
+          <a:schemeClr val="tx1"/>
+        </a:solidFill>
+        <a:latin typeface="+mn-lt"/>
+        <a:ea typeface="+mn-ea"/>
+        <a:cs typeface="+mn-cs"/>
+      </a:defRPr>
+    </a:lvl2pPr>
+    <a:lvl3pPr marL="914400" algn="l" defTabSz="914400" rtl="0" eaLnBrk="1" latinLnBrk="0" hangingPunct="1">
+      <a:defRPr sz="1200" kern="1200">
+        <a:solidFill>
+          <a:schemeClr val="tx1"/>
+        </a:solidFill>
+        <a:latin typeface="+mn-lt"/>
+        <a:ea typeface="+mn-ea"/>
+        <a:cs typeface="+mn-cs"/>
+      </a:defRPr>
+    </a:lvl3pPr>
+    <a:lvl4pPr marL="1371600" algn="l" defTabSz="914400" rtl="0" eaLnBrk="1" latinLnBrk="0" hangingPunct="1">
+      <a:defRPr sz="1200" kern="1200">
+        <a:solidFill>
+          <a:schemeClr val="tx1"/>
+        </a:solidFill>
+        <a:latin typeface="+mn-lt"/>
+        <a:ea typeface="+mn-ea"/>
+        <a:cs typeface="+mn-cs"/>
+      </a:defRPr>
+    </a:lvl4pPr>
+    <a:lvl5pPr marL="1828800" algn="l" defTabSz="914400" rtl="0" eaLnBrk="1" latinLnBrk="0" hangingPunct="1">
+      <a:defRPr sz="1200" kern="1200">
+        <a:solidFill>
+          <a:schemeClr val="tx1"/>
+        </a:solidFill>
+        <a:latin typeface="+mn-lt"/>
+        <a:ea typeface="+mn-ea"/>
+        <a:cs typeface="+mn-cs"/>
+      </a:defRPr>
+    </a:lvl5pPr>
+    <a:lvl6pPr marL="2286000" algn="l" defTabSz="914400" rtl="0" eaLnBrk="1" latinLnBrk="0" hangingPunct="1">
+      <a:defRPr sz="1200" kern="1200">
+        <a:solidFill>
+          <a:schemeClr val="tx1"/>
+        </a:solidFill>
+        <a:latin typeface="+mn-lt"/>
+        <a:ea typeface="+mn-ea"/>
+        <a:cs typeface="+mn-cs"/>
+      </a:defRPr>
+    </a:lvl6pPr>
+    <a:lvl7pPr marL="2743200" algn="l" defTabSz="914400" rtl="0" eaLnBrk="1" latinLnBrk="0" hangingPunct="1">
+      <a:defRPr sz="1200" kern="1200">
+        <a:solidFill>
+          <a:schemeClr val="tx1"/>
+        </a:solidFill>
+        <a:latin typeface="+mn-lt"/>
+        <a:ea typeface="+mn-ea"/>
+        <a:cs typeface="+mn-cs"/>
+      </a:defRPr>
+    </a:lvl7pPr>
+    <a:lvl8pPr marL="3200400" algn="l" defTabSz="914400" rtl="0" eaLnBrk="1" latinLnBrk="0" hangingPunct="1">
+      <a:defRPr sz="1200" kern="1200">
+        <a:solidFill>
+          <a:schemeClr val="tx1"/>
+        </a:solidFill>
+        <a:latin typeface="+mn-lt"/>
+        <a:ea typeface="+mn-ea"/>
+        <a:cs typeface="+mn-cs"/>
+      </a:defRPr>
+    </a:lvl8pPr>
+    <a:lvl9pPr marL="3657600" algn="l" defTabSz="914400" rtl="0" eaLnBrk="1" latinLnBrk="0" hangingPunct="1">
+      <a:defRPr sz="1200" kern="1200">
+        <a:solidFill>
+          <a:schemeClr val="tx1"/>
+        </a:solidFill>
+        <a:latin typeface="+mn-lt"/>
+        <a:ea typeface="+mn-ea"/>
+        <a:cs typeface="+mn-cs"/>
+      </a:defRPr>
+    </a:lvl9pPr>
+  </p:notesStyle>
+</p:notesMaster>
 </file>
 
 <file path=ppt/slideLayouts/slideLayout1.xml><?xml version="1.0" encoding="utf-8"?>
@@ -237,7 +602,7 @@
           <a:bodyPr/>
           <a:lstStyle/>
           <a:p>
-            <a:fld id="{1B3258E0-4D38-4520-8B52-3F5ABEF197AD}" type="datetimeFigureOut">
+            <a:fld id="{0704A938-EFF3-4039-AEB3-F45F3227D94C}" type="datetime1">
               <a:rPr lang="ru-RU" smtClean="0"/>
               <a:t>09.09.2020</a:t>
             </a:fld>
@@ -407,7 +772,7 @@
           <a:bodyPr/>
           <a:lstStyle/>
           <a:p>
-            <a:fld id="{1B3258E0-4D38-4520-8B52-3F5ABEF197AD}" type="datetimeFigureOut">
+            <a:fld id="{EF58C5DB-8B46-4406-9BE9-7FC2BCC26CDC}" type="datetime1">
               <a:rPr lang="ru-RU" smtClean="0"/>
               <a:t>09.09.2020</a:t>
             </a:fld>
@@ -587,7 +952,7 @@
           <a:bodyPr/>
           <a:lstStyle/>
           <a:p>
-            <a:fld id="{1B3258E0-4D38-4520-8B52-3F5ABEF197AD}" type="datetimeFigureOut">
+            <a:fld id="{8AB87626-2F6B-45FF-BCB6-9CB651A3E47A}" type="datetime1">
               <a:rPr lang="ru-RU" smtClean="0"/>
               <a:t>09.09.2020</a:t>
             </a:fld>
@@ -757,7 +1122,7 @@
           <a:bodyPr/>
           <a:lstStyle/>
           <a:p>
-            <a:fld id="{1B3258E0-4D38-4520-8B52-3F5ABEF197AD}" type="datetimeFigureOut">
+            <a:fld id="{7CCCAB3F-6B07-409B-BAE1-563E393CDDB1}" type="datetime1">
               <a:rPr lang="ru-RU" smtClean="0"/>
               <a:t>09.09.2020</a:t>
             </a:fld>
@@ -1003,7 +1368,7 @@
           <a:bodyPr/>
           <a:lstStyle/>
           <a:p>
-            <a:fld id="{1B3258E0-4D38-4520-8B52-3F5ABEF197AD}" type="datetimeFigureOut">
+            <a:fld id="{39095F38-0A21-4B24-AA16-C68F6BFD6E23}" type="datetime1">
               <a:rPr lang="ru-RU" smtClean="0"/>
               <a:t>09.09.2020</a:t>
             </a:fld>
@@ -1235,7 +1600,7 @@
           <a:bodyPr/>
           <a:lstStyle/>
           <a:p>
-            <a:fld id="{1B3258E0-4D38-4520-8B52-3F5ABEF197AD}" type="datetimeFigureOut">
+            <a:fld id="{B627CD4D-E135-4DED-9AC4-D2362FF8AE38}" type="datetime1">
               <a:rPr lang="ru-RU" smtClean="0"/>
               <a:t>09.09.2020</a:t>
             </a:fld>
@@ -1602,7 +1967,7 @@
           <a:bodyPr/>
           <a:lstStyle/>
           <a:p>
-            <a:fld id="{1B3258E0-4D38-4520-8B52-3F5ABEF197AD}" type="datetimeFigureOut">
+            <a:fld id="{F0F8BED1-62CB-43ED-A86B-E8FDF651447E}" type="datetime1">
               <a:rPr lang="ru-RU" smtClean="0"/>
               <a:t>09.09.2020</a:t>
             </a:fld>
@@ -1720,7 +2085,7 @@
           <a:bodyPr/>
           <a:lstStyle/>
           <a:p>
-            <a:fld id="{1B3258E0-4D38-4520-8B52-3F5ABEF197AD}" type="datetimeFigureOut">
+            <a:fld id="{BE3E1266-3743-43BE-8961-12066C4C05AD}" type="datetime1">
               <a:rPr lang="ru-RU" smtClean="0"/>
               <a:t>09.09.2020</a:t>
             </a:fld>
@@ -1815,7 +2180,7 @@
           <a:bodyPr/>
           <a:lstStyle/>
           <a:p>
-            <a:fld id="{1B3258E0-4D38-4520-8B52-3F5ABEF197AD}" type="datetimeFigureOut">
+            <a:fld id="{A3337557-95CA-4B1F-9B5D-DFD54FD4FCCF}" type="datetime1">
               <a:rPr lang="ru-RU" smtClean="0"/>
               <a:t>09.09.2020</a:t>
             </a:fld>
@@ -2092,7 +2457,7 @@
           <a:bodyPr/>
           <a:lstStyle/>
           <a:p>
-            <a:fld id="{1B3258E0-4D38-4520-8B52-3F5ABEF197AD}" type="datetimeFigureOut">
+            <a:fld id="{2386B534-2D48-4B6A-A743-A51533CF1944}" type="datetime1">
               <a:rPr lang="ru-RU" smtClean="0"/>
               <a:t>09.09.2020</a:t>
             </a:fld>
@@ -2345,7 +2710,7 @@
           <a:bodyPr/>
           <a:lstStyle/>
           <a:p>
-            <a:fld id="{1B3258E0-4D38-4520-8B52-3F5ABEF197AD}" type="datetimeFigureOut">
+            <a:fld id="{432C0752-C6BD-457E-9004-19404342D8BD}" type="datetime1">
               <a:rPr lang="ru-RU" smtClean="0"/>
               <a:t>09.09.2020</a:t>
             </a:fld>
@@ -2558,7 +2923,7 @@
             </a:lvl1pPr>
           </a:lstStyle>
           <a:p>
-            <a:fld id="{1B3258E0-4D38-4520-8B52-3F5ABEF197AD}" type="datetimeFigureOut">
+            <a:fld id="{9273BC86-8941-4899-ADB6-2594AD6532D3}" type="datetime1">
               <a:rPr lang="ru-RU" smtClean="0"/>
               <a:t>09.09.2020</a:t>
             </a:fld>
@@ -2665,6 +3030,7 @@
     <p:sldLayoutId id="2147483658" r:id="rId10"/>
     <p:sldLayoutId id="2147483659" r:id="rId11"/>
   </p:sldLayoutIdLst>
+  <p:hf hdr="0" ftr="0" dt="0"/>
   <p:txStyles>
     <p:titleStyle>
       <a:lvl1pPr algn="l" defTabSz="914400" rtl="0" eaLnBrk="1" latinLnBrk="0" hangingPunct="1">
@@ -2951,6 +3317,14 @@
 <file path=ppt/slides/slide1.xml><?xml version="1.0" encoding="utf-8"?>
 <p:sld xmlns:a="http://schemas.openxmlformats.org/drawingml/2006/main" xmlns:r="http://schemas.openxmlformats.org/officeDocument/2006/relationships" xmlns:p="http://schemas.openxmlformats.org/presentationml/2006/main">
   <p:cSld>
+    <p:bg>
+      <p:bgPr>
+        <a:solidFill>
+          <a:schemeClr val="bg1"/>
+        </a:solidFill>
+        <a:effectLst/>
+      </p:bgPr>
+    </p:bg>
     <p:spTree>
       <p:nvGrpSpPr>
         <p:cNvPr id="1" name=""/>
@@ -2983,15 +3357,15 @@
         </p:spPr>
         <p:txBody>
           <a:bodyPr>
-            <a:normAutofit/>
+            <a:noAutofit/>
           </a:bodyPr>
           <a:lstStyle/>
           <a:p>
             <a:r>
-              <a:rPr lang="ru-RU" sz="2400" b="1" dirty="0" smtClean="0"/>
+              <a:rPr lang="ru-RU" sz="2800" b="1" dirty="0" smtClean="0"/>
               <a:t>Исследование наносекундного поверхностного скользящего разряда в сверхзвуковом воздушном потоке с косой ударной волной</a:t>
             </a:r>
-            <a:endParaRPr lang="ru-RU" sz="2400" b="1" dirty="0"/>
+            <a:endParaRPr lang="ru-RU" sz="2800" b="1" dirty="0"/>
           </a:p>
         </p:txBody>
       </p:sp>
@@ -3032,6 +3406,29 @@
               <a:t> Ю., Сазонов А.</a:t>
             </a:r>
             <a:endParaRPr lang="ru-RU" dirty="0"/>
+          </a:p>
+        </p:txBody>
+      </p:sp>
+      <p:sp>
+        <p:nvSpPr>
+          <p:cNvPr id="4" name="Номер слайда 3"/>
+          <p:cNvSpPr>
+            <a:spLocks noGrp="1"/>
+          </p:cNvSpPr>
+          <p:nvPr>
+            <p:ph type="sldNum" sz="quarter" idx="12"/>
+          </p:nvPr>
+        </p:nvSpPr>
+        <p:spPr/>
+        <p:txBody>
+          <a:bodyPr/>
+          <a:lstStyle/>
+          <a:p>
+            <a:fld id="{8CACD6DE-6B5C-4860-B48C-56B6DE2E5FCB}" type="slidenum">
+              <a:rPr lang="ru-RU" smtClean="0"/>
+              <a:t>1</a:t>
+            </a:fld>
+            <a:endParaRPr lang="ru-RU"/>
           </a:p>
         </p:txBody>
       </p:sp>
@@ -3045,6 +3442,13 @@
   <p:clrMapOvr>
     <a:masterClrMapping/>
   </p:clrMapOvr>
+  <p:timing>
+    <p:tnLst>
+      <p:par>
+        <p:cTn id="1" dur="indefinite" restart="never" nodeType="tmRoot"/>
+      </p:par>
+    </p:tnLst>
+  </p:timing>
 </p:sld>
 </file>
 
@@ -3067,12 +3471,12 @@
       </p:grpSpPr>
       <p:sp>
         <p:nvSpPr>
-          <p:cNvPr id="2" name="Заголовок 1"/>
-          <p:cNvSpPr>
-            <a:spLocks noGrp="1"/>
-          </p:cNvSpPr>
-          <p:nvPr>
-            <p:ph type="title"/>
+          <p:cNvPr id="4" name="Номер слайда 3"/>
+          <p:cNvSpPr>
+            <a:spLocks noGrp="1"/>
+          </p:cNvSpPr>
+          <p:nvPr>
+            <p:ph type="sldNum" sz="quarter" idx="12"/>
           </p:nvPr>
         </p:nvSpPr>
         <p:spPr/>
@@ -3080,26 +3484,133 @@
           <a:bodyPr/>
           <a:lstStyle/>
           <a:p>
-            <a:endParaRPr lang="ru-RU"/>
-          </a:p>
-        </p:txBody>
-      </p:sp>
-      <p:sp>
-        <p:nvSpPr>
-          <p:cNvPr id="3" name="Объект 2"/>
-          <p:cNvSpPr>
-            <a:spLocks noGrp="1"/>
-          </p:cNvSpPr>
-          <p:nvPr>
-            <p:ph idx="1"/>
-          </p:nvPr>
-        </p:nvSpPr>
-        <p:spPr/>
-        <p:txBody>
-          <a:bodyPr/>
-          <a:lstStyle/>
-          <a:p>
-            <a:endParaRPr lang="ru-RU"/>
+            <a:fld id="{8CACD6DE-6B5C-4860-B48C-56B6DE2E5FCB}" type="slidenum">
+              <a:rPr lang="ru-RU" smtClean="0"/>
+              <a:t>2</a:t>
+            </a:fld>
+            <a:endParaRPr lang="ru-RU"/>
+          </a:p>
+        </p:txBody>
+      </p:sp>
+      <p:sp>
+        <p:nvSpPr>
+          <p:cNvPr id="5" name="TextBox 4"/>
+          <p:cNvSpPr txBox="1"/>
+          <p:nvPr/>
+        </p:nvSpPr>
+        <p:spPr>
+          <a:xfrm>
+            <a:off x="1499152" y="601317"/>
+            <a:ext cx="9524447" cy="584775"/>
+          </a:xfrm>
+          <a:prstGeom prst="rect">
+            <a:avLst/>
+          </a:prstGeom>
+          <a:noFill/>
+        </p:spPr>
+        <p:txBody>
+          <a:bodyPr wrap="square" rtlCol="0">
+            <a:spAutoFit/>
+          </a:bodyPr>
+          <a:lstStyle/>
+          <a:p>
+            <a:pPr algn="ctr"/>
+            <a:r>
+              <a:rPr lang="ru-RU" sz="3200" b="1" dirty="0" smtClean="0"/>
+              <a:t>Актуальность применения поверхностных разрядов</a:t>
+            </a:r>
+            <a:endParaRPr lang="ru-RU" sz="3200" b="1" dirty="0"/>
+          </a:p>
+        </p:txBody>
+      </p:sp>
+      <p:sp>
+        <p:nvSpPr>
+          <p:cNvPr id="7" name="TextBox 6"/>
+          <p:cNvSpPr txBox="1"/>
+          <p:nvPr/>
+        </p:nvSpPr>
+        <p:spPr>
+          <a:xfrm>
+            <a:off x="1499153" y="2503997"/>
+            <a:ext cx="6117424" cy="3139321"/>
+          </a:xfrm>
+          <a:prstGeom prst="rect">
+            <a:avLst/>
+          </a:prstGeom>
+          <a:noFill/>
+        </p:spPr>
+        <p:txBody>
+          <a:bodyPr wrap="square" rtlCol="0">
+            <a:spAutoFit/>
+          </a:bodyPr>
+          <a:lstStyle/>
+          <a:p>
+            <a:pPr marL="285750" indent="-285750">
+              <a:buFont typeface="Arial" panose="020B0604020202020204" pitchFamily="34" charset="0"/>
+              <a:buChar char="•"/>
+            </a:pPr>
+            <a:r>
+              <a:rPr lang="ru-RU" sz="2400" dirty="0" smtClean="0"/>
+              <a:t>Воздействие на режимы течения</a:t>
+            </a:r>
+          </a:p>
+          <a:p>
+            <a:pPr marL="285750" indent="-285750">
+              <a:buFont typeface="Arial" panose="020B0604020202020204" pitchFamily="34" charset="0"/>
+              <a:buChar char="•"/>
+            </a:pPr>
+            <a:r>
+              <a:rPr lang="ru-RU" sz="2400" dirty="0"/>
+              <a:t>Управление </a:t>
+            </a:r>
+            <a:r>
+              <a:rPr lang="ru-RU" sz="2400" dirty="0" err="1"/>
+              <a:t>ламинарно</a:t>
+            </a:r>
+            <a:r>
+              <a:rPr lang="ru-RU" sz="2400" dirty="0"/>
+              <a:t> – турбулентным переходом в пограничном </a:t>
+            </a:r>
+            <a:r>
+              <a:rPr lang="ru-RU" sz="2400" dirty="0" smtClean="0"/>
+              <a:t>слое</a:t>
+            </a:r>
+          </a:p>
+          <a:p>
+            <a:pPr marL="285750" indent="-285750">
+              <a:buFont typeface="Arial" panose="020B0604020202020204" pitchFamily="34" charset="0"/>
+              <a:buChar char="•"/>
+            </a:pPr>
+            <a:r>
+              <a:rPr lang="ru-RU" sz="2400" dirty="0"/>
+              <a:t>Управление положением зон отрыва и ударных </a:t>
+            </a:r>
+            <a:r>
+              <a:rPr lang="ru-RU" sz="2400" dirty="0" smtClean="0"/>
+              <a:t>волн</a:t>
+            </a:r>
+          </a:p>
+          <a:p>
+            <a:pPr marL="285750" indent="-285750">
+              <a:buFont typeface="Arial" panose="020B0604020202020204" pitchFamily="34" charset="0"/>
+              <a:buChar char="•"/>
+            </a:pPr>
+            <a:r>
+              <a:rPr lang="ru-RU" sz="2400" dirty="0"/>
+              <a:t>Управление процессами горения</a:t>
+            </a:r>
+          </a:p>
+          <a:p>
+            <a:pPr algn="ctr"/>
+            <a:endParaRPr lang="ru-RU" dirty="0"/>
+          </a:p>
+          <a:p>
+            <a:pPr algn="ctr"/>
+            <a:endParaRPr lang="ru-RU" dirty="0"/>
+          </a:p>
+          <a:p>
+            <a:pPr algn="ctr"/>
+            <a:endParaRPr lang="ru-RU" dirty="0"/>
           </a:p>
         </p:txBody>
       </p:sp>
@@ -3113,6 +3624,1993 @@
   <p:clrMapOvr>
     <a:masterClrMapping/>
   </p:clrMapOvr>
+  <p:timing>
+    <p:tnLst>
+      <p:par>
+        <p:cTn id="1" dur="indefinite" restart="never" nodeType="tmRoot"/>
+      </p:par>
+    </p:tnLst>
+  </p:timing>
+</p:sld>
+</file>
+
+<file path=ppt/slides/slide3.xml><?xml version="1.0" encoding="utf-8"?>
+<p:sld xmlns:a="http://schemas.openxmlformats.org/drawingml/2006/main" xmlns:r="http://schemas.openxmlformats.org/officeDocument/2006/relationships" xmlns:p="http://schemas.openxmlformats.org/presentationml/2006/main">
+  <p:cSld>
+    <p:spTree>
+      <p:nvGrpSpPr>
+        <p:cNvPr id="1" name=""/>
+        <p:cNvGrpSpPr/>
+        <p:nvPr/>
+      </p:nvGrpSpPr>
+      <p:grpSpPr>
+        <a:xfrm>
+          <a:off x="0" y="0"/>
+          <a:ext cx="0" cy="0"/>
+          <a:chOff x="0" y="0"/>
+          <a:chExt cx="0" cy="0"/>
+        </a:xfrm>
+      </p:grpSpPr>
+      <p:sp>
+        <p:nvSpPr>
+          <p:cNvPr id="4" name="Номер слайда 3"/>
+          <p:cNvSpPr>
+            <a:spLocks noGrp="1"/>
+          </p:cNvSpPr>
+          <p:nvPr>
+            <p:ph type="sldNum" sz="quarter" idx="12"/>
+          </p:nvPr>
+        </p:nvSpPr>
+        <p:spPr/>
+        <p:txBody>
+          <a:bodyPr/>
+          <a:lstStyle/>
+          <a:p>
+            <a:fld id="{8CACD6DE-6B5C-4860-B48C-56B6DE2E5FCB}" type="slidenum">
+              <a:rPr lang="ru-RU" smtClean="0"/>
+              <a:t>3</a:t>
+            </a:fld>
+            <a:endParaRPr lang="ru-RU"/>
+          </a:p>
+        </p:txBody>
+      </p:sp>
+      <p:sp>
+        <p:nvSpPr>
+          <p:cNvPr id="5" name="TextBox 4"/>
+          <p:cNvSpPr txBox="1"/>
+          <p:nvPr/>
+        </p:nvSpPr>
+        <p:spPr>
+          <a:xfrm>
+            <a:off x="1499153" y="601317"/>
+            <a:ext cx="9193694" cy="584775"/>
+          </a:xfrm>
+          <a:prstGeom prst="rect">
+            <a:avLst/>
+          </a:prstGeom>
+          <a:noFill/>
+        </p:spPr>
+        <p:txBody>
+          <a:bodyPr wrap="square" rtlCol="0">
+            <a:spAutoFit/>
+          </a:bodyPr>
+          <a:lstStyle/>
+          <a:p>
+            <a:pPr algn="ctr"/>
+            <a:r>
+              <a:rPr lang="ru-RU" sz="3200" b="1" dirty="0" smtClean="0"/>
+              <a:t>Диагностика параметров плазмы</a:t>
+            </a:r>
+            <a:endParaRPr lang="ru-RU" sz="3200" b="1" dirty="0"/>
+          </a:p>
+        </p:txBody>
+      </p:sp>
+      <p:sp>
+        <p:nvSpPr>
+          <p:cNvPr id="6" name="TextBox 5"/>
+          <p:cNvSpPr txBox="1"/>
+          <p:nvPr/>
+        </p:nvSpPr>
+        <p:spPr>
+          <a:xfrm>
+            <a:off x="1075191" y="1887330"/>
+            <a:ext cx="5234168" cy="1200329"/>
+          </a:xfrm>
+          <a:prstGeom prst="rect">
+            <a:avLst/>
+          </a:prstGeom>
+          <a:noFill/>
+        </p:spPr>
+        <p:txBody>
+          <a:bodyPr wrap="square" rtlCol="0">
+            <a:spAutoFit/>
+          </a:bodyPr>
+          <a:lstStyle/>
+          <a:p>
+            <a:r>
+              <a:rPr lang="ru-RU" sz="2400" dirty="0" smtClean="0"/>
+              <a:t>Для эффективного использования поверхностного разряда необходима диагностика параметров</a:t>
+            </a:r>
+            <a:endParaRPr lang="ru-RU" sz="2400" dirty="0"/>
+          </a:p>
+        </p:txBody>
+      </p:sp>
+      <p:sp>
+        <p:nvSpPr>
+          <p:cNvPr id="7" name="TextBox 6"/>
+          <p:cNvSpPr txBox="1"/>
+          <p:nvPr/>
+        </p:nvSpPr>
+        <p:spPr>
+          <a:xfrm>
+            <a:off x="6309359" y="2986391"/>
+            <a:ext cx="5415280" cy="1569660"/>
+          </a:xfrm>
+          <a:prstGeom prst="rect">
+            <a:avLst/>
+          </a:prstGeom>
+          <a:noFill/>
+        </p:spPr>
+        <p:txBody>
+          <a:bodyPr wrap="square" rtlCol="0">
+            <a:spAutoFit/>
+          </a:bodyPr>
+          <a:lstStyle/>
+          <a:p>
+            <a:r>
+              <a:rPr lang="ru-RU" sz="2400" dirty="0"/>
+              <a:t>Преимущество бесконтактных методов исследования плазмы – отсутствие возмущений объекта диагностической аппаратурой</a:t>
+            </a:r>
+            <a:endParaRPr lang="ru-RU" sz="2400" dirty="0"/>
+          </a:p>
+        </p:txBody>
+      </p:sp>
+      <p:sp>
+        <p:nvSpPr>
+          <p:cNvPr id="8" name="TextBox 7"/>
+          <p:cNvSpPr txBox="1"/>
+          <p:nvPr/>
+        </p:nvSpPr>
+        <p:spPr>
+          <a:xfrm>
+            <a:off x="1075191" y="4328636"/>
+            <a:ext cx="4810207" cy="1938992"/>
+          </a:xfrm>
+          <a:prstGeom prst="rect">
+            <a:avLst/>
+          </a:prstGeom>
+          <a:noFill/>
+        </p:spPr>
+        <p:txBody>
+          <a:bodyPr wrap="square" rtlCol="0">
+            <a:spAutoFit/>
+          </a:bodyPr>
+          <a:lstStyle/>
+          <a:p>
+            <a:r>
+              <a:rPr lang="ru-RU" sz="2400" dirty="0" smtClean="0"/>
+              <a:t>Параметры поверхностного разряда:</a:t>
+            </a:r>
+          </a:p>
+          <a:p>
+            <a:pPr marL="285750" indent="-285750">
+              <a:buFont typeface="Arial" panose="020B0604020202020204" pitchFamily="34" charset="0"/>
+              <a:buChar char="•"/>
+            </a:pPr>
+            <a:r>
+              <a:rPr lang="ru-RU" sz="2400" dirty="0" smtClean="0"/>
+              <a:t>Ток разряда</a:t>
+            </a:r>
+          </a:p>
+          <a:p>
+            <a:pPr marL="285750" indent="-285750">
+              <a:buFont typeface="Arial" panose="020B0604020202020204" pitchFamily="34" charset="0"/>
+              <a:buChar char="•"/>
+            </a:pPr>
+            <a:r>
+              <a:rPr lang="ru-RU" sz="2400" dirty="0" smtClean="0"/>
+              <a:t>Концентрация электронов</a:t>
+            </a:r>
+          </a:p>
+          <a:p>
+            <a:pPr marL="285750" indent="-285750">
+              <a:buFont typeface="Arial" panose="020B0604020202020204" pitchFamily="34" charset="0"/>
+              <a:buChar char="•"/>
+            </a:pPr>
+            <a:r>
+              <a:rPr lang="ru-RU" sz="2400" dirty="0" smtClean="0"/>
+              <a:t>Энергия электронов</a:t>
+            </a:r>
+            <a:endParaRPr lang="ru-RU" sz="2400" dirty="0"/>
+          </a:p>
+        </p:txBody>
+      </p:sp>
+    </p:spTree>
+    <p:extLst>
+      <p:ext uri="{BB962C8B-B14F-4D97-AF65-F5344CB8AC3E}">
+        <p14:creationId xmlns:p14="http://schemas.microsoft.com/office/powerpoint/2010/main" val="2440608627"/>
+      </p:ext>
+    </p:extLst>
+  </p:cSld>
+  <p:clrMapOvr>
+    <a:masterClrMapping/>
+  </p:clrMapOvr>
+  <p:timing>
+    <p:tnLst>
+      <p:par>
+        <p:cTn id="1" dur="indefinite" restart="never" nodeType="tmRoot"/>
+      </p:par>
+    </p:tnLst>
+  </p:timing>
+</p:sld>
+</file>
+
+<file path=ppt/slides/slide4.xml><?xml version="1.0" encoding="utf-8"?>
+<p:sld xmlns:a="http://schemas.openxmlformats.org/drawingml/2006/main" xmlns:r="http://schemas.openxmlformats.org/officeDocument/2006/relationships" xmlns:p="http://schemas.openxmlformats.org/presentationml/2006/main">
+  <p:cSld>
+    <p:spTree>
+      <p:nvGrpSpPr>
+        <p:cNvPr id="1" name=""/>
+        <p:cNvGrpSpPr/>
+        <p:nvPr/>
+      </p:nvGrpSpPr>
+      <p:grpSpPr>
+        <a:xfrm>
+          <a:off x="0" y="0"/>
+          <a:ext cx="0" cy="0"/>
+          <a:chOff x="0" y="0"/>
+          <a:chExt cx="0" cy="0"/>
+        </a:xfrm>
+      </p:grpSpPr>
+      <p:sp>
+        <p:nvSpPr>
+          <p:cNvPr id="4" name="Номер слайда 3"/>
+          <p:cNvSpPr>
+            <a:spLocks noGrp="1"/>
+          </p:cNvSpPr>
+          <p:nvPr>
+            <p:ph type="sldNum" sz="quarter" idx="12"/>
+          </p:nvPr>
+        </p:nvSpPr>
+        <p:spPr/>
+        <p:txBody>
+          <a:bodyPr/>
+          <a:lstStyle/>
+          <a:p>
+            <a:fld id="{8CACD6DE-6B5C-4860-B48C-56B6DE2E5FCB}" type="slidenum">
+              <a:rPr lang="ru-RU" smtClean="0"/>
+              <a:t>4</a:t>
+            </a:fld>
+            <a:endParaRPr lang="ru-RU"/>
+          </a:p>
+        </p:txBody>
+      </p:sp>
+      <p:sp>
+        <p:nvSpPr>
+          <p:cNvPr id="5" name="TextBox 4"/>
+          <p:cNvSpPr txBox="1"/>
+          <p:nvPr/>
+        </p:nvSpPr>
+        <p:spPr>
+          <a:xfrm>
+            <a:off x="1499153" y="601317"/>
+            <a:ext cx="9193694" cy="584775"/>
+          </a:xfrm>
+          <a:prstGeom prst="rect">
+            <a:avLst/>
+          </a:prstGeom>
+          <a:noFill/>
+        </p:spPr>
+        <p:txBody>
+          <a:bodyPr wrap="square" rtlCol="0">
+            <a:spAutoFit/>
+          </a:bodyPr>
+          <a:lstStyle/>
+          <a:p>
+            <a:pPr algn="ctr"/>
+            <a:r>
+              <a:rPr lang="ru-RU" sz="3200" b="1" dirty="0" smtClean="0"/>
+              <a:t>Экспериментальная установка</a:t>
+            </a:r>
+            <a:endParaRPr lang="ru-RU" sz="3200" b="1" dirty="0"/>
+          </a:p>
+        </p:txBody>
+      </p:sp>
+      <p:grpSp>
+        <p:nvGrpSpPr>
+          <p:cNvPr id="7" name="Группа 6"/>
+          <p:cNvGrpSpPr/>
+          <p:nvPr/>
+        </p:nvGrpSpPr>
+        <p:grpSpPr>
+          <a:xfrm>
+            <a:off x="2003752" y="1987691"/>
+            <a:ext cx="8184496" cy="3823537"/>
+            <a:chOff x="579279" y="1549679"/>
+            <a:chExt cx="8184496" cy="3823537"/>
+          </a:xfrm>
+        </p:grpSpPr>
+        <p:pic>
+          <p:nvPicPr>
+            <p:cNvPr id="8" name="Рисунок 7"/>
+            <p:cNvPicPr>
+              <a:picLocks noChangeAspect="1"/>
+            </p:cNvPicPr>
+            <p:nvPr/>
+          </p:nvPicPr>
+          <p:blipFill>
+            <a:blip r:embed="rId2">
+              <a:extLst>
+                <a:ext uri="{28A0092B-C50C-407E-A947-70E740481C1C}">
+                  <a14:useLocalDpi xmlns:a14="http://schemas.microsoft.com/office/drawing/2010/main" val="0"/>
+                </a:ext>
+              </a:extLst>
+            </a:blip>
+            <a:stretch>
+              <a:fillRect/>
+            </a:stretch>
+          </p:blipFill>
+          <p:spPr>
+            <a:xfrm>
+              <a:off x="579279" y="1556792"/>
+              <a:ext cx="7988664" cy="3816424"/>
+            </a:xfrm>
+            <a:prstGeom prst="rect">
+              <a:avLst/>
+            </a:prstGeom>
+            <a:ln>
+              <a:noFill/>
+            </a:ln>
+            <a:effectLst>
+              <a:outerShdw blurRad="292100" dist="139700" dir="2700000" algn="tl" rotWithShape="0">
+                <a:srgbClr val="333333">
+                  <a:alpha val="65000"/>
+                </a:srgbClr>
+              </a:outerShdw>
+            </a:effectLst>
+          </p:spPr>
+        </p:pic>
+        <p:cxnSp>
+          <p:nvCxnSpPr>
+            <p:cNvPr id="9" name="Прямая со стрелкой 8"/>
+            <p:cNvCxnSpPr/>
+            <p:nvPr/>
+          </p:nvCxnSpPr>
+          <p:spPr>
+            <a:xfrm>
+              <a:off x="7883607" y="2204864"/>
+              <a:ext cx="612000" cy="0"/>
+            </a:xfrm>
+            <a:prstGeom prst="straightConnector1">
+              <a:avLst/>
+            </a:prstGeom>
+            <a:ln>
+              <a:tailEnd type="arrow"/>
+            </a:ln>
+          </p:spPr>
+          <p:style>
+            <a:lnRef idx="3">
+              <a:schemeClr val="dk1"/>
+            </a:lnRef>
+            <a:fillRef idx="0">
+              <a:schemeClr val="dk1"/>
+            </a:fillRef>
+            <a:effectRef idx="2">
+              <a:schemeClr val="dk1"/>
+            </a:effectRef>
+            <a:fontRef idx="minor">
+              <a:schemeClr val="tx1"/>
+            </a:fontRef>
+          </p:style>
+        </p:cxnSp>
+        <p:cxnSp>
+          <p:nvCxnSpPr>
+            <p:cNvPr id="10" name="Прямая со стрелкой 9"/>
+            <p:cNvCxnSpPr/>
+            <p:nvPr/>
+          </p:nvCxnSpPr>
+          <p:spPr>
+            <a:xfrm flipV="1">
+              <a:off x="7883607" y="1592864"/>
+              <a:ext cx="0" cy="612000"/>
+            </a:xfrm>
+            <a:prstGeom prst="straightConnector1">
+              <a:avLst/>
+            </a:prstGeom>
+            <a:ln>
+              <a:tailEnd type="arrow"/>
+            </a:ln>
+          </p:spPr>
+          <p:style>
+            <a:lnRef idx="3">
+              <a:schemeClr val="dk1"/>
+            </a:lnRef>
+            <a:fillRef idx="0">
+              <a:schemeClr val="dk1"/>
+            </a:fillRef>
+            <a:effectRef idx="2">
+              <a:schemeClr val="dk1"/>
+            </a:effectRef>
+            <a:fontRef idx="minor">
+              <a:schemeClr val="tx1"/>
+            </a:fontRef>
+          </p:style>
+        </p:cxnSp>
+        <p:sp>
+          <p:nvSpPr>
+            <p:cNvPr id="11" name="TextBox 10"/>
+            <p:cNvSpPr txBox="1"/>
+            <p:nvPr/>
+          </p:nvSpPr>
+          <p:spPr>
+            <a:xfrm>
+              <a:off x="8227438" y="2204864"/>
+              <a:ext cx="536337" cy="338554"/>
+            </a:xfrm>
+            <a:prstGeom prst="rect">
+              <a:avLst/>
+            </a:prstGeom>
+            <a:noFill/>
+          </p:spPr>
+          <p:txBody>
+            <a:bodyPr wrap="square" rtlCol="0">
+              <a:spAutoFit/>
+            </a:bodyPr>
+            <a:lstStyle/>
+            <a:p>
+              <a:r>
+                <a:rPr lang="en-US" sz="1600" b="1" dirty="0"/>
+                <a:t>x</a:t>
+              </a:r>
+              <a:endParaRPr lang="ru-RU" sz="1600" b="1" dirty="0"/>
+            </a:p>
+          </p:txBody>
+        </p:sp>
+        <p:sp>
+          <p:nvSpPr>
+            <p:cNvPr id="12" name="TextBox 11"/>
+            <p:cNvSpPr txBox="1"/>
+            <p:nvPr/>
+          </p:nvSpPr>
+          <p:spPr>
+            <a:xfrm>
+              <a:off x="7921438" y="1549679"/>
+              <a:ext cx="536337" cy="338554"/>
+            </a:xfrm>
+            <a:prstGeom prst="rect">
+              <a:avLst/>
+            </a:prstGeom>
+            <a:noFill/>
+          </p:spPr>
+          <p:txBody>
+            <a:bodyPr wrap="square" rtlCol="0">
+              <a:spAutoFit/>
+            </a:bodyPr>
+            <a:lstStyle/>
+            <a:p>
+              <a:r>
+                <a:rPr lang="en-US" sz="1600" b="1" dirty="0" smtClean="0"/>
+                <a:t>z</a:t>
+              </a:r>
+              <a:endParaRPr lang="ru-RU" sz="1600" b="1" dirty="0"/>
+            </a:p>
+          </p:txBody>
+        </p:sp>
+      </p:grpSp>
+      <p:sp>
+        <p:nvSpPr>
+          <p:cNvPr id="13" name="TextBox 12"/>
+          <p:cNvSpPr txBox="1"/>
+          <p:nvPr/>
+        </p:nvSpPr>
+        <p:spPr>
+          <a:xfrm>
+            <a:off x="2506156" y="1399324"/>
+            <a:ext cx="7179688" cy="461665"/>
+          </a:xfrm>
+          <a:prstGeom prst="rect">
+            <a:avLst/>
+          </a:prstGeom>
+          <a:noFill/>
+        </p:spPr>
+        <p:txBody>
+          <a:bodyPr wrap="square" rtlCol="0">
+            <a:spAutoFit/>
+          </a:bodyPr>
+          <a:lstStyle/>
+          <a:p>
+            <a:pPr algn="ctr"/>
+            <a:r>
+              <a:rPr lang="ru-RU" sz="2400" b="1" i="1" dirty="0" smtClean="0"/>
+              <a:t>Ударная труба с разрядной камерой</a:t>
+            </a:r>
+            <a:endParaRPr lang="ru-RU" sz="2400" b="1" i="1" dirty="0"/>
+          </a:p>
+        </p:txBody>
+      </p:sp>
+    </p:spTree>
+    <p:extLst>
+      <p:ext uri="{BB962C8B-B14F-4D97-AF65-F5344CB8AC3E}">
+        <p14:creationId xmlns:p14="http://schemas.microsoft.com/office/powerpoint/2010/main" val="161007600"/>
+      </p:ext>
+    </p:extLst>
+  </p:cSld>
+  <p:clrMapOvr>
+    <a:masterClrMapping/>
+  </p:clrMapOvr>
+  <p:timing>
+    <p:tnLst>
+      <p:par>
+        <p:cTn id="1" dur="indefinite" restart="never" nodeType="tmRoot"/>
+      </p:par>
+    </p:tnLst>
+  </p:timing>
+</p:sld>
+</file>
+
+<file path=ppt/slides/slide5.xml><?xml version="1.0" encoding="utf-8"?>
+<p:sld xmlns:a="http://schemas.openxmlformats.org/drawingml/2006/main" xmlns:r="http://schemas.openxmlformats.org/officeDocument/2006/relationships" xmlns:p="http://schemas.openxmlformats.org/presentationml/2006/main">
+  <p:cSld>
+    <p:spTree>
+      <p:nvGrpSpPr>
+        <p:cNvPr id="1" name=""/>
+        <p:cNvGrpSpPr/>
+        <p:nvPr/>
+      </p:nvGrpSpPr>
+      <p:grpSpPr>
+        <a:xfrm>
+          <a:off x="0" y="0"/>
+          <a:ext cx="0" cy="0"/>
+          <a:chOff x="0" y="0"/>
+          <a:chExt cx="0" cy="0"/>
+        </a:xfrm>
+      </p:grpSpPr>
+      <p:sp>
+        <p:nvSpPr>
+          <p:cNvPr id="4" name="Номер слайда 3"/>
+          <p:cNvSpPr>
+            <a:spLocks noGrp="1"/>
+          </p:cNvSpPr>
+          <p:nvPr>
+            <p:ph type="sldNum" sz="quarter" idx="12"/>
+          </p:nvPr>
+        </p:nvSpPr>
+        <p:spPr/>
+        <p:txBody>
+          <a:bodyPr/>
+          <a:lstStyle/>
+          <a:p>
+            <a:fld id="{8CACD6DE-6B5C-4860-B48C-56B6DE2E5FCB}" type="slidenum">
+              <a:rPr lang="ru-RU" smtClean="0"/>
+              <a:t>5</a:t>
+            </a:fld>
+            <a:endParaRPr lang="ru-RU"/>
+          </a:p>
+        </p:txBody>
+      </p:sp>
+      <p:sp>
+        <p:nvSpPr>
+          <p:cNvPr id="5" name="TextBox 4"/>
+          <p:cNvSpPr txBox="1"/>
+          <p:nvPr/>
+        </p:nvSpPr>
+        <p:spPr>
+          <a:xfrm>
+            <a:off x="1499153" y="601317"/>
+            <a:ext cx="9193694" cy="584775"/>
+          </a:xfrm>
+          <a:prstGeom prst="rect">
+            <a:avLst/>
+          </a:prstGeom>
+          <a:noFill/>
+        </p:spPr>
+        <p:txBody>
+          <a:bodyPr wrap="square" rtlCol="0">
+            <a:spAutoFit/>
+          </a:bodyPr>
+          <a:lstStyle/>
+          <a:p>
+            <a:pPr algn="ctr"/>
+            <a:r>
+              <a:rPr lang="ru-RU" sz="3200" b="1" dirty="0" smtClean="0"/>
+              <a:t>Экспериментальная установка</a:t>
+            </a:r>
+            <a:endParaRPr lang="ru-RU" sz="3200" b="1" dirty="0"/>
+          </a:p>
+        </p:txBody>
+      </p:sp>
+      <p:sp>
+        <p:nvSpPr>
+          <p:cNvPr id="12" name="TextBox 11"/>
+          <p:cNvSpPr txBox="1"/>
+          <p:nvPr/>
+        </p:nvSpPr>
+        <p:spPr>
+          <a:xfrm>
+            <a:off x="2656693" y="6156295"/>
+            <a:ext cx="6480720" cy="400110"/>
+          </a:xfrm>
+          <a:prstGeom prst="rect">
+            <a:avLst/>
+          </a:prstGeom>
+          <a:ln>
+            <a:noFill/>
+          </a:ln>
+        </p:spPr>
+        <p:style>
+          <a:lnRef idx="2">
+            <a:schemeClr val="accent1"/>
+          </a:lnRef>
+          <a:fillRef idx="1">
+            <a:schemeClr val="lt1"/>
+          </a:fillRef>
+          <a:effectRef idx="0">
+            <a:schemeClr val="accent1"/>
+          </a:effectRef>
+          <a:fontRef idx="minor">
+            <a:schemeClr val="dk1"/>
+          </a:fontRef>
+        </p:style>
+        <p:txBody>
+          <a:bodyPr wrap="square" rtlCol="0">
+            <a:spAutoFit/>
+          </a:bodyPr>
+          <a:lstStyle/>
+          <a:p>
+            <a:pPr algn="ctr"/>
+            <a:r>
+              <a:rPr lang="ru-RU" sz="2000" dirty="0" smtClean="0"/>
+              <a:t>Подаваемое напряжение 25 </a:t>
+            </a:r>
+            <a:r>
+              <a:rPr lang="ru-RU" sz="2000" dirty="0" err="1" smtClean="0"/>
+              <a:t>кВ.</a:t>
+            </a:r>
+            <a:endParaRPr lang="ru-RU" sz="2000" dirty="0"/>
+          </a:p>
+        </p:txBody>
+      </p:sp>
+      <p:grpSp>
+        <p:nvGrpSpPr>
+          <p:cNvPr id="18" name="Группа 17"/>
+          <p:cNvGrpSpPr/>
+          <p:nvPr/>
+        </p:nvGrpSpPr>
+        <p:grpSpPr>
+          <a:xfrm>
+            <a:off x="2548681" y="1648632"/>
+            <a:ext cx="7976153" cy="4567073"/>
+            <a:chOff x="3088295" y="1885735"/>
+            <a:chExt cx="6693467" cy="4062877"/>
+          </a:xfrm>
+        </p:grpSpPr>
+        <p:pic>
+          <p:nvPicPr>
+            <p:cNvPr id="11" name="Picture 2"/>
+            <p:cNvPicPr>
+              <a:picLocks noChangeAspect="1" noChangeArrowheads="1"/>
+            </p:cNvPicPr>
+            <p:nvPr/>
+          </p:nvPicPr>
+          <p:blipFill>
+            <a:blip r:embed="rId2">
+              <a:extLst>
+                <a:ext uri="{28A0092B-C50C-407E-A947-70E740481C1C}">
+                  <a14:useLocalDpi xmlns:a14="http://schemas.microsoft.com/office/drawing/2010/main" val="0"/>
+                </a:ext>
+              </a:extLst>
+            </a:blip>
+            <a:srcRect/>
+            <a:stretch>
+              <a:fillRect/>
+            </a:stretch>
+          </p:blipFill>
+          <p:spPr bwMode="auto">
+            <a:xfrm>
+              <a:off x="3088295" y="1885735"/>
+              <a:ext cx="5745549" cy="4062877"/>
+            </a:xfrm>
+            <a:prstGeom prst="rect">
+              <a:avLst/>
+            </a:prstGeom>
+            <a:ln>
+              <a:noFill/>
+            </a:ln>
+            <a:effectLst>
+              <a:outerShdw blurRad="292100" dist="139700" dir="2700000" algn="tl" rotWithShape="0">
+                <a:srgbClr val="333333">
+                  <a:alpha val="65000"/>
+                </a:srgbClr>
+              </a:outerShdw>
+            </a:effectLst>
+            <a:extLst>
+              <a:ext uri="{909E8E84-426E-40DD-AFC4-6F175D3DCCD1}">
+                <a14:hiddenFill xmlns:a14="http://schemas.microsoft.com/office/drawing/2010/main">
+                  <a:solidFill>
+                    <a:schemeClr val="accent1"/>
+                  </a:solidFill>
+                </a14:hiddenFill>
+              </a:ext>
+              <a:ext uri="{91240B29-F687-4F45-9708-019B960494DF}">
+                <a14:hiddenLine xmlns:a14="http://schemas.microsoft.com/office/drawing/2010/main" w="9525">
+                  <a:solidFill>
+                    <a:schemeClr val="tx1"/>
+                  </a:solidFill>
+                  <a:miter lim="800000"/>
+                  <a:headEnd/>
+                  <a:tailEnd/>
+                </a14:hiddenLine>
+              </a:ext>
+            </a:extLst>
+          </p:spPr>
+        </p:pic>
+        <p:cxnSp>
+          <p:nvCxnSpPr>
+            <p:cNvPr id="13" name="Прямая со стрелкой 12"/>
+            <p:cNvCxnSpPr/>
+            <p:nvPr/>
+          </p:nvCxnSpPr>
+          <p:spPr>
+            <a:xfrm flipV="1">
+              <a:off x="8921371" y="2073772"/>
+              <a:ext cx="0" cy="612000"/>
+            </a:xfrm>
+            <a:prstGeom prst="straightConnector1">
+              <a:avLst/>
+            </a:prstGeom>
+            <a:ln>
+              <a:tailEnd type="arrow"/>
+            </a:ln>
+          </p:spPr>
+          <p:style>
+            <a:lnRef idx="3">
+              <a:schemeClr val="dk1"/>
+            </a:lnRef>
+            <a:fillRef idx="0">
+              <a:schemeClr val="dk1"/>
+            </a:fillRef>
+            <a:effectRef idx="2">
+              <a:schemeClr val="dk1"/>
+            </a:effectRef>
+            <a:fontRef idx="minor">
+              <a:schemeClr val="tx1"/>
+            </a:fontRef>
+          </p:style>
+        </p:cxnSp>
+        <p:cxnSp>
+          <p:nvCxnSpPr>
+            <p:cNvPr id="14" name="Прямая со стрелкой 13"/>
+            <p:cNvCxnSpPr/>
+            <p:nvPr/>
+          </p:nvCxnSpPr>
+          <p:spPr>
+            <a:xfrm rot="5400000" flipV="1">
+              <a:off x="9227371" y="2379772"/>
+              <a:ext cx="0" cy="612000"/>
+            </a:xfrm>
+            <a:prstGeom prst="straightConnector1">
+              <a:avLst/>
+            </a:prstGeom>
+            <a:ln>
+              <a:tailEnd type="arrow"/>
+            </a:ln>
+          </p:spPr>
+          <p:style>
+            <a:lnRef idx="3">
+              <a:schemeClr val="dk1"/>
+            </a:lnRef>
+            <a:fillRef idx="0">
+              <a:schemeClr val="dk1"/>
+            </a:fillRef>
+            <a:effectRef idx="2">
+              <a:schemeClr val="dk1"/>
+            </a:effectRef>
+            <a:fontRef idx="minor">
+              <a:schemeClr val="tx1"/>
+            </a:fontRef>
+          </p:style>
+        </p:cxnSp>
+        <p:sp>
+          <p:nvSpPr>
+            <p:cNvPr id="15" name="TextBox 14"/>
+            <p:cNvSpPr txBox="1"/>
+            <p:nvPr/>
+          </p:nvSpPr>
+          <p:spPr>
+            <a:xfrm>
+              <a:off x="9245425" y="2695536"/>
+              <a:ext cx="536337" cy="338554"/>
+            </a:xfrm>
+            <a:prstGeom prst="rect">
+              <a:avLst/>
+            </a:prstGeom>
+            <a:noFill/>
+          </p:spPr>
+          <p:txBody>
+            <a:bodyPr wrap="square" rtlCol="0">
+              <a:spAutoFit/>
+            </a:bodyPr>
+            <a:lstStyle/>
+            <a:p>
+              <a:r>
+                <a:rPr lang="en-US" sz="1600" b="1" dirty="0"/>
+                <a:t>x</a:t>
+              </a:r>
+              <a:endParaRPr lang="ru-RU" sz="1600" b="1" dirty="0"/>
+            </a:p>
+          </p:txBody>
+        </p:sp>
+        <p:sp>
+          <p:nvSpPr>
+            <p:cNvPr id="16" name="TextBox 15"/>
+            <p:cNvSpPr txBox="1"/>
+            <p:nvPr/>
+          </p:nvSpPr>
+          <p:spPr>
+            <a:xfrm>
+              <a:off x="8959202" y="2041218"/>
+              <a:ext cx="536337" cy="338554"/>
+            </a:xfrm>
+            <a:prstGeom prst="rect">
+              <a:avLst/>
+            </a:prstGeom>
+            <a:noFill/>
+          </p:spPr>
+          <p:txBody>
+            <a:bodyPr wrap="square" rtlCol="0">
+              <a:spAutoFit/>
+            </a:bodyPr>
+            <a:lstStyle/>
+            <a:p>
+              <a:r>
+                <a:rPr lang="en-US" sz="1600" b="1" dirty="0" smtClean="0"/>
+                <a:t>y</a:t>
+              </a:r>
+              <a:endParaRPr lang="ru-RU" sz="1600" b="1" dirty="0"/>
+            </a:p>
+          </p:txBody>
+        </p:sp>
+      </p:grpSp>
+      <p:sp>
+        <p:nvSpPr>
+          <p:cNvPr id="17" name="TextBox 16"/>
+          <p:cNvSpPr txBox="1"/>
+          <p:nvPr/>
+        </p:nvSpPr>
+        <p:spPr>
+          <a:xfrm>
+            <a:off x="2548681" y="1289169"/>
+            <a:ext cx="6696744" cy="369332"/>
+          </a:xfrm>
+          <a:prstGeom prst="rect">
+            <a:avLst/>
+          </a:prstGeom>
+          <a:ln>
+            <a:noFill/>
+          </a:ln>
+        </p:spPr>
+        <p:style>
+          <a:lnRef idx="2">
+            <a:schemeClr val="accent1"/>
+          </a:lnRef>
+          <a:fillRef idx="1">
+            <a:schemeClr val="lt1"/>
+          </a:fillRef>
+          <a:effectRef idx="0">
+            <a:schemeClr val="accent1"/>
+          </a:effectRef>
+          <a:fontRef idx="minor">
+            <a:schemeClr val="dk1"/>
+          </a:fontRef>
+        </p:style>
+        <p:txBody>
+          <a:bodyPr wrap="square" rtlCol="0">
+            <a:spAutoFit/>
+          </a:bodyPr>
+          <a:lstStyle/>
+          <a:p>
+            <a:pPr algn="ctr"/>
+            <a:r>
+              <a:rPr lang="ru-RU" b="1" i="1" dirty="0">
+                <a:solidFill>
+                  <a:prstClr val="black"/>
+                </a:solidFill>
+              </a:rPr>
+              <a:t>Схема разрядной камеры (вид сверху</a:t>
+            </a:r>
+            <a:r>
+              <a:rPr lang="ru-RU" b="1" i="1" dirty="0" smtClean="0">
+                <a:solidFill>
+                  <a:prstClr val="black"/>
+                </a:solidFill>
+              </a:rPr>
+              <a:t>)</a:t>
+            </a:r>
+            <a:endParaRPr lang="ru-RU" b="1" i="1" dirty="0">
+              <a:solidFill>
+                <a:prstClr val="black"/>
+              </a:solidFill>
+              <a:latin typeface="Arial"/>
+            </a:endParaRPr>
+          </a:p>
+        </p:txBody>
+      </p:sp>
+    </p:spTree>
+    <p:extLst>
+      <p:ext uri="{BB962C8B-B14F-4D97-AF65-F5344CB8AC3E}">
+        <p14:creationId xmlns:p14="http://schemas.microsoft.com/office/powerpoint/2010/main" val="2103522515"/>
+      </p:ext>
+    </p:extLst>
+  </p:cSld>
+  <p:clrMapOvr>
+    <a:masterClrMapping/>
+  </p:clrMapOvr>
+  <p:timing>
+    <p:tnLst>
+      <p:par>
+        <p:cTn id="1" dur="indefinite" restart="never" nodeType="tmRoot"/>
+      </p:par>
+    </p:tnLst>
+  </p:timing>
+</p:sld>
+</file>
+
+<file path=ppt/slides/slide6.xml><?xml version="1.0" encoding="utf-8"?>
+<p:sld xmlns:a="http://schemas.openxmlformats.org/drawingml/2006/main" xmlns:r="http://schemas.openxmlformats.org/officeDocument/2006/relationships" xmlns:p="http://schemas.openxmlformats.org/presentationml/2006/main">
+  <p:cSld>
+    <p:spTree>
+      <p:nvGrpSpPr>
+        <p:cNvPr id="1" name=""/>
+        <p:cNvGrpSpPr/>
+        <p:nvPr/>
+      </p:nvGrpSpPr>
+      <p:grpSpPr>
+        <a:xfrm>
+          <a:off x="0" y="0"/>
+          <a:ext cx="0" cy="0"/>
+          <a:chOff x="0" y="0"/>
+          <a:chExt cx="0" cy="0"/>
+        </a:xfrm>
+      </p:grpSpPr>
+      <p:sp>
+        <p:nvSpPr>
+          <p:cNvPr id="4" name="Номер слайда 3"/>
+          <p:cNvSpPr>
+            <a:spLocks noGrp="1"/>
+          </p:cNvSpPr>
+          <p:nvPr>
+            <p:ph type="sldNum" sz="quarter" idx="12"/>
+          </p:nvPr>
+        </p:nvSpPr>
+        <p:spPr/>
+        <p:txBody>
+          <a:bodyPr/>
+          <a:lstStyle/>
+          <a:p>
+            <a:fld id="{8CACD6DE-6B5C-4860-B48C-56B6DE2E5FCB}" type="slidenum">
+              <a:rPr lang="ru-RU" smtClean="0"/>
+              <a:t>6</a:t>
+            </a:fld>
+            <a:endParaRPr lang="ru-RU"/>
+          </a:p>
+        </p:txBody>
+      </p:sp>
+      <p:sp>
+        <p:nvSpPr>
+          <p:cNvPr id="5" name="TextBox 4"/>
+          <p:cNvSpPr txBox="1"/>
+          <p:nvPr/>
+        </p:nvSpPr>
+        <p:spPr>
+          <a:xfrm>
+            <a:off x="1499153" y="601317"/>
+            <a:ext cx="9193694" cy="584775"/>
+          </a:xfrm>
+          <a:prstGeom prst="rect">
+            <a:avLst/>
+          </a:prstGeom>
+          <a:noFill/>
+        </p:spPr>
+        <p:txBody>
+          <a:bodyPr wrap="square" rtlCol="0">
+            <a:spAutoFit/>
+          </a:bodyPr>
+          <a:lstStyle/>
+          <a:p>
+            <a:pPr algn="ctr"/>
+            <a:r>
+              <a:rPr lang="ru-RU" sz="3200" b="1" dirty="0" smtClean="0"/>
+              <a:t>Регистрация эмиссионных спектров</a:t>
+            </a:r>
+            <a:endParaRPr lang="ru-RU" sz="3200" b="1" dirty="0"/>
+          </a:p>
+        </p:txBody>
+      </p:sp>
+      <p:pic>
+        <p:nvPicPr>
+          <p:cNvPr id="7" name="Picture 2"/>
+          <p:cNvPicPr>
+            <a:picLocks noChangeAspect="1" noChangeArrowheads="1"/>
+          </p:cNvPicPr>
+          <p:nvPr/>
+        </p:nvPicPr>
+        <p:blipFill>
+          <a:blip r:embed="rId2">
+            <a:extLst>
+              <a:ext uri="{28A0092B-C50C-407E-A947-70E740481C1C}">
+                <a14:useLocalDpi xmlns:a14="http://schemas.microsoft.com/office/drawing/2010/main" val="0"/>
+              </a:ext>
+            </a:extLst>
+          </a:blip>
+          <a:srcRect/>
+          <a:stretch>
+            <a:fillRect/>
+          </a:stretch>
+        </p:blipFill>
+        <p:spPr bwMode="auto">
+          <a:xfrm>
+            <a:off x="1943893" y="1833631"/>
+            <a:ext cx="8304213" cy="4084637"/>
+          </a:xfrm>
+          <a:prstGeom prst="rect">
+            <a:avLst/>
+          </a:prstGeom>
+          <a:noFill/>
+          <a:ln>
+            <a:noFill/>
+          </a:ln>
+          <a:effectLst/>
+          <a:extLst>
+            <a:ext uri="{909E8E84-426E-40DD-AFC4-6F175D3DCCD1}">
+              <a14:hiddenFill xmlns:a14="http://schemas.microsoft.com/office/drawing/2010/main">
+                <a:solidFill>
+                  <a:schemeClr val="accent1"/>
+                </a:solidFill>
+              </a14:hiddenFill>
+            </a:ext>
+            <a:ext uri="{91240B29-F687-4F45-9708-019B960494DF}">
+              <a14:hiddenLine xmlns:a14="http://schemas.microsoft.com/office/drawing/2010/main" w="9525">
+                <a:solidFill>
+                  <a:schemeClr val="tx1"/>
+                </a:solidFill>
+                <a:miter lim="800000"/>
+                <a:headEnd/>
+                <a:tailEnd/>
+              </a14:hiddenLine>
+            </a:ext>
+            <a:ext uri="{AF507438-7753-43E0-B8FC-AC1667EBCBE1}">
+              <a14:hiddenEffects xmlns:a14="http://schemas.microsoft.com/office/drawing/2010/main">
+                <a:effectLst>
+                  <a:outerShdw dist="35921" dir="2700000" algn="ctr" rotWithShape="0">
+                    <a:schemeClr val="bg2"/>
+                  </a:outerShdw>
+                </a:effectLst>
+              </a14:hiddenEffects>
+            </a:ext>
+          </a:extLst>
+        </p:spPr>
+      </p:pic>
+      <p:grpSp>
+        <p:nvGrpSpPr>
+          <p:cNvPr id="8" name="Группа 7"/>
+          <p:cNvGrpSpPr/>
+          <p:nvPr/>
+        </p:nvGrpSpPr>
+        <p:grpSpPr>
+          <a:xfrm>
+            <a:off x="10692847" y="1326106"/>
+            <a:ext cx="1005641" cy="1015049"/>
+            <a:chOff x="8100392" y="913151"/>
+            <a:chExt cx="1005641" cy="1015049"/>
+          </a:xfrm>
+        </p:grpSpPr>
+        <p:cxnSp>
+          <p:nvCxnSpPr>
+            <p:cNvPr id="9" name="Прямая со стрелкой 8"/>
+            <p:cNvCxnSpPr/>
+            <p:nvPr/>
+          </p:nvCxnSpPr>
+          <p:spPr>
+            <a:xfrm flipV="1">
+              <a:off x="8100392" y="980864"/>
+              <a:ext cx="0" cy="612000"/>
+            </a:xfrm>
+            <a:prstGeom prst="straightConnector1">
+              <a:avLst/>
+            </a:prstGeom>
+            <a:ln>
+              <a:tailEnd type="arrow"/>
+            </a:ln>
+          </p:spPr>
+          <p:style>
+            <a:lnRef idx="3">
+              <a:schemeClr val="dk1"/>
+            </a:lnRef>
+            <a:fillRef idx="0">
+              <a:schemeClr val="dk1"/>
+            </a:fillRef>
+            <a:effectRef idx="2">
+              <a:schemeClr val="dk1"/>
+            </a:effectRef>
+            <a:fontRef idx="minor">
+              <a:schemeClr val="tx1"/>
+            </a:fontRef>
+          </p:style>
+        </p:cxnSp>
+        <p:cxnSp>
+          <p:nvCxnSpPr>
+            <p:cNvPr id="10" name="Прямая со стрелкой 9"/>
+            <p:cNvCxnSpPr/>
+            <p:nvPr/>
+          </p:nvCxnSpPr>
+          <p:spPr>
+            <a:xfrm rot="5400000" flipV="1">
+              <a:off x="8406392" y="1286864"/>
+              <a:ext cx="0" cy="612000"/>
+            </a:xfrm>
+            <a:prstGeom prst="straightConnector1">
+              <a:avLst/>
+            </a:prstGeom>
+            <a:ln>
+              <a:tailEnd type="arrow"/>
+            </a:ln>
+          </p:spPr>
+          <p:style>
+            <a:lnRef idx="3">
+              <a:schemeClr val="dk1"/>
+            </a:lnRef>
+            <a:fillRef idx="0">
+              <a:schemeClr val="dk1"/>
+            </a:fillRef>
+            <a:effectRef idx="2">
+              <a:schemeClr val="dk1"/>
+            </a:effectRef>
+            <a:fontRef idx="minor">
+              <a:schemeClr val="tx1"/>
+            </a:fontRef>
+          </p:style>
+        </p:cxnSp>
+        <p:cxnSp>
+          <p:nvCxnSpPr>
+            <p:cNvPr id="11" name="Прямая со стрелкой 10"/>
+            <p:cNvCxnSpPr/>
+            <p:nvPr/>
+          </p:nvCxnSpPr>
+          <p:spPr>
+            <a:xfrm flipV="1">
+              <a:off x="8100393" y="1196752"/>
+              <a:ext cx="504055" cy="396112"/>
+            </a:xfrm>
+            <a:prstGeom prst="straightConnector1">
+              <a:avLst/>
+            </a:prstGeom>
+            <a:ln>
+              <a:tailEnd type="arrow"/>
+            </a:ln>
+          </p:spPr>
+          <p:style>
+            <a:lnRef idx="3">
+              <a:schemeClr val="dk1"/>
+            </a:lnRef>
+            <a:fillRef idx="0">
+              <a:schemeClr val="dk1"/>
+            </a:fillRef>
+            <a:effectRef idx="2">
+              <a:schemeClr val="dk1"/>
+            </a:effectRef>
+            <a:fontRef idx="minor">
+              <a:schemeClr val="tx1"/>
+            </a:fontRef>
+          </p:style>
+        </p:cxnSp>
+        <p:sp>
+          <p:nvSpPr>
+            <p:cNvPr id="12" name="TextBox 11"/>
+            <p:cNvSpPr txBox="1"/>
+            <p:nvPr/>
+          </p:nvSpPr>
+          <p:spPr>
+            <a:xfrm>
+              <a:off x="8444223" y="1589646"/>
+              <a:ext cx="536337" cy="338554"/>
+            </a:xfrm>
+            <a:prstGeom prst="rect">
+              <a:avLst/>
+            </a:prstGeom>
+            <a:noFill/>
+          </p:spPr>
+          <p:txBody>
+            <a:bodyPr wrap="square" rtlCol="0">
+              <a:spAutoFit/>
+            </a:bodyPr>
+            <a:lstStyle/>
+            <a:p>
+              <a:r>
+                <a:rPr lang="en-US" sz="1600" b="1" dirty="0"/>
+                <a:t>x</a:t>
+              </a:r>
+              <a:endParaRPr lang="ru-RU" sz="1600" b="1" dirty="0"/>
+            </a:p>
+          </p:txBody>
+        </p:sp>
+        <p:sp>
+          <p:nvSpPr>
+            <p:cNvPr id="13" name="TextBox 12"/>
+            <p:cNvSpPr txBox="1"/>
+            <p:nvPr/>
+          </p:nvSpPr>
+          <p:spPr>
+            <a:xfrm>
+              <a:off x="8138223" y="913151"/>
+              <a:ext cx="536337" cy="338554"/>
+            </a:xfrm>
+            <a:prstGeom prst="rect">
+              <a:avLst/>
+            </a:prstGeom>
+            <a:noFill/>
+          </p:spPr>
+          <p:txBody>
+            <a:bodyPr wrap="square" rtlCol="0">
+              <a:spAutoFit/>
+            </a:bodyPr>
+            <a:lstStyle/>
+            <a:p>
+              <a:r>
+                <a:rPr lang="en-US" sz="1600" b="1" dirty="0" smtClean="0"/>
+                <a:t>z</a:t>
+              </a:r>
+              <a:endParaRPr lang="ru-RU" sz="1600" b="1" dirty="0"/>
+            </a:p>
+          </p:txBody>
+        </p:sp>
+        <p:sp>
+          <p:nvSpPr>
+            <p:cNvPr id="14" name="TextBox 13"/>
+            <p:cNvSpPr txBox="1"/>
+            <p:nvPr/>
+          </p:nvSpPr>
+          <p:spPr>
+            <a:xfrm>
+              <a:off x="8569696" y="1117587"/>
+              <a:ext cx="536337" cy="338554"/>
+            </a:xfrm>
+            <a:prstGeom prst="rect">
+              <a:avLst/>
+            </a:prstGeom>
+            <a:noFill/>
+          </p:spPr>
+          <p:txBody>
+            <a:bodyPr wrap="square" rtlCol="0">
+              <a:spAutoFit/>
+            </a:bodyPr>
+            <a:lstStyle/>
+            <a:p>
+              <a:r>
+                <a:rPr lang="en-US" sz="1600" b="1" dirty="0" smtClean="0"/>
+                <a:t>y</a:t>
+              </a:r>
+              <a:endParaRPr lang="ru-RU" sz="1600" b="1" dirty="0"/>
+            </a:p>
+          </p:txBody>
+        </p:sp>
+      </p:grpSp>
+    </p:spTree>
+    <p:extLst>
+      <p:ext uri="{BB962C8B-B14F-4D97-AF65-F5344CB8AC3E}">
+        <p14:creationId xmlns:p14="http://schemas.microsoft.com/office/powerpoint/2010/main" val="3277487579"/>
+      </p:ext>
+    </p:extLst>
+  </p:cSld>
+  <p:clrMapOvr>
+    <a:masterClrMapping/>
+  </p:clrMapOvr>
+  <p:timing>
+    <p:tnLst>
+      <p:par>
+        <p:cTn id="1" dur="indefinite" restart="never" nodeType="tmRoot"/>
+      </p:par>
+    </p:tnLst>
+  </p:timing>
+</p:sld>
+</file>
+
+<file path=ppt/slides/slide7.xml><?xml version="1.0" encoding="utf-8"?>
+<p:sld xmlns:a="http://schemas.openxmlformats.org/drawingml/2006/main" xmlns:r="http://schemas.openxmlformats.org/officeDocument/2006/relationships" xmlns:p="http://schemas.openxmlformats.org/presentationml/2006/main">
+  <p:cSld>
+    <p:spTree>
+      <p:nvGrpSpPr>
+        <p:cNvPr id="1" name=""/>
+        <p:cNvGrpSpPr/>
+        <p:nvPr/>
+      </p:nvGrpSpPr>
+      <p:grpSpPr>
+        <a:xfrm>
+          <a:off x="0" y="0"/>
+          <a:ext cx="0" cy="0"/>
+          <a:chOff x="0" y="0"/>
+          <a:chExt cx="0" cy="0"/>
+        </a:xfrm>
+      </p:grpSpPr>
+      <p:sp>
+        <p:nvSpPr>
+          <p:cNvPr id="4" name="Номер слайда 3"/>
+          <p:cNvSpPr>
+            <a:spLocks noGrp="1"/>
+          </p:cNvSpPr>
+          <p:nvPr>
+            <p:ph type="sldNum" sz="quarter" idx="12"/>
+          </p:nvPr>
+        </p:nvSpPr>
+        <p:spPr/>
+        <p:txBody>
+          <a:bodyPr/>
+          <a:lstStyle/>
+          <a:p>
+            <a:fld id="{8CACD6DE-6B5C-4860-B48C-56B6DE2E5FCB}" type="slidenum">
+              <a:rPr lang="ru-RU" smtClean="0"/>
+              <a:t>7</a:t>
+            </a:fld>
+            <a:endParaRPr lang="ru-RU"/>
+          </a:p>
+        </p:txBody>
+      </p:sp>
+      <p:sp>
+        <p:nvSpPr>
+          <p:cNvPr id="5" name="TextBox 4"/>
+          <p:cNvSpPr txBox="1"/>
+          <p:nvPr/>
+        </p:nvSpPr>
+        <p:spPr>
+          <a:xfrm>
+            <a:off x="1499153" y="601317"/>
+            <a:ext cx="9193694" cy="584775"/>
+          </a:xfrm>
+          <a:prstGeom prst="rect">
+            <a:avLst/>
+          </a:prstGeom>
+          <a:noFill/>
+        </p:spPr>
+        <p:txBody>
+          <a:bodyPr wrap="square" rtlCol="0">
+            <a:spAutoFit/>
+          </a:bodyPr>
+          <a:lstStyle/>
+          <a:p>
+            <a:pPr algn="ctr"/>
+            <a:r>
+              <a:rPr lang="ru-RU" sz="3200" b="1" dirty="0" smtClean="0"/>
+              <a:t>Схема течения в разрядной камере</a:t>
+            </a:r>
+            <a:endParaRPr lang="ru-RU" sz="3200" b="1" dirty="0"/>
+          </a:p>
+        </p:txBody>
+      </p:sp>
+      <p:pic>
+        <p:nvPicPr>
+          <p:cNvPr id="6" name="Рисунок 5"/>
+          <p:cNvPicPr>
+            <a:picLocks noChangeAspect="1"/>
+          </p:cNvPicPr>
+          <p:nvPr/>
+        </p:nvPicPr>
+        <p:blipFill>
+          <a:blip r:embed="rId2">
+            <a:extLst>
+              <a:ext uri="{28A0092B-C50C-407E-A947-70E740481C1C}">
+                <a14:useLocalDpi xmlns:a14="http://schemas.microsoft.com/office/drawing/2010/main" val="0"/>
+              </a:ext>
+            </a:extLst>
+          </a:blip>
+          <a:stretch>
+            <a:fillRect/>
+          </a:stretch>
+        </p:blipFill>
+        <p:spPr>
+          <a:xfrm>
+            <a:off x="493150" y="1570870"/>
+            <a:ext cx="6643364" cy="3336144"/>
+          </a:xfrm>
+          <a:prstGeom prst="rect">
+            <a:avLst/>
+          </a:prstGeom>
+          <a:ln>
+            <a:noFill/>
+          </a:ln>
+          <a:effectLst>
+            <a:outerShdw blurRad="292100" dist="139700" dir="2700000" algn="tl" rotWithShape="0">
+              <a:srgbClr val="333333">
+                <a:alpha val="65000"/>
+              </a:srgbClr>
+            </a:outerShdw>
+          </a:effectLst>
+        </p:spPr>
+      </p:pic>
+      <p:grpSp>
+        <p:nvGrpSpPr>
+          <p:cNvPr id="7" name="Группа 6"/>
+          <p:cNvGrpSpPr/>
+          <p:nvPr/>
+        </p:nvGrpSpPr>
+        <p:grpSpPr>
+          <a:xfrm>
+            <a:off x="7472127" y="1570870"/>
+            <a:ext cx="1005641" cy="1015049"/>
+            <a:chOff x="8100392" y="913151"/>
+            <a:chExt cx="1005641" cy="1015049"/>
+          </a:xfrm>
+        </p:grpSpPr>
+        <p:cxnSp>
+          <p:nvCxnSpPr>
+            <p:cNvPr id="8" name="Прямая со стрелкой 7"/>
+            <p:cNvCxnSpPr/>
+            <p:nvPr/>
+          </p:nvCxnSpPr>
+          <p:spPr>
+            <a:xfrm flipV="1">
+              <a:off x="8100392" y="980864"/>
+              <a:ext cx="0" cy="612000"/>
+            </a:xfrm>
+            <a:prstGeom prst="straightConnector1">
+              <a:avLst/>
+            </a:prstGeom>
+            <a:ln>
+              <a:tailEnd type="arrow"/>
+            </a:ln>
+          </p:spPr>
+          <p:style>
+            <a:lnRef idx="3">
+              <a:schemeClr val="dk1"/>
+            </a:lnRef>
+            <a:fillRef idx="0">
+              <a:schemeClr val="dk1"/>
+            </a:fillRef>
+            <a:effectRef idx="2">
+              <a:schemeClr val="dk1"/>
+            </a:effectRef>
+            <a:fontRef idx="minor">
+              <a:schemeClr val="tx1"/>
+            </a:fontRef>
+          </p:style>
+        </p:cxnSp>
+        <p:cxnSp>
+          <p:nvCxnSpPr>
+            <p:cNvPr id="9" name="Прямая со стрелкой 8"/>
+            <p:cNvCxnSpPr/>
+            <p:nvPr/>
+          </p:nvCxnSpPr>
+          <p:spPr>
+            <a:xfrm rot="5400000" flipV="1">
+              <a:off x="8406392" y="1286864"/>
+              <a:ext cx="0" cy="612000"/>
+            </a:xfrm>
+            <a:prstGeom prst="straightConnector1">
+              <a:avLst/>
+            </a:prstGeom>
+            <a:ln>
+              <a:tailEnd type="arrow"/>
+            </a:ln>
+          </p:spPr>
+          <p:style>
+            <a:lnRef idx="3">
+              <a:schemeClr val="dk1"/>
+            </a:lnRef>
+            <a:fillRef idx="0">
+              <a:schemeClr val="dk1"/>
+            </a:fillRef>
+            <a:effectRef idx="2">
+              <a:schemeClr val="dk1"/>
+            </a:effectRef>
+            <a:fontRef idx="minor">
+              <a:schemeClr val="tx1"/>
+            </a:fontRef>
+          </p:style>
+        </p:cxnSp>
+        <p:cxnSp>
+          <p:nvCxnSpPr>
+            <p:cNvPr id="10" name="Прямая со стрелкой 9"/>
+            <p:cNvCxnSpPr/>
+            <p:nvPr/>
+          </p:nvCxnSpPr>
+          <p:spPr>
+            <a:xfrm flipV="1">
+              <a:off x="8100393" y="1196752"/>
+              <a:ext cx="504055" cy="396112"/>
+            </a:xfrm>
+            <a:prstGeom prst="straightConnector1">
+              <a:avLst/>
+            </a:prstGeom>
+            <a:ln>
+              <a:tailEnd type="arrow"/>
+            </a:ln>
+          </p:spPr>
+          <p:style>
+            <a:lnRef idx="3">
+              <a:schemeClr val="dk1"/>
+            </a:lnRef>
+            <a:fillRef idx="0">
+              <a:schemeClr val="dk1"/>
+            </a:fillRef>
+            <a:effectRef idx="2">
+              <a:schemeClr val="dk1"/>
+            </a:effectRef>
+            <a:fontRef idx="minor">
+              <a:schemeClr val="tx1"/>
+            </a:fontRef>
+          </p:style>
+        </p:cxnSp>
+        <p:sp>
+          <p:nvSpPr>
+            <p:cNvPr id="11" name="TextBox 10"/>
+            <p:cNvSpPr txBox="1"/>
+            <p:nvPr/>
+          </p:nvSpPr>
+          <p:spPr>
+            <a:xfrm>
+              <a:off x="8444223" y="1589646"/>
+              <a:ext cx="536337" cy="338554"/>
+            </a:xfrm>
+            <a:prstGeom prst="rect">
+              <a:avLst/>
+            </a:prstGeom>
+            <a:noFill/>
+          </p:spPr>
+          <p:txBody>
+            <a:bodyPr wrap="square" rtlCol="0">
+              <a:spAutoFit/>
+            </a:bodyPr>
+            <a:lstStyle/>
+            <a:p>
+              <a:r>
+                <a:rPr lang="en-US" sz="1600" b="1" dirty="0"/>
+                <a:t>x</a:t>
+              </a:r>
+              <a:endParaRPr lang="ru-RU" sz="1600" b="1" dirty="0"/>
+            </a:p>
+          </p:txBody>
+        </p:sp>
+        <p:sp>
+          <p:nvSpPr>
+            <p:cNvPr id="12" name="TextBox 11"/>
+            <p:cNvSpPr txBox="1"/>
+            <p:nvPr/>
+          </p:nvSpPr>
+          <p:spPr>
+            <a:xfrm>
+              <a:off x="8138223" y="913151"/>
+              <a:ext cx="536337" cy="338554"/>
+            </a:xfrm>
+            <a:prstGeom prst="rect">
+              <a:avLst/>
+            </a:prstGeom>
+            <a:noFill/>
+          </p:spPr>
+          <p:txBody>
+            <a:bodyPr wrap="square" rtlCol="0">
+              <a:spAutoFit/>
+            </a:bodyPr>
+            <a:lstStyle/>
+            <a:p>
+              <a:r>
+                <a:rPr lang="en-US" sz="1600" b="1" dirty="0" smtClean="0"/>
+                <a:t>z</a:t>
+              </a:r>
+              <a:endParaRPr lang="ru-RU" sz="1600" b="1" dirty="0"/>
+            </a:p>
+          </p:txBody>
+        </p:sp>
+        <p:sp>
+          <p:nvSpPr>
+            <p:cNvPr id="13" name="TextBox 12"/>
+            <p:cNvSpPr txBox="1"/>
+            <p:nvPr/>
+          </p:nvSpPr>
+          <p:spPr>
+            <a:xfrm>
+              <a:off x="8569696" y="1117587"/>
+              <a:ext cx="536337" cy="338554"/>
+            </a:xfrm>
+            <a:prstGeom prst="rect">
+              <a:avLst/>
+            </a:prstGeom>
+            <a:noFill/>
+          </p:spPr>
+          <p:txBody>
+            <a:bodyPr wrap="square" rtlCol="0">
+              <a:spAutoFit/>
+            </a:bodyPr>
+            <a:lstStyle/>
+            <a:p>
+              <a:r>
+                <a:rPr lang="en-US" sz="1600" b="1" dirty="0" smtClean="0"/>
+                <a:t>y</a:t>
+              </a:r>
+              <a:endParaRPr lang="ru-RU" sz="1600" b="1" dirty="0"/>
+            </a:p>
+          </p:txBody>
+        </p:sp>
+      </p:grpSp>
+      <p:pic>
+        <p:nvPicPr>
+          <p:cNvPr id="14" name="Рисунок 13"/>
+          <p:cNvPicPr>
+            <a:picLocks noChangeAspect="1"/>
+          </p:cNvPicPr>
+          <p:nvPr/>
+        </p:nvPicPr>
+        <p:blipFill>
+          <a:blip r:embed="rId3" cstate="print">
+            <a:extLst>
+              <a:ext uri="{28A0092B-C50C-407E-A947-70E740481C1C}">
+                <a14:useLocalDpi xmlns:a14="http://schemas.microsoft.com/office/drawing/2010/main" val="0"/>
+              </a:ext>
+            </a:extLst>
+          </a:blip>
+          <a:stretch>
+            <a:fillRect/>
+          </a:stretch>
+        </p:blipFill>
+        <p:spPr>
+          <a:xfrm>
+            <a:off x="7941431" y="4725848"/>
+            <a:ext cx="3868822" cy="1813064"/>
+          </a:xfrm>
+          <a:prstGeom prst="rect">
+            <a:avLst/>
+          </a:prstGeom>
+          <a:ln>
+            <a:noFill/>
+          </a:ln>
+          <a:effectLst>
+            <a:outerShdw blurRad="292100" dist="139700" dir="2700000" algn="tl" rotWithShape="0">
+              <a:srgbClr val="333333">
+                <a:alpha val="65000"/>
+              </a:srgbClr>
+            </a:outerShdw>
+          </a:effectLst>
+        </p:spPr>
+      </p:pic>
+      <p:sp>
+        <p:nvSpPr>
+          <p:cNvPr id="15" name="Прямоугольник 14"/>
+          <p:cNvSpPr/>
+          <p:nvPr/>
+        </p:nvSpPr>
+        <p:spPr>
+          <a:xfrm>
+            <a:off x="8548893" y="3619955"/>
+            <a:ext cx="3261360" cy="923330"/>
+          </a:xfrm>
+          <a:prstGeom prst="rect">
+            <a:avLst/>
+          </a:prstGeom>
+        </p:spPr>
+        <p:txBody>
+          <a:bodyPr wrap="square">
+            <a:spAutoFit/>
+          </a:bodyPr>
+          <a:lstStyle/>
+          <a:p>
+            <a:pPr algn="r"/>
+            <a:r>
+              <a:rPr lang="ru-RU" dirty="0"/>
+              <a:t>Фотоизображение свечения разряда на верхней стенке </a:t>
+            </a:r>
+          </a:p>
+          <a:p>
+            <a:pPr algn="r"/>
+            <a:r>
+              <a:rPr lang="ru-RU" dirty="0"/>
+              <a:t>в разрядной камере</a:t>
+            </a:r>
+            <a:endParaRPr lang="ru-RU" dirty="0"/>
+          </a:p>
+        </p:txBody>
+      </p:sp>
+    </p:spTree>
+    <p:extLst>
+      <p:ext uri="{BB962C8B-B14F-4D97-AF65-F5344CB8AC3E}">
+        <p14:creationId xmlns:p14="http://schemas.microsoft.com/office/powerpoint/2010/main" val="900591817"/>
+      </p:ext>
+    </p:extLst>
+  </p:cSld>
+  <p:clrMapOvr>
+    <a:masterClrMapping/>
+  </p:clrMapOvr>
+  <p:timing>
+    <p:tnLst>
+      <p:par>
+        <p:cTn id="1" dur="indefinite" restart="never" nodeType="tmRoot"/>
+      </p:par>
+    </p:tnLst>
+  </p:timing>
+</p:sld>
+</file>
+
+<file path=ppt/slides/slide8.xml><?xml version="1.0" encoding="utf-8"?>
+<p:sld xmlns:a="http://schemas.openxmlformats.org/drawingml/2006/main" xmlns:r="http://schemas.openxmlformats.org/officeDocument/2006/relationships" xmlns:p="http://schemas.openxmlformats.org/presentationml/2006/main">
+  <p:cSld>
+    <p:spTree>
+      <p:nvGrpSpPr>
+        <p:cNvPr id="1" name=""/>
+        <p:cNvGrpSpPr/>
+        <p:nvPr/>
+      </p:nvGrpSpPr>
+      <p:grpSpPr>
+        <a:xfrm>
+          <a:off x="0" y="0"/>
+          <a:ext cx="0" cy="0"/>
+          <a:chOff x="0" y="0"/>
+          <a:chExt cx="0" cy="0"/>
+        </a:xfrm>
+      </p:grpSpPr>
+      <p:sp>
+        <p:nvSpPr>
+          <p:cNvPr id="4" name="Номер слайда 3"/>
+          <p:cNvSpPr>
+            <a:spLocks noGrp="1"/>
+          </p:cNvSpPr>
+          <p:nvPr>
+            <p:ph type="sldNum" sz="quarter" idx="12"/>
+          </p:nvPr>
+        </p:nvSpPr>
+        <p:spPr/>
+        <p:txBody>
+          <a:bodyPr/>
+          <a:lstStyle/>
+          <a:p>
+            <a:fld id="{8CACD6DE-6B5C-4860-B48C-56B6DE2E5FCB}" type="slidenum">
+              <a:rPr lang="ru-RU" smtClean="0"/>
+              <a:t>8</a:t>
+            </a:fld>
+            <a:endParaRPr lang="ru-RU"/>
+          </a:p>
+        </p:txBody>
+      </p:sp>
+      <p:sp>
+        <p:nvSpPr>
+          <p:cNvPr id="6" name="TextBox 5"/>
+          <p:cNvSpPr txBox="1"/>
+          <p:nvPr/>
+        </p:nvSpPr>
+        <p:spPr>
+          <a:xfrm>
+            <a:off x="1499153" y="601317"/>
+            <a:ext cx="9193694" cy="584775"/>
+          </a:xfrm>
+          <a:prstGeom prst="rect">
+            <a:avLst/>
+          </a:prstGeom>
+          <a:noFill/>
+        </p:spPr>
+        <p:txBody>
+          <a:bodyPr wrap="square" rtlCol="0">
+            <a:spAutoFit/>
+          </a:bodyPr>
+          <a:lstStyle/>
+          <a:p>
+            <a:pPr algn="ctr"/>
+            <a:r>
+              <a:rPr lang="ru-RU" sz="3200" b="1" dirty="0" smtClean="0"/>
+              <a:t>Оборудование </a:t>
+            </a:r>
+            <a:endParaRPr lang="ru-RU" sz="3200" b="1" dirty="0"/>
+          </a:p>
+        </p:txBody>
+      </p:sp>
+      <p:sp>
+        <p:nvSpPr>
+          <p:cNvPr id="7" name="TextBox 6"/>
+          <p:cNvSpPr txBox="1"/>
+          <p:nvPr/>
+        </p:nvSpPr>
+        <p:spPr>
+          <a:xfrm>
+            <a:off x="772160" y="1889760"/>
+            <a:ext cx="7838440" cy="3416320"/>
+          </a:xfrm>
+          <a:prstGeom prst="rect">
+            <a:avLst/>
+          </a:prstGeom>
+          <a:noFill/>
+        </p:spPr>
+        <p:txBody>
+          <a:bodyPr wrap="square" rtlCol="0">
+            <a:spAutoFit/>
+          </a:bodyPr>
+          <a:lstStyle/>
+          <a:p>
+            <a:pPr marL="285750" indent="-285750">
+              <a:buFont typeface="Arial" panose="020B0604020202020204" pitchFamily="34" charset="0"/>
+              <a:buChar char="•"/>
+            </a:pPr>
+            <a:r>
+              <a:rPr lang="ru-RU" sz="2400" dirty="0" smtClean="0"/>
+              <a:t>Спектрометр </a:t>
+            </a:r>
+            <a:r>
+              <a:rPr lang="en-US" sz="2400" dirty="0" smtClean="0"/>
+              <a:t>AvaSpec-2048</a:t>
+            </a:r>
+            <a:r>
+              <a:rPr lang="ru-RU" sz="2400" dirty="0"/>
+              <a:t> </a:t>
+            </a:r>
+            <a:r>
+              <a:rPr lang="ru-RU" sz="2400" dirty="0" smtClean="0"/>
+              <a:t>с диапазоном регистрации излучения 200 – 1100 </a:t>
+            </a:r>
+            <a:r>
+              <a:rPr lang="ru-RU" sz="2400" dirty="0" err="1" smtClean="0"/>
+              <a:t>нм</a:t>
+            </a:r>
+            <a:endParaRPr lang="ru-RU" sz="2400" dirty="0" smtClean="0"/>
+          </a:p>
+          <a:p>
+            <a:pPr marL="285750" indent="-285750">
+              <a:buFont typeface="Arial" panose="020B0604020202020204" pitchFamily="34" charset="0"/>
+              <a:buChar char="•"/>
+            </a:pPr>
+            <a:r>
+              <a:rPr lang="ru-RU" sz="2400" dirty="0" smtClean="0"/>
+              <a:t>Специальный шунт регистрировал ток разряда, данные выводились на осциллограф</a:t>
+            </a:r>
+          </a:p>
+          <a:p>
+            <a:pPr marL="285750" indent="-285750">
+              <a:buFont typeface="Arial" panose="020B0604020202020204" pitchFamily="34" charset="0"/>
+              <a:buChar char="•"/>
+            </a:pPr>
+            <a:r>
+              <a:rPr lang="ru-RU" sz="2400" dirty="0" smtClean="0"/>
+              <a:t>Фотокамеры фиксировали излучение разряда</a:t>
+            </a:r>
+          </a:p>
+          <a:p>
+            <a:pPr marL="285750" indent="-285750">
+              <a:buFont typeface="Arial" panose="020B0604020202020204" pitchFamily="34" charset="0"/>
+              <a:buChar char="•"/>
+            </a:pPr>
+            <a:r>
+              <a:rPr lang="ru-RU" sz="2400" dirty="0" smtClean="0"/>
+              <a:t>Высокоскоростной камерой ( частота кадров 150000 кадров в секунду, время экспозиции 1 </a:t>
+            </a:r>
+            <a:r>
+              <a:rPr lang="ru-RU" sz="2400" dirty="0" err="1" smtClean="0"/>
+              <a:t>мкс</a:t>
+            </a:r>
+            <a:r>
+              <a:rPr lang="ru-RU" sz="2400" dirty="0" smtClean="0"/>
+              <a:t>.)</a:t>
+            </a:r>
+          </a:p>
+          <a:p>
+            <a:pPr marL="285750" indent="-285750">
+              <a:buFont typeface="Arial" panose="020B0604020202020204" pitchFamily="34" charset="0"/>
+              <a:buChar char="•"/>
+            </a:pPr>
+            <a:r>
+              <a:rPr lang="ru-RU" sz="2400" dirty="0" smtClean="0"/>
+              <a:t>Эволюция структуры потока регистрировалась с помощью высокоскоростного теневого изображения</a:t>
+            </a:r>
+            <a:endParaRPr lang="ru-RU" sz="2400" dirty="0"/>
+          </a:p>
+        </p:txBody>
+      </p:sp>
+    </p:spTree>
+    <p:extLst>
+      <p:ext uri="{BB962C8B-B14F-4D97-AF65-F5344CB8AC3E}">
+        <p14:creationId xmlns:p14="http://schemas.microsoft.com/office/powerpoint/2010/main" val="1400278723"/>
+      </p:ext>
+    </p:extLst>
+  </p:cSld>
+  <p:clrMapOvr>
+    <a:masterClrMapping/>
+  </p:clrMapOvr>
+  <p:timing>
+    <p:tnLst>
+      <p:par>
+        <p:cTn id="1" dur="indefinite" restart="never" nodeType="tmRoot"/>
+      </p:par>
+    </p:tnLst>
+  </p:timing>
+</p:sld>
+</file>
+
+<file path=ppt/slides/slide9.xml><?xml version="1.0" encoding="utf-8"?>
+<p:sld xmlns:a="http://schemas.openxmlformats.org/drawingml/2006/main" xmlns:r="http://schemas.openxmlformats.org/officeDocument/2006/relationships" xmlns:p="http://schemas.openxmlformats.org/presentationml/2006/main">
+  <p:cSld>
+    <p:spTree>
+      <p:nvGrpSpPr>
+        <p:cNvPr id="1" name=""/>
+        <p:cNvGrpSpPr/>
+        <p:nvPr/>
+      </p:nvGrpSpPr>
+      <p:grpSpPr>
+        <a:xfrm>
+          <a:off x="0" y="0"/>
+          <a:ext cx="0" cy="0"/>
+          <a:chOff x="0" y="0"/>
+          <a:chExt cx="0" cy="0"/>
+        </a:xfrm>
+      </p:grpSpPr>
+      <p:sp>
+        <p:nvSpPr>
+          <p:cNvPr id="2" name="Заголовок 1"/>
+          <p:cNvSpPr>
+            <a:spLocks noGrp="1"/>
+          </p:cNvSpPr>
+          <p:nvPr>
+            <p:ph type="title"/>
+          </p:nvPr>
+        </p:nvSpPr>
+        <p:spPr/>
+        <p:txBody>
+          <a:bodyPr/>
+          <a:lstStyle/>
+          <a:p>
+            <a:endParaRPr lang="ru-RU"/>
+          </a:p>
+        </p:txBody>
+      </p:sp>
+      <p:sp>
+        <p:nvSpPr>
+          <p:cNvPr id="3" name="Объект 2"/>
+          <p:cNvSpPr>
+            <a:spLocks noGrp="1"/>
+          </p:cNvSpPr>
+          <p:nvPr>
+            <p:ph idx="1"/>
+          </p:nvPr>
+        </p:nvSpPr>
+        <p:spPr/>
+        <p:txBody>
+          <a:bodyPr/>
+          <a:lstStyle/>
+          <a:p>
+            <a:endParaRPr lang="ru-RU"/>
+          </a:p>
+        </p:txBody>
+      </p:sp>
+      <p:sp>
+        <p:nvSpPr>
+          <p:cNvPr id="4" name="Номер слайда 3"/>
+          <p:cNvSpPr>
+            <a:spLocks noGrp="1"/>
+          </p:cNvSpPr>
+          <p:nvPr>
+            <p:ph type="sldNum" sz="quarter" idx="12"/>
+          </p:nvPr>
+        </p:nvSpPr>
+        <p:spPr/>
+        <p:txBody>
+          <a:bodyPr/>
+          <a:lstStyle/>
+          <a:p>
+            <a:fld id="{8CACD6DE-6B5C-4860-B48C-56B6DE2E5FCB}" type="slidenum">
+              <a:rPr lang="ru-RU" smtClean="0"/>
+              <a:t>9</a:t>
+            </a:fld>
+            <a:endParaRPr lang="ru-RU"/>
+          </a:p>
+        </p:txBody>
+      </p:sp>
+    </p:spTree>
+    <p:extLst>
+      <p:ext uri="{BB962C8B-B14F-4D97-AF65-F5344CB8AC3E}">
+        <p14:creationId xmlns:p14="http://schemas.microsoft.com/office/powerpoint/2010/main" val="1412725410"/>
+      </p:ext>
+    </p:extLst>
+  </p:cSld>
+  <p:clrMapOvr>
+    <a:masterClrMapping/>
+  </p:clrMapOvr>
+  <p:timing>
+    <p:tnLst>
+      <p:par>
+        <p:cTn id="1" dur="indefinite" restart="never" nodeType="tmRoot"/>
+      </p:par>
+    </p:tnLst>
+  </p:timing>
 </p:sld>
 </file>
 
@@ -3375,4 +5873,265 @@
     </a:ext>
   </a:extLst>
 </a:theme>
+</file>
+
+<file path=ppt/theme/theme2.xml><?xml version="1.0" encoding="utf-8"?>
+<a:theme xmlns:a="http://schemas.openxmlformats.org/drawingml/2006/main" name="Тема Office">
+  <a:themeElements>
+    <a:clrScheme name="Стандартная">
+      <a:dk1>
+        <a:sysClr val="windowText" lastClr="000000"/>
+      </a:dk1>
+      <a:lt1>
+        <a:sysClr val="window" lastClr="FFFFFF"/>
+      </a:lt1>
+      <a:dk2>
+        <a:srgbClr val="44546A"/>
+      </a:dk2>
+      <a:lt2>
+        <a:srgbClr val="E7E6E6"/>
+      </a:lt2>
+      <a:accent1>
+        <a:srgbClr val="5B9BD5"/>
+      </a:accent1>
+      <a:accent2>
+        <a:srgbClr val="ED7D31"/>
+      </a:accent2>
+      <a:accent3>
+        <a:srgbClr val="A5A5A5"/>
+      </a:accent3>
+      <a:accent4>
+        <a:srgbClr val="FFC000"/>
+      </a:accent4>
+      <a:accent5>
+        <a:srgbClr val="4472C4"/>
+      </a:accent5>
+      <a:accent6>
+        <a:srgbClr val="70AD47"/>
+      </a:accent6>
+      <a:hlink>
+        <a:srgbClr val="0563C1"/>
+      </a:hlink>
+      <a:folHlink>
+        <a:srgbClr val="954F72"/>
+      </a:folHlink>
+    </a:clrScheme>
+    <a:fontScheme name="Стандартная">
+      <a:majorFont>
+        <a:latin typeface="Calibri Light" panose="020F0302020204030204"/>
+        <a:ea typeface=""/>
+        <a:cs typeface=""/>
+        <a:font script="Jpan" typeface="游ゴシック Light"/>
+        <a:font script="Hang" typeface="맑은 고딕"/>
+        <a:font script="Hans" typeface="等线 Light"/>
+        <a:font script="Hant" typeface="新細明體"/>
+        <a:font script="Arab" typeface="Times New Roman"/>
+        <a:font script="Hebr" typeface="Times New Roman"/>
+        <a:font script="Thai" typeface="Angsana New"/>
+        <a:font script="Ethi" typeface="Nyala"/>
+        <a:font script="Beng" typeface="Vrinda"/>
+        <a:font script="Gujr" typeface="Shruti"/>
+        <a:font script="Khmr" typeface="MoolBoran"/>
+        <a:font script="Knda" typeface="Tunga"/>
+        <a:font script="Guru" typeface="Raavi"/>
+        <a:font script="Cans" typeface="Euphemia"/>
+        <a:font script="Cher" typeface="Plantagenet Cherokee"/>
+        <a:font script="Yiii" typeface="Microsoft Yi Baiti"/>
+        <a:font script="Tibt" typeface="Microsoft Himalaya"/>
+        <a:font script="Thaa" typeface="MV Boli"/>
+        <a:font script="Deva" typeface="Mangal"/>
+        <a:font script="Telu" typeface="Gautami"/>
+        <a:font script="Taml" typeface="Latha"/>
+        <a:font script="Syrc" typeface="Estrangelo Edessa"/>
+        <a:font script="Orya" typeface="Kalinga"/>
+        <a:font script="Mlym" typeface="Kartika"/>
+        <a:font script="Laoo" typeface="DokChampa"/>
+        <a:font script="Sinh" typeface="Iskoola Pota"/>
+        <a:font script="Mong" typeface="Mongolian Baiti"/>
+        <a:font script="Viet" typeface="Times New Roman"/>
+        <a:font script="Uigh" typeface="Microsoft Uighur"/>
+        <a:font script="Geor" typeface="Sylfaen"/>
+      </a:majorFont>
+      <a:minorFont>
+        <a:latin typeface="Calibri" panose="020F0502020204030204"/>
+        <a:ea typeface=""/>
+        <a:cs typeface=""/>
+        <a:font script="Jpan" typeface="游ゴシック"/>
+        <a:font script="Hang" typeface="맑은 고딕"/>
+        <a:font script="Hans" typeface="等线"/>
+        <a:font script="Hant" typeface="新細明體"/>
+        <a:font script="Arab" typeface="Arial"/>
+        <a:font script="Hebr" typeface="Arial"/>
+        <a:font script="Thai" typeface="Cordia New"/>
+        <a:font script="Ethi" typeface="Nyala"/>
+        <a:font script="Beng" typeface="Vrinda"/>
+        <a:font script="Gujr" typeface="Shruti"/>
+        <a:font script="Khmr" typeface="DaunPenh"/>
+        <a:font script="Knda" typeface="Tunga"/>
+        <a:font script="Guru" typeface="Raavi"/>
+        <a:font script="Cans" typeface="Euphemia"/>
+        <a:font script="Cher" typeface="Plantagenet Cherokee"/>
+        <a:font script="Yiii" typeface="Microsoft Yi Baiti"/>
+        <a:font script="Tibt" typeface="Microsoft Himalaya"/>
+        <a:font script="Thaa" typeface="MV Boli"/>
+        <a:font script="Deva" typeface="Mangal"/>
+        <a:font script="Telu" typeface="Gautami"/>
+        <a:font script="Taml" typeface="Latha"/>
+        <a:font script="Syrc" typeface="Estrangelo Edessa"/>
+        <a:font script="Orya" typeface="Kalinga"/>
+        <a:font script="Mlym" typeface="Kartika"/>
+        <a:font script="Laoo" typeface="DokChampa"/>
+        <a:font script="Sinh" typeface="Iskoola Pota"/>
+        <a:font script="Mong" typeface="Mongolian Baiti"/>
+        <a:font script="Viet" typeface="Arial"/>
+        <a:font script="Uigh" typeface="Microsoft Uighur"/>
+        <a:font script="Geor" typeface="Sylfaen"/>
+      </a:minorFont>
+    </a:fontScheme>
+    <a:fmtScheme name="Стандартная">
+      <a:fillStyleLst>
+        <a:solidFill>
+          <a:schemeClr val="phClr"/>
+        </a:solidFill>
+        <a:gradFill rotWithShape="1">
+          <a:gsLst>
+            <a:gs pos="0">
+              <a:schemeClr val="phClr">
+                <a:lumMod val="110000"/>
+                <a:satMod val="105000"/>
+                <a:tint val="67000"/>
+              </a:schemeClr>
+            </a:gs>
+            <a:gs pos="50000">
+              <a:schemeClr val="phClr">
+                <a:lumMod val="105000"/>
+                <a:satMod val="103000"/>
+                <a:tint val="73000"/>
+              </a:schemeClr>
+            </a:gs>
+            <a:gs pos="100000">
+              <a:schemeClr val="phClr">
+                <a:lumMod val="105000"/>
+                <a:satMod val="109000"/>
+                <a:tint val="81000"/>
+              </a:schemeClr>
+            </a:gs>
+          </a:gsLst>
+          <a:lin ang="5400000" scaled="0"/>
+        </a:gradFill>
+        <a:gradFill rotWithShape="1">
+          <a:gsLst>
+            <a:gs pos="0">
+              <a:schemeClr val="phClr">
+                <a:satMod val="103000"/>
+                <a:lumMod val="102000"/>
+                <a:tint val="94000"/>
+              </a:schemeClr>
+            </a:gs>
+            <a:gs pos="50000">
+              <a:schemeClr val="phClr">
+                <a:satMod val="110000"/>
+                <a:lumMod val="100000"/>
+                <a:shade val="100000"/>
+              </a:schemeClr>
+            </a:gs>
+            <a:gs pos="100000">
+              <a:schemeClr val="phClr">
+                <a:lumMod val="99000"/>
+                <a:satMod val="120000"/>
+                <a:shade val="78000"/>
+              </a:schemeClr>
+            </a:gs>
+          </a:gsLst>
+          <a:lin ang="5400000" scaled="0"/>
+        </a:gradFill>
+      </a:fillStyleLst>
+      <a:lnStyleLst>
+        <a:ln w="6350" cap="flat" cmpd="sng" algn="ctr">
+          <a:solidFill>
+            <a:schemeClr val="phClr"/>
+          </a:solidFill>
+          <a:prstDash val="solid"/>
+          <a:miter lim="800000"/>
+        </a:ln>
+        <a:ln w="12700" cap="flat" cmpd="sng" algn="ctr">
+          <a:solidFill>
+            <a:schemeClr val="phClr"/>
+          </a:solidFill>
+          <a:prstDash val="solid"/>
+          <a:miter lim="800000"/>
+        </a:ln>
+        <a:ln w="19050" cap="flat" cmpd="sng" algn="ctr">
+          <a:solidFill>
+            <a:schemeClr val="phClr"/>
+          </a:solidFill>
+          <a:prstDash val="solid"/>
+          <a:miter lim="800000"/>
+        </a:ln>
+      </a:lnStyleLst>
+      <a:effectStyleLst>
+        <a:effectStyle>
+          <a:effectLst/>
+        </a:effectStyle>
+        <a:effectStyle>
+          <a:effectLst/>
+        </a:effectStyle>
+        <a:effectStyle>
+          <a:effectLst>
+            <a:outerShdw blurRad="57150" dist="19050" dir="5400000" algn="ctr" rotWithShape="0">
+              <a:srgbClr val="000000">
+                <a:alpha val="63000"/>
+              </a:srgbClr>
+            </a:outerShdw>
+          </a:effectLst>
+        </a:effectStyle>
+      </a:effectStyleLst>
+      <a:bgFillStyleLst>
+        <a:solidFill>
+          <a:schemeClr val="phClr"/>
+        </a:solidFill>
+        <a:solidFill>
+          <a:schemeClr val="phClr">
+            <a:tint val="95000"/>
+            <a:satMod val="170000"/>
+          </a:schemeClr>
+        </a:solidFill>
+        <a:gradFill rotWithShape="1">
+          <a:gsLst>
+            <a:gs pos="0">
+              <a:schemeClr val="phClr">
+                <a:tint val="93000"/>
+                <a:satMod val="150000"/>
+                <a:shade val="98000"/>
+                <a:lumMod val="102000"/>
+              </a:schemeClr>
+            </a:gs>
+            <a:gs pos="50000">
+              <a:schemeClr val="phClr">
+                <a:tint val="98000"/>
+                <a:satMod val="130000"/>
+                <a:shade val="90000"/>
+                <a:lumMod val="103000"/>
+              </a:schemeClr>
+            </a:gs>
+            <a:gs pos="100000">
+              <a:schemeClr val="phClr">
+                <a:shade val="63000"/>
+                <a:satMod val="120000"/>
+              </a:schemeClr>
+            </a:gs>
+          </a:gsLst>
+          <a:lin ang="5400000" scaled="0"/>
+        </a:gradFill>
+      </a:bgFillStyleLst>
+    </a:fmtScheme>
+  </a:themeElements>
+  <a:objectDefaults/>
+  <a:extraClrSchemeLst/>
+  <a:extLst>
+    <a:ext uri="{05A4C25C-085E-4340-85A3-A5531E510DB2}">
+      <thm15:themeFamily xmlns:thm15="http://schemas.microsoft.com/office/thememl/2012/main" name="Office Theme" id="{62F939B6-93AF-4DB8-9C6B-D6C7DFDC589F}" vid="{4A3C46E8-61CC-4603-A589-7422A47A8E4A}"/>
+    </a:ext>
+  </a:extLst>
+</a:theme>
 </file>
--- a/конференция/конференция.pptx
+++ b/конференция/конференция.pptx
@@ -5,18 +5,21 @@
     <p:sldMasterId id="2147483648" r:id="rId1"/>
   </p:sldMasterIdLst>
   <p:notesMasterIdLst>
-    <p:notesMasterId r:id="rId11"/>
+    <p:notesMasterId r:id="rId14"/>
   </p:notesMasterIdLst>
   <p:sldIdLst>
     <p:sldId id="256" r:id="rId2"/>
     <p:sldId id="257" r:id="rId3"/>
-    <p:sldId id="258" r:id="rId4"/>
-    <p:sldId id="259" r:id="rId5"/>
-    <p:sldId id="260" r:id="rId6"/>
-    <p:sldId id="261" r:id="rId7"/>
-    <p:sldId id="262" r:id="rId8"/>
+    <p:sldId id="265" r:id="rId4"/>
+    <p:sldId id="258" r:id="rId5"/>
+    <p:sldId id="259" r:id="rId6"/>
+    <p:sldId id="260" r:id="rId7"/>
+    <p:sldId id="261" r:id="rId8"/>
     <p:sldId id="263" r:id="rId9"/>
-    <p:sldId id="264" r:id="rId10"/>
+    <p:sldId id="262" r:id="rId10"/>
+    <p:sldId id="264" r:id="rId11"/>
+    <p:sldId id="266" r:id="rId12"/>
+    <p:sldId id="267" r:id="rId13"/>
   </p:sldIdLst>
   <p:sldSz cx="12192000" cy="6858000"/>
   <p:notesSz cx="6858000" cy="9144000"/>
@@ -117,7 +120,7 @@
   </p:defaultTextStyle>
   <p:extLst>
     <p:ext uri="{EFAFB233-063F-42B5-8137-9DF3F51BA10A}">
-      <p15:sldGuideLst xmlns:p15="http://schemas.microsoft.com/office/powerpoint/2012/main"/>
+      <p15:sldGuideLst xmlns:p15="http://schemas.microsoft.com/office/powerpoint/2012/main" xmlns=""/>
     </p:ext>
   </p:extLst>
 </p:presentation>
@@ -205,7 +208,8 @@
           <a:p>
             <a:fld id="{95B27228-39F1-48DC-9365-C069E5D67A7E}" type="datetimeFigureOut">
               <a:rPr lang="ru-RU" smtClean="0"/>
-              <a:t>09.09.2020</a:t>
+              <a:pPr/>
+              <a:t>10.09.2020</a:t>
             </a:fld>
             <a:endParaRPr lang="ru-RU"/>
           </a:p>
@@ -364,6 +368,7 @@
           <a:p>
             <a:fld id="{E2250665-D45C-4F8A-9FC9-1A3A48A307F5}" type="slidenum">
               <a:rPr lang="ru-RU" smtClean="0"/>
+              <a:pPr/>
               <a:t>‹#›</a:t>
             </a:fld>
             <a:endParaRPr lang="ru-RU"/>
@@ -373,7 +378,7 @@
     </p:spTree>
     <p:extLst>
       <p:ext uri="{BB962C8B-B14F-4D97-AF65-F5344CB8AC3E}">
-        <p14:creationId xmlns:p14="http://schemas.microsoft.com/office/powerpoint/2010/main" val="3280901892"/>
+        <p14:creationId xmlns:p14="http://schemas.microsoft.com/office/powerpoint/2010/main" xmlns="" val="3280901892"/>
       </p:ext>
     </p:extLst>
   </p:cSld>
@@ -604,7 +609,8 @@
           <a:p>
             <a:fld id="{0704A938-EFF3-4039-AEB3-F45F3227D94C}" type="datetime1">
               <a:rPr lang="ru-RU" smtClean="0"/>
-              <a:t>09.09.2020</a:t>
+              <a:pPr/>
+              <a:t>10.09.2020</a:t>
             </a:fld>
             <a:endParaRPr lang="ru-RU"/>
           </a:p>
@@ -646,6 +652,7 @@
           <a:p>
             <a:fld id="{8CACD6DE-6B5C-4860-B48C-56B6DE2E5FCB}" type="slidenum">
               <a:rPr lang="ru-RU" smtClean="0"/>
+              <a:pPr/>
               <a:t>‹#›</a:t>
             </a:fld>
             <a:endParaRPr lang="ru-RU"/>
@@ -655,7 +662,7 @@
     </p:spTree>
     <p:extLst>
       <p:ext uri="{BB962C8B-B14F-4D97-AF65-F5344CB8AC3E}">
-        <p14:creationId xmlns:p14="http://schemas.microsoft.com/office/powerpoint/2010/main" val="103192031"/>
+        <p14:creationId xmlns:p14="http://schemas.microsoft.com/office/powerpoint/2010/main" xmlns="" val="103192031"/>
       </p:ext>
     </p:extLst>
   </p:cSld>
@@ -774,7 +781,8 @@
           <a:p>
             <a:fld id="{EF58C5DB-8B46-4406-9BE9-7FC2BCC26CDC}" type="datetime1">
               <a:rPr lang="ru-RU" smtClean="0"/>
-              <a:t>09.09.2020</a:t>
+              <a:pPr/>
+              <a:t>10.09.2020</a:t>
             </a:fld>
             <a:endParaRPr lang="ru-RU"/>
           </a:p>
@@ -816,6 +824,7 @@
           <a:p>
             <a:fld id="{8CACD6DE-6B5C-4860-B48C-56B6DE2E5FCB}" type="slidenum">
               <a:rPr lang="ru-RU" smtClean="0"/>
+              <a:pPr/>
               <a:t>‹#›</a:t>
             </a:fld>
             <a:endParaRPr lang="ru-RU"/>
@@ -825,7 +834,7 @@
     </p:spTree>
     <p:extLst>
       <p:ext uri="{BB962C8B-B14F-4D97-AF65-F5344CB8AC3E}">
-        <p14:creationId xmlns:p14="http://schemas.microsoft.com/office/powerpoint/2010/main" val="3468391393"/>
+        <p14:creationId xmlns:p14="http://schemas.microsoft.com/office/powerpoint/2010/main" xmlns="" val="3468391393"/>
       </p:ext>
     </p:extLst>
   </p:cSld>
@@ -954,7 +963,8 @@
           <a:p>
             <a:fld id="{8AB87626-2F6B-45FF-BCB6-9CB651A3E47A}" type="datetime1">
               <a:rPr lang="ru-RU" smtClean="0"/>
-              <a:t>09.09.2020</a:t>
+              <a:pPr/>
+              <a:t>10.09.2020</a:t>
             </a:fld>
             <a:endParaRPr lang="ru-RU"/>
           </a:p>
@@ -996,6 +1006,7 @@
           <a:p>
             <a:fld id="{8CACD6DE-6B5C-4860-B48C-56B6DE2E5FCB}" type="slidenum">
               <a:rPr lang="ru-RU" smtClean="0"/>
+              <a:pPr/>
               <a:t>‹#›</a:t>
             </a:fld>
             <a:endParaRPr lang="ru-RU"/>
@@ -1005,7 +1016,7 @@
     </p:spTree>
     <p:extLst>
       <p:ext uri="{BB962C8B-B14F-4D97-AF65-F5344CB8AC3E}">
-        <p14:creationId xmlns:p14="http://schemas.microsoft.com/office/powerpoint/2010/main" val="1918792464"/>
+        <p14:creationId xmlns:p14="http://schemas.microsoft.com/office/powerpoint/2010/main" xmlns="" val="1918792464"/>
       </p:ext>
     </p:extLst>
   </p:cSld>
@@ -1124,7 +1135,8 @@
           <a:p>
             <a:fld id="{7CCCAB3F-6B07-409B-BAE1-563E393CDDB1}" type="datetime1">
               <a:rPr lang="ru-RU" smtClean="0"/>
-              <a:t>09.09.2020</a:t>
+              <a:pPr/>
+              <a:t>10.09.2020</a:t>
             </a:fld>
             <a:endParaRPr lang="ru-RU"/>
           </a:p>
@@ -1166,6 +1178,7 @@
           <a:p>
             <a:fld id="{8CACD6DE-6B5C-4860-B48C-56B6DE2E5FCB}" type="slidenum">
               <a:rPr lang="ru-RU" smtClean="0"/>
+              <a:pPr/>
               <a:t>‹#›</a:t>
             </a:fld>
             <a:endParaRPr lang="ru-RU"/>
@@ -1175,7 +1188,7 @@
     </p:spTree>
     <p:extLst>
       <p:ext uri="{BB962C8B-B14F-4D97-AF65-F5344CB8AC3E}">
-        <p14:creationId xmlns:p14="http://schemas.microsoft.com/office/powerpoint/2010/main" val="1813482303"/>
+        <p14:creationId xmlns:p14="http://schemas.microsoft.com/office/powerpoint/2010/main" xmlns="" val="1813482303"/>
       </p:ext>
     </p:extLst>
   </p:cSld>
@@ -1370,7 +1383,8 @@
           <a:p>
             <a:fld id="{39095F38-0A21-4B24-AA16-C68F6BFD6E23}" type="datetime1">
               <a:rPr lang="ru-RU" smtClean="0"/>
-              <a:t>09.09.2020</a:t>
+              <a:pPr/>
+              <a:t>10.09.2020</a:t>
             </a:fld>
             <a:endParaRPr lang="ru-RU"/>
           </a:p>
@@ -1412,6 +1426,7 @@
           <a:p>
             <a:fld id="{8CACD6DE-6B5C-4860-B48C-56B6DE2E5FCB}" type="slidenum">
               <a:rPr lang="ru-RU" smtClean="0"/>
+              <a:pPr/>
               <a:t>‹#›</a:t>
             </a:fld>
             <a:endParaRPr lang="ru-RU"/>
@@ -1421,7 +1436,7 @@
     </p:spTree>
     <p:extLst>
       <p:ext uri="{BB962C8B-B14F-4D97-AF65-F5344CB8AC3E}">
-        <p14:creationId xmlns:p14="http://schemas.microsoft.com/office/powerpoint/2010/main" val="2956599782"/>
+        <p14:creationId xmlns:p14="http://schemas.microsoft.com/office/powerpoint/2010/main" xmlns="" val="2956599782"/>
       </p:ext>
     </p:extLst>
   </p:cSld>
@@ -1602,7 +1617,8 @@
           <a:p>
             <a:fld id="{B627CD4D-E135-4DED-9AC4-D2362FF8AE38}" type="datetime1">
               <a:rPr lang="ru-RU" smtClean="0"/>
-              <a:t>09.09.2020</a:t>
+              <a:pPr/>
+              <a:t>10.09.2020</a:t>
             </a:fld>
             <a:endParaRPr lang="ru-RU"/>
           </a:p>
@@ -1644,6 +1660,7 @@
           <a:p>
             <a:fld id="{8CACD6DE-6B5C-4860-B48C-56B6DE2E5FCB}" type="slidenum">
               <a:rPr lang="ru-RU" smtClean="0"/>
+              <a:pPr/>
               <a:t>‹#›</a:t>
             </a:fld>
             <a:endParaRPr lang="ru-RU"/>
@@ -1653,7 +1670,7 @@
     </p:spTree>
     <p:extLst>
       <p:ext uri="{BB962C8B-B14F-4D97-AF65-F5344CB8AC3E}">
-        <p14:creationId xmlns:p14="http://schemas.microsoft.com/office/powerpoint/2010/main" val="1873215408"/>
+        <p14:creationId xmlns:p14="http://schemas.microsoft.com/office/powerpoint/2010/main" xmlns="" val="1873215408"/>
       </p:ext>
     </p:extLst>
   </p:cSld>
@@ -1969,7 +1986,8 @@
           <a:p>
             <a:fld id="{F0F8BED1-62CB-43ED-A86B-E8FDF651447E}" type="datetime1">
               <a:rPr lang="ru-RU" smtClean="0"/>
-              <a:t>09.09.2020</a:t>
+              <a:pPr/>
+              <a:t>10.09.2020</a:t>
             </a:fld>
             <a:endParaRPr lang="ru-RU"/>
           </a:p>
@@ -2011,6 +2029,7 @@
           <a:p>
             <a:fld id="{8CACD6DE-6B5C-4860-B48C-56B6DE2E5FCB}" type="slidenum">
               <a:rPr lang="ru-RU" smtClean="0"/>
+              <a:pPr/>
               <a:t>‹#›</a:t>
             </a:fld>
             <a:endParaRPr lang="ru-RU"/>
@@ -2020,7 +2039,7 @@
     </p:spTree>
     <p:extLst>
       <p:ext uri="{BB962C8B-B14F-4D97-AF65-F5344CB8AC3E}">
-        <p14:creationId xmlns:p14="http://schemas.microsoft.com/office/powerpoint/2010/main" val="2549970162"/>
+        <p14:creationId xmlns:p14="http://schemas.microsoft.com/office/powerpoint/2010/main" xmlns="" val="2549970162"/>
       </p:ext>
     </p:extLst>
   </p:cSld>
@@ -2087,7 +2106,8 @@
           <a:p>
             <a:fld id="{BE3E1266-3743-43BE-8961-12066C4C05AD}" type="datetime1">
               <a:rPr lang="ru-RU" smtClean="0"/>
-              <a:t>09.09.2020</a:t>
+              <a:pPr/>
+              <a:t>10.09.2020</a:t>
             </a:fld>
             <a:endParaRPr lang="ru-RU"/>
           </a:p>
@@ -2129,6 +2149,7 @@
           <a:p>
             <a:fld id="{8CACD6DE-6B5C-4860-B48C-56B6DE2E5FCB}" type="slidenum">
               <a:rPr lang="ru-RU" smtClean="0"/>
+              <a:pPr/>
               <a:t>‹#›</a:t>
             </a:fld>
             <a:endParaRPr lang="ru-RU"/>
@@ -2138,7 +2159,7 @@
     </p:spTree>
     <p:extLst>
       <p:ext uri="{BB962C8B-B14F-4D97-AF65-F5344CB8AC3E}">
-        <p14:creationId xmlns:p14="http://schemas.microsoft.com/office/powerpoint/2010/main" val="1338756662"/>
+        <p14:creationId xmlns:p14="http://schemas.microsoft.com/office/powerpoint/2010/main" xmlns="" val="1338756662"/>
       </p:ext>
     </p:extLst>
   </p:cSld>
@@ -2182,7 +2203,8 @@
           <a:p>
             <a:fld id="{A3337557-95CA-4B1F-9B5D-DFD54FD4FCCF}" type="datetime1">
               <a:rPr lang="ru-RU" smtClean="0"/>
-              <a:t>09.09.2020</a:t>
+              <a:pPr/>
+              <a:t>10.09.2020</a:t>
             </a:fld>
             <a:endParaRPr lang="ru-RU"/>
           </a:p>
@@ -2224,6 +2246,7 @@
           <a:p>
             <a:fld id="{8CACD6DE-6B5C-4860-B48C-56B6DE2E5FCB}" type="slidenum">
               <a:rPr lang="ru-RU" smtClean="0"/>
+              <a:pPr/>
               <a:t>‹#›</a:t>
             </a:fld>
             <a:endParaRPr lang="ru-RU"/>
@@ -2233,7 +2256,7 @@
     </p:spTree>
     <p:extLst>
       <p:ext uri="{BB962C8B-B14F-4D97-AF65-F5344CB8AC3E}">
-        <p14:creationId xmlns:p14="http://schemas.microsoft.com/office/powerpoint/2010/main" val="651542604"/>
+        <p14:creationId xmlns:p14="http://schemas.microsoft.com/office/powerpoint/2010/main" xmlns="" val="651542604"/>
       </p:ext>
     </p:extLst>
   </p:cSld>
@@ -2459,7 +2482,8 @@
           <a:p>
             <a:fld id="{2386B534-2D48-4B6A-A743-A51533CF1944}" type="datetime1">
               <a:rPr lang="ru-RU" smtClean="0"/>
-              <a:t>09.09.2020</a:t>
+              <a:pPr/>
+              <a:t>10.09.2020</a:t>
             </a:fld>
             <a:endParaRPr lang="ru-RU"/>
           </a:p>
@@ -2501,6 +2525,7 @@
           <a:p>
             <a:fld id="{8CACD6DE-6B5C-4860-B48C-56B6DE2E5FCB}" type="slidenum">
               <a:rPr lang="ru-RU" smtClean="0"/>
+              <a:pPr/>
               <a:t>‹#›</a:t>
             </a:fld>
             <a:endParaRPr lang="ru-RU"/>
@@ -2510,7 +2535,7 @@
     </p:spTree>
     <p:extLst>
       <p:ext uri="{BB962C8B-B14F-4D97-AF65-F5344CB8AC3E}">
-        <p14:creationId xmlns:p14="http://schemas.microsoft.com/office/powerpoint/2010/main" val="416571746"/>
+        <p14:creationId xmlns:p14="http://schemas.microsoft.com/office/powerpoint/2010/main" xmlns="" val="416571746"/>
       </p:ext>
     </p:extLst>
   </p:cSld>
@@ -2712,7 +2737,8 @@
           <a:p>
             <a:fld id="{432C0752-C6BD-457E-9004-19404342D8BD}" type="datetime1">
               <a:rPr lang="ru-RU" smtClean="0"/>
-              <a:t>09.09.2020</a:t>
+              <a:pPr/>
+              <a:t>10.09.2020</a:t>
             </a:fld>
             <a:endParaRPr lang="ru-RU"/>
           </a:p>
@@ -2754,6 +2780,7 @@
           <a:p>
             <a:fld id="{8CACD6DE-6B5C-4860-B48C-56B6DE2E5FCB}" type="slidenum">
               <a:rPr lang="ru-RU" smtClean="0"/>
+              <a:pPr/>
               <a:t>‹#›</a:t>
             </a:fld>
             <a:endParaRPr lang="ru-RU"/>
@@ -2763,7 +2790,7 @@
     </p:spTree>
     <p:extLst>
       <p:ext uri="{BB962C8B-B14F-4D97-AF65-F5344CB8AC3E}">
-        <p14:creationId xmlns:p14="http://schemas.microsoft.com/office/powerpoint/2010/main" val="3197632845"/>
+        <p14:creationId xmlns:p14="http://schemas.microsoft.com/office/powerpoint/2010/main" xmlns="" val="3197632845"/>
       </p:ext>
     </p:extLst>
   </p:cSld>
@@ -2925,7 +2952,8 @@
           <a:p>
             <a:fld id="{9273BC86-8941-4899-ADB6-2594AD6532D3}" type="datetime1">
               <a:rPr lang="ru-RU" smtClean="0"/>
-              <a:t>09.09.2020</a:t>
+              <a:pPr/>
+              <a:t>10.09.2020</a:t>
             </a:fld>
             <a:endParaRPr lang="ru-RU"/>
           </a:p>
@@ -3003,6 +3031,7 @@
           <a:p>
             <a:fld id="{8CACD6DE-6B5C-4860-B48C-56B6DE2E5FCB}" type="slidenum">
               <a:rPr lang="ru-RU" smtClean="0"/>
+              <a:pPr/>
               <a:t>‹#›</a:t>
             </a:fld>
             <a:endParaRPr lang="ru-RU"/>
@@ -3012,7 +3041,7 @@
     </p:spTree>
     <p:extLst>
       <p:ext uri="{BB962C8B-B14F-4D97-AF65-F5344CB8AC3E}">
-        <p14:creationId xmlns:p14="http://schemas.microsoft.com/office/powerpoint/2010/main" val="2934121125"/>
+        <p14:creationId xmlns:p14="http://schemas.microsoft.com/office/powerpoint/2010/main" xmlns="" val="2934121125"/>
       </p:ext>
     </p:extLst>
   </p:cSld>
@@ -3351,7 +3380,7 @@
         </p:nvSpPr>
         <p:spPr>
           <a:xfrm>
-            <a:off x="1524000" y="2098309"/>
+            <a:off x="1540329" y="2784109"/>
             <a:ext cx="9144000" cy="891075"/>
           </a:xfrm>
         </p:spPr>
@@ -3426,16 +3455,83 @@
           <a:p>
             <a:fld id="{8CACD6DE-6B5C-4860-B48C-56B6DE2E5FCB}" type="slidenum">
               <a:rPr lang="ru-RU" smtClean="0"/>
+              <a:pPr/>
               <a:t>1</a:t>
             </a:fld>
             <a:endParaRPr lang="ru-RU"/>
+          </a:p>
+        </p:txBody>
+      </p:sp>
+      <p:sp>
+        <p:nvSpPr>
+          <p:cNvPr id="5" name="Прямоугольник 4"/>
+          <p:cNvSpPr/>
+          <p:nvPr/>
+        </p:nvSpPr>
+        <p:spPr>
+          <a:xfrm>
+            <a:off x="3048000" y="549854"/>
+            <a:ext cx="6096000" cy="859723"/>
+          </a:xfrm>
+          <a:prstGeom prst="rect">
+            <a:avLst/>
+          </a:prstGeom>
+        </p:spPr>
+        <p:txBody>
+          <a:bodyPr>
+            <a:spAutoFit/>
+          </a:bodyPr>
+          <a:lstStyle/>
+          <a:p>
+            <a:pPr lvl="0" algn="ctr">
+              <a:lnSpc>
+                <a:spcPct val="80000"/>
+              </a:lnSpc>
+              <a:spcAft>
+                <a:spcPts val="800"/>
+              </a:spcAft>
+            </a:pPr>
+            <a:r>
+              <a:rPr lang="ru-RU" dirty="0" smtClean="0">
+                <a:solidFill>
+                  <a:prstClr val="black"/>
+                </a:solidFill>
+                <a:ea typeface="Calibri" panose="020F0502020204030204" pitchFamily="34" charset="0"/>
+                <a:cs typeface="Gotham Pro" panose="02000503040000020004" pitchFamily="2" charset="0"/>
+              </a:rPr>
+              <a:t>Физический факультет</a:t>
+            </a:r>
+          </a:p>
+          <a:p>
+            <a:pPr lvl="0" algn="ctr">
+              <a:lnSpc>
+                <a:spcPct val="80000"/>
+              </a:lnSpc>
+              <a:spcAft>
+                <a:spcPts val="800"/>
+              </a:spcAft>
+            </a:pPr>
+            <a:r>
+              <a:rPr lang="ru-RU" dirty="0" smtClean="0">
+                <a:solidFill>
+                  <a:prstClr val="black"/>
+                </a:solidFill>
+                <a:ea typeface="Calibri" panose="020F0502020204030204" pitchFamily="34" charset="0"/>
+                <a:cs typeface="Gotham Pro" panose="02000503040000020004" pitchFamily="2" charset="0"/>
+              </a:rPr>
+              <a:t>Кафедра молекулярных процессов и экстремальных состояний вещества</a:t>
+            </a:r>
+            <a:endParaRPr lang="ru-RU" dirty="0">
+              <a:ea typeface="Calibri" panose="020F0502020204030204" pitchFamily="34" charset="0"/>
+              <a:cs typeface="Gotham Pro" panose="02000503040000020004" pitchFamily="2" charset="0"/>
+            </a:endParaRPr>
           </a:p>
         </p:txBody>
       </p:sp>
     </p:spTree>
     <p:extLst>
       <p:ext uri="{BB962C8B-B14F-4D97-AF65-F5344CB8AC3E}">
-        <p14:creationId xmlns:p14="http://schemas.microsoft.com/office/powerpoint/2010/main" val="10773478"/>
+        <p14:creationId xmlns:p14="http://schemas.microsoft.com/office/powerpoint/2010/main" xmlns="" val="10773478"/>
       </p:ext>
     </p:extLst>
   </p:cSld>
@@ -3449,6 +3545,912 @@
       </p:par>
     </p:tnLst>
   </p:timing>
+</p:sld>
+</file>
+
+<file path=ppt/slides/slide10.xml><?xml version="1.0" encoding="utf-8"?>
+<p:sld xmlns:a="http://schemas.openxmlformats.org/drawingml/2006/main" xmlns:r="http://schemas.openxmlformats.org/officeDocument/2006/relationships" xmlns:p="http://schemas.openxmlformats.org/presentationml/2006/main">
+  <p:cSld>
+    <p:spTree>
+      <p:nvGrpSpPr>
+        <p:cNvPr id="1" name=""/>
+        <p:cNvGrpSpPr/>
+        <p:nvPr/>
+      </p:nvGrpSpPr>
+      <p:grpSpPr>
+        <a:xfrm>
+          <a:off x="0" y="0"/>
+          <a:ext cx="0" cy="0"/>
+          <a:chOff x="0" y="0"/>
+          <a:chExt cx="0" cy="0"/>
+        </a:xfrm>
+      </p:grpSpPr>
+      <p:pic>
+        <p:nvPicPr>
+          <p:cNvPr id="8" name="Рисунок 7"/>
+          <p:cNvPicPr>
+            <a:picLocks noChangeAspect="1"/>
+          </p:cNvPicPr>
+          <p:nvPr/>
+        </p:nvPicPr>
+        <p:blipFill>
+          <a:blip r:embed="rId2">
+            <a:extLst>
+              <a:ext uri="{28A0092B-C50C-407E-A947-70E740481C1C}">
+                <a14:useLocalDpi xmlns:a14="http://schemas.microsoft.com/office/drawing/2010/main" xmlns="" val="0"/>
+              </a:ext>
+            </a:extLst>
+          </a:blip>
+          <a:stretch>
+            <a:fillRect/>
+          </a:stretch>
+        </p:blipFill>
+        <p:spPr>
+          <a:xfrm>
+            <a:off x="2639715" y="819664"/>
+            <a:ext cx="6912571" cy="5184429"/>
+          </a:xfrm>
+          <a:prstGeom prst="rect">
+            <a:avLst/>
+          </a:prstGeom>
+        </p:spPr>
+      </p:pic>
+      <p:sp>
+        <p:nvSpPr>
+          <p:cNvPr id="4" name="Номер слайда 3"/>
+          <p:cNvSpPr>
+            <a:spLocks noGrp="1"/>
+          </p:cNvSpPr>
+          <p:nvPr>
+            <p:ph type="sldNum" sz="quarter" idx="12"/>
+          </p:nvPr>
+        </p:nvSpPr>
+        <p:spPr/>
+        <p:txBody>
+          <a:bodyPr/>
+          <a:lstStyle/>
+          <a:p>
+            <a:fld id="{8CACD6DE-6B5C-4860-B48C-56B6DE2E5FCB}" type="slidenum">
+              <a:rPr lang="ru-RU" smtClean="0"/>
+              <a:pPr/>
+              <a:t>10</a:t>
+            </a:fld>
+            <a:endParaRPr lang="ru-RU" dirty="0"/>
+          </a:p>
+        </p:txBody>
+      </p:sp>
+      <p:sp>
+        <p:nvSpPr>
+          <p:cNvPr id="5" name="TextBox 4"/>
+          <p:cNvSpPr txBox="1"/>
+          <p:nvPr/>
+        </p:nvSpPr>
+        <p:spPr>
+          <a:xfrm>
+            <a:off x="1499153" y="601317"/>
+            <a:ext cx="9193694" cy="584775"/>
+          </a:xfrm>
+          <a:prstGeom prst="rect">
+            <a:avLst/>
+          </a:prstGeom>
+          <a:noFill/>
+        </p:spPr>
+        <p:txBody>
+          <a:bodyPr wrap="square" rtlCol="0">
+            <a:spAutoFit/>
+          </a:bodyPr>
+          <a:lstStyle/>
+          <a:p>
+            <a:pPr algn="ctr"/>
+            <a:r>
+              <a:rPr lang="ru-RU" sz="3200" b="1" u="sng" dirty="0" smtClean="0"/>
+              <a:t>Спектры излучения</a:t>
+            </a:r>
+            <a:endParaRPr lang="ru-RU" sz="3200" b="1" u="sng" dirty="0"/>
+          </a:p>
+        </p:txBody>
+      </p:sp>
+      <p:sp>
+        <p:nvSpPr>
+          <p:cNvPr id="9" name="TextBox 8"/>
+          <p:cNvSpPr txBox="1"/>
+          <p:nvPr/>
+        </p:nvSpPr>
+        <p:spPr>
+          <a:xfrm>
+            <a:off x="2749527" y="987890"/>
+            <a:ext cx="1169329" cy="461665"/>
+          </a:xfrm>
+          <a:prstGeom prst="rect">
+            <a:avLst/>
+          </a:prstGeom>
+          <a:noFill/>
+        </p:spPr>
+        <p:txBody>
+          <a:bodyPr wrap="square" rtlCol="0">
+            <a:spAutoFit/>
+          </a:bodyPr>
+          <a:lstStyle/>
+          <a:p>
+            <a:r>
+              <a:rPr lang="en-US" sz="2400" b="1" i="1" dirty="0" smtClean="0">
+                <a:latin typeface="Times New Roman" panose="02020603050405020304" pitchFamily="18" charset="0"/>
+                <a:cs typeface="Times New Roman" panose="02020603050405020304" pitchFamily="18" charset="0"/>
+              </a:rPr>
+              <a:t>I</a:t>
+            </a:r>
+            <a:r>
+              <a:rPr lang="en-US" sz="2400" dirty="0" smtClean="0">
+                <a:latin typeface="Times New Roman" panose="02020603050405020304" pitchFamily="18" charset="0"/>
+                <a:cs typeface="Times New Roman" panose="02020603050405020304" pitchFamily="18" charset="0"/>
+              </a:rPr>
+              <a:t>, </a:t>
+            </a:r>
+            <a:r>
+              <a:rPr lang="ru-RU" sz="2400" i="1" dirty="0" smtClean="0">
+                <a:latin typeface="Times New Roman" panose="02020603050405020304" pitchFamily="18" charset="0"/>
+                <a:cs typeface="Times New Roman" panose="02020603050405020304" pitchFamily="18" charset="0"/>
+              </a:rPr>
+              <a:t>о</a:t>
+            </a:r>
+            <a:r>
+              <a:rPr lang="ru-RU" sz="2400" i="1" dirty="0" smtClean="0">
+                <a:latin typeface="Times New Roman" panose="02020603050405020304" pitchFamily="18" charset="0"/>
+                <a:cs typeface="Times New Roman" panose="02020603050405020304" pitchFamily="18" charset="0"/>
+              </a:rPr>
+              <a:t>.</a:t>
+            </a:r>
+            <a:r>
+              <a:rPr lang="ru-RU" sz="2400" i="1" dirty="0" smtClean="0">
+                <a:latin typeface="Times New Roman" panose="02020603050405020304" pitchFamily="18" charset="0"/>
+                <a:cs typeface="Times New Roman" panose="02020603050405020304" pitchFamily="18" charset="0"/>
+              </a:rPr>
+              <a:t>е</a:t>
+            </a:r>
+            <a:r>
+              <a:rPr lang="ru-RU" sz="2400" i="1" dirty="0" smtClean="0"/>
+              <a:t>.</a:t>
+            </a:r>
+            <a:r>
+              <a:rPr lang="ru-RU" sz="2400" dirty="0" smtClean="0"/>
+              <a:t> </a:t>
+            </a:r>
+            <a:endParaRPr lang="ru-RU" sz="2400" dirty="0"/>
+          </a:p>
+        </p:txBody>
+      </p:sp>
+      <p:sp>
+        <p:nvSpPr>
+          <p:cNvPr id="10" name="TextBox 9"/>
+          <p:cNvSpPr txBox="1"/>
+          <p:nvPr/>
+        </p:nvSpPr>
+        <p:spPr>
+          <a:xfrm>
+            <a:off x="8852030" y="5061857"/>
+            <a:ext cx="896128" cy="461665"/>
+          </a:xfrm>
+          <a:prstGeom prst="rect">
+            <a:avLst/>
+          </a:prstGeom>
+          <a:noFill/>
+        </p:spPr>
+        <p:txBody>
+          <a:bodyPr wrap="square" rtlCol="0">
+            <a:spAutoFit/>
+          </a:bodyPr>
+          <a:lstStyle/>
+          <a:p>
+            <a:r>
+              <a:rPr lang="ru-RU" sz="2400" b="1" i="1" dirty="0" err="1" smtClean="0">
+                <a:latin typeface="Times New Roman" panose="02020603050405020304" pitchFamily="18" charset="0"/>
+                <a:cs typeface="Times New Roman" panose="02020603050405020304" pitchFamily="18" charset="0"/>
+              </a:rPr>
+              <a:t>λ,</a:t>
+            </a:r>
+            <a:r>
+              <a:rPr lang="ru-RU" sz="2400" dirty="0" err="1" smtClean="0">
+                <a:latin typeface="Times New Roman" panose="02020603050405020304" pitchFamily="18" charset="0"/>
+                <a:cs typeface="Times New Roman" panose="02020603050405020304" pitchFamily="18" charset="0"/>
+              </a:rPr>
+              <a:t> </a:t>
+            </a:r>
+            <a:r>
+              <a:rPr lang="ru-RU" sz="2400" i="1" dirty="0" smtClean="0">
+                <a:latin typeface="Times New Roman" panose="02020603050405020304" pitchFamily="18" charset="0"/>
+                <a:cs typeface="Times New Roman" panose="02020603050405020304" pitchFamily="18" charset="0"/>
+              </a:rPr>
+              <a:t>нм</a:t>
+            </a:r>
+            <a:endParaRPr lang="ru-RU" sz="2400" i="1" dirty="0"/>
+          </a:p>
+        </p:txBody>
+      </p:sp>
+      <p:sp>
+        <p:nvSpPr>
+          <p:cNvPr id="11" name="TextBox 10"/>
+          <p:cNvSpPr txBox="1"/>
+          <p:nvPr/>
+        </p:nvSpPr>
+        <p:spPr>
+          <a:xfrm>
+            <a:off x="3458940" y="5715001"/>
+            <a:ext cx="5600700" cy="923330"/>
+          </a:xfrm>
+          <a:prstGeom prst="rect">
+            <a:avLst/>
+          </a:prstGeom>
+          <a:noFill/>
+        </p:spPr>
+        <p:txBody>
+          <a:bodyPr wrap="square" rtlCol="0">
+            <a:spAutoFit/>
+          </a:bodyPr>
+          <a:lstStyle/>
+          <a:p>
+            <a:pPr algn="ctr"/>
+            <a:r>
+              <a:rPr lang="ru-RU" dirty="0" smtClean="0"/>
+              <a:t>Спектры излучения в воздушном потоке (1) и в неподвижном воздухе (2). Число Маха потока 1.37, плотность 0.10 </a:t>
+            </a:r>
+            <a:r>
+              <a:rPr lang="en-US" dirty="0" smtClean="0"/>
+              <a:t>kg/m</a:t>
+            </a:r>
+            <a:r>
+              <a:rPr lang="en-US" baseline="30000" dirty="0" smtClean="0"/>
+              <a:t>3</a:t>
+            </a:r>
+            <a:endParaRPr lang="ru-RU" dirty="0"/>
+          </a:p>
+        </p:txBody>
+      </p:sp>
+      <p:sp>
+        <p:nvSpPr>
+          <p:cNvPr id="12" name="Правая фигурная скобка 11"/>
+          <p:cNvSpPr/>
+          <p:nvPr/>
+        </p:nvSpPr>
+        <p:spPr>
+          <a:xfrm rot="16200000">
+            <a:off x="4839943" y="1027047"/>
+            <a:ext cx="220263" cy="1072651"/>
+          </a:xfrm>
+          <a:prstGeom prst="rightBrace">
+            <a:avLst/>
+          </a:prstGeom>
+        </p:spPr>
+        <p:style>
+          <a:lnRef idx="1">
+            <a:schemeClr val="dk1"/>
+          </a:lnRef>
+          <a:fillRef idx="0">
+            <a:schemeClr val="dk1"/>
+          </a:fillRef>
+          <a:effectRef idx="0">
+            <a:schemeClr val="dk1"/>
+          </a:effectRef>
+          <a:fontRef idx="minor">
+            <a:schemeClr val="tx1"/>
+          </a:fontRef>
+        </p:style>
+        <p:txBody>
+          <a:bodyPr rtlCol="0" anchor="ctr"/>
+          <a:lstStyle/>
+          <a:p>
+            <a:pPr algn="ctr"/>
+            <a:endParaRPr lang="ru-RU"/>
+          </a:p>
+        </p:txBody>
+      </p:sp>
+      <p:sp>
+        <p:nvSpPr>
+          <p:cNvPr id="17" name="TextBox 16"/>
+          <p:cNvSpPr txBox="1"/>
+          <p:nvPr/>
+        </p:nvSpPr>
+        <p:spPr>
+          <a:xfrm rot="19664488">
+            <a:off x="-244718" y="1338723"/>
+            <a:ext cx="6683004" cy="1015663"/>
+          </a:xfrm>
+          <a:prstGeom prst="rect">
+            <a:avLst/>
+          </a:prstGeom>
+          <a:noFill/>
+        </p:spPr>
+        <p:txBody>
+          <a:bodyPr wrap="square" rtlCol="0">
+            <a:spAutoFit/>
+          </a:bodyPr>
+          <a:lstStyle/>
+          <a:p>
+            <a:r>
+              <a:rPr lang="ru-RU" sz="6000" dirty="0" smtClean="0">
+                <a:solidFill>
+                  <a:srgbClr val="FF0000"/>
+                </a:solidFill>
+              </a:rPr>
+              <a:t>Доделать формулы</a:t>
+            </a:r>
+            <a:endParaRPr lang="ru-RU" sz="6000" dirty="0">
+              <a:solidFill>
+                <a:srgbClr val="FF0000"/>
+              </a:solidFill>
+            </a:endParaRPr>
+          </a:p>
+        </p:txBody>
+      </p:sp>
+    </p:spTree>
+    <p:extLst>
+      <p:ext uri="{BB962C8B-B14F-4D97-AF65-F5344CB8AC3E}">
+        <p14:creationId xmlns:p14="http://schemas.microsoft.com/office/powerpoint/2010/main" xmlns="" val="1412725410"/>
+      </p:ext>
+    </p:extLst>
+  </p:cSld>
+  <p:clrMapOvr>
+    <a:masterClrMapping/>
+  </p:clrMapOvr>
+  <p:timing>
+    <p:tnLst>
+      <p:par>
+        <p:cTn id="1" dur="indefinite" restart="never" nodeType="tmRoot"/>
+      </p:par>
+    </p:tnLst>
+  </p:timing>
+</p:sld>
+</file>
+
+<file path=ppt/slides/slide11.xml><?xml version="1.0" encoding="utf-8"?>
+<p:sld xmlns:a="http://schemas.openxmlformats.org/drawingml/2006/main" xmlns:r="http://schemas.openxmlformats.org/officeDocument/2006/relationships" xmlns:p="http://schemas.openxmlformats.org/presentationml/2006/main">
+  <p:cSld>
+    <p:spTree>
+      <p:nvGrpSpPr>
+        <p:cNvPr id="1" name=""/>
+        <p:cNvGrpSpPr/>
+        <p:nvPr/>
+      </p:nvGrpSpPr>
+      <p:grpSpPr>
+        <a:xfrm>
+          <a:off x="0" y="0"/>
+          <a:ext cx="0" cy="0"/>
+          <a:chOff x="0" y="0"/>
+          <a:chExt cx="0" cy="0"/>
+        </a:xfrm>
+      </p:grpSpPr>
+      <p:sp>
+        <p:nvSpPr>
+          <p:cNvPr id="4" name="Номер слайда 3"/>
+          <p:cNvSpPr>
+            <a:spLocks noGrp="1"/>
+          </p:cNvSpPr>
+          <p:nvPr>
+            <p:ph type="sldNum" sz="quarter" idx="12"/>
+          </p:nvPr>
+        </p:nvSpPr>
+        <p:spPr/>
+        <p:txBody>
+          <a:bodyPr/>
+          <a:lstStyle/>
+          <a:p>
+            <a:fld id="{8CACD6DE-6B5C-4860-B48C-56B6DE2E5FCB}" type="slidenum">
+              <a:rPr lang="ru-RU" smtClean="0"/>
+              <a:pPr/>
+              <a:t>11</a:t>
+            </a:fld>
+            <a:endParaRPr lang="ru-RU"/>
+          </a:p>
+        </p:txBody>
+      </p:sp>
+      <p:sp>
+        <p:nvSpPr>
+          <p:cNvPr id="5" name="TextBox 4"/>
+          <p:cNvSpPr txBox="1"/>
+          <p:nvPr/>
+        </p:nvSpPr>
+        <p:spPr>
+          <a:xfrm>
+            <a:off x="1499153" y="601317"/>
+            <a:ext cx="9193694" cy="584775"/>
+          </a:xfrm>
+          <a:prstGeom prst="rect">
+            <a:avLst/>
+          </a:prstGeom>
+          <a:noFill/>
+        </p:spPr>
+        <p:txBody>
+          <a:bodyPr wrap="square" rtlCol="0">
+            <a:spAutoFit/>
+          </a:bodyPr>
+          <a:lstStyle/>
+          <a:p>
+            <a:pPr algn="ctr"/>
+            <a:r>
+              <a:rPr lang="ru-RU" sz="3200" b="1" u="sng" dirty="0" smtClean="0"/>
+              <a:t>Определение концентрации электронов</a:t>
+            </a:r>
+            <a:endParaRPr lang="ru-RU" sz="3200" b="1" u="sng" dirty="0"/>
+          </a:p>
+        </p:txBody>
+      </p:sp>
+      <p:sp>
+        <p:nvSpPr>
+          <p:cNvPr id="6" name="TextBox 5"/>
+          <p:cNvSpPr txBox="1"/>
+          <p:nvPr/>
+        </p:nvSpPr>
+        <p:spPr>
+          <a:xfrm>
+            <a:off x="1028700" y="1877785"/>
+            <a:ext cx="4049486" cy="1015663"/>
+          </a:xfrm>
+          <a:prstGeom prst="rect">
+            <a:avLst/>
+          </a:prstGeom>
+        </p:spPr>
+        <p:style>
+          <a:lnRef idx="2">
+            <a:schemeClr val="dk1"/>
+          </a:lnRef>
+          <a:fillRef idx="1">
+            <a:schemeClr val="lt1"/>
+          </a:fillRef>
+          <a:effectRef idx="0">
+            <a:schemeClr val="dk1"/>
+          </a:effectRef>
+          <a:fontRef idx="minor">
+            <a:schemeClr val="dk1"/>
+          </a:fontRef>
+        </p:style>
+        <p:txBody>
+          <a:bodyPr wrap="square" rtlCol="0">
+            <a:spAutoFit/>
+          </a:bodyPr>
+          <a:lstStyle/>
+          <a:p>
+            <a:pPr algn="ctr"/>
+            <a:r>
+              <a:rPr lang="ru-RU" sz="2000" dirty="0" smtClean="0"/>
+              <a:t>Концентрация электронов определялась по </a:t>
+            </a:r>
+            <a:r>
+              <a:rPr lang="ru-RU" sz="2000" dirty="0" err="1" smtClean="0"/>
+              <a:t>штарковскому</a:t>
+            </a:r>
+            <a:r>
+              <a:rPr lang="ru-RU" sz="2000" dirty="0" smtClean="0"/>
+              <a:t> уширению линии </a:t>
+            </a:r>
+            <a:r>
+              <a:rPr lang="en-US" sz="2000" dirty="0" smtClean="0"/>
+              <a:t>H</a:t>
+            </a:r>
+            <a:r>
+              <a:rPr lang="el-GR" sz="2000" baseline="-25000" dirty="0" smtClean="0"/>
+              <a:t>α</a:t>
+            </a:r>
+            <a:r>
+              <a:rPr lang="ru-RU" sz="2000" dirty="0" smtClean="0"/>
+              <a:t> </a:t>
+            </a:r>
+            <a:r>
+              <a:rPr lang="en-US" sz="2000" dirty="0" smtClean="0"/>
+              <a:t> (656,3 </a:t>
+            </a:r>
+            <a:r>
+              <a:rPr lang="ru-RU" sz="2000" dirty="0" smtClean="0"/>
+              <a:t>нм)</a:t>
+            </a:r>
+            <a:endParaRPr lang="ru-RU" sz="2000" dirty="0"/>
+          </a:p>
+        </p:txBody>
+      </p:sp>
+      <p:sp>
+        <p:nvSpPr>
+          <p:cNvPr id="7" name="TextBox 6"/>
+          <p:cNvSpPr txBox="1"/>
+          <p:nvPr/>
+        </p:nvSpPr>
+        <p:spPr>
+          <a:xfrm>
+            <a:off x="6814458" y="2830285"/>
+            <a:ext cx="4049486" cy="707886"/>
+          </a:xfrm>
+          <a:prstGeom prst="rect">
+            <a:avLst/>
+          </a:prstGeom>
+        </p:spPr>
+        <p:style>
+          <a:lnRef idx="2">
+            <a:schemeClr val="dk1"/>
+          </a:lnRef>
+          <a:fillRef idx="1">
+            <a:schemeClr val="lt1"/>
+          </a:fillRef>
+          <a:effectRef idx="0">
+            <a:schemeClr val="dk1"/>
+          </a:effectRef>
+          <a:fontRef idx="minor">
+            <a:schemeClr val="dk1"/>
+          </a:fontRef>
+        </p:style>
+        <p:txBody>
+          <a:bodyPr wrap="square" rtlCol="0">
+            <a:spAutoFit/>
+          </a:bodyPr>
+          <a:lstStyle/>
+          <a:p>
+            <a:pPr algn="ctr"/>
+            <a:r>
+              <a:rPr lang="ru-RU" sz="2000" dirty="0" smtClean="0"/>
+              <a:t>Линия </a:t>
+            </a:r>
+            <a:r>
+              <a:rPr lang="ru-RU" sz="2000" dirty="0" err="1" smtClean="0"/>
+              <a:t>аппроксимировалась</a:t>
+            </a:r>
+            <a:r>
+              <a:rPr lang="ru-RU" sz="2000" dirty="0" smtClean="0"/>
+              <a:t> </a:t>
+            </a:r>
+            <a:r>
+              <a:rPr lang="ru-RU" sz="2000" b="1" dirty="0" err="1" smtClean="0"/>
+              <a:t>гауссовским</a:t>
+            </a:r>
+            <a:r>
+              <a:rPr lang="ru-RU" sz="2000" dirty="0" smtClean="0"/>
+              <a:t> профилем </a:t>
+            </a:r>
+            <a:endParaRPr lang="ru-RU" sz="2000" dirty="0"/>
+          </a:p>
+        </p:txBody>
+      </p:sp>
+      <p:sp>
+        <p:nvSpPr>
+          <p:cNvPr id="8" name="TextBox 7"/>
+          <p:cNvSpPr txBox="1"/>
+          <p:nvPr/>
+        </p:nvSpPr>
+        <p:spPr>
+          <a:xfrm>
+            <a:off x="1072243" y="4354285"/>
+            <a:ext cx="4365171" cy="1015663"/>
+          </a:xfrm>
+          <a:prstGeom prst="rect">
+            <a:avLst/>
+          </a:prstGeom>
+        </p:spPr>
+        <p:style>
+          <a:lnRef idx="2">
+            <a:schemeClr val="dk1"/>
+          </a:lnRef>
+          <a:fillRef idx="1">
+            <a:schemeClr val="lt1"/>
+          </a:fillRef>
+          <a:effectRef idx="0">
+            <a:schemeClr val="dk1"/>
+          </a:effectRef>
+          <a:fontRef idx="minor">
+            <a:schemeClr val="dk1"/>
+          </a:fontRef>
+        </p:style>
+        <p:txBody>
+          <a:bodyPr wrap="square" rtlCol="0">
+            <a:spAutoFit/>
+          </a:bodyPr>
+          <a:lstStyle/>
+          <a:p>
+            <a:pPr algn="ctr"/>
+            <a:r>
+              <a:rPr lang="ru-RU" sz="2000" dirty="0" smtClean="0"/>
+              <a:t>Определялась полуширина профиля и высчитывалась концентрация электронов по формуле:</a:t>
+            </a:r>
+            <a:endParaRPr lang="ru-RU" sz="2000" dirty="0"/>
+          </a:p>
+        </p:txBody>
+      </p:sp>
+      <p:cxnSp>
+        <p:nvCxnSpPr>
+          <p:cNvPr id="10" name="Прямая соединительная линия 9"/>
+          <p:cNvCxnSpPr>
+            <a:stCxn id="7" idx="1"/>
+            <a:endCxn id="6" idx="3"/>
+          </p:cNvCxnSpPr>
+          <p:nvPr/>
+        </p:nvCxnSpPr>
+        <p:spPr>
+          <a:xfrm rot="10800000">
+            <a:off x="5078186" y="2385618"/>
+            <a:ext cx="1736272" cy="798611"/>
+          </a:xfrm>
+          <a:prstGeom prst="line">
+            <a:avLst/>
+          </a:prstGeom>
+        </p:spPr>
+        <p:style>
+          <a:lnRef idx="1">
+            <a:schemeClr val="dk1"/>
+          </a:lnRef>
+          <a:fillRef idx="0">
+            <a:schemeClr val="dk1"/>
+          </a:fillRef>
+          <a:effectRef idx="0">
+            <a:schemeClr val="dk1"/>
+          </a:effectRef>
+          <a:fontRef idx="minor">
+            <a:schemeClr val="tx1"/>
+          </a:fontRef>
+        </p:style>
+      </p:cxnSp>
+      <p:cxnSp>
+        <p:nvCxnSpPr>
+          <p:cNvPr id="13" name="Прямая соединительная линия 12"/>
+          <p:cNvCxnSpPr>
+            <a:stCxn id="7" idx="1"/>
+            <a:endCxn id="8" idx="3"/>
+          </p:cNvCxnSpPr>
+          <p:nvPr/>
+        </p:nvCxnSpPr>
+        <p:spPr>
+          <a:xfrm rot="10800000" flipV="1">
+            <a:off x="5437414" y="3184227"/>
+            <a:ext cx="1377044" cy="1677889"/>
+          </a:xfrm>
+          <a:prstGeom prst="line">
+            <a:avLst/>
+          </a:prstGeom>
+        </p:spPr>
+        <p:style>
+          <a:lnRef idx="1">
+            <a:schemeClr val="dk1"/>
+          </a:lnRef>
+          <a:fillRef idx="0">
+            <a:schemeClr val="dk1"/>
+          </a:fillRef>
+          <a:effectRef idx="0">
+            <a:schemeClr val="dk1"/>
+          </a:effectRef>
+          <a:fontRef idx="minor">
+            <a:schemeClr val="tx1"/>
+          </a:fontRef>
+        </p:style>
+      </p:cxnSp>
+      <p:sp>
+        <p:nvSpPr>
+          <p:cNvPr id="19" name="TextBox 18"/>
+          <p:cNvSpPr txBox="1">
+            <a:spLocks noRot="1" noChangeAspect="1" noMove="1" noResize="1" noEditPoints="1" noAdjustHandles="1" noChangeArrowheads="1" noChangeShapeType="1" noTextEdit="1"/>
+          </p:cNvSpPr>
+          <p:nvPr/>
+        </p:nvSpPr>
+        <p:spPr>
+          <a:xfrm>
+            <a:off x="755576" y="5517232"/>
+            <a:ext cx="6624736" cy="874855"/>
+          </a:xfrm>
+          <a:prstGeom prst="rect">
+            <a:avLst/>
+          </a:prstGeom>
+          <a:blipFill rotWithShape="1">
+            <a:blip r:embed="rId2"/>
+            <a:stretch>
+              <a:fillRect/>
+            </a:stretch>
+          </a:blipFill>
+        </p:spPr>
+        <p:txBody>
+          <a:bodyPr/>
+          <a:lstStyle/>
+          <a:p>
+            <a:r>
+              <a:rPr lang="ru-RU">
+                <a:noFill/>
+              </a:rPr>
+              <a:t> </a:t>
+            </a:r>
+          </a:p>
+        </p:txBody>
+      </p:sp>
+      <p:sp>
+        <p:nvSpPr>
+          <p:cNvPr id="20" name="TextBox 19"/>
+          <p:cNvSpPr txBox="1"/>
+          <p:nvPr/>
+        </p:nvSpPr>
+        <p:spPr>
+          <a:xfrm rot="19664488">
+            <a:off x="32868" y="4718737"/>
+            <a:ext cx="6683004" cy="1015663"/>
+          </a:xfrm>
+          <a:prstGeom prst="rect">
+            <a:avLst/>
+          </a:prstGeom>
+          <a:noFill/>
+        </p:spPr>
+        <p:txBody>
+          <a:bodyPr wrap="square" rtlCol="0">
+            <a:spAutoFit/>
+          </a:bodyPr>
+          <a:lstStyle/>
+          <a:p>
+            <a:r>
+              <a:rPr lang="ru-RU" sz="6000" dirty="0" smtClean="0">
+                <a:solidFill>
+                  <a:srgbClr val="FF0000"/>
+                </a:solidFill>
+              </a:rPr>
+              <a:t>Доделать формулы</a:t>
+            </a:r>
+            <a:endParaRPr lang="ru-RU" sz="6000" dirty="0">
+              <a:solidFill>
+                <a:srgbClr val="FF0000"/>
+              </a:solidFill>
+            </a:endParaRPr>
+          </a:p>
+        </p:txBody>
+      </p:sp>
+      <p:sp>
+        <p:nvSpPr>
+          <p:cNvPr id="21" name="TextBox 20"/>
+          <p:cNvSpPr txBox="1"/>
+          <p:nvPr/>
+        </p:nvSpPr>
+        <p:spPr>
+          <a:xfrm>
+            <a:off x="7478486" y="4898572"/>
+            <a:ext cx="3869871" cy="1200329"/>
+          </a:xfrm>
+          <a:prstGeom prst="rect">
+            <a:avLst/>
+          </a:prstGeom>
+        </p:spPr>
+        <p:style>
+          <a:lnRef idx="2">
+            <a:schemeClr val="dk1"/>
+          </a:lnRef>
+          <a:fillRef idx="1">
+            <a:schemeClr val="lt1"/>
+          </a:fillRef>
+          <a:effectRef idx="0">
+            <a:schemeClr val="dk1"/>
+          </a:effectRef>
+          <a:fontRef idx="minor">
+            <a:schemeClr val="dk1"/>
+          </a:fontRef>
+        </p:style>
+        <p:txBody>
+          <a:bodyPr wrap="square" rtlCol="0">
+            <a:spAutoFit/>
+          </a:bodyPr>
+          <a:lstStyle/>
+          <a:p>
+            <a:r>
+              <a:rPr lang="ru-RU" sz="2400" dirty="0" smtClean="0"/>
+              <a:t>Значения для концентрации электронов:</a:t>
+            </a:r>
+            <a:r>
+              <a:rPr lang="en-US" sz="2400" dirty="0" smtClean="0"/>
+              <a:t>  </a:t>
+            </a:r>
+            <a:r>
+              <a:rPr lang="ru-RU" sz="2400" b="1" u="sng" dirty="0" smtClean="0"/>
+              <a:t>(</a:t>
+            </a:r>
+            <a:r>
+              <a:rPr lang="ru-RU" sz="2400" b="1" u="sng" dirty="0" smtClean="0"/>
+              <a:t>0.7 – 1.4) </a:t>
+            </a:r>
+            <a:r>
+              <a:rPr lang="ru-RU" sz="2400" b="1" u="sng" dirty="0" err="1" smtClean="0"/>
+              <a:t>х</a:t>
+            </a:r>
+            <a:r>
+              <a:rPr lang="ru-RU" sz="2400" b="1" u="sng" dirty="0" smtClean="0"/>
+              <a:t> 10</a:t>
+            </a:r>
+            <a:r>
+              <a:rPr lang="en-US" sz="2400" b="1" u="sng" dirty="0" smtClean="0"/>
+              <a:t>^15 </a:t>
+            </a:r>
+            <a:r>
+              <a:rPr lang="ru-RU" sz="2400" b="1" u="sng" dirty="0" smtClean="0"/>
+              <a:t>см</a:t>
+            </a:r>
+            <a:r>
+              <a:rPr lang="en-US" sz="2400" b="1" u="sng" dirty="0" smtClean="0"/>
+              <a:t>^-3</a:t>
+            </a:r>
+            <a:endParaRPr lang="ru-RU" sz="2400" b="1" u="sng" dirty="0"/>
+          </a:p>
+        </p:txBody>
+      </p:sp>
+      <p:cxnSp>
+        <p:nvCxnSpPr>
+          <p:cNvPr id="24" name="Прямая соединительная линия 23"/>
+          <p:cNvCxnSpPr>
+            <a:stCxn id="8" idx="3"/>
+            <a:endCxn id="21" idx="1"/>
+          </p:cNvCxnSpPr>
+          <p:nvPr/>
+        </p:nvCxnSpPr>
+        <p:spPr>
+          <a:xfrm>
+            <a:off x="5437414" y="4862117"/>
+            <a:ext cx="2041072" cy="636620"/>
+          </a:xfrm>
+          <a:prstGeom prst="line">
+            <a:avLst/>
+          </a:prstGeom>
+        </p:spPr>
+        <p:style>
+          <a:lnRef idx="1">
+            <a:schemeClr val="dk1"/>
+          </a:lnRef>
+          <a:fillRef idx="0">
+            <a:schemeClr val="dk1"/>
+          </a:fillRef>
+          <a:effectRef idx="0">
+            <a:schemeClr val="dk1"/>
+          </a:effectRef>
+          <a:fontRef idx="minor">
+            <a:schemeClr val="tx1"/>
+          </a:fontRef>
+        </p:style>
+      </p:cxnSp>
+    </p:spTree>
+  </p:cSld>
+  <p:clrMapOvr>
+    <a:masterClrMapping/>
+  </p:clrMapOvr>
+</p:sld>
+</file>
+
+<file path=ppt/slides/slide12.xml><?xml version="1.0" encoding="utf-8"?>
+<p:sld xmlns:a="http://schemas.openxmlformats.org/drawingml/2006/main" xmlns:r="http://schemas.openxmlformats.org/officeDocument/2006/relationships" xmlns:p="http://schemas.openxmlformats.org/presentationml/2006/main">
+  <p:cSld>
+    <p:spTree>
+      <p:nvGrpSpPr>
+        <p:cNvPr id="1" name=""/>
+        <p:cNvGrpSpPr/>
+        <p:nvPr/>
+      </p:nvGrpSpPr>
+      <p:grpSpPr>
+        <a:xfrm>
+          <a:off x="0" y="0"/>
+          <a:ext cx="0" cy="0"/>
+          <a:chOff x="0" y="0"/>
+          <a:chExt cx="0" cy="0"/>
+        </a:xfrm>
+      </p:grpSpPr>
+      <p:sp>
+        <p:nvSpPr>
+          <p:cNvPr id="4" name="Номер слайда 3"/>
+          <p:cNvSpPr>
+            <a:spLocks noGrp="1"/>
+          </p:cNvSpPr>
+          <p:nvPr>
+            <p:ph type="sldNum" sz="quarter" idx="12"/>
+          </p:nvPr>
+        </p:nvSpPr>
+        <p:spPr/>
+        <p:txBody>
+          <a:bodyPr/>
+          <a:lstStyle/>
+          <a:p>
+            <a:fld id="{8CACD6DE-6B5C-4860-B48C-56B6DE2E5FCB}" type="slidenum">
+              <a:rPr lang="ru-RU" smtClean="0"/>
+              <a:pPr/>
+              <a:t>12</a:t>
+            </a:fld>
+            <a:endParaRPr lang="ru-RU"/>
+          </a:p>
+        </p:txBody>
+      </p:sp>
+    </p:spTree>
+  </p:cSld>
+  <p:clrMapOvr>
+    <a:masterClrMapping/>
+  </p:clrMapOvr>
 </p:sld>
 </file>
 
@@ -3486,6 +4488,7 @@
           <a:p>
             <a:fld id="{8CACD6DE-6B5C-4860-B48C-56B6DE2E5FCB}" type="slidenum">
               <a:rPr lang="ru-RU" smtClean="0"/>
+              <a:pPr/>
               <a:t>2</a:t>
             </a:fld>
             <a:endParaRPr lang="ru-RU"/>
@@ -3516,10 +4519,10 @@
           <a:p>
             <a:pPr algn="ctr"/>
             <a:r>
-              <a:rPr lang="ru-RU" sz="3200" b="1" dirty="0" smtClean="0"/>
+              <a:rPr lang="ru-RU" sz="3200" b="1" u="sng" dirty="0" smtClean="0"/>
               <a:t>Актуальность применения поверхностных разрядов</a:t>
             </a:r>
-            <a:endParaRPr lang="ru-RU" sz="3200" b="1" dirty="0"/>
+            <a:endParaRPr lang="ru-RU" sz="3200" b="1" u="sng" dirty="0"/>
           </a:p>
         </p:txBody>
       </p:sp>
@@ -3531,8 +4534,8 @@
         </p:nvSpPr>
         <p:spPr>
           <a:xfrm>
-            <a:off x="1499153" y="2503997"/>
-            <a:ext cx="6117424" cy="3139321"/>
+            <a:off x="1303210" y="2177425"/>
+            <a:ext cx="6117424" cy="4247317"/>
           </a:xfrm>
           <a:prstGeom prst="rect">
             <a:avLst/>
@@ -3546,6 +4549,9 @@
           <a:lstStyle/>
           <a:p>
             <a:pPr marL="285750" indent="-285750">
+              <a:lnSpc>
+                <a:spcPct val="150000"/>
+              </a:lnSpc>
               <a:buFont typeface="Arial" panose="020B0604020202020204" pitchFamily="34" charset="0"/>
               <a:buChar char="•"/>
             </a:pPr>
@@ -3556,6 +4562,9 @@
           </a:p>
           <a:p>
             <a:pPr marL="285750" indent="-285750">
+              <a:lnSpc>
+                <a:spcPct val="150000"/>
+              </a:lnSpc>
               <a:buFont typeface="Arial" panose="020B0604020202020204" pitchFamily="34" charset="0"/>
               <a:buChar char="•"/>
             </a:pPr>
@@ -3578,6 +4587,9 @@
           </a:p>
           <a:p>
             <a:pPr marL="285750" indent="-285750">
+              <a:lnSpc>
+                <a:spcPct val="150000"/>
+              </a:lnSpc>
               <a:buFont typeface="Arial" panose="020B0604020202020204" pitchFamily="34" charset="0"/>
               <a:buChar char="•"/>
             </a:pPr>
@@ -3592,6 +4604,9 @@
           </a:p>
           <a:p>
             <a:pPr marL="285750" indent="-285750">
+              <a:lnSpc>
+                <a:spcPct val="150000"/>
+              </a:lnSpc>
               <a:buFont typeface="Arial" panose="020B0604020202020204" pitchFamily="34" charset="0"/>
               <a:buChar char="•"/>
             </a:pPr>
@@ -3614,10 +4629,49 @@
           </a:p>
         </p:txBody>
       </p:sp>
+      <p:pic>
+        <p:nvPicPr>
+          <p:cNvPr id="6" name="Рисунок 5"/>
+          <p:cNvPicPr>
+            <a:picLocks noChangeAspect="1"/>
+          </p:cNvPicPr>
+          <p:nvPr/>
+        </p:nvPicPr>
+        <p:blipFill>
+          <a:blip r:embed="rId2" cstate="print">
+            <a:extLst>
+              <a:ext uri="{BEBA8EAE-BF5A-486C-A8C5-ECC9F3942E4B}">
+                <a14:imgProps xmlns:a14="http://schemas.microsoft.com/office/drawing/2010/main" xmlns="">
+                  <a14:imgLayer r:embed="rId6">
+                    <a14:imgEffect>
+                      <a14:backgroundRemoval t="10000" b="90000" l="2500" r="99063"/>
+                    </a14:imgEffect>
+                  </a14:imgLayer>
+                </a14:imgProps>
+              </a:ext>
+              <a:ext uri="{28A0092B-C50C-407E-A947-70E740481C1C}">
+                <a14:useLocalDpi xmlns:a14="http://schemas.microsoft.com/office/drawing/2010/main" xmlns="" val="0"/>
+              </a:ext>
+            </a:extLst>
+          </a:blip>
+          <a:stretch>
+            <a:fillRect/>
+          </a:stretch>
+        </p:blipFill>
+        <p:spPr>
+          <a:xfrm>
+            <a:off x="8482319" y="2620980"/>
+            <a:ext cx="2987824" cy="1991883"/>
+          </a:xfrm>
+          <a:prstGeom prst="rect">
+            <a:avLst/>
+          </a:prstGeom>
+        </p:spPr>
+      </p:pic>
     </p:spTree>
     <p:extLst>
       <p:ext uri="{BB962C8B-B14F-4D97-AF65-F5344CB8AC3E}">
-        <p14:creationId xmlns:p14="http://schemas.microsoft.com/office/powerpoint/2010/main" val="3958921981"/>
+        <p14:creationId xmlns:p14="http://schemas.microsoft.com/office/powerpoint/2010/main" xmlns="" val="3958921981"/>
       </p:ext>
     </p:extLst>
   </p:cSld>
@@ -3668,6 +4722,7 @@
           <a:p>
             <a:fld id="{8CACD6DE-6B5C-4860-B48C-56B6DE2E5FCB}" type="slidenum">
               <a:rPr lang="ru-RU" smtClean="0"/>
+              <a:pPr/>
               <a:t>3</a:t>
             </a:fld>
             <a:endParaRPr lang="ru-RU"/>
@@ -3682,8 +4737,8 @@
         </p:nvSpPr>
         <p:spPr>
           <a:xfrm>
-            <a:off x="1499153" y="601317"/>
-            <a:ext cx="9193694" cy="584775"/>
+            <a:off x="1499152" y="601317"/>
+            <a:ext cx="9524447" cy="584775"/>
           </a:xfrm>
           <a:prstGeom prst="rect">
             <a:avLst/>
@@ -3698,10 +4753,10 @@
           <a:p>
             <a:pPr algn="ctr"/>
             <a:r>
-              <a:rPr lang="ru-RU" sz="3200" b="1" dirty="0" smtClean="0"/>
-              <a:t>Диагностика параметров плазмы</a:t>
-            </a:r>
-            <a:endParaRPr lang="ru-RU" sz="3200" b="1" dirty="0"/>
+              <a:rPr lang="ru-RU" sz="3200" b="1" u="sng" dirty="0" smtClean="0"/>
+              <a:t>Цель работы</a:t>
+            </a:r>
+            <a:endParaRPr lang="ru-RU" sz="3200" b="1" u="sng" dirty="0"/>
           </a:p>
         </p:txBody>
       </p:sp>
@@ -3713,8 +4768,8 @@
         </p:nvSpPr>
         <p:spPr>
           <a:xfrm>
-            <a:off x="1075191" y="1887330"/>
-            <a:ext cx="5234168" cy="1200329"/>
+            <a:off x="1567542" y="2139043"/>
+            <a:ext cx="7805057" cy="3416320"/>
           </a:xfrm>
           <a:prstGeom prst="rect">
             <a:avLst/>
@@ -3727,110 +4782,52 @@
           </a:bodyPr>
           <a:lstStyle/>
           <a:p>
-            <a:r>
-              <a:rPr lang="ru-RU" sz="2400" dirty="0" smtClean="0"/>
-              <a:t>Для эффективного использования поверхностного разряда необходима диагностика параметров</a:t>
-            </a:r>
-            <a:endParaRPr lang="ru-RU" sz="2400" dirty="0"/>
-          </a:p>
-        </p:txBody>
-      </p:sp>
-      <p:sp>
-        <p:nvSpPr>
-          <p:cNvPr id="7" name="TextBox 6"/>
-          <p:cNvSpPr txBox="1"/>
-          <p:nvPr/>
-        </p:nvSpPr>
-        <p:spPr>
-          <a:xfrm>
-            <a:off x="6309359" y="2986391"/>
-            <a:ext cx="5415280" cy="1569660"/>
-          </a:xfrm>
-          <a:prstGeom prst="rect">
-            <a:avLst/>
-          </a:prstGeom>
-          <a:noFill/>
-        </p:spPr>
-        <p:txBody>
-          <a:bodyPr wrap="square" rtlCol="0">
-            <a:spAutoFit/>
-          </a:bodyPr>
-          <a:lstStyle/>
-          <a:p>
-            <a:r>
-              <a:rPr lang="ru-RU" sz="2400" dirty="0"/>
-              <a:t>Преимущество бесконтактных методов исследования плазмы – отсутствие возмущений объекта диагностической аппаратурой</a:t>
-            </a:r>
-            <a:endParaRPr lang="ru-RU" sz="2400" dirty="0"/>
-          </a:p>
-        </p:txBody>
-      </p:sp>
-      <p:sp>
-        <p:nvSpPr>
-          <p:cNvPr id="8" name="TextBox 7"/>
-          <p:cNvSpPr txBox="1"/>
-          <p:nvPr/>
-        </p:nvSpPr>
-        <p:spPr>
-          <a:xfrm>
-            <a:off x="1075191" y="4328636"/>
-            <a:ext cx="4810207" cy="1938992"/>
-          </a:xfrm>
-          <a:prstGeom prst="rect">
-            <a:avLst/>
-          </a:prstGeom>
-          <a:noFill/>
-        </p:spPr>
-        <p:txBody>
-          <a:bodyPr wrap="square" rtlCol="0">
-            <a:spAutoFit/>
-          </a:bodyPr>
-          <a:lstStyle/>
-          <a:p>
-            <a:r>
-              <a:rPr lang="ru-RU" sz="2400" dirty="0" smtClean="0"/>
-              <a:t>Параметры поверхностного разряда:</a:t>
-            </a:r>
-          </a:p>
-          <a:p>
-            <a:pPr marL="285750" indent="-285750">
-              <a:buFont typeface="Arial" panose="020B0604020202020204" pitchFamily="34" charset="0"/>
+            <a:pPr>
+              <a:lnSpc>
+                <a:spcPct val="150000"/>
+              </a:lnSpc>
+              <a:buFont typeface="Arial" pitchFamily="34" charset="0"/>
               <a:buChar char="•"/>
             </a:pPr>
             <a:r>
               <a:rPr lang="ru-RU" sz="2400" dirty="0" smtClean="0"/>
-              <a:t>Ток разряда</a:t>
-            </a:r>
-          </a:p>
-          <a:p>
-            <a:pPr marL="285750" indent="-285750">
-              <a:buFont typeface="Arial" panose="020B0604020202020204" pitchFamily="34" charset="0"/>
+              <a:t> </a:t>
+            </a:r>
+            <a:r>
+              <a:rPr lang="ru-RU" sz="2400" dirty="0" smtClean="0"/>
+              <a:t> С помощью методов эмиссионной спектроскопии оценить характер разряда</a:t>
+            </a:r>
+          </a:p>
+          <a:p>
+            <a:pPr>
+              <a:lnSpc>
+                <a:spcPct val="150000"/>
+              </a:lnSpc>
+              <a:buFont typeface="Arial" pitchFamily="34" charset="0"/>
               <a:buChar char="•"/>
             </a:pPr>
             <a:r>
               <a:rPr lang="ru-RU" sz="2400" dirty="0" smtClean="0"/>
-              <a:t>Концентрация электронов</a:t>
-            </a:r>
-          </a:p>
-          <a:p>
-            <a:pPr marL="285750" indent="-285750">
-              <a:buFont typeface="Arial" panose="020B0604020202020204" pitchFamily="34" charset="0"/>
+              <a:t>  Анализ развития поверхностного скользящего разряда наносекундной длительности в сверхзвуковом потоке воздуха с наклонной ударной волной</a:t>
+            </a:r>
+          </a:p>
+          <a:p>
+            <a:pPr>
+              <a:lnSpc>
+                <a:spcPct val="150000"/>
+              </a:lnSpc>
+              <a:buFont typeface="Arial" pitchFamily="34" charset="0"/>
               <a:buChar char="•"/>
             </a:pPr>
             <a:r>
               <a:rPr lang="ru-RU" sz="2400" dirty="0" smtClean="0"/>
-              <a:t>Энергия электронов</a:t>
+              <a:t>  Определение структуры поля течения после разряда</a:t>
             </a:r>
             <a:endParaRPr lang="ru-RU" sz="2400" dirty="0"/>
           </a:p>
         </p:txBody>
       </p:sp>
     </p:spTree>
-    <p:extLst>
-      <p:ext uri="{BB962C8B-B14F-4D97-AF65-F5344CB8AC3E}">
-        <p14:creationId xmlns:p14="http://schemas.microsoft.com/office/powerpoint/2010/main" val="2440608627"/>
-      </p:ext>
-    </p:extLst>
   </p:cSld>
   <p:clrMapOvr>
     <a:masterClrMapping/>
@@ -3879,6 +4876,7 @@
           <a:p>
             <a:fld id="{8CACD6DE-6B5C-4860-B48C-56B6DE2E5FCB}" type="slidenum">
               <a:rPr lang="ru-RU" smtClean="0"/>
+              <a:pPr/>
               <a:t>4</a:t>
             </a:fld>
             <a:endParaRPr lang="ru-RU"/>
@@ -3909,10 +4907,221 @@
           <a:p>
             <a:pPr algn="ctr"/>
             <a:r>
-              <a:rPr lang="ru-RU" sz="3200" b="1" dirty="0" smtClean="0"/>
+              <a:rPr lang="ru-RU" sz="3200" b="1" u="sng" dirty="0" smtClean="0"/>
+              <a:t>Диагностика параметров плазмы</a:t>
+            </a:r>
+            <a:endParaRPr lang="ru-RU" sz="3200" b="1" u="sng" dirty="0"/>
+          </a:p>
+        </p:txBody>
+      </p:sp>
+      <p:sp>
+        <p:nvSpPr>
+          <p:cNvPr id="6" name="TextBox 5"/>
+          <p:cNvSpPr txBox="1"/>
+          <p:nvPr/>
+        </p:nvSpPr>
+        <p:spPr>
+          <a:xfrm>
+            <a:off x="1075191" y="1887330"/>
+            <a:ext cx="5234168" cy="1200329"/>
+          </a:xfrm>
+          <a:prstGeom prst="rect">
+            <a:avLst/>
+          </a:prstGeom>
+          <a:noFill/>
+        </p:spPr>
+        <p:txBody>
+          <a:bodyPr wrap="square" rtlCol="0">
+            <a:spAutoFit/>
+          </a:bodyPr>
+          <a:lstStyle/>
+          <a:p>
+            <a:r>
+              <a:rPr lang="ru-RU" sz="2400" dirty="0" smtClean="0"/>
+              <a:t>Для эффективного использования поверхностного разряда необходима диагностика параметров</a:t>
+            </a:r>
+            <a:endParaRPr lang="ru-RU" sz="2400" dirty="0"/>
+          </a:p>
+        </p:txBody>
+      </p:sp>
+      <p:sp>
+        <p:nvSpPr>
+          <p:cNvPr id="7" name="TextBox 6"/>
+          <p:cNvSpPr txBox="1"/>
+          <p:nvPr/>
+        </p:nvSpPr>
+        <p:spPr>
+          <a:xfrm>
+            <a:off x="6309359" y="2986391"/>
+            <a:ext cx="5415280" cy="1569660"/>
+          </a:xfrm>
+          <a:prstGeom prst="rect">
+            <a:avLst/>
+          </a:prstGeom>
+          <a:noFill/>
+        </p:spPr>
+        <p:txBody>
+          <a:bodyPr wrap="square" rtlCol="0">
+            <a:spAutoFit/>
+          </a:bodyPr>
+          <a:lstStyle/>
+          <a:p>
+            <a:r>
+              <a:rPr lang="ru-RU" sz="2400" dirty="0"/>
+              <a:t>Преимущество бесконтактных методов исследования плазмы – отсутствие возмущений объекта диагностической аппаратурой</a:t>
+            </a:r>
+          </a:p>
+        </p:txBody>
+      </p:sp>
+      <p:sp>
+        <p:nvSpPr>
+          <p:cNvPr id="8" name="TextBox 7"/>
+          <p:cNvSpPr txBox="1"/>
+          <p:nvPr/>
+        </p:nvSpPr>
+        <p:spPr>
+          <a:xfrm>
+            <a:off x="1075191" y="4328636"/>
+            <a:ext cx="4810207" cy="1938992"/>
+          </a:xfrm>
+          <a:prstGeom prst="rect">
+            <a:avLst/>
+          </a:prstGeom>
+          <a:noFill/>
+        </p:spPr>
+        <p:txBody>
+          <a:bodyPr wrap="square" rtlCol="0">
+            <a:spAutoFit/>
+          </a:bodyPr>
+          <a:lstStyle/>
+          <a:p>
+            <a:r>
+              <a:rPr lang="ru-RU" sz="2400" dirty="0" smtClean="0"/>
+              <a:t>Параметры поверхностного разряда:</a:t>
+            </a:r>
+          </a:p>
+          <a:p>
+            <a:pPr marL="285750" indent="-285750">
+              <a:buFont typeface="Arial" panose="020B0604020202020204" pitchFamily="34" charset="0"/>
+              <a:buChar char="•"/>
+            </a:pPr>
+            <a:r>
+              <a:rPr lang="ru-RU" sz="2400" dirty="0" smtClean="0"/>
+              <a:t>Ток разряда</a:t>
+            </a:r>
+          </a:p>
+          <a:p>
+            <a:pPr marL="285750" indent="-285750">
+              <a:buFont typeface="Arial" panose="020B0604020202020204" pitchFamily="34" charset="0"/>
+              <a:buChar char="•"/>
+            </a:pPr>
+            <a:r>
+              <a:rPr lang="ru-RU" sz="2400" dirty="0" smtClean="0"/>
+              <a:t>Концентрация электронов</a:t>
+            </a:r>
+          </a:p>
+          <a:p>
+            <a:pPr marL="285750" indent="-285750">
+              <a:buFont typeface="Arial" panose="020B0604020202020204" pitchFamily="34" charset="0"/>
+              <a:buChar char="•"/>
+            </a:pPr>
+            <a:r>
+              <a:rPr lang="ru-RU" sz="2400" dirty="0" smtClean="0"/>
+              <a:t>Энергия электронов</a:t>
+            </a:r>
+            <a:endParaRPr lang="ru-RU" sz="2400" dirty="0"/>
+          </a:p>
+        </p:txBody>
+      </p:sp>
+    </p:spTree>
+    <p:extLst>
+      <p:ext uri="{BB962C8B-B14F-4D97-AF65-F5344CB8AC3E}">
+        <p14:creationId xmlns:p14="http://schemas.microsoft.com/office/powerpoint/2010/main" xmlns="" val="2440608627"/>
+      </p:ext>
+    </p:extLst>
+  </p:cSld>
+  <p:clrMapOvr>
+    <a:masterClrMapping/>
+  </p:clrMapOvr>
+  <p:timing>
+    <p:tnLst>
+      <p:par>
+        <p:cTn id="1" dur="indefinite" restart="never" nodeType="tmRoot"/>
+      </p:par>
+    </p:tnLst>
+  </p:timing>
+</p:sld>
+</file>
+
+<file path=ppt/slides/slide5.xml><?xml version="1.0" encoding="utf-8"?>
+<p:sld xmlns:a="http://schemas.openxmlformats.org/drawingml/2006/main" xmlns:r="http://schemas.openxmlformats.org/officeDocument/2006/relationships" xmlns:p="http://schemas.openxmlformats.org/presentationml/2006/main">
+  <p:cSld>
+    <p:spTree>
+      <p:nvGrpSpPr>
+        <p:cNvPr id="1" name=""/>
+        <p:cNvGrpSpPr/>
+        <p:nvPr/>
+      </p:nvGrpSpPr>
+      <p:grpSpPr>
+        <a:xfrm>
+          <a:off x="0" y="0"/>
+          <a:ext cx="0" cy="0"/>
+          <a:chOff x="0" y="0"/>
+          <a:chExt cx="0" cy="0"/>
+        </a:xfrm>
+      </p:grpSpPr>
+      <p:sp>
+        <p:nvSpPr>
+          <p:cNvPr id="4" name="Номер слайда 3"/>
+          <p:cNvSpPr>
+            <a:spLocks noGrp="1"/>
+          </p:cNvSpPr>
+          <p:nvPr>
+            <p:ph type="sldNum" sz="quarter" idx="12"/>
+          </p:nvPr>
+        </p:nvSpPr>
+        <p:spPr/>
+        <p:txBody>
+          <a:bodyPr/>
+          <a:lstStyle/>
+          <a:p>
+            <a:fld id="{8CACD6DE-6B5C-4860-B48C-56B6DE2E5FCB}" type="slidenum">
+              <a:rPr lang="ru-RU" smtClean="0"/>
+              <a:pPr/>
+              <a:t>5</a:t>
+            </a:fld>
+            <a:endParaRPr lang="ru-RU"/>
+          </a:p>
+        </p:txBody>
+      </p:sp>
+      <p:sp>
+        <p:nvSpPr>
+          <p:cNvPr id="5" name="TextBox 4"/>
+          <p:cNvSpPr txBox="1"/>
+          <p:nvPr/>
+        </p:nvSpPr>
+        <p:spPr>
+          <a:xfrm>
+            <a:off x="1499153" y="601317"/>
+            <a:ext cx="9193694" cy="584775"/>
+          </a:xfrm>
+          <a:prstGeom prst="rect">
+            <a:avLst/>
+          </a:prstGeom>
+          <a:noFill/>
+        </p:spPr>
+        <p:txBody>
+          <a:bodyPr wrap="square" rtlCol="0">
+            <a:spAutoFit/>
+          </a:bodyPr>
+          <a:lstStyle/>
+          <a:p>
+            <a:pPr algn="ctr"/>
+            <a:r>
+              <a:rPr lang="ru-RU" sz="3200" b="1" u="sng" dirty="0" smtClean="0"/>
               <a:t>Экспериментальная установка</a:t>
             </a:r>
-            <a:endParaRPr lang="ru-RU" sz="3200" b="1" dirty="0"/>
+            <a:endParaRPr lang="ru-RU" sz="3200" b="1" u="sng" dirty="0"/>
           </a:p>
         </p:txBody>
       </p:sp>
@@ -3942,7 +5151,7 @@
             <a:blip r:embed="rId2">
               <a:extLst>
                 <a:ext uri="{28A0092B-C50C-407E-A947-70E740481C1C}">
-                  <a14:useLocalDpi xmlns:a14="http://schemas.microsoft.com/office/drawing/2010/main" val="0"/>
+                  <a14:useLocalDpi xmlns:a14="http://schemas.microsoft.com/office/drawing/2010/main" xmlns="" val="0"/>
                 </a:ext>
               </a:extLst>
             </a:blip>
@@ -4131,7 +5340,7 @@
     </p:spTree>
     <p:extLst>
       <p:ext uri="{BB962C8B-B14F-4D97-AF65-F5344CB8AC3E}">
-        <p14:creationId xmlns:p14="http://schemas.microsoft.com/office/powerpoint/2010/main" val="161007600"/>
+        <p14:creationId xmlns:p14="http://schemas.microsoft.com/office/powerpoint/2010/main" xmlns="" val="161007600"/>
       </p:ext>
     </p:extLst>
   </p:cSld>
@@ -4148,7 +5357,7 @@
 </p:sld>
 </file>
 
-<file path=ppt/slides/slide5.xml><?xml version="1.0" encoding="utf-8"?>
+<file path=ppt/slides/slide6.xml><?xml version="1.0" encoding="utf-8"?>
 <p:sld xmlns:a="http://schemas.openxmlformats.org/drawingml/2006/main" xmlns:r="http://schemas.openxmlformats.org/officeDocument/2006/relationships" xmlns:p="http://schemas.openxmlformats.org/presentationml/2006/main">
   <p:cSld>
     <p:spTree>
@@ -4182,7 +5391,8 @@
           <a:p>
             <a:fld id="{8CACD6DE-6B5C-4860-B48C-56B6DE2E5FCB}" type="slidenum">
               <a:rPr lang="ru-RU" smtClean="0"/>
-              <a:t>5</a:t>
+              <a:pPr/>
+              <a:t>6</a:t>
             </a:fld>
             <a:endParaRPr lang="ru-RU"/>
           </a:p>
@@ -4212,10 +5422,10 @@
           <a:p>
             <a:pPr algn="ctr"/>
             <a:r>
-              <a:rPr lang="ru-RU" sz="3200" b="1" dirty="0" smtClean="0"/>
+              <a:rPr lang="ru-RU" sz="3200" b="1" u="sng" dirty="0" smtClean="0"/>
               <a:t>Экспериментальная установка</a:t>
             </a:r>
-            <a:endParaRPr lang="ru-RU" sz="3200" b="1" dirty="0"/>
+            <a:endParaRPr lang="ru-RU" sz="3200" b="1" u="sng" dirty="0"/>
           </a:p>
         </p:txBody>
       </p:sp>
@@ -4296,7 +5506,7 @@
             <a:blip r:embed="rId2">
               <a:extLst>
                 <a:ext uri="{28A0092B-C50C-407E-A947-70E740481C1C}">
-                  <a14:useLocalDpi xmlns:a14="http://schemas.microsoft.com/office/drawing/2010/main" val="0"/>
+                  <a14:useLocalDpi xmlns:a14="http://schemas.microsoft.com/office/drawing/2010/main" xmlns="" val="0"/>
                 </a:ext>
               </a:extLst>
             </a:blip>
@@ -4325,14 +5535,14 @@
             </a:effectLst>
             <a:extLst>
               <a:ext uri="{909E8E84-426E-40DD-AFC4-6F175D3DCCD1}">
-                <a14:hiddenFill xmlns:a14="http://schemas.microsoft.com/office/drawing/2010/main">
+                <a14:hiddenFill xmlns:a14="http://schemas.microsoft.com/office/drawing/2010/main" xmlns="">
                   <a:solidFill>
                     <a:schemeClr val="accent1"/>
                   </a:solidFill>
                 </a14:hiddenFill>
               </a:ext>
               <a:ext uri="{91240B29-F687-4F45-9708-019B960494DF}">
-                <a14:hiddenLine xmlns:a14="http://schemas.microsoft.com/office/drawing/2010/main" w="9525">
+                <a14:hiddenLine xmlns:a14="http://schemas.microsoft.com/office/drawing/2010/main" xmlns="" w="9525">
                   <a:solidFill>
                     <a:schemeClr val="tx1"/>
                   </a:solidFill>
@@ -4538,7 +5748,7 @@
     </p:spTree>
     <p:extLst>
       <p:ext uri="{BB962C8B-B14F-4D97-AF65-F5344CB8AC3E}">
-        <p14:creationId xmlns:p14="http://schemas.microsoft.com/office/powerpoint/2010/main" val="2103522515"/>
+        <p14:creationId xmlns:p14="http://schemas.microsoft.com/office/powerpoint/2010/main" xmlns="" val="2103522515"/>
       </p:ext>
     </p:extLst>
   </p:cSld>
@@ -4555,7 +5765,7 @@
 </p:sld>
 </file>
 
-<file path=ppt/slides/slide6.xml><?xml version="1.0" encoding="utf-8"?>
+<file path=ppt/slides/slide7.xml><?xml version="1.0" encoding="utf-8"?>
 <p:sld xmlns:a="http://schemas.openxmlformats.org/drawingml/2006/main" xmlns:r="http://schemas.openxmlformats.org/officeDocument/2006/relationships" xmlns:p="http://schemas.openxmlformats.org/presentationml/2006/main">
   <p:cSld>
     <p:spTree>
@@ -4589,7 +5799,8 @@
           <a:p>
             <a:fld id="{8CACD6DE-6B5C-4860-B48C-56B6DE2E5FCB}" type="slidenum">
               <a:rPr lang="ru-RU" smtClean="0"/>
-              <a:t>6</a:t>
+              <a:pPr/>
+              <a:t>7</a:t>
             </a:fld>
             <a:endParaRPr lang="ru-RU"/>
           </a:p>
@@ -4619,10 +5830,10 @@
           <a:p>
             <a:pPr algn="ctr"/>
             <a:r>
-              <a:rPr lang="ru-RU" sz="3200" b="1" dirty="0" smtClean="0"/>
+              <a:rPr lang="ru-RU" sz="3200" b="1" u="sng" dirty="0" smtClean="0"/>
               <a:t>Регистрация эмиссионных спектров</a:t>
             </a:r>
-            <a:endParaRPr lang="ru-RU" sz="3200" b="1" dirty="0"/>
+            <a:endParaRPr lang="ru-RU" sz="3200" b="1" u="sng" dirty="0"/>
           </a:p>
         </p:txBody>
       </p:sp>
@@ -4638,7 +5849,7 @@
           <a:blip r:embed="rId2">
             <a:extLst>
               <a:ext uri="{28A0092B-C50C-407E-A947-70E740481C1C}">
-                <a14:useLocalDpi xmlns:a14="http://schemas.microsoft.com/office/drawing/2010/main" val="0"/>
+                <a14:useLocalDpi xmlns:a14="http://schemas.microsoft.com/office/drawing/2010/main" xmlns="" val="0"/>
               </a:ext>
             </a:extLst>
           </a:blip>
@@ -4662,14 +5873,14 @@
           <a:effectLst/>
           <a:extLst>
             <a:ext uri="{909E8E84-426E-40DD-AFC4-6F175D3DCCD1}">
-              <a14:hiddenFill xmlns:a14="http://schemas.microsoft.com/office/drawing/2010/main">
+              <a14:hiddenFill xmlns:a14="http://schemas.microsoft.com/office/drawing/2010/main" xmlns="">
                 <a:solidFill>
                   <a:schemeClr val="accent1"/>
                 </a:solidFill>
               </a14:hiddenFill>
             </a:ext>
             <a:ext uri="{91240B29-F687-4F45-9708-019B960494DF}">
-              <a14:hiddenLine xmlns:a14="http://schemas.microsoft.com/office/drawing/2010/main" w="9525">
+              <a14:hiddenLine xmlns:a14="http://schemas.microsoft.com/office/drawing/2010/main" xmlns="" w="9525">
                 <a:solidFill>
                   <a:schemeClr val="tx1"/>
                 </a:solidFill>
@@ -4679,7 +5890,7 @@
               </a14:hiddenLine>
             </a:ext>
             <a:ext uri="{AF507438-7753-43E0-B8FC-AC1667EBCBE1}">
-              <a14:hiddenEffects xmlns:a14="http://schemas.microsoft.com/office/drawing/2010/main">
+              <a14:hiddenEffects xmlns:a14="http://schemas.microsoft.com/office/drawing/2010/main" xmlns="">
                 <a:effectLst>
                   <a:outerShdw dist="35921" dir="2700000" algn="ctr" rotWithShape="0">
                     <a:schemeClr val="bg2"/>
@@ -4897,7 +6108,7 @@
     </p:spTree>
     <p:extLst>
       <p:ext uri="{BB962C8B-B14F-4D97-AF65-F5344CB8AC3E}">
-        <p14:creationId xmlns:p14="http://schemas.microsoft.com/office/powerpoint/2010/main" val="3277487579"/>
+        <p14:creationId xmlns:p14="http://schemas.microsoft.com/office/powerpoint/2010/main" xmlns="" val="3277487579"/>
       </p:ext>
     </p:extLst>
   </p:cSld>
@@ -4914,7 +6125,7 @@
 </p:sld>
 </file>
 
-<file path=ppt/slides/slide7.xml><?xml version="1.0" encoding="utf-8"?>
+<file path=ppt/slides/slide8.xml><?xml version="1.0" encoding="utf-8"?>
 <p:sld xmlns:a="http://schemas.openxmlformats.org/drawingml/2006/main" xmlns:r="http://schemas.openxmlformats.org/officeDocument/2006/relationships" xmlns:p="http://schemas.openxmlformats.org/presentationml/2006/main">
   <p:cSld>
     <p:spTree>
@@ -4948,7 +6159,8 @@
           <a:p>
             <a:fld id="{8CACD6DE-6B5C-4860-B48C-56B6DE2E5FCB}" type="slidenum">
               <a:rPr lang="ru-RU" smtClean="0"/>
-              <a:t>7</a:t>
+              <a:pPr/>
+              <a:t>8</a:t>
             </a:fld>
             <a:endParaRPr lang="ru-RU"/>
           </a:p>
@@ -4956,7 +6168,7 @@
       </p:sp>
       <p:sp>
         <p:nvSpPr>
-          <p:cNvPr id="5" name="TextBox 4"/>
+          <p:cNvPr id="6" name="TextBox 5"/>
           <p:cNvSpPr txBox="1"/>
           <p:nvPr/>
         </p:nvSpPr>
@@ -4978,10 +6190,201 @@
           <a:p>
             <a:pPr algn="ctr"/>
             <a:r>
-              <a:rPr lang="ru-RU" sz="3200" b="1" dirty="0" smtClean="0"/>
+              <a:rPr lang="ru-RU" sz="3200" b="1" u="sng" dirty="0" smtClean="0"/>
+              <a:t>Оборудование </a:t>
+            </a:r>
+            <a:endParaRPr lang="ru-RU" sz="3200" b="1" u="sng" dirty="0"/>
+          </a:p>
+        </p:txBody>
+      </p:sp>
+      <p:sp>
+        <p:nvSpPr>
+          <p:cNvPr id="7" name="TextBox 6"/>
+          <p:cNvSpPr txBox="1"/>
+          <p:nvPr/>
+        </p:nvSpPr>
+        <p:spPr>
+          <a:xfrm>
+            <a:off x="772160" y="1889760"/>
+            <a:ext cx="7838440" cy="3416320"/>
+          </a:xfrm>
+          <a:prstGeom prst="rect">
+            <a:avLst/>
+          </a:prstGeom>
+          <a:noFill/>
+        </p:spPr>
+        <p:txBody>
+          <a:bodyPr wrap="square" rtlCol="0">
+            <a:spAutoFit/>
+          </a:bodyPr>
+          <a:lstStyle/>
+          <a:p>
+            <a:pPr marL="285750" indent="-285750">
+              <a:buFont typeface="Arial" panose="020B0604020202020204" pitchFamily="34" charset="0"/>
+              <a:buChar char="•"/>
+            </a:pPr>
+            <a:r>
+              <a:rPr lang="ru-RU" sz="2400" dirty="0" smtClean="0"/>
+              <a:t>Спектрометр </a:t>
+            </a:r>
+            <a:r>
+              <a:rPr lang="en-US" sz="2400" dirty="0" smtClean="0"/>
+              <a:t>AvaSpec-2048</a:t>
+            </a:r>
+            <a:r>
+              <a:rPr lang="ru-RU" sz="2400" dirty="0"/>
+              <a:t> </a:t>
+            </a:r>
+            <a:r>
+              <a:rPr lang="ru-RU" sz="2400" dirty="0" smtClean="0"/>
+              <a:t>с диапазоном регистрации излучения 200 – 1100 </a:t>
+            </a:r>
+            <a:r>
+              <a:rPr lang="ru-RU" sz="2400" dirty="0" err="1" smtClean="0"/>
+              <a:t>нм</a:t>
+            </a:r>
+            <a:endParaRPr lang="ru-RU" sz="2400" dirty="0" smtClean="0"/>
+          </a:p>
+          <a:p>
+            <a:pPr marL="285750" indent="-285750">
+              <a:buFont typeface="Arial" panose="020B0604020202020204" pitchFamily="34" charset="0"/>
+              <a:buChar char="•"/>
+            </a:pPr>
+            <a:r>
+              <a:rPr lang="ru-RU" sz="2400" dirty="0" smtClean="0"/>
+              <a:t>Специальный шунт регистрировал ток разряда, данные выводились на осциллограф</a:t>
+            </a:r>
+          </a:p>
+          <a:p>
+            <a:pPr marL="285750" indent="-285750">
+              <a:buFont typeface="Arial" panose="020B0604020202020204" pitchFamily="34" charset="0"/>
+              <a:buChar char="•"/>
+            </a:pPr>
+            <a:r>
+              <a:rPr lang="ru-RU" sz="2400" dirty="0" smtClean="0"/>
+              <a:t>Фотокамеры фиксировали излучение разряда</a:t>
+            </a:r>
+          </a:p>
+          <a:p>
+            <a:pPr marL="285750" indent="-285750">
+              <a:buFont typeface="Arial" panose="020B0604020202020204" pitchFamily="34" charset="0"/>
+              <a:buChar char="•"/>
+            </a:pPr>
+            <a:r>
+              <a:rPr lang="ru-RU" sz="2400" dirty="0" smtClean="0"/>
+              <a:t>Высокоскоростной камерой ( частота кадров 150000 кадров в секунду, время экспозиции 1 </a:t>
+            </a:r>
+            <a:r>
+              <a:rPr lang="ru-RU" sz="2400" dirty="0" err="1" smtClean="0"/>
+              <a:t>мкс</a:t>
+            </a:r>
+            <a:r>
+              <a:rPr lang="ru-RU" sz="2400" dirty="0" smtClean="0"/>
+              <a:t>.)</a:t>
+            </a:r>
+          </a:p>
+          <a:p>
+            <a:pPr marL="285750" indent="-285750">
+              <a:buFont typeface="Arial" panose="020B0604020202020204" pitchFamily="34" charset="0"/>
+              <a:buChar char="•"/>
+            </a:pPr>
+            <a:r>
+              <a:rPr lang="ru-RU" sz="2400" dirty="0" smtClean="0"/>
+              <a:t>Эволюция структуры потока регистрировалась с помощью высокоскоростного теневого изображения</a:t>
+            </a:r>
+            <a:endParaRPr lang="ru-RU" sz="2400" dirty="0"/>
+          </a:p>
+        </p:txBody>
+      </p:sp>
+    </p:spTree>
+    <p:extLst>
+      <p:ext uri="{BB962C8B-B14F-4D97-AF65-F5344CB8AC3E}">
+        <p14:creationId xmlns:p14="http://schemas.microsoft.com/office/powerpoint/2010/main" xmlns="" val="1400278723"/>
+      </p:ext>
+    </p:extLst>
+  </p:cSld>
+  <p:clrMapOvr>
+    <a:masterClrMapping/>
+  </p:clrMapOvr>
+  <p:timing>
+    <p:tnLst>
+      <p:par>
+        <p:cTn id="1" dur="indefinite" restart="never" nodeType="tmRoot"/>
+      </p:par>
+    </p:tnLst>
+  </p:timing>
+</p:sld>
+</file>
+
+<file path=ppt/slides/slide9.xml><?xml version="1.0" encoding="utf-8"?>
+<p:sld xmlns:a="http://schemas.openxmlformats.org/drawingml/2006/main" xmlns:r="http://schemas.openxmlformats.org/officeDocument/2006/relationships" xmlns:p="http://schemas.openxmlformats.org/presentationml/2006/main">
+  <p:cSld>
+    <p:spTree>
+      <p:nvGrpSpPr>
+        <p:cNvPr id="1" name=""/>
+        <p:cNvGrpSpPr/>
+        <p:nvPr/>
+      </p:nvGrpSpPr>
+      <p:grpSpPr>
+        <a:xfrm>
+          <a:off x="0" y="0"/>
+          <a:ext cx="0" cy="0"/>
+          <a:chOff x="0" y="0"/>
+          <a:chExt cx="0" cy="0"/>
+        </a:xfrm>
+      </p:grpSpPr>
+      <p:sp>
+        <p:nvSpPr>
+          <p:cNvPr id="4" name="Номер слайда 3"/>
+          <p:cNvSpPr>
+            <a:spLocks noGrp="1"/>
+          </p:cNvSpPr>
+          <p:nvPr>
+            <p:ph type="sldNum" sz="quarter" idx="12"/>
+          </p:nvPr>
+        </p:nvSpPr>
+        <p:spPr/>
+        <p:txBody>
+          <a:bodyPr/>
+          <a:lstStyle/>
+          <a:p>
+            <a:fld id="{8CACD6DE-6B5C-4860-B48C-56B6DE2E5FCB}" type="slidenum">
+              <a:rPr lang="ru-RU" smtClean="0"/>
+              <a:pPr/>
+              <a:t>9</a:t>
+            </a:fld>
+            <a:endParaRPr lang="ru-RU"/>
+          </a:p>
+        </p:txBody>
+      </p:sp>
+      <p:sp>
+        <p:nvSpPr>
+          <p:cNvPr id="5" name="TextBox 4"/>
+          <p:cNvSpPr txBox="1"/>
+          <p:nvPr/>
+        </p:nvSpPr>
+        <p:spPr>
+          <a:xfrm>
+            <a:off x="1499153" y="601317"/>
+            <a:ext cx="9193694" cy="584775"/>
+          </a:xfrm>
+          <a:prstGeom prst="rect">
+            <a:avLst/>
+          </a:prstGeom>
+          <a:noFill/>
+        </p:spPr>
+        <p:txBody>
+          <a:bodyPr wrap="square" rtlCol="0">
+            <a:spAutoFit/>
+          </a:bodyPr>
+          <a:lstStyle/>
+          <a:p>
+            <a:pPr algn="ctr"/>
+            <a:r>
+              <a:rPr lang="ru-RU" sz="3200" b="1" u="sng" dirty="0" smtClean="0"/>
               <a:t>Схема течения в разрядной камере</a:t>
             </a:r>
-            <a:endParaRPr lang="ru-RU" sz="3200" b="1" dirty="0"/>
+            <a:endParaRPr lang="ru-RU" sz="3200" b="1" u="sng" dirty="0"/>
           </a:p>
         </p:txBody>
       </p:sp>
@@ -4997,7 +6400,7 @@
           <a:blip r:embed="rId2">
             <a:extLst>
               <a:ext uri="{28A0092B-C50C-407E-A947-70E740481C1C}">
-                <a14:useLocalDpi xmlns:a14="http://schemas.microsoft.com/office/drawing/2010/main" val="0"/>
+                <a14:useLocalDpi xmlns:a14="http://schemas.microsoft.com/office/drawing/2010/main" xmlns="" val="0"/>
               </a:ext>
             </a:extLst>
           </a:blip>
@@ -5241,7 +6644,7 @@
           <a:blip r:embed="rId3" cstate="print">
             <a:extLst>
               <a:ext uri="{28A0092B-C50C-407E-A947-70E740481C1C}">
-                <a14:useLocalDpi xmlns:a14="http://schemas.microsoft.com/office/drawing/2010/main" val="0"/>
+                <a14:useLocalDpi xmlns:a14="http://schemas.microsoft.com/office/drawing/2010/main" xmlns="" val="0"/>
               </a:ext>
             </a:extLst>
           </a:blip>
@@ -5302,302 +6705,13 @@
               <a:rPr lang="ru-RU" dirty="0"/>
               <a:t>в разрядной камере</a:t>
             </a:r>
-            <a:endParaRPr lang="ru-RU" dirty="0"/>
           </a:p>
         </p:txBody>
       </p:sp>
     </p:spTree>
     <p:extLst>
       <p:ext uri="{BB962C8B-B14F-4D97-AF65-F5344CB8AC3E}">
-        <p14:creationId xmlns:p14="http://schemas.microsoft.com/office/powerpoint/2010/main" val="900591817"/>
-      </p:ext>
-    </p:extLst>
-  </p:cSld>
-  <p:clrMapOvr>
-    <a:masterClrMapping/>
-  </p:clrMapOvr>
-  <p:timing>
-    <p:tnLst>
-      <p:par>
-        <p:cTn id="1" dur="indefinite" restart="never" nodeType="tmRoot"/>
-      </p:par>
-    </p:tnLst>
-  </p:timing>
-</p:sld>
-</file>
-
-<file path=ppt/slides/slide8.xml><?xml version="1.0" encoding="utf-8"?>
-<p:sld xmlns:a="http://schemas.openxmlformats.org/drawingml/2006/main" xmlns:r="http://schemas.openxmlformats.org/officeDocument/2006/relationships" xmlns:p="http://schemas.openxmlformats.org/presentationml/2006/main">
-  <p:cSld>
-    <p:spTree>
-      <p:nvGrpSpPr>
-        <p:cNvPr id="1" name=""/>
-        <p:cNvGrpSpPr/>
-        <p:nvPr/>
-      </p:nvGrpSpPr>
-      <p:grpSpPr>
-        <a:xfrm>
-          <a:off x="0" y="0"/>
-          <a:ext cx="0" cy="0"/>
-          <a:chOff x="0" y="0"/>
-          <a:chExt cx="0" cy="0"/>
-        </a:xfrm>
-      </p:grpSpPr>
-      <p:sp>
-        <p:nvSpPr>
-          <p:cNvPr id="4" name="Номер слайда 3"/>
-          <p:cNvSpPr>
-            <a:spLocks noGrp="1"/>
-          </p:cNvSpPr>
-          <p:nvPr>
-            <p:ph type="sldNum" sz="quarter" idx="12"/>
-          </p:nvPr>
-        </p:nvSpPr>
-        <p:spPr/>
-        <p:txBody>
-          <a:bodyPr/>
-          <a:lstStyle/>
-          <a:p>
-            <a:fld id="{8CACD6DE-6B5C-4860-B48C-56B6DE2E5FCB}" type="slidenum">
-              <a:rPr lang="ru-RU" smtClean="0"/>
-              <a:t>8</a:t>
-            </a:fld>
-            <a:endParaRPr lang="ru-RU"/>
-          </a:p>
-        </p:txBody>
-      </p:sp>
-      <p:sp>
-        <p:nvSpPr>
-          <p:cNvPr id="6" name="TextBox 5"/>
-          <p:cNvSpPr txBox="1"/>
-          <p:nvPr/>
-        </p:nvSpPr>
-        <p:spPr>
-          <a:xfrm>
-            <a:off x="1499153" y="601317"/>
-            <a:ext cx="9193694" cy="584775"/>
-          </a:xfrm>
-          <a:prstGeom prst="rect">
-            <a:avLst/>
-          </a:prstGeom>
-          <a:noFill/>
-        </p:spPr>
-        <p:txBody>
-          <a:bodyPr wrap="square" rtlCol="0">
-            <a:spAutoFit/>
-          </a:bodyPr>
-          <a:lstStyle/>
-          <a:p>
-            <a:pPr algn="ctr"/>
-            <a:r>
-              <a:rPr lang="ru-RU" sz="3200" b="1" dirty="0" smtClean="0"/>
-              <a:t>Оборудование </a:t>
-            </a:r>
-            <a:endParaRPr lang="ru-RU" sz="3200" b="1" dirty="0"/>
-          </a:p>
-        </p:txBody>
-      </p:sp>
-      <p:sp>
-        <p:nvSpPr>
-          <p:cNvPr id="7" name="TextBox 6"/>
-          <p:cNvSpPr txBox="1"/>
-          <p:nvPr/>
-        </p:nvSpPr>
-        <p:spPr>
-          <a:xfrm>
-            <a:off x="772160" y="1889760"/>
-            <a:ext cx="7838440" cy="3416320"/>
-          </a:xfrm>
-          <a:prstGeom prst="rect">
-            <a:avLst/>
-          </a:prstGeom>
-          <a:noFill/>
-        </p:spPr>
-        <p:txBody>
-          <a:bodyPr wrap="square" rtlCol="0">
-            <a:spAutoFit/>
-          </a:bodyPr>
-          <a:lstStyle/>
-          <a:p>
-            <a:pPr marL="285750" indent="-285750">
-              <a:buFont typeface="Arial" panose="020B0604020202020204" pitchFamily="34" charset="0"/>
-              <a:buChar char="•"/>
-            </a:pPr>
-            <a:r>
-              <a:rPr lang="ru-RU" sz="2400" dirty="0" smtClean="0"/>
-              <a:t>Спектрометр </a:t>
-            </a:r>
-            <a:r>
-              <a:rPr lang="en-US" sz="2400" dirty="0" smtClean="0"/>
-              <a:t>AvaSpec-2048</a:t>
-            </a:r>
-            <a:r>
-              <a:rPr lang="ru-RU" sz="2400" dirty="0"/>
-              <a:t> </a:t>
-            </a:r>
-            <a:r>
-              <a:rPr lang="ru-RU" sz="2400" dirty="0" smtClean="0"/>
-              <a:t>с диапазоном регистрации излучения 200 – 1100 </a:t>
-            </a:r>
-            <a:r>
-              <a:rPr lang="ru-RU" sz="2400" dirty="0" err="1" smtClean="0"/>
-              <a:t>нм</a:t>
-            </a:r>
-            <a:endParaRPr lang="ru-RU" sz="2400" dirty="0" smtClean="0"/>
-          </a:p>
-          <a:p>
-            <a:pPr marL="285750" indent="-285750">
-              <a:buFont typeface="Arial" panose="020B0604020202020204" pitchFamily="34" charset="0"/>
-              <a:buChar char="•"/>
-            </a:pPr>
-            <a:r>
-              <a:rPr lang="ru-RU" sz="2400" dirty="0" smtClean="0"/>
-              <a:t>Специальный шунт регистрировал ток разряда, данные выводились на осциллограф</a:t>
-            </a:r>
-          </a:p>
-          <a:p>
-            <a:pPr marL="285750" indent="-285750">
-              <a:buFont typeface="Arial" panose="020B0604020202020204" pitchFamily="34" charset="0"/>
-              <a:buChar char="•"/>
-            </a:pPr>
-            <a:r>
-              <a:rPr lang="ru-RU" sz="2400" dirty="0" smtClean="0"/>
-              <a:t>Фотокамеры фиксировали излучение разряда</a:t>
-            </a:r>
-          </a:p>
-          <a:p>
-            <a:pPr marL="285750" indent="-285750">
-              <a:buFont typeface="Arial" panose="020B0604020202020204" pitchFamily="34" charset="0"/>
-              <a:buChar char="•"/>
-            </a:pPr>
-            <a:r>
-              <a:rPr lang="ru-RU" sz="2400" dirty="0" smtClean="0"/>
-              <a:t>Высокоскоростной камерой ( частота кадров 150000 кадров в секунду, время экспозиции 1 </a:t>
-            </a:r>
-            <a:r>
-              <a:rPr lang="ru-RU" sz="2400" dirty="0" err="1" smtClean="0"/>
-              <a:t>мкс</a:t>
-            </a:r>
-            <a:r>
-              <a:rPr lang="ru-RU" sz="2400" dirty="0" smtClean="0"/>
-              <a:t>.)</a:t>
-            </a:r>
-          </a:p>
-          <a:p>
-            <a:pPr marL="285750" indent="-285750">
-              <a:buFont typeface="Arial" panose="020B0604020202020204" pitchFamily="34" charset="0"/>
-              <a:buChar char="•"/>
-            </a:pPr>
-            <a:r>
-              <a:rPr lang="ru-RU" sz="2400" dirty="0" smtClean="0"/>
-              <a:t>Эволюция структуры потока регистрировалась с помощью высокоскоростного теневого изображения</a:t>
-            </a:r>
-            <a:endParaRPr lang="ru-RU" sz="2400" dirty="0"/>
-          </a:p>
-        </p:txBody>
-      </p:sp>
-    </p:spTree>
-    <p:extLst>
-      <p:ext uri="{BB962C8B-B14F-4D97-AF65-F5344CB8AC3E}">
-        <p14:creationId xmlns:p14="http://schemas.microsoft.com/office/powerpoint/2010/main" val="1400278723"/>
-      </p:ext>
-    </p:extLst>
-  </p:cSld>
-  <p:clrMapOvr>
-    <a:masterClrMapping/>
-  </p:clrMapOvr>
-  <p:timing>
-    <p:tnLst>
-      <p:par>
-        <p:cTn id="1" dur="indefinite" restart="never" nodeType="tmRoot"/>
-      </p:par>
-    </p:tnLst>
-  </p:timing>
-</p:sld>
-</file>
-
-<file path=ppt/slides/slide9.xml><?xml version="1.0" encoding="utf-8"?>
-<p:sld xmlns:a="http://schemas.openxmlformats.org/drawingml/2006/main" xmlns:r="http://schemas.openxmlformats.org/officeDocument/2006/relationships" xmlns:p="http://schemas.openxmlformats.org/presentationml/2006/main">
-  <p:cSld>
-    <p:spTree>
-      <p:nvGrpSpPr>
-        <p:cNvPr id="1" name=""/>
-        <p:cNvGrpSpPr/>
-        <p:nvPr/>
-      </p:nvGrpSpPr>
-      <p:grpSpPr>
-        <a:xfrm>
-          <a:off x="0" y="0"/>
-          <a:ext cx="0" cy="0"/>
-          <a:chOff x="0" y="0"/>
-          <a:chExt cx="0" cy="0"/>
-        </a:xfrm>
-      </p:grpSpPr>
-      <p:sp>
-        <p:nvSpPr>
-          <p:cNvPr id="2" name="Заголовок 1"/>
-          <p:cNvSpPr>
-            <a:spLocks noGrp="1"/>
-          </p:cNvSpPr>
-          <p:nvPr>
-            <p:ph type="title"/>
-          </p:nvPr>
-        </p:nvSpPr>
-        <p:spPr/>
-        <p:txBody>
-          <a:bodyPr/>
-          <a:lstStyle/>
-          <a:p>
-            <a:endParaRPr lang="ru-RU"/>
-          </a:p>
-        </p:txBody>
-      </p:sp>
-      <p:sp>
-        <p:nvSpPr>
-          <p:cNvPr id="3" name="Объект 2"/>
-          <p:cNvSpPr>
-            <a:spLocks noGrp="1"/>
-          </p:cNvSpPr>
-          <p:nvPr>
-            <p:ph idx="1"/>
-          </p:nvPr>
-        </p:nvSpPr>
-        <p:spPr/>
-        <p:txBody>
-          <a:bodyPr/>
-          <a:lstStyle/>
-          <a:p>
-            <a:endParaRPr lang="ru-RU"/>
-          </a:p>
-        </p:txBody>
-      </p:sp>
-      <p:sp>
-        <p:nvSpPr>
-          <p:cNvPr id="4" name="Номер слайда 3"/>
-          <p:cNvSpPr>
-            <a:spLocks noGrp="1"/>
-          </p:cNvSpPr>
-          <p:nvPr>
-            <p:ph type="sldNum" sz="quarter" idx="12"/>
-          </p:nvPr>
-        </p:nvSpPr>
-        <p:spPr/>
-        <p:txBody>
-          <a:bodyPr/>
-          <a:lstStyle/>
-          <a:p>
-            <a:fld id="{8CACD6DE-6B5C-4860-B48C-56B6DE2E5FCB}" type="slidenum">
-              <a:rPr lang="ru-RU" smtClean="0"/>
-              <a:t>9</a:t>
-            </a:fld>
-            <a:endParaRPr lang="ru-RU"/>
-          </a:p>
-        </p:txBody>
-      </p:sp>
-    </p:spTree>
-    <p:extLst>
-      <p:ext uri="{BB962C8B-B14F-4D97-AF65-F5344CB8AC3E}">
-        <p14:creationId xmlns:p14="http://schemas.microsoft.com/office/powerpoint/2010/main" val="1412725410"/>
+        <p14:creationId xmlns:p14="http://schemas.microsoft.com/office/powerpoint/2010/main" xmlns="" val="900591817"/>
       </p:ext>
     </p:extLst>
   </p:cSld>
@@ -5657,7 +6771,7 @@
     </a:clrScheme>
     <a:fontScheme name="Стандартная">
       <a:majorFont>
-        <a:latin typeface="Calibri Light" panose="020F0302020204030204"/>
+        <a:latin typeface="Calibri Light"/>
         <a:ea typeface=""/>
         <a:cs typeface=""/>
         <a:font script="Jpan" typeface="游ゴシック Light"/>
@@ -5692,7 +6806,7 @@
         <a:font script="Geor" typeface="Sylfaen"/>
       </a:majorFont>
       <a:minorFont>
-        <a:latin typeface="Calibri" panose="020F0502020204030204"/>
+        <a:latin typeface="Calibri"/>
         <a:ea typeface=""/>
         <a:cs typeface=""/>
         <a:font script="Jpan" typeface="游ゴシック"/>
@@ -5869,7 +6983,7 @@
   <a:extraClrSchemeLst/>
   <a:extLst>
     <a:ext uri="{05A4C25C-085E-4340-85A3-A5531E510DB2}">
-      <thm15:themeFamily xmlns:thm15="http://schemas.microsoft.com/office/thememl/2012/main" name="Office Theme" id="{62F939B6-93AF-4DB8-9C6B-D6C7DFDC589F}" vid="{4A3C46E8-61CC-4603-A589-7422A47A8E4A}"/>
+      <thm15:themeFamily xmlns:thm15="http://schemas.microsoft.com/office/thememl/2012/main" xmlns="" name="Office Theme" id="{62F939B6-93AF-4DB8-9C6B-D6C7DFDC589F}" vid="{4A3C46E8-61CC-4603-A589-7422A47A8E4A}"/>
     </a:ext>
   </a:extLst>
 </a:theme>
@@ -5918,7 +7032,7 @@
     </a:clrScheme>
     <a:fontScheme name="Стандартная">
       <a:majorFont>
-        <a:latin typeface="Calibri Light" panose="020F0302020204030204"/>
+        <a:latin typeface="Calibri Light"/>
         <a:ea typeface=""/>
         <a:cs typeface=""/>
         <a:font script="Jpan" typeface="游ゴシック Light"/>
@@ -5953,7 +7067,7 @@
         <a:font script="Geor" typeface="Sylfaen"/>
       </a:majorFont>
       <a:minorFont>
-        <a:latin typeface="Calibri" panose="020F0502020204030204"/>
+        <a:latin typeface="Calibri"/>
         <a:ea typeface=""/>
         <a:cs typeface=""/>
         <a:font script="Jpan" typeface="游ゴシック"/>
@@ -6130,7 +7244,7 @@
   <a:extraClrSchemeLst/>
   <a:extLst>
     <a:ext uri="{05A4C25C-085E-4340-85A3-A5531E510DB2}">
-      <thm15:themeFamily xmlns:thm15="http://schemas.microsoft.com/office/thememl/2012/main" name="Office Theme" id="{62F939B6-93AF-4DB8-9C6B-D6C7DFDC589F}" vid="{4A3C46E8-61CC-4603-A589-7422A47A8E4A}"/>
+      <thm15:themeFamily xmlns:thm15="http://schemas.microsoft.com/office/thememl/2012/main" xmlns="" name="Office Theme" id="{62F939B6-93AF-4DB8-9C6B-D6C7DFDC589F}" vid="{4A3C46E8-61CC-4603-A589-7422A47A8E4A}"/>
     </a:ext>
   </a:extLst>
 </a:theme>

--- a/конференция/конференция.pptx
+++ b/конференция/конференция.pptx
@@ -5,7 +5,7 @@
     <p:sldMasterId id="2147483648" r:id="rId1"/>
   </p:sldMasterIdLst>
   <p:notesMasterIdLst>
-    <p:notesMasterId r:id="rId14"/>
+    <p:notesMasterId r:id="rId17"/>
   </p:notesMasterIdLst>
   <p:sldIdLst>
     <p:sldId id="256" r:id="rId2"/>
@@ -20,6 +20,9 @@
     <p:sldId id="264" r:id="rId11"/>
     <p:sldId id="266" r:id="rId12"/>
     <p:sldId id="267" r:id="rId13"/>
+    <p:sldId id="270" r:id="rId14"/>
+    <p:sldId id="268" r:id="rId15"/>
+    <p:sldId id="269" r:id="rId16"/>
   </p:sldIdLst>
   <p:sldSz cx="12192000" cy="6858000"/>
   <p:notesSz cx="6858000" cy="9144000"/>
@@ -4441,6 +4444,698 @@
               <a:rPr lang="ru-RU" smtClean="0"/>
               <a:pPr/>
               <a:t>12</a:t>
+            </a:fld>
+            <a:endParaRPr lang="ru-RU"/>
+          </a:p>
+        </p:txBody>
+      </p:sp>
+      <p:pic>
+        <p:nvPicPr>
+          <p:cNvPr id="5" name="Рисунок 4"/>
+          <p:cNvPicPr>
+            <a:picLocks noChangeAspect="1"/>
+          </p:cNvPicPr>
+          <p:nvPr/>
+        </p:nvPicPr>
+        <p:blipFill>
+          <a:blip r:embed="rId2">
+            <a:extLst>
+              <a:ext uri="{28A0092B-C50C-407E-A947-70E740481C1C}">
+                <a14:useLocalDpi xmlns:a14="http://schemas.microsoft.com/office/drawing/2010/main" xmlns="" val="0"/>
+              </a:ext>
+            </a:extLst>
+          </a:blip>
+          <a:stretch>
+            <a:fillRect/>
+          </a:stretch>
+        </p:blipFill>
+        <p:spPr>
+          <a:xfrm>
+            <a:off x="2639715" y="933967"/>
+            <a:ext cx="6912571" cy="5184429"/>
+          </a:xfrm>
+          <a:prstGeom prst="rect">
+            <a:avLst/>
+          </a:prstGeom>
+        </p:spPr>
+      </p:pic>
+      <p:sp>
+        <p:nvSpPr>
+          <p:cNvPr id="6" name="TextBox 5"/>
+          <p:cNvSpPr txBox="1"/>
+          <p:nvPr/>
+        </p:nvSpPr>
+        <p:spPr>
+          <a:xfrm>
+            <a:off x="1499153" y="601317"/>
+            <a:ext cx="9193694" cy="584775"/>
+          </a:xfrm>
+          <a:prstGeom prst="rect">
+            <a:avLst/>
+          </a:prstGeom>
+          <a:noFill/>
+        </p:spPr>
+        <p:txBody>
+          <a:bodyPr wrap="square" rtlCol="0">
+            <a:spAutoFit/>
+          </a:bodyPr>
+          <a:lstStyle/>
+          <a:p>
+            <a:pPr algn="ctr"/>
+            <a:r>
+              <a:rPr lang="ru-RU" sz="3200" b="1" u="sng" dirty="0" smtClean="0"/>
+              <a:t>Определение энергии электронов</a:t>
+            </a:r>
+            <a:endParaRPr lang="ru-RU" sz="3200" b="1" u="sng" dirty="0"/>
+          </a:p>
+        </p:txBody>
+      </p:sp>
+      <p:grpSp>
+        <p:nvGrpSpPr>
+          <p:cNvPr id="11" name="Группа 10"/>
+          <p:cNvGrpSpPr/>
+          <p:nvPr/>
+        </p:nvGrpSpPr>
+        <p:grpSpPr>
+          <a:xfrm>
+            <a:off x="2635227" y="1200165"/>
+            <a:ext cx="7112931" cy="5210742"/>
+            <a:chOff x="2635227" y="1069533"/>
+            <a:chExt cx="7112931" cy="5210742"/>
+          </a:xfrm>
+        </p:grpSpPr>
+        <p:sp>
+          <p:nvSpPr>
+            <p:cNvPr id="7" name="Прямоугольник 6"/>
+            <p:cNvSpPr/>
+            <p:nvPr/>
+          </p:nvSpPr>
+          <p:spPr>
+            <a:xfrm>
+              <a:off x="3902529" y="1420586"/>
+              <a:ext cx="3673928" cy="4016828"/>
+            </a:xfrm>
+            <a:prstGeom prst="rect">
+              <a:avLst/>
+            </a:prstGeom>
+            <a:solidFill>
+              <a:srgbClr val="92D050">
+                <a:alpha val="30000"/>
+              </a:srgbClr>
+            </a:solidFill>
+          </p:spPr>
+          <p:style>
+            <a:lnRef idx="2">
+              <a:schemeClr val="accent1">
+                <a:shade val="50000"/>
+              </a:schemeClr>
+            </a:lnRef>
+            <a:fillRef idx="1">
+              <a:schemeClr val="accent1"/>
+            </a:fillRef>
+            <a:effectRef idx="0">
+              <a:schemeClr val="accent1"/>
+            </a:effectRef>
+            <a:fontRef idx="minor">
+              <a:schemeClr val="lt1"/>
+            </a:fontRef>
+          </p:style>
+          <p:txBody>
+            <a:bodyPr rtlCol="0" anchor="ctr"/>
+            <a:lstStyle/>
+            <a:p>
+              <a:pPr algn="ctr"/>
+              <a:endParaRPr lang="ru-RU"/>
+            </a:p>
+          </p:txBody>
+        </p:sp>
+        <p:sp>
+          <p:nvSpPr>
+            <p:cNvPr id="8" name="TextBox 7"/>
+            <p:cNvSpPr txBox="1"/>
+            <p:nvPr/>
+          </p:nvSpPr>
+          <p:spPr>
+            <a:xfrm>
+              <a:off x="3216728" y="5910943"/>
+              <a:ext cx="5943600" cy="369332"/>
+            </a:xfrm>
+            <a:prstGeom prst="rect">
+              <a:avLst/>
+            </a:prstGeom>
+            <a:noFill/>
+          </p:spPr>
+          <p:txBody>
+            <a:bodyPr wrap="square" rtlCol="0">
+              <a:spAutoFit/>
+            </a:bodyPr>
+            <a:lstStyle/>
+            <a:p>
+              <a:pPr algn="ctr"/>
+              <a:r>
+                <a:rPr lang="ru-RU" dirty="0" smtClean="0"/>
+                <a:t>Непрерывная часть спектра – 200 – 900 нм </a:t>
+              </a:r>
+              <a:endParaRPr lang="ru-RU" dirty="0"/>
+            </a:p>
+          </p:txBody>
+        </p:sp>
+        <p:sp>
+          <p:nvSpPr>
+            <p:cNvPr id="9" name="TextBox 8"/>
+            <p:cNvSpPr txBox="1"/>
+            <p:nvPr/>
+          </p:nvSpPr>
+          <p:spPr>
+            <a:xfrm>
+              <a:off x="2635227" y="1069533"/>
+              <a:ext cx="1169329" cy="461665"/>
+            </a:xfrm>
+            <a:prstGeom prst="rect">
+              <a:avLst/>
+            </a:prstGeom>
+            <a:noFill/>
+          </p:spPr>
+          <p:txBody>
+            <a:bodyPr wrap="square" rtlCol="0">
+              <a:spAutoFit/>
+            </a:bodyPr>
+            <a:lstStyle/>
+            <a:p>
+              <a:r>
+                <a:rPr lang="en-US" sz="2400" b="1" i="1" dirty="0" smtClean="0">
+                  <a:latin typeface="Times New Roman" panose="02020603050405020304" pitchFamily="18" charset="0"/>
+                  <a:cs typeface="Times New Roman" panose="02020603050405020304" pitchFamily="18" charset="0"/>
+                </a:rPr>
+                <a:t>I</a:t>
+              </a:r>
+              <a:r>
+                <a:rPr lang="en-US" sz="2400" dirty="0" smtClean="0">
+                  <a:latin typeface="Times New Roman" panose="02020603050405020304" pitchFamily="18" charset="0"/>
+                  <a:cs typeface="Times New Roman" panose="02020603050405020304" pitchFamily="18" charset="0"/>
+                </a:rPr>
+                <a:t>, </a:t>
+              </a:r>
+              <a:r>
+                <a:rPr lang="ru-RU" sz="2400" i="1" dirty="0" smtClean="0">
+                  <a:latin typeface="Times New Roman" panose="02020603050405020304" pitchFamily="18" charset="0"/>
+                  <a:cs typeface="Times New Roman" panose="02020603050405020304" pitchFamily="18" charset="0"/>
+                </a:rPr>
+                <a:t>о</a:t>
+              </a:r>
+              <a:r>
+                <a:rPr lang="ru-RU" sz="2400" i="1" dirty="0" smtClean="0">
+                  <a:latin typeface="Times New Roman" panose="02020603050405020304" pitchFamily="18" charset="0"/>
+                  <a:cs typeface="Times New Roman" panose="02020603050405020304" pitchFamily="18" charset="0"/>
+                </a:rPr>
+                <a:t>.</a:t>
+              </a:r>
+              <a:r>
+                <a:rPr lang="ru-RU" sz="2400" i="1" dirty="0" smtClean="0">
+                  <a:latin typeface="Times New Roman" panose="02020603050405020304" pitchFamily="18" charset="0"/>
+                  <a:cs typeface="Times New Roman" panose="02020603050405020304" pitchFamily="18" charset="0"/>
+                </a:rPr>
+                <a:t>е</a:t>
+              </a:r>
+              <a:r>
+                <a:rPr lang="ru-RU" sz="2400" i="1" dirty="0" smtClean="0"/>
+                <a:t>.</a:t>
+              </a:r>
+              <a:r>
+                <a:rPr lang="ru-RU" sz="2400" dirty="0" smtClean="0"/>
+                <a:t> </a:t>
+              </a:r>
+              <a:endParaRPr lang="ru-RU" sz="2400" dirty="0"/>
+            </a:p>
+          </p:txBody>
+        </p:sp>
+        <p:sp>
+          <p:nvSpPr>
+            <p:cNvPr id="10" name="TextBox 9"/>
+            <p:cNvSpPr txBox="1"/>
+            <p:nvPr/>
+          </p:nvSpPr>
+          <p:spPr>
+            <a:xfrm>
+              <a:off x="8852030" y="5061857"/>
+              <a:ext cx="896128" cy="461665"/>
+            </a:xfrm>
+            <a:prstGeom prst="rect">
+              <a:avLst/>
+            </a:prstGeom>
+            <a:noFill/>
+          </p:spPr>
+          <p:txBody>
+            <a:bodyPr wrap="square" rtlCol="0">
+              <a:spAutoFit/>
+            </a:bodyPr>
+            <a:lstStyle/>
+            <a:p>
+              <a:r>
+                <a:rPr lang="ru-RU" sz="2400" b="1" i="1" dirty="0" err="1" smtClean="0">
+                  <a:latin typeface="Times New Roman" panose="02020603050405020304" pitchFamily="18" charset="0"/>
+                  <a:cs typeface="Times New Roman" panose="02020603050405020304" pitchFamily="18" charset="0"/>
+                </a:rPr>
+                <a:t>λ,</a:t>
+              </a:r>
+              <a:r>
+                <a:rPr lang="ru-RU" sz="2400" dirty="0" err="1" smtClean="0">
+                  <a:latin typeface="Times New Roman" panose="02020603050405020304" pitchFamily="18" charset="0"/>
+                  <a:cs typeface="Times New Roman" panose="02020603050405020304" pitchFamily="18" charset="0"/>
+                </a:rPr>
+                <a:t> </a:t>
+              </a:r>
+              <a:r>
+                <a:rPr lang="ru-RU" sz="2400" i="1" dirty="0" smtClean="0">
+                  <a:latin typeface="Times New Roman" panose="02020603050405020304" pitchFamily="18" charset="0"/>
+                  <a:cs typeface="Times New Roman" panose="02020603050405020304" pitchFamily="18" charset="0"/>
+                </a:rPr>
+                <a:t>нм</a:t>
+              </a:r>
+              <a:endParaRPr lang="ru-RU" sz="2400" i="1" dirty="0"/>
+            </a:p>
+          </p:txBody>
+        </p:sp>
+      </p:grpSp>
+    </p:spTree>
+  </p:cSld>
+  <p:clrMapOvr>
+    <a:masterClrMapping/>
+  </p:clrMapOvr>
+</p:sld>
+</file>
+
+<file path=ppt/slides/slide13.xml><?xml version="1.0" encoding="utf-8"?>
+<p:sld xmlns:a="http://schemas.openxmlformats.org/drawingml/2006/main" xmlns:r="http://schemas.openxmlformats.org/officeDocument/2006/relationships" xmlns:p="http://schemas.openxmlformats.org/presentationml/2006/main">
+  <p:cSld>
+    <p:spTree>
+      <p:nvGrpSpPr>
+        <p:cNvPr id="1" name=""/>
+        <p:cNvGrpSpPr/>
+        <p:nvPr/>
+      </p:nvGrpSpPr>
+      <p:grpSpPr>
+        <a:xfrm>
+          <a:off x="0" y="0"/>
+          <a:ext cx="0" cy="0"/>
+          <a:chOff x="0" y="0"/>
+          <a:chExt cx="0" cy="0"/>
+        </a:xfrm>
+      </p:grpSpPr>
+      <p:sp>
+        <p:nvSpPr>
+          <p:cNvPr id="4" name="Номер слайда 3"/>
+          <p:cNvSpPr>
+            <a:spLocks noGrp="1"/>
+          </p:cNvSpPr>
+          <p:nvPr>
+            <p:ph type="sldNum" sz="quarter" idx="12"/>
+          </p:nvPr>
+        </p:nvSpPr>
+        <p:spPr/>
+        <p:txBody>
+          <a:bodyPr/>
+          <a:lstStyle/>
+          <a:p>
+            <a:fld id="{8CACD6DE-6B5C-4860-B48C-56B6DE2E5FCB}" type="slidenum">
+              <a:rPr lang="ru-RU" smtClean="0"/>
+              <a:pPr/>
+              <a:t>13</a:t>
+            </a:fld>
+            <a:endParaRPr lang="ru-RU"/>
+          </a:p>
+        </p:txBody>
+      </p:sp>
+      <p:sp>
+        <p:nvSpPr>
+          <p:cNvPr id="5" name="TextBox 4"/>
+          <p:cNvSpPr txBox="1"/>
+          <p:nvPr/>
+        </p:nvSpPr>
+        <p:spPr>
+          <a:xfrm>
+            <a:off x="1499153" y="601317"/>
+            <a:ext cx="9193694" cy="584775"/>
+          </a:xfrm>
+          <a:prstGeom prst="rect">
+            <a:avLst/>
+          </a:prstGeom>
+          <a:noFill/>
+        </p:spPr>
+        <p:txBody>
+          <a:bodyPr wrap="square" rtlCol="0">
+            <a:spAutoFit/>
+          </a:bodyPr>
+          <a:lstStyle/>
+          <a:p>
+            <a:pPr algn="ctr"/>
+            <a:r>
+              <a:rPr lang="ru-RU" sz="3200" b="1" u="sng" dirty="0" smtClean="0"/>
+              <a:t>Причины возникновения непрерывного спектра</a:t>
+            </a:r>
+            <a:endParaRPr lang="ru-RU" sz="3200" b="1" u="sng" dirty="0"/>
+          </a:p>
+        </p:txBody>
+      </p:sp>
+      <p:sp>
+        <p:nvSpPr>
+          <p:cNvPr id="6" name="TextBox 5"/>
+          <p:cNvSpPr txBox="1"/>
+          <p:nvPr/>
+        </p:nvSpPr>
+        <p:spPr>
+          <a:xfrm>
+            <a:off x="1714500" y="5241472"/>
+            <a:ext cx="2351314" cy="369332"/>
+          </a:xfrm>
+          <a:prstGeom prst="rect">
+            <a:avLst/>
+          </a:prstGeom>
+          <a:noFill/>
+        </p:spPr>
+        <p:txBody>
+          <a:bodyPr wrap="square" rtlCol="0">
+            <a:spAutoFit/>
+          </a:bodyPr>
+          <a:lstStyle/>
+          <a:p>
+            <a:r>
+              <a:rPr lang="ru-RU" dirty="0" smtClean="0"/>
+              <a:t>Тормозной спектр </a:t>
+            </a:r>
+            <a:endParaRPr lang="ru-RU" dirty="0"/>
+          </a:p>
+        </p:txBody>
+      </p:sp>
+      <p:sp>
+        <p:nvSpPr>
+          <p:cNvPr id="7" name="TextBox 6"/>
+          <p:cNvSpPr txBox="1"/>
+          <p:nvPr/>
+        </p:nvSpPr>
+        <p:spPr>
+          <a:xfrm>
+            <a:off x="7124698" y="5295900"/>
+            <a:ext cx="3227616" cy="369332"/>
+          </a:xfrm>
+          <a:prstGeom prst="rect">
+            <a:avLst/>
+          </a:prstGeom>
+          <a:noFill/>
+        </p:spPr>
+        <p:txBody>
+          <a:bodyPr wrap="square" rtlCol="0">
+            <a:spAutoFit/>
+          </a:bodyPr>
+          <a:lstStyle/>
+          <a:p>
+            <a:r>
+              <a:rPr lang="ru-RU" dirty="0" smtClean="0"/>
+              <a:t>Рекомбинационный спектр</a:t>
+            </a:r>
+            <a:endParaRPr lang="ru-RU" dirty="0"/>
+          </a:p>
+        </p:txBody>
+      </p:sp>
+    </p:spTree>
+  </p:cSld>
+  <p:clrMapOvr>
+    <a:masterClrMapping/>
+  </p:clrMapOvr>
+</p:sld>
+</file>
+
+<file path=ppt/slides/slide14.xml><?xml version="1.0" encoding="utf-8"?>
+<p:sld xmlns:a="http://schemas.openxmlformats.org/drawingml/2006/main" xmlns:r="http://schemas.openxmlformats.org/officeDocument/2006/relationships" xmlns:p="http://schemas.openxmlformats.org/presentationml/2006/main">
+  <p:cSld>
+    <p:spTree>
+      <p:nvGrpSpPr>
+        <p:cNvPr id="1" name=""/>
+        <p:cNvGrpSpPr/>
+        <p:nvPr/>
+      </p:nvGrpSpPr>
+      <p:grpSpPr>
+        <a:xfrm>
+          <a:off x="0" y="0"/>
+          <a:ext cx="0" cy="0"/>
+          <a:chOff x="0" y="0"/>
+          <a:chExt cx="0" cy="0"/>
+        </a:xfrm>
+      </p:grpSpPr>
+      <p:sp>
+        <p:nvSpPr>
+          <p:cNvPr id="4" name="Номер слайда 3"/>
+          <p:cNvSpPr>
+            <a:spLocks noGrp="1"/>
+          </p:cNvSpPr>
+          <p:nvPr>
+            <p:ph type="sldNum" sz="quarter" idx="12"/>
+          </p:nvPr>
+        </p:nvSpPr>
+        <p:spPr/>
+        <p:txBody>
+          <a:bodyPr/>
+          <a:lstStyle/>
+          <a:p>
+            <a:fld id="{8CACD6DE-6B5C-4860-B48C-56B6DE2E5FCB}" type="slidenum">
+              <a:rPr lang="ru-RU" smtClean="0"/>
+              <a:pPr/>
+              <a:t>14</a:t>
+            </a:fld>
+            <a:endParaRPr lang="ru-RU"/>
+          </a:p>
+        </p:txBody>
+      </p:sp>
+      <p:sp>
+        <p:nvSpPr>
+          <p:cNvPr id="5" name="TextBox 4"/>
+          <p:cNvSpPr txBox="1"/>
+          <p:nvPr/>
+        </p:nvSpPr>
+        <p:spPr>
+          <a:xfrm>
+            <a:off x="1499153" y="601317"/>
+            <a:ext cx="9193694" cy="1077218"/>
+          </a:xfrm>
+          <a:prstGeom prst="rect">
+            <a:avLst/>
+          </a:prstGeom>
+          <a:noFill/>
+        </p:spPr>
+        <p:txBody>
+          <a:bodyPr wrap="square" rtlCol="0">
+            <a:spAutoFit/>
+          </a:bodyPr>
+          <a:lstStyle/>
+          <a:p>
+            <a:pPr algn="ctr"/>
+            <a:r>
+              <a:rPr lang="ru-RU" sz="3200" b="1" u="sng" dirty="0" smtClean="0"/>
+              <a:t>Методика обработки спектра для определения энергии электронов</a:t>
+            </a:r>
+            <a:endParaRPr lang="ru-RU" sz="3200" b="1" u="sng" dirty="0"/>
+          </a:p>
+        </p:txBody>
+      </p:sp>
+      <p:sp>
+        <p:nvSpPr>
+          <p:cNvPr id="6" name="TextBox 5"/>
+          <p:cNvSpPr txBox="1"/>
+          <p:nvPr/>
+        </p:nvSpPr>
+        <p:spPr>
+          <a:xfrm>
+            <a:off x="571499" y="2090055"/>
+            <a:ext cx="5306787" cy="3539430"/>
+          </a:xfrm>
+          <a:prstGeom prst="rect">
+            <a:avLst/>
+          </a:prstGeom>
+          <a:noFill/>
+        </p:spPr>
+        <p:txBody>
+          <a:bodyPr wrap="square" rtlCol="0">
+            <a:spAutoFit/>
+          </a:bodyPr>
+          <a:lstStyle/>
+          <a:p>
+            <a:pPr>
+              <a:buFont typeface="Arial" pitchFamily="34" charset="0"/>
+              <a:buChar char="•"/>
+            </a:pPr>
+            <a:r>
+              <a:rPr lang="ru-RU" sz="2800" dirty="0" smtClean="0"/>
+              <a:t>  Спектры излучения нормировались на определенную длину волны</a:t>
+            </a:r>
+          </a:p>
+          <a:p>
+            <a:pPr>
+              <a:buFont typeface="Arial" pitchFamily="34" charset="0"/>
+              <a:buChar char="•"/>
+            </a:pPr>
+            <a:r>
+              <a:rPr lang="ru-RU" sz="2800" dirty="0" smtClean="0"/>
+              <a:t>  На получившийся спектр наносятся теоретические зависимости для разных энергий электронов</a:t>
+            </a:r>
+          </a:p>
+          <a:p>
+            <a:r>
+              <a:rPr lang="ru-RU" sz="2800" u="sng" dirty="0" smtClean="0"/>
+              <a:t>Теоретическая зависимость:</a:t>
+            </a:r>
+          </a:p>
+        </p:txBody>
+      </p:sp>
+      <p:pic>
+        <p:nvPicPr>
+          <p:cNvPr id="7" name="Рисунок 6"/>
+          <p:cNvPicPr>
+            <a:picLocks noChangeAspect="1"/>
+          </p:cNvPicPr>
+          <p:nvPr/>
+        </p:nvPicPr>
+        <p:blipFill>
+          <a:blip r:embed="rId2">
+            <a:extLst>
+              <a:ext uri="{28A0092B-C50C-407E-A947-70E740481C1C}">
+                <a14:useLocalDpi xmlns:a14="http://schemas.microsoft.com/office/drawing/2010/main" xmlns="" val="0"/>
+              </a:ext>
+            </a:extLst>
+          </a:blip>
+          <a:stretch>
+            <a:fillRect/>
+          </a:stretch>
+        </p:blipFill>
+        <p:spPr>
+          <a:xfrm>
+            <a:off x="5898956" y="1773278"/>
+            <a:ext cx="5852172" cy="4389129"/>
+          </a:xfrm>
+          <a:prstGeom prst="rect">
+            <a:avLst/>
+          </a:prstGeom>
+        </p:spPr>
+      </p:pic>
+      <p:sp>
+        <p:nvSpPr>
+          <p:cNvPr id="8" name="TextBox 7"/>
+          <p:cNvSpPr txBox="1"/>
+          <p:nvPr/>
+        </p:nvSpPr>
+        <p:spPr>
+          <a:xfrm rot="19664488">
+            <a:off x="32868" y="4718737"/>
+            <a:ext cx="6683004" cy="1015663"/>
+          </a:xfrm>
+          <a:prstGeom prst="rect">
+            <a:avLst/>
+          </a:prstGeom>
+          <a:noFill/>
+        </p:spPr>
+        <p:txBody>
+          <a:bodyPr wrap="square" rtlCol="0">
+            <a:spAutoFit/>
+          </a:bodyPr>
+          <a:lstStyle/>
+          <a:p>
+            <a:r>
+              <a:rPr lang="ru-RU" sz="6000" dirty="0" smtClean="0">
+                <a:solidFill>
+                  <a:srgbClr val="FF0000"/>
+                </a:solidFill>
+              </a:rPr>
+              <a:t>Доделать формулы</a:t>
+            </a:r>
+            <a:endParaRPr lang="ru-RU" sz="6000" dirty="0">
+              <a:solidFill>
+                <a:srgbClr val="FF0000"/>
+              </a:solidFill>
+            </a:endParaRPr>
+          </a:p>
+        </p:txBody>
+      </p:sp>
+    </p:spTree>
+  </p:cSld>
+  <p:clrMapOvr>
+    <a:masterClrMapping/>
+  </p:clrMapOvr>
+</p:sld>
+</file>
+
+<file path=ppt/slides/slide15.xml><?xml version="1.0" encoding="utf-8"?>
+<p:sld xmlns:a="http://schemas.openxmlformats.org/drawingml/2006/main" xmlns:r="http://schemas.openxmlformats.org/officeDocument/2006/relationships" xmlns:p="http://schemas.openxmlformats.org/presentationml/2006/main">
+  <p:cSld>
+    <p:spTree>
+      <p:nvGrpSpPr>
+        <p:cNvPr id="1" name=""/>
+        <p:cNvGrpSpPr/>
+        <p:nvPr/>
+      </p:nvGrpSpPr>
+      <p:grpSpPr>
+        <a:xfrm>
+          <a:off x="0" y="0"/>
+          <a:ext cx="0" cy="0"/>
+          <a:chOff x="0" y="0"/>
+          <a:chExt cx="0" cy="0"/>
+        </a:xfrm>
+      </p:grpSpPr>
+      <p:sp>
+        <p:nvSpPr>
+          <p:cNvPr id="2" name="Заголовок 1"/>
+          <p:cNvSpPr>
+            <a:spLocks noGrp="1"/>
+          </p:cNvSpPr>
+          <p:nvPr>
+            <p:ph type="title"/>
+          </p:nvPr>
+        </p:nvSpPr>
+        <p:spPr/>
+        <p:txBody>
+          <a:bodyPr/>
+          <a:lstStyle/>
+          <a:p>
+            <a:endParaRPr lang="ru-RU" dirty="0"/>
+          </a:p>
+        </p:txBody>
+      </p:sp>
+      <p:sp>
+        <p:nvSpPr>
+          <p:cNvPr id="3" name="Содержимое 2"/>
+          <p:cNvSpPr>
+            <a:spLocks noGrp="1"/>
+          </p:cNvSpPr>
+          <p:nvPr>
+            <p:ph idx="1"/>
+          </p:nvPr>
+        </p:nvSpPr>
+        <p:spPr/>
+        <p:txBody>
+          <a:bodyPr/>
+          <a:lstStyle/>
+          <a:p>
+            <a:endParaRPr lang="ru-RU"/>
+          </a:p>
+        </p:txBody>
+      </p:sp>
+      <p:sp>
+        <p:nvSpPr>
+          <p:cNvPr id="4" name="Номер слайда 3"/>
+          <p:cNvSpPr>
+            <a:spLocks noGrp="1"/>
+          </p:cNvSpPr>
+          <p:nvPr>
+            <p:ph type="sldNum" sz="quarter" idx="12"/>
+          </p:nvPr>
+        </p:nvSpPr>
+        <p:spPr/>
+        <p:txBody>
+          <a:bodyPr/>
+          <a:lstStyle/>
+          <a:p>
+            <a:fld id="{8CACD6DE-6B5C-4860-B48C-56B6DE2E5FCB}" type="slidenum">
+              <a:rPr lang="ru-RU" smtClean="0"/>
+              <a:pPr/>
+              <a:t>15</a:t>
             </a:fld>
             <a:endParaRPr lang="ru-RU"/>
           </a:p>

--- a/конференция/конференция.pptx
+++ b/конференция/конференция.pptx
@@ -5,7 +5,7 @@
     <p:sldMasterId id="2147483648" r:id="rId1"/>
   </p:sldMasterIdLst>
   <p:notesMasterIdLst>
-    <p:notesMasterId r:id="rId17"/>
+    <p:notesMasterId r:id="rId19"/>
   </p:notesMasterIdLst>
   <p:sldIdLst>
     <p:sldId id="256" r:id="rId2"/>
@@ -22,7 +22,9 @@
     <p:sldId id="267" r:id="rId13"/>
     <p:sldId id="270" r:id="rId14"/>
     <p:sldId id="268" r:id="rId15"/>
-    <p:sldId id="269" r:id="rId16"/>
+    <p:sldId id="272" r:id="rId16"/>
+    <p:sldId id="271" r:id="rId17"/>
+    <p:sldId id="269" r:id="rId18"/>
   </p:sldIdLst>
   <p:sldSz cx="12192000" cy="6858000"/>
   <p:notesSz cx="6858000" cy="9144000"/>
@@ -123,7 +125,18 @@
   </p:defaultTextStyle>
   <p:extLst>
     <p:ext uri="{EFAFB233-063F-42B5-8137-9DF3F51BA10A}">
-      <p15:sldGuideLst xmlns:p15="http://schemas.microsoft.com/office/powerpoint/2012/main" xmlns=""/>
+      <p15:sldGuideLst xmlns:p15="http://schemas.microsoft.com/office/powerpoint/2012/main">
+        <p15:guide id="1" orient="horz" pos="2160">
+          <p15:clr>
+            <a:srgbClr val="A4A3A4"/>
+          </p15:clr>
+        </p15:guide>
+        <p15:guide id="2" pos="3840">
+          <p15:clr>
+            <a:srgbClr val="A4A3A4"/>
+          </p15:clr>
+        </p15:guide>
+      </p15:sldGuideLst>
     </p:ext>
   </p:extLst>
 </p:presentation>
@@ -381,7 +394,7 @@
     </p:spTree>
     <p:extLst>
       <p:ext uri="{BB962C8B-B14F-4D97-AF65-F5344CB8AC3E}">
-        <p14:creationId xmlns:p14="http://schemas.microsoft.com/office/powerpoint/2010/main" xmlns="" val="3280901892"/>
+        <p14:creationId xmlns:p14="http://schemas.microsoft.com/office/powerpoint/2010/main" val="3280901892"/>
       </p:ext>
     </p:extLst>
   </p:cSld>
@@ -665,13 +678,21 @@
     </p:spTree>
     <p:extLst>
       <p:ext uri="{BB962C8B-B14F-4D97-AF65-F5344CB8AC3E}">
-        <p14:creationId xmlns:p14="http://schemas.microsoft.com/office/powerpoint/2010/main" xmlns="" val="103192031"/>
+        <p14:creationId xmlns:p14="http://schemas.microsoft.com/office/powerpoint/2010/main" val="103192031"/>
       </p:ext>
     </p:extLst>
   </p:cSld>
   <p:clrMapOvr>
     <a:masterClrMapping/>
   </p:clrMapOvr>
+  <mc:AlternateContent xmlns:mc="http://schemas.openxmlformats.org/markup-compatibility/2006">
+    <mc:Choice xmlns:p14="http://schemas.microsoft.com/office/powerpoint/2010/main" Requires="p14">
+      <p:transition spd="slow" p14:dur="2000"/>
+    </mc:Choice>
+    <mc:Fallback>
+      <p:transition spd="slow"/>
+    </mc:Fallback>
+  </mc:AlternateContent>
 </p:sldLayout>
 </file>
 
@@ -837,13 +858,21 @@
     </p:spTree>
     <p:extLst>
       <p:ext uri="{BB962C8B-B14F-4D97-AF65-F5344CB8AC3E}">
-        <p14:creationId xmlns:p14="http://schemas.microsoft.com/office/powerpoint/2010/main" xmlns="" val="3468391393"/>
+        <p14:creationId xmlns:p14="http://schemas.microsoft.com/office/powerpoint/2010/main" val="3468391393"/>
       </p:ext>
     </p:extLst>
   </p:cSld>
   <p:clrMapOvr>
     <a:masterClrMapping/>
   </p:clrMapOvr>
+  <mc:AlternateContent xmlns:mc="http://schemas.openxmlformats.org/markup-compatibility/2006">
+    <mc:Choice xmlns:p14="http://schemas.microsoft.com/office/powerpoint/2010/main" Requires="p14">
+      <p:transition spd="slow" p14:dur="2000"/>
+    </mc:Choice>
+    <mc:Fallback>
+      <p:transition spd="slow"/>
+    </mc:Fallback>
+  </mc:AlternateContent>
 </p:sldLayout>
 </file>
 
@@ -1019,13 +1048,21 @@
     </p:spTree>
     <p:extLst>
       <p:ext uri="{BB962C8B-B14F-4D97-AF65-F5344CB8AC3E}">
-        <p14:creationId xmlns:p14="http://schemas.microsoft.com/office/powerpoint/2010/main" xmlns="" val="1918792464"/>
+        <p14:creationId xmlns:p14="http://schemas.microsoft.com/office/powerpoint/2010/main" val="1918792464"/>
       </p:ext>
     </p:extLst>
   </p:cSld>
   <p:clrMapOvr>
     <a:masterClrMapping/>
   </p:clrMapOvr>
+  <mc:AlternateContent xmlns:mc="http://schemas.openxmlformats.org/markup-compatibility/2006">
+    <mc:Choice xmlns:p14="http://schemas.microsoft.com/office/powerpoint/2010/main" Requires="p14">
+      <p:transition spd="slow" p14:dur="2000"/>
+    </mc:Choice>
+    <mc:Fallback>
+      <p:transition spd="slow"/>
+    </mc:Fallback>
+  </mc:AlternateContent>
 </p:sldLayout>
 </file>
 
@@ -1191,13 +1228,21 @@
     </p:spTree>
     <p:extLst>
       <p:ext uri="{BB962C8B-B14F-4D97-AF65-F5344CB8AC3E}">
-        <p14:creationId xmlns:p14="http://schemas.microsoft.com/office/powerpoint/2010/main" xmlns="" val="1813482303"/>
+        <p14:creationId xmlns:p14="http://schemas.microsoft.com/office/powerpoint/2010/main" val="1813482303"/>
       </p:ext>
     </p:extLst>
   </p:cSld>
   <p:clrMapOvr>
     <a:masterClrMapping/>
   </p:clrMapOvr>
+  <mc:AlternateContent xmlns:mc="http://schemas.openxmlformats.org/markup-compatibility/2006">
+    <mc:Choice xmlns:p14="http://schemas.microsoft.com/office/powerpoint/2010/main" Requires="p14">
+      <p:transition spd="slow" p14:dur="2000"/>
+    </mc:Choice>
+    <mc:Fallback>
+      <p:transition spd="slow"/>
+    </mc:Fallback>
+  </mc:AlternateContent>
 </p:sldLayout>
 </file>
 
@@ -1439,13 +1484,21 @@
     </p:spTree>
     <p:extLst>
       <p:ext uri="{BB962C8B-B14F-4D97-AF65-F5344CB8AC3E}">
-        <p14:creationId xmlns:p14="http://schemas.microsoft.com/office/powerpoint/2010/main" xmlns="" val="2956599782"/>
+        <p14:creationId xmlns:p14="http://schemas.microsoft.com/office/powerpoint/2010/main" val="2956599782"/>
       </p:ext>
     </p:extLst>
   </p:cSld>
   <p:clrMapOvr>
     <a:masterClrMapping/>
   </p:clrMapOvr>
+  <mc:AlternateContent xmlns:mc="http://schemas.openxmlformats.org/markup-compatibility/2006">
+    <mc:Choice xmlns:p14="http://schemas.microsoft.com/office/powerpoint/2010/main" Requires="p14">
+      <p:transition spd="slow" p14:dur="2000"/>
+    </mc:Choice>
+    <mc:Fallback>
+      <p:transition spd="slow"/>
+    </mc:Fallback>
+  </mc:AlternateContent>
 </p:sldLayout>
 </file>
 
@@ -1673,13 +1726,21 @@
     </p:spTree>
     <p:extLst>
       <p:ext uri="{BB962C8B-B14F-4D97-AF65-F5344CB8AC3E}">
-        <p14:creationId xmlns:p14="http://schemas.microsoft.com/office/powerpoint/2010/main" xmlns="" val="1873215408"/>
+        <p14:creationId xmlns:p14="http://schemas.microsoft.com/office/powerpoint/2010/main" val="1873215408"/>
       </p:ext>
     </p:extLst>
   </p:cSld>
   <p:clrMapOvr>
     <a:masterClrMapping/>
   </p:clrMapOvr>
+  <mc:AlternateContent xmlns:mc="http://schemas.openxmlformats.org/markup-compatibility/2006">
+    <mc:Choice xmlns:p14="http://schemas.microsoft.com/office/powerpoint/2010/main" Requires="p14">
+      <p:transition spd="slow" p14:dur="2000"/>
+    </mc:Choice>
+    <mc:Fallback>
+      <p:transition spd="slow"/>
+    </mc:Fallback>
+  </mc:AlternateContent>
 </p:sldLayout>
 </file>
 
@@ -2042,13 +2103,21 @@
     </p:spTree>
     <p:extLst>
       <p:ext uri="{BB962C8B-B14F-4D97-AF65-F5344CB8AC3E}">
-        <p14:creationId xmlns:p14="http://schemas.microsoft.com/office/powerpoint/2010/main" xmlns="" val="2549970162"/>
+        <p14:creationId xmlns:p14="http://schemas.microsoft.com/office/powerpoint/2010/main" val="2549970162"/>
       </p:ext>
     </p:extLst>
   </p:cSld>
   <p:clrMapOvr>
     <a:masterClrMapping/>
   </p:clrMapOvr>
+  <mc:AlternateContent xmlns:mc="http://schemas.openxmlformats.org/markup-compatibility/2006">
+    <mc:Choice xmlns:p14="http://schemas.microsoft.com/office/powerpoint/2010/main" Requires="p14">
+      <p:transition spd="slow" p14:dur="2000"/>
+    </mc:Choice>
+    <mc:Fallback>
+      <p:transition spd="slow"/>
+    </mc:Fallback>
+  </mc:AlternateContent>
 </p:sldLayout>
 </file>
 
@@ -2162,13 +2231,21 @@
     </p:spTree>
     <p:extLst>
       <p:ext uri="{BB962C8B-B14F-4D97-AF65-F5344CB8AC3E}">
-        <p14:creationId xmlns:p14="http://schemas.microsoft.com/office/powerpoint/2010/main" xmlns="" val="1338756662"/>
+        <p14:creationId xmlns:p14="http://schemas.microsoft.com/office/powerpoint/2010/main" val="1338756662"/>
       </p:ext>
     </p:extLst>
   </p:cSld>
   <p:clrMapOvr>
     <a:masterClrMapping/>
   </p:clrMapOvr>
+  <mc:AlternateContent xmlns:mc="http://schemas.openxmlformats.org/markup-compatibility/2006">
+    <mc:Choice xmlns:p14="http://schemas.microsoft.com/office/powerpoint/2010/main" Requires="p14">
+      <p:transition spd="slow" p14:dur="2000"/>
+    </mc:Choice>
+    <mc:Fallback>
+      <p:transition spd="slow"/>
+    </mc:Fallback>
+  </mc:AlternateContent>
 </p:sldLayout>
 </file>
 
@@ -2259,13 +2336,21 @@
     </p:spTree>
     <p:extLst>
       <p:ext uri="{BB962C8B-B14F-4D97-AF65-F5344CB8AC3E}">
-        <p14:creationId xmlns:p14="http://schemas.microsoft.com/office/powerpoint/2010/main" xmlns="" val="651542604"/>
+        <p14:creationId xmlns:p14="http://schemas.microsoft.com/office/powerpoint/2010/main" val="651542604"/>
       </p:ext>
     </p:extLst>
   </p:cSld>
   <p:clrMapOvr>
     <a:masterClrMapping/>
   </p:clrMapOvr>
+  <mc:AlternateContent xmlns:mc="http://schemas.openxmlformats.org/markup-compatibility/2006">
+    <mc:Choice xmlns:p14="http://schemas.microsoft.com/office/powerpoint/2010/main" Requires="p14">
+      <p:transition spd="slow" p14:dur="2000"/>
+    </mc:Choice>
+    <mc:Fallback>
+      <p:transition spd="slow"/>
+    </mc:Fallback>
+  </mc:AlternateContent>
 </p:sldLayout>
 </file>
 
@@ -2538,13 +2623,21 @@
     </p:spTree>
     <p:extLst>
       <p:ext uri="{BB962C8B-B14F-4D97-AF65-F5344CB8AC3E}">
-        <p14:creationId xmlns:p14="http://schemas.microsoft.com/office/powerpoint/2010/main" xmlns="" val="416571746"/>
+        <p14:creationId xmlns:p14="http://schemas.microsoft.com/office/powerpoint/2010/main" val="416571746"/>
       </p:ext>
     </p:extLst>
   </p:cSld>
   <p:clrMapOvr>
     <a:masterClrMapping/>
   </p:clrMapOvr>
+  <mc:AlternateContent xmlns:mc="http://schemas.openxmlformats.org/markup-compatibility/2006">
+    <mc:Choice xmlns:p14="http://schemas.microsoft.com/office/powerpoint/2010/main" Requires="p14">
+      <p:transition spd="slow" p14:dur="2000"/>
+    </mc:Choice>
+    <mc:Fallback>
+      <p:transition spd="slow"/>
+    </mc:Fallback>
+  </mc:AlternateContent>
 </p:sldLayout>
 </file>
 
@@ -2793,13 +2886,21 @@
     </p:spTree>
     <p:extLst>
       <p:ext uri="{BB962C8B-B14F-4D97-AF65-F5344CB8AC3E}">
-        <p14:creationId xmlns:p14="http://schemas.microsoft.com/office/powerpoint/2010/main" xmlns="" val="3197632845"/>
+        <p14:creationId xmlns:p14="http://schemas.microsoft.com/office/powerpoint/2010/main" val="3197632845"/>
       </p:ext>
     </p:extLst>
   </p:cSld>
   <p:clrMapOvr>
     <a:masterClrMapping/>
   </p:clrMapOvr>
+  <mc:AlternateContent xmlns:mc="http://schemas.openxmlformats.org/markup-compatibility/2006">
+    <mc:Choice xmlns:p14="http://schemas.microsoft.com/office/powerpoint/2010/main" Requires="p14">
+      <p:transition spd="slow" p14:dur="2000"/>
+    </mc:Choice>
+    <mc:Fallback>
+      <p:transition spd="slow"/>
+    </mc:Fallback>
+  </mc:AlternateContent>
 </p:sldLayout>
 </file>
 
@@ -3044,7 +3145,7 @@
     </p:spTree>
     <p:extLst>
       <p:ext uri="{BB962C8B-B14F-4D97-AF65-F5344CB8AC3E}">
-        <p14:creationId xmlns:p14="http://schemas.microsoft.com/office/powerpoint/2010/main" xmlns="" val="2934121125"/>
+        <p14:creationId xmlns:p14="http://schemas.microsoft.com/office/powerpoint/2010/main" val="2934121125"/>
       </p:ext>
     </p:extLst>
   </p:cSld>
@@ -3062,6 +3163,14 @@
     <p:sldLayoutId id="2147483658" r:id="rId10"/>
     <p:sldLayoutId id="2147483659" r:id="rId11"/>
   </p:sldLayoutIdLst>
+  <mc:AlternateContent xmlns:mc="http://schemas.openxmlformats.org/markup-compatibility/2006">
+    <mc:Choice xmlns:p14="http://schemas.microsoft.com/office/powerpoint/2010/main" Requires="p14">
+      <p:transition spd="slow" p14:dur="2000"/>
+    </mc:Choice>
+    <mc:Fallback>
+      <p:transition spd="slow"/>
+    </mc:Fallback>
+  </mc:AlternateContent>
   <p:hf hdr="0" ftr="0" dt="0"/>
   <p:txStyles>
     <p:titleStyle>
@@ -3534,13 +3643,21 @@
     </p:spTree>
     <p:extLst>
       <p:ext uri="{BB962C8B-B14F-4D97-AF65-F5344CB8AC3E}">
-        <p14:creationId xmlns:p14="http://schemas.microsoft.com/office/powerpoint/2010/main" xmlns="" val="10773478"/>
+        <p14:creationId xmlns:p14="http://schemas.microsoft.com/office/powerpoint/2010/main" val="10773478"/>
       </p:ext>
     </p:extLst>
   </p:cSld>
   <p:clrMapOvr>
     <a:masterClrMapping/>
   </p:clrMapOvr>
+  <mc:AlternateContent xmlns:mc="http://schemas.openxmlformats.org/markup-compatibility/2006">
+    <mc:Choice xmlns:p14="http://schemas.microsoft.com/office/powerpoint/2010/main" Requires="p14">
+      <p:transition spd="slow" p14:dur="2000"/>
+    </mc:Choice>
+    <mc:Fallback>
+      <p:transition spd="slow"/>
+    </mc:Fallback>
+  </mc:AlternateContent>
   <p:timing>
     <p:tnLst>
       <p:par>
@@ -3580,7 +3697,7 @@
           <a:blip r:embed="rId2">
             <a:extLst>
               <a:ext uri="{28A0092B-C50C-407E-A947-70E740481C1C}">
-                <a14:useLocalDpi xmlns:a14="http://schemas.microsoft.com/office/drawing/2010/main" xmlns="" val="0"/>
+                <a14:useLocalDpi xmlns:a14="http://schemas.microsoft.com/office/drawing/2010/main" val="0"/>
               </a:ext>
             </a:extLst>
           </a:blip>
@@ -3694,21 +3811,7 @@
                 <a:latin typeface="Times New Roman" panose="02020603050405020304" pitchFamily="18" charset="0"/>
                 <a:cs typeface="Times New Roman" panose="02020603050405020304" pitchFamily="18" charset="0"/>
               </a:rPr>
-              <a:t>о</a:t>
-            </a:r>
-            <a:r>
-              <a:rPr lang="ru-RU" sz="2400" i="1" dirty="0" smtClean="0">
-                <a:latin typeface="Times New Roman" panose="02020603050405020304" pitchFamily="18" charset="0"/>
-                <a:cs typeface="Times New Roman" panose="02020603050405020304" pitchFamily="18" charset="0"/>
-              </a:rPr>
-              <a:t>.</a:t>
-            </a:r>
-            <a:r>
-              <a:rPr lang="ru-RU" sz="2400" i="1" dirty="0" smtClean="0">
-                <a:latin typeface="Times New Roman" panose="02020603050405020304" pitchFamily="18" charset="0"/>
-                <a:cs typeface="Times New Roman" panose="02020603050405020304" pitchFamily="18" charset="0"/>
-              </a:rPr>
-              <a:t>е</a:t>
+              <a:t>о.е</a:t>
             </a:r>
             <a:r>
               <a:rPr lang="ru-RU" sz="2400" i="1" dirty="0" smtClean="0"/>
@@ -3846,54 +3949,752 @@
           </a:p>
         </p:txBody>
       </p:sp>
-      <p:sp>
-        <p:nvSpPr>
-          <p:cNvPr id="17" name="TextBox 16"/>
-          <p:cNvSpPr txBox="1"/>
+      <mc:AlternateContent xmlns:mc="http://schemas.openxmlformats.org/markup-compatibility/2006">
+        <mc:Choice xmlns:a14="http://schemas.microsoft.com/office/drawing/2010/main" Requires="a14">
+          <p:sp>
+            <p:nvSpPr>
+              <p:cNvPr id="13" name="TextBox 12"/>
+              <p:cNvSpPr txBox="1"/>
+              <p:nvPr/>
+            </p:nvSpPr>
+            <p:spPr>
+              <a:xfrm>
+                <a:off x="4205011" y="1039985"/>
+                <a:ext cx="1490126" cy="375359"/>
+              </a:xfrm>
+              <a:prstGeom prst="rect">
+                <a:avLst/>
+              </a:prstGeom>
+              <a:noFill/>
+            </p:spPr>
+            <p:txBody>
+              <a:bodyPr wrap="square" rtlCol="0">
+                <a:spAutoFit/>
+              </a:bodyPr>
+              <a:lstStyle/>
+              <a:p>
+                <a:pPr/>
+                <a14:m>
+                  <m:oMathPara xmlns:m="http://schemas.openxmlformats.org/officeDocument/2006/math">
+                    <m:oMathParaPr>
+                      <m:jc m:val="centerGroup"/>
+                    </m:oMathParaPr>
+                    <m:oMath xmlns:m="http://schemas.openxmlformats.org/officeDocument/2006/math">
+                      <m:sSup>
+                        <m:sSupPr>
+                          <m:ctrlPr>
+                            <a:rPr lang="ru-RU" sz="1600" i="1" smtClean="0">
+                              <a:latin typeface="Cambria Math" panose="02040503050406030204" pitchFamily="18" charset="0"/>
+                            </a:rPr>
+                          </m:ctrlPr>
+                        </m:sSupPr>
+                        <m:e>
+                          <m:sSubSup>
+                            <m:sSubSupPr>
+                              <m:ctrlPr>
+                                <a:rPr lang="ru-RU" sz="1600" i="1">
+                                  <a:latin typeface="Cambria Math" panose="02040503050406030204" pitchFamily="18" charset="0"/>
+                                </a:rPr>
+                              </m:ctrlPr>
+                            </m:sSubSupPr>
+                            <m:e>
+                              <m:r>
+                                <a:rPr lang="en-US" sz="1600" i="1">
+                                  <a:latin typeface="Cambria Math"/>
+                                </a:rPr>
+                                <m:t>𝑁</m:t>
+                              </m:r>
+                            </m:e>
+                            <m:sub>
+                              <m:r>
+                                <a:rPr lang="en-US" sz="1600" i="1">
+                                  <a:latin typeface="Cambria Math"/>
+                                </a:rPr>
+                                <m:t>2</m:t>
+                              </m:r>
+                            </m:sub>
+                            <m:sup/>
+                          </m:sSubSup>
+                        </m:e>
+                        <m:sup/>
+                      </m:sSup>
+                      <m:r>
+                        <a:rPr lang="en-US" sz="1600" b="0" i="1" smtClean="0">
+                          <a:latin typeface="Cambria Math"/>
+                        </a:rPr>
+                        <m:t>(</m:t>
+                      </m:r>
+                      <m:r>
+                        <a:rPr lang="en-US" sz="1600" b="0" i="1" smtClean="0">
+                          <a:latin typeface="Cambria Math"/>
+                        </a:rPr>
+                        <m:t>𝐶</m:t>
+                      </m:r>
+                      <m:r>
+                        <a:rPr lang="en-US" sz="1600" b="0" i="1" smtClean="0">
+                          <a:latin typeface="Cambria Math"/>
+                          <a:ea typeface="Cambria Math"/>
+                        </a:rPr>
+                        <m:t>→</m:t>
+                      </m:r>
+                      <m:r>
+                        <a:rPr lang="en-US" sz="1600" b="0" i="1" smtClean="0">
+                          <a:latin typeface="Cambria Math"/>
+                          <a:ea typeface="Cambria Math"/>
+                        </a:rPr>
+                        <m:t>𝐵</m:t>
+                      </m:r>
+                      <m:r>
+                        <a:rPr lang="en-US" sz="1600" b="0" i="1" smtClean="0">
+                          <a:latin typeface="Cambria Math"/>
+                          <a:ea typeface="Cambria Math"/>
+                        </a:rPr>
+                        <m:t>)</m:t>
+                      </m:r>
+                    </m:oMath>
+                  </m:oMathPara>
+                </a14:m>
+                <a:endParaRPr lang="ru-RU" sz="1600" dirty="0"/>
+              </a:p>
+            </p:txBody>
+          </p:sp>
+        </mc:Choice>
+        <mc:Fallback>
+          <p:sp>
+            <p:nvSpPr>
+              <p:cNvPr id="13" name="TextBox 12"/>
+              <p:cNvSpPr txBox="1">
+                <a:spLocks noRot="1" noChangeAspect="1" noMove="1" noResize="1" noEditPoints="1" noAdjustHandles="1" noChangeArrowheads="1" noChangeShapeType="1" noTextEdit="1"/>
+              </p:cNvSpPr>
+              <p:nvPr/>
+            </p:nvSpPr>
+            <p:spPr>
+              <a:xfrm>
+                <a:off x="4205011" y="1039985"/>
+                <a:ext cx="1490126" cy="375359"/>
+              </a:xfrm>
+              <a:prstGeom prst="rect">
+                <a:avLst/>
+              </a:prstGeom>
+              <a:blipFill>
+                <a:blip r:embed="rId3"/>
+                <a:stretch>
+                  <a:fillRect b="-26230"/>
+                </a:stretch>
+              </a:blipFill>
+            </p:spPr>
+            <p:txBody>
+              <a:bodyPr/>
+              <a:lstStyle/>
+              <a:p>
+                <a:r>
+                  <a:rPr lang="ru-RU">
+                    <a:noFill/>
+                  </a:rPr>
+                  <a:t> </a:t>
+                </a:r>
+              </a:p>
+            </p:txBody>
+          </p:sp>
+        </mc:Fallback>
+      </mc:AlternateContent>
+      <p:cxnSp>
+        <p:nvCxnSpPr>
+          <p:cNvPr id="14" name="Прямая со стрелкой 13"/>
+          <p:cNvCxnSpPr/>
           <p:nvPr/>
-        </p:nvSpPr>
+        </p:nvCxnSpPr>
         <p:spPr>
-          <a:xfrm rot="19664488">
-            <a:off x="-244718" y="1338723"/>
-            <a:ext cx="6683004" cy="1015663"/>
+          <a:xfrm>
+            <a:off x="6112290" y="1480228"/>
+            <a:ext cx="147000" cy="694012"/>
           </a:xfrm>
-          <a:prstGeom prst="rect">
+          <a:prstGeom prst="straightConnector1">
             <a:avLst/>
           </a:prstGeom>
-          <a:noFill/>
+          <a:ln>
+            <a:tailEnd type="arrow"/>
+          </a:ln>
         </p:spPr>
-        <p:txBody>
-          <a:bodyPr wrap="square" rtlCol="0">
-            <a:spAutoFit/>
-          </a:bodyPr>
-          <a:lstStyle/>
-          <a:p>
-            <a:r>
-              <a:rPr lang="ru-RU" sz="6000" dirty="0" smtClean="0">
-                <a:solidFill>
-                  <a:srgbClr val="FF0000"/>
-                </a:solidFill>
-              </a:rPr>
-              <a:t>Доделать формулы</a:t>
-            </a:r>
-            <a:endParaRPr lang="ru-RU" sz="6000" dirty="0">
-              <a:solidFill>
-                <a:srgbClr val="FF0000"/>
-              </a:solidFill>
-            </a:endParaRPr>
-          </a:p>
-        </p:txBody>
-      </p:sp>
+        <p:style>
+          <a:lnRef idx="1">
+            <a:schemeClr val="dk1"/>
+          </a:lnRef>
+          <a:fillRef idx="0">
+            <a:schemeClr val="dk1"/>
+          </a:fillRef>
+          <a:effectRef idx="0">
+            <a:schemeClr val="dk1"/>
+          </a:effectRef>
+          <a:fontRef idx="minor">
+            <a:schemeClr val="tx1"/>
+          </a:fontRef>
+        </p:style>
+      </p:cxnSp>
+      <p:cxnSp>
+        <p:nvCxnSpPr>
+          <p:cNvPr id="15" name="Прямая со стрелкой 14"/>
+          <p:cNvCxnSpPr/>
+          <p:nvPr/>
+        </p:nvCxnSpPr>
+        <p:spPr>
+          <a:xfrm flipH="1">
+            <a:off x="5313681" y="1480228"/>
+            <a:ext cx="782319" cy="500972"/>
+          </a:xfrm>
+          <a:prstGeom prst="straightConnector1">
+            <a:avLst/>
+          </a:prstGeom>
+          <a:ln>
+            <a:tailEnd type="arrow"/>
+          </a:ln>
+        </p:spPr>
+        <p:style>
+          <a:lnRef idx="1">
+            <a:schemeClr val="dk1"/>
+          </a:lnRef>
+          <a:fillRef idx="0">
+            <a:schemeClr val="dk1"/>
+          </a:fillRef>
+          <a:effectRef idx="0">
+            <a:schemeClr val="dk1"/>
+          </a:effectRef>
+          <a:fontRef idx="minor">
+            <a:schemeClr val="tx1"/>
+          </a:fontRef>
+        </p:style>
+      </p:cxnSp>
+      <p:cxnSp>
+        <p:nvCxnSpPr>
+          <p:cNvPr id="18" name="Прямая со стрелкой 17"/>
+          <p:cNvCxnSpPr/>
+          <p:nvPr/>
+        </p:nvCxnSpPr>
+        <p:spPr>
+          <a:xfrm flipH="1">
+            <a:off x="5801360" y="1981200"/>
+            <a:ext cx="98770" cy="377280"/>
+          </a:xfrm>
+          <a:prstGeom prst="straightConnector1">
+            <a:avLst/>
+          </a:prstGeom>
+          <a:ln>
+            <a:tailEnd type="arrow"/>
+          </a:ln>
+        </p:spPr>
+        <p:style>
+          <a:lnRef idx="1">
+            <a:schemeClr val="dk1"/>
+          </a:lnRef>
+          <a:fillRef idx="0">
+            <a:schemeClr val="dk1"/>
+          </a:fillRef>
+          <a:effectRef idx="0">
+            <a:schemeClr val="dk1"/>
+          </a:effectRef>
+          <a:fontRef idx="minor">
+            <a:schemeClr val="tx1"/>
+          </a:fontRef>
+        </p:style>
+      </p:cxnSp>
+      <p:cxnSp>
+        <p:nvCxnSpPr>
+          <p:cNvPr id="23" name="Прямая со стрелкой 22"/>
+          <p:cNvCxnSpPr/>
+          <p:nvPr/>
+        </p:nvCxnSpPr>
+        <p:spPr>
+          <a:xfrm flipH="1">
+            <a:off x="6990080" y="1472902"/>
+            <a:ext cx="246483" cy="418949"/>
+          </a:xfrm>
+          <a:prstGeom prst="straightConnector1">
+            <a:avLst/>
+          </a:prstGeom>
+          <a:ln>
+            <a:tailEnd type="arrow"/>
+          </a:ln>
+        </p:spPr>
+        <p:style>
+          <a:lnRef idx="1">
+            <a:schemeClr val="dk1"/>
+          </a:lnRef>
+          <a:fillRef idx="0">
+            <a:schemeClr val="dk1"/>
+          </a:fillRef>
+          <a:effectRef idx="0">
+            <a:schemeClr val="dk1"/>
+          </a:effectRef>
+          <a:fontRef idx="minor">
+            <a:schemeClr val="tx1"/>
+          </a:fontRef>
+        </p:style>
+      </p:cxnSp>
+      <p:cxnSp>
+        <p:nvCxnSpPr>
+          <p:cNvPr id="28" name="Прямая со стрелкой 27"/>
+          <p:cNvCxnSpPr/>
+          <p:nvPr/>
+        </p:nvCxnSpPr>
+        <p:spPr>
+          <a:xfrm flipH="1">
+            <a:off x="6766560" y="2733040"/>
+            <a:ext cx="829485" cy="274629"/>
+          </a:xfrm>
+          <a:prstGeom prst="straightConnector1">
+            <a:avLst/>
+          </a:prstGeom>
+          <a:ln>
+            <a:tailEnd type="arrow"/>
+          </a:ln>
+        </p:spPr>
+        <p:style>
+          <a:lnRef idx="1">
+            <a:schemeClr val="dk1"/>
+          </a:lnRef>
+          <a:fillRef idx="0">
+            <a:schemeClr val="dk1"/>
+          </a:fillRef>
+          <a:effectRef idx="0">
+            <a:schemeClr val="dk1"/>
+          </a:effectRef>
+          <a:fontRef idx="minor">
+            <a:schemeClr val="tx1"/>
+          </a:fontRef>
+        </p:style>
+      </p:cxnSp>
+      <p:cxnSp>
+        <p:nvCxnSpPr>
+          <p:cNvPr id="31" name="Прямая со стрелкой 30"/>
+          <p:cNvCxnSpPr/>
+          <p:nvPr/>
+        </p:nvCxnSpPr>
+        <p:spPr>
+          <a:xfrm flipH="1">
+            <a:off x="7181302" y="2733040"/>
+            <a:ext cx="414743" cy="678838"/>
+          </a:xfrm>
+          <a:prstGeom prst="straightConnector1">
+            <a:avLst/>
+          </a:prstGeom>
+          <a:ln>
+            <a:tailEnd type="arrow"/>
+          </a:ln>
+        </p:spPr>
+        <p:style>
+          <a:lnRef idx="1">
+            <a:schemeClr val="dk1"/>
+          </a:lnRef>
+          <a:fillRef idx="0">
+            <a:schemeClr val="dk1"/>
+          </a:fillRef>
+          <a:effectRef idx="0">
+            <a:schemeClr val="dk1"/>
+          </a:effectRef>
+          <a:fontRef idx="minor">
+            <a:schemeClr val="tx1"/>
+          </a:fontRef>
+        </p:style>
+      </p:cxnSp>
+      <p:cxnSp>
+        <p:nvCxnSpPr>
+          <p:cNvPr id="34" name="Прямая со стрелкой 33"/>
+          <p:cNvCxnSpPr/>
+          <p:nvPr/>
+        </p:nvCxnSpPr>
+        <p:spPr>
+          <a:xfrm flipH="1">
+            <a:off x="7467600" y="2733040"/>
+            <a:ext cx="128445" cy="698762"/>
+          </a:xfrm>
+          <a:prstGeom prst="straightConnector1">
+            <a:avLst/>
+          </a:prstGeom>
+          <a:ln>
+            <a:tailEnd type="arrow"/>
+          </a:ln>
+        </p:spPr>
+        <p:style>
+          <a:lnRef idx="1">
+            <a:schemeClr val="dk1"/>
+          </a:lnRef>
+          <a:fillRef idx="0">
+            <a:schemeClr val="dk1"/>
+          </a:fillRef>
+          <a:effectRef idx="0">
+            <a:schemeClr val="dk1"/>
+          </a:effectRef>
+          <a:fontRef idx="minor">
+            <a:schemeClr val="tx1"/>
+          </a:fontRef>
+        </p:style>
+      </p:cxnSp>
+      <mc:AlternateContent xmlns:mc="http://schemas.openxmlformats.org/markup-compatibility/2006">
+        <mc:Choice xmlns:a14="http://schemas.microsoft.com/office/drawing/2010/main" Requires="a14">
+          <p:sp>
+            <p:nvSpPr>
+              <p:cNvPr id="38" name="TextBox 37"/>
+              <p:cNvSpPr txBox="1"/>
+              <p:nvPr/>
+            </p:nvSpPr>
+            <p:spPr>
+              <a:xfrm>
+                <a:off x="5728211" y="1139537"/>
+                <a:ext cx="807151" cy="310018"/>
+              </a:xfrm>
+              <a:prstGeom prst="rect">
+                <a:avLst/>
+              </a:prstGeom>
+              <a:noFill/>
+            </p:spPr>
+            <p:txBody>
+              <a:bodyPr wrap="square" rtlCol="0">
+                <a:spAutoFit/>
+              </a:bodyPr>
+              <a:lstStyle/>
+              <a:p>
+                <a:pPr/>
+                <a14:m>
+                  <m:oMathPara xmlns:m="http://schemas.openxmlformats.org/officeDocument/2006/math">
+                    <m:oMathParaPr>
+                      <m:jc m:val="centerGroup"/>
+                    </m:oMathParaPr>
+                    <m:oMath xmlns:m="http://schemas.openxmlformats.org/officeDocument/2006/math">
+                      <m:r>
+                        <a:rPr lang="en-US" sz="2000" b="0" i="1" smtClean="0">
+                          <a:latin typeface="Cambria Math"/>
+                        </a:rPr>
+                        <m:t>𝐻</m:t>
+                      </m:r>
+                    </m:oMath>
+                  </m:oMathPara>
+                </a14:m>
+                <a:endParaRPr lang="ru-RU" sz="2000" dirty="0"/>
+              </a:p>
+            </p:txBody>
+          </p:sp>
+        </mc:Choice>
+        <mc:Fallback>
+          <p:sp>
+            <p:nvSpPr>
+              <p:cNvPr id="38" name="TextBox 37"/>
+              <p:cNvSpPr txBox="1">
+                <a:spLocks noRot="1" noChangeAspect="1" noMove="1" noResize="1" noEditPoints="1" noAdjustHandles="1" noChangeArrowheads="1" noChangeShapeType="1" noTextEdit="1"/>
+              </p:cNvSpPr>
+              <p:nvPr/>
+            </p:nvSpPr>
+            <p:spPr>
+              <a:xfrm>
+                <a:off x="5728211" y="1139537"/>
+                <a:ext cx="807151" cy="310018"/>
+              </a:xfrm>
+              <a:prstGeom prst="rect">
+                <a:avLst/>
+              </a:prstGeom>
+              <a:blipFill>
+                <a:blip r:embed="rId4"/>
+                <a:stretch>
+                  <a:fillRect b="-19608"/>
+                </a:stretch>
+              </a:blipFill>
+            </p:spPr>
+            <p:txBody>
+              <a:bodyPr/>
+              <a:lstStyle/>
+              <a:p>
+                <a:r>
+                  <a:rPr lang="ru-RU">
+                    <a:noFill/>
+                  </a:rPr>
+                  <a:t> </a:t>
+                </a:r>
+              </a:p>
+            </p:txBody>
+          </p:sp>
+        </mc:Fallback>
+      </mc:AlternateContent>
+      <mc:AlternateContent xmlns:mc="http://schemas.openxmlformats.org/markup-compatibility/2006">
+        <mc:Choice xmlns:a14="http://schemas.microsoft.com/office/drawing/2010/main" Requires="a14">
+          <p:sp>
+            <p:nvSpPr>
+              <p:cNvPr id="39" name="TextBox 38"/>
+              <p:cNvSpPr txBox="1"/>
+              <p:nvPr/>
+            </p:nvSpPr>
+            <p:spPr>
+              <a:xfrm>
+                <a:off x="5556498" y="1607913"/>
+                <a:ext cx="807151" cy="310018"/>
+              </a:xfrm>
+              <a:prstGeom prst="rect">
+                <a:avLst/>
+              </a:prstGeom>
+              <a:noFill/>
+            </p:spPr>
+            <p:txBody>
+              <a:bodyPr wrap="square" rtlCol="0">
+                <a:spAutoFit/>
+              </a:bodyPr>
+              <a:lstStyle/>
+              <a:p>
+                <a:pPr/>
+                <a14:m>
+                  <m:oMathPara xmlns:m="http://schemas.openxmlformats.org/officeDocument/2006/math">
+                    <m:oMathParaPr>
+                      <m:jc m:val="centerGroup"/>
+                    </m:oMathParaPr>
+                    <m:oMath xmlns:m="http://schemas.openxmlformats.org/officeDocument/2006/math">
+                      <m:r>
+                        <a:rPr lang="en-US" sz="2000" b="0" i="1" smtClean="0">
+                          <a:latin typeface="Cambria Math"/>
+                        </a:rPr>
+                        <m:t>𝐶𝑢</m:t>
+                      </m:r>
+                    </m:oMath>
+                  </m:oMathPara>
+                </a14:m>
+                <a:endParaRPr lang="en-US" sz="2000" b="0" dirty="0" smtClean="0"/>
+              </a:p>
+            </p:txBody>
+          </p:sp>
+        </mc:Choice>
+        <mc:Fallback>
+          <p:sp>
+            <p:nvSpPr>
+              <p:cNvPr id="39" name="TextBox 38"/>
+              <p:cNvSpPr txBox="1">
+                <a:spLocks noRot="1" noChangeAspect="1" noMove="1" noResize="1" noEditPoints="1" noAdjustHandles="1" noChangeArrowheads="1" noChangeShapeType="1" noTextEdit="1"/>
+              </p:cNvSpPr>
+              <p:nvPr/>
+            </p:nvSpPr>
+            <p:spPr>
+              <a:xfrm>
+                <a:off x="5556498" y="1607913"/>
+                <a:ext cx="807151" cy="310018"/>
+              </a:xfrm>
+              <a:prstGeom prst="rect">
+                <a:avLst/>
+              </a:prstGeom>
+              <a:blipFill>
+                <a:blip r:embed="rId5"/>
+                <a:stretch>
+                  <a:fillRect b="-19608"/>
+                </a:stretch>
+              </a:blipFill>
+            </p:spPr>
+            <p:txBody>
+              <a:bodyPr/>
+              <a:lstStyle/>
+              <a:p>
+                <a:r>
+                  <a:rPr lang="ru-RU">
+                    <a:noFill/>
+                  </a:rPr>
+                  <a:t> </a:t>
+                </a:r>
+              </a:p>
+            </p:txBody>
+          </p:sp>
+        </mc:Fallback>
+      </mc:AlternateContent>
+      <mc:AlternateContent xmlns:mc="http://schemas.openxmlformats.org/markup-compatibility/2006">
+        <mc:Choice xmlns:a14="http://schemas.microsoft.com/office/drawing/2010/main" Requires="a14">
+          <p:sp>
+            <p:nvSpPr>
+              <p:cNvPr id="40" name="TextBox 39"/>
+              <p:cNvSpPr txBox="1"/>
+              <p:nvPr/>
+            </p:nvSpPr>
+            <p:spPr>
+              <a:xfrm>
+                <a:off x="6985097" y="1085457"/>
+                <a:ext cx="807151" cy="310018"/>
+              </a:xfrm>
+              <a:prstGeom prst="rect">
+                <a:avLst/>
+              </a:prstGeom>
+              <a:noFill/>
+            </p:spPr>
+            <p:txBody>
+              <a:bodyPr wrap="square" rtlCol="0">
+                <a:spAutoFit/>
+              </a:bodyPr>
+              <a:lstStyle/>
+              <a:p>
+                <a:pPr/>
+                <a14:m>
+                  <m:oMathPara xmlns:m="http://schemas.openxmlformats.org/officeDocument/2006/math">
+                    <m:oMathParaPr>
+                      <m:jc m:val="centerGroup"/>
+                    </m:oMathParaPr>
+                    <m:oMath xmlns:m="http://schemas.openxmlformats.org/officeDocument/2006/math">
+                      <m:r>
+                        <a:rPr lang="en-US" sz="2000" b="0" i="1" smtClean="0">
+                          <a:latin typeface="Cambria Math"/>
+                        </a:rPr>
+                        <m:t>𝑂</m:t>
+                      </m:r>
+                    </m:oMath>
+                  </m:oMathPara>
+                </a14:m>
+                <a:endParaRPr lang="ru-RU" sz="2000" dirty="0"/>
+              </a:p>
+            </p:txBody>
+          </p:sp>
+        </mc:Choice>
+        <mc:Fallback>
+          <p:sp>
+            <p:nvSpPr>
+              <p:cNvPr id="40" name="TextBox 39"/>
+              <p:cNvSpPr txBox="1">
+                <a:spLocks noRot="1" noChangeAspect="1" noMove="1" noResize="1" noEditPoints="1" noAdjustHandles="1" noChangeArrowheads="1" noChangeShapeType="1" noTextEdit="1"/>
+              </p:cNvSpPr>
+              <p:nvPr/>
+            </p:nvSpPr>
+            <p:spPr>
+              <a:xfrm>
+                <a:off x="6985097" y="1085457"/>
+                <a:ext cx="807151" cy="310018"/>
+              </a:xfrm>
+              <a:prstGeom prst="rect">
+                <a:avLst/>
+              </a:prstGeom>
+              <a:blipFill>
+                <a:blip r:embed="rId6"/>
+                <a:stretch>
+                  <a:fillRect b="-19608"/>
+                </a:stretch>
+              </a:blipFill>
+            </p:spPr>
+            <p:txBody>
+              <a:bodyPr/>
+              <a:lstStyle/>
+              <a:p>
+                <a:r>
+                  <a:rPr lang="ru-RU">
+                    <a:noFill/>
+                  </a:rPr>
+                  <a:t> </a:t>
+                </a:r>
+              </a:p>
+            </p:txBody>
+          </p:sp>
+        </mc:Fallback>
+      </mc:AlternateContent>
+      <mc:AlternateContent xmlns:mc="http://schemas.openxmlformats.org/markup-compatibility/2006">
+        <mc:Choice xmlns:a14="http://schemas.microsoft.com/office/drawing/2010/main" Requires="a14">
+          <p:sp>
+            <p:nvSpPr>
+              <p:cNvPr id="41" name="TextBox 40"/>
+              <p:cNvSpPr txBox="1"/>
+              <p:nvPr/>
+            </p:nvSpPr>
+            <p:spPr>
+              <a:xfrm>
+                <a:off x="7192469" y="2356221"/>
+                <a:ext cx="807151" cy="310018"/>
+              </a:xfrm>
+              <a:prstGeom prst="rect">
+                <a:avLst/>
+              </a:prstGeom>
+              <a:noFill/>
+            </p:spPr>
+            <p:txBody>
+              <a:bodyPr wrap="square" rtlCol="0">
+                <a:spAutoFit/>
+              </a:bodyPr>
+              <a:lstStyle/>
+              <a:p>
+                <a:pPr/>
+                <a14:m>
+                  <m:oMathPara xmlns:m="http://schemas.openxmlformats.org/officeDocument/2006/math">
+                    <m:oMathParaPr>
+                      <m:jc m:val="centerGroup"/>
+                    </m:oMathParaPr>
+                    <m:oMath xmlns:m="http://schemas.openxmlformats.org/officeDocument/2006/math">
+                      <m:r>
+                        <a:rPr lang="en-US" sz="2000" b="0" i="1" smtClean="0">
+                          <a:latin typeface="Cambria Math"/>
+                        </a:rPr>
+                        <m:t>𝑁</m:t>
+                      </m:r>
+                      <m:r>
+                        <a:rPr lang="en-US" sz="2000" b="0" i="1" smtClean="0">
+                          <a:latin typeface="Cambria Math"/>
+                        </a:rPr>
+                        <m:t> </m:t>
+                      </m:r>
+                      <m:r>
+                        <a:rPr lang="en-US" sz="2000" b="0" i="1" smtClean="0">
+                          <a:latin typeface="Cambria Math"/>
+                        </a:rPr>
+                        <m:t>𝐼</m:t>
+                      </m:r>
+                    </m:oMath>
+                  </m:oMathPara>
+                </a14:m>
+                <a:endParaRPr lang="ru-RU" sz="2000" dirty="0"/>
+              </a:p>
+            </p:txBody>
+          </p:sp>
+        </mc:Choice>
+        <mc:Fallback>
+          <p:sp>
+            <p:nvSpPr>
+              <p:cNvPr id="41" name="TextBox 40"/>
+              <p:cNvSpPr txBox="1">
+                <a:spLocks noRot="1" noChangeAspect="1" noMove="1" noResize="1" noEditPoints="1" noAdjustHandles="1" noChangeArrowheads="1" noChangeShapeType="1" noTextEdit="1"/>
+              </p:cNvSpPr>
+              <p:nvPr/>
+            </p:nvSpPr>
+            <p:spPr>
+              <a:xfrm>
+                <a:off x="7192469" y="2356221"/>
+                <a:ext cx="807151" cy="310018"/>
+              </a:xfrm>
+              <a:prstGeom prst="rect">
+                <a:avLst/>
+              </a:prstGeom>
+              <a:blipFill>
+                <a:blip r:embed="rId7"/>
+                <a:stretch>
+                  <a:fillRect b="-22000"/>
+                </a:stretch>
+              </a:blipFill>
+            </p:spPr>
+            <p:txBody>
+              <a:bodyPr/>
+              <a:lstStyle/>
+              <a:p>
+                <a:r>
+                  <a:rPr lang="ru-RU">
+                    <a:noFill/>
+                  </a:rPr>
+                  <a:t> </a:t>
+                </a:r>
+              </a:p>
+            </p:txBody>
+          </p:sp>
+        </mc:Fallback>
+      </mc:AlternateContent>
     </p:spTree>
     <p:extLst>
       <p:ext uri="{BB962C8B-B14F-4D97-AF65-F5344CB8AC3E}">
-        <p14:creationId xmlns:p14="http://schemas.microsoft.com/office/powerpoint/2010/main" xmlns="" val="1412725410"/>
+        <p14:creationId xmlns:p14="http://schemas.microsoft.com/office/powerpoint/2010/main" val="1412725410"/>
       </p:ext>
     </p:extLst>
   </p:cSld>
   <p:clrMapOvr>
     <a:masterClrMapping/>
   </p:clrMapOvr>
+  <mc:AlternateContent xmlns:mc="http://schemas.openxmlformats.org/markup-compatibility/2006">
+    <mc:Choice xmlns:p14="http://schemas.microsoft.com/office/powerpoint/2010/main" Requires="p14">
+      <p:transition spd="slow" p14:dur="2000"/>
+    </mc:Choice>
+    <mc:Fallback>
+      <p:transition spd="slow"/>
+    </mc:Fallback>
+  </mc:AlternateContent>
   <p:timing>
     <p:tnLst>
       <p:par>
@@ -4108,50 +4909,394 @@
           </a:p>
         </p:txBody>
       </p:sp>
-      <p:sp>
-        <p:nvSpPr>
-          <p:cNvPr id="8" name="TextBox 7"/>
-          <p:cNvSpPr txBox="1"/>
-          <p:nvPr/>
-        </p:nvSpPr>
-        <p:spPr>
-          <a:xfrm>
-            <a:off x="1072243" y="4354285"/>
-            <a:ext cx="4365171" cy="1015663"/>
-          </a:xfrm>
-          <a:prstGeom prst="rect">
-            <a:avLst/>
-          </a:prstGeom>
-        </p:spPr>
-        <p:style>
-          <a:lnRef idx="2">
-            <a:schemeClr val="dk1"/>
-          </a:lnRef>
-          <a:fillRef idx="1">
-            <a:schemeClr val="lt1"/>
-          </a:fillRef>
-          <a:effectRef idx="0">
-            <a:schemeClr val="dk1"/>
-          </a:effectRef>
-          <a:fontRef idx="minor">
-            <a:schemeClr val="dk1"/>
-          </a:fontRef>
-        </p:style>
-        <p:txBody>
-          <a:bodyPr wrap="square" rtlCol="0">
-            <a:spAutoFit/>
-          </a:bodyPr>
-          <a:lstStyle/>
-          <a:p>
-            <a:pPr algn="ctr"/>
-            <a:r>
-              <a:rPr lang="ru-RU" sz="2000" dirty="0" smtClean="0"/>
-              <a:t>Определялась полуширина профиля и высчитывалась концентрация электронов по формуле:</a:t>
-            </a:r>
-            <a:endParaRPr lang="ru-RU" sz="2000" dirty="0"/>
-          </a:p>
-        </p:txBody>
-      </p:sp>
+      <mc:AlternateContent xmlns:mc="http://schemas.openxmlformats.org/markup-compatibility/2006">
+        <mc:Choice xmlns:a14="http://schemas.microsoft.com/office/drawing/2010/main" Requires="a14">
+          <p:sp>
+            <p:nvSpPr>
+              <p:cNvPr id="8" name="TextBox 7"/>
+              <p:cNvSpPr txBox="1"/>
+              <p:nvPr/>
+            </p:nvSpPr>
+            <p:spPr>
+              <a:xfrm>
+                <a:off x="111760" y="3865594"/>
+                <a:ext cx="6309359" cy="1483355"/>
+              </a:xfrm>
+              <a:prstGeom prst="rect">
+                <a:avLst/>
+              </a:prstGeom>
+            </p:spPr>
+            <p:style>
+              <a:lnRef idx="2">
+                <a:schemeClr val="dk1"/>
+              </a:lnRef>
+              <a:fillRef idx="1">
+                <a:schemeClr val="lt1"/>
+              </a:fillRef>
+              <a:effectRef idx="0">
+                <a:schemeClr val="dk1"/>
+              </a:effectRef>
+              <a:fontRef idx="minor">
+                <a:schemeClr val="dk1"/>
+              </a:fontRef>
+            </p:style>
+            <p:txBody>
+              <a:bodyPr wrap="square" rtlCol="0">
+                <a:spAutoFit/>
+              </a:bodyPr>
+              <a:lstStyle/>
+              <a:p>
+                <a:pPr algn="ctr"/>
+                <a:r>
+                  <a:rPr lang="ru-RU" sz="2000" dirty="0" smtClean="0"/>
+                  <a:t>Определялась полуширина профиля и высчитывалась концентрация электронов по формуле</a:t>
+                </a:r>
+                <a:r>
+                  <a:rPr lang="ru-RU" sz="2000" dirty="0" smtClean="0"/>
+                  <a:t>:</a:t>
+                </a:r>
+                <a:endParaRPr lang="en-US" sz="2000" dirty="0" smtClean="0"/>
+              </a:p>
+              <a:p>
+                <a:pPr algn="ctr"/>
+                <a14:m>
+                  <m:oMathPara xmlns:m="http://schemas.openxmlformats.org/officeDocument/2006/math">
+                    <m:oMathParaPr>
+                      <m:jc m:val="centerGroup"/>
+                    </m:oMathParaPr>
+                    <m:oMath xmlns:m="http://schemas.openxmlformats.org/officeDocument/2006/math">
+                      <m:sSub>
+                        <m:sSubPr>
+                          <m:ctrlPr>
+                            <a:rPr lang="ru-RU" i="1">
+                              <a:latin typeface="Cambria Math" panose="02040503050406030204" pitchFamily="18" charset="0"/>
+                            </a:rPr>
+                          </m:ctrlPr>
+                        </m:sSubPr>
+                        <m:e>
+                          <m:r>
+                            <a:rPr lang="ru-RU" i="1">
+                              <a:latin typeface="Cambria Math"/>
+                            </a:rPr>
+                            <m:t>𝑛</m:t>
+                          </m:r>
+                        </m:e>
+                        <m:sub>
+                          <m:r>
+                            <a:rPr lang="ru-RU" i="1">
+                              <a:latin typeface="Cambria Math"/>
+                            </a:rPr>
+                            <m:t>𝑒</m:t>
+                          </m:r>
+                        </m:sub>
+                      </m:sSub>
+                      <m:r>
+                        <a:rPr lang="ru-RU" i="1">
+                          <a:latin typeface="Cambria Math"/>
+                        </a:rPr>
+                        <m:t>=</m:t>
+                      </m:r>
+                      <m:sSup>
+                        <m:sSupPr>
+                          <m:ctrlPr>
+                            <a:rPr lang="ru-RU" i="1">
+                              <a:latin typeface="Cambria Math" panose="02040503050406030204" pitchFamily="18" charset="0"/>
+                            </a:rPr>
+                          </m:ctrlPr>
+                        </m:sSupPr>
+                        <m:e>
+                          <m:d>
+                            <m:dPr>
+                              <m:ctrlPr>
+                                <a:rPr lang="ru-RU" i="1">
+                                  <a:latin typeface="Cambria Math" panose="02040503050406030204" pitchFamily="18" charset="0"/>
+                                </a:rPr>
+                              </m:ctrlPr>
+                            </m:dPr>
+                            <m:e>
+                              <m:f>
+                                <m:fPr>
+                                  <m:ctrlPr>
+                                    <a:rPr lang="ru-RU" i="1">
+                                      <a:latin typeface="Cambria Math" panose="02040503050406030204" pitchFamily="18" charset="0"/>
+                                    </a:rPr>
+                                  </m:ctrlPr>
+                                </m:fPr>
+                                <m:num>
+                                  <m:r>
+                                    <a:rPr lang="ru-RU" i="1">
+                                      <a:latin typeface="Cambria Math"/>
+                                    </a:rPr>
+                                    <m:t>∆</m:t>
+                                  </m:r>
+                                  <m:sSub>
+                                    <m:sSubPr>
+                                      <m:ctrlPr>
+                                        <a:rPr lang="ru-RU" i="1">
+                                          <a:latin typeface="Cambria Math" panose="02040503050406030204" pitchFamily="18" charset="0"/>
+                                        </a:rPr>
+                                      </m:ctrlPr>
+                                    </m:sSubPr>
+                                    <m:e>
+                                      <m:r>
+                                        <a:rPr lang="ru-RU" i="1">
+                                          <a:latin typeface="Cambria Math"/>
+                                        </a:rPr>
+                                        <m:t>𝜆</m:t>
+                                      </m:r>
+                                    </m:e>
+                                    <m:sub>
+                                      <m:r>
+                                        <a:rPr lang="ru-RU" i="1">
+                                          <a:latin typeface="Cambria Math"/>
+                                        </a:rPr>
+                                        <m:t>𝑆𝑡𝑎𝑟𝑘</m:t>
+                                      </m:r>
+                                    </m:sub>
+                                  </m:sSub>
+                                </m:num>
+                                <m:den>
+                                  <m:r>
+                                    <a:rPr lang="ru-RU" i="1">
+                                      <a:latin typeface="Cambria Math"/>
+                                    </a:rPr>
+                                    <m:t>8,33×</m:t>
+                                  </m:r>
+                                  <m:sSup>
+                                    <m:sSupPr>
+                                      <m:ctrlPr>
+                                        <a:rPr lang="ru-RU" i="1">
+                                          <a:latin typeface="Cambria Math" panose="02040503050406030204" pitchFamily="18" charset="0"/>
+                                        </a:rPr>
+                                      </m:ctrlPr>
+                                    </m:sSupPr>
+                                    <m:e>
+                                      <m:r>
+                                        <a:rPr lang="ru-RU" i="1">
+                                          <a:latin typeface="Cambria Math"/>
+                                        </a:rPr>
+                                        <m:t>10</m:t>
+                                      </m:r>
+                                    </m:e>
+                                    <m:sup>
+                                      <m:r>
+                                        <a:rPr lang="ru-RU" i="1">
+                                          <a:latin typeface="Cambria Math"/>
+                                        </a:rPr>
+                                        <m:t>−3</m:t>
+                                      </m:r>
+                                    </m:sup>
+                                  </m:sSup>
+                                </m:den>
+                              </m:f>
+                            </m:e>
+                          </m:d>
+                        </m:e>
+                        <m:sup>
+                          <m:f>
+                            <m:fPr>
+                              <m:ctrlPr>
+                                <a:rPr lang="ru-RU" i="1">
+                                  <a:latin typeface="Cambria Math" panose="02040503050406030204" pitchFamily="18" charset="0"/>
+                                </a:rPr>
+                              </m:ctrlPr>
+                            </m:fPr>
+                            <m:num>
+                              <m:r>
+                                <a:rPr lang="ru-RU" i="1">
+                                  <a:latin typeface="Cambria Math"/>
+                                </a:rPr>
+                                <m:t>3</m:t>
+                              </m:r>
+                            </m:num>
+                            <m:den>
+                              <m:r>
+                                <a:rPr lang="ru-RU" i="1">
+                                  <a:latin typeface="Cambria Math"/>
+                                </a:rPr>
+                                <m:t>2</m:t>
+                              </m:r>
+                            </m:den>
+                          </m:f>
+                        </m:sup>
+                      </m:sSup>
+                      <m:r>
+                        <a:rPr lang="ru-RU" i="1">
+                          <a:latin typeface="Cambria Math"/>
+                        </a:rPr>
+                        <m:t>×</m:t>
+                      </m:r>
+                      <m:sSup>
+                        <m:sSupPr>
+                          <m:ctrlPr>
+                            <a:rPr lang="ru-RU" i="1">
+                              <a:latin typeface="Cambria Math" panose="02040503050406030204" pitchFamily="18" charset="0"/>
+                            </a:rPr>
+                          </m:ctrlPr>
+                        </m:sSupPr>
+                        <m:e>
+                          <m:r>
+                            <a:rPr lang="ru-RU" i="1">
+                              <a:latin typeface="Cambria Math"/>
+                            </a:rPr>
+                            <m:t>10</m:t>
+                          </m:r>
+                        </m:e>
+                        <m:sup>
+                          <m:r>
+                            <a:rPr lang="ru-RU" i="1">
+                              <a:latin typeface="Cambria Math"/>
+                            </a:rPr>
+                            <m:t>20</m:t>
+                          </m:r>
+                        </m:sup>
+                      </m:sSup>
+                      <m:r>
+                        <a:rPr lang="ru-RU" i="1">
+                          <a:latin typeface="Cambria Math"/>
+                        </a:rPr>
+                        <m:t>,где  ∆</m:t>
+                      </m:r>
+                      <m:sSub>
+                        <m:sSubPr>
+                          <m:ctrlPr>
+                            <a:rPr lang="ru-RU" i="1">
+                              <a:latin typeface="Cambria Math" panose="02040503050406030204" pitchFamily="18" charset="0"/>
+                            </a:rPr>
+                          </m:ctrlPr>
+                        </m:sSubPr>
+                        <m:e>
+                          <m:r>
+                            <a:rPr lang="ru-RU" i="1">
+                              <a:latin typeface="Cambria Math"/>
+                            </a:rPr>
+                            <m:t>𝜆</m:t>
+                          </m:r>
+                        </m:e>
+                        <m:sub>
+                          <m:r>
+                            <a:rPr lang="ru-RU" i="1">
+                              <a:latin typeface="Cambria Math"/>
+                            </a:rPr>
+                            <m:t>𝑆𝑡𝑎𝑟𝑘</m:t>
+                          </m:r>
+                        </m:sub>
+                      </m:sSub>
+                      <m:r>
+                        <a:rPr lang="ru-RU" i="1">
+                          <a:latin typeface="Cambria Math"/>
+                        </a:rPr>
+                        <m:t>=∆</m:t>
+                      </m:r>
+                      <m:sSub>
+                        <m:sSubPr>
+                          <m:ctrlPr>
+                            <a:rPr lang="ru-RU" i="1">
+                              <a:latin typeface="Cambria Math" panose="02040503050406030204" pitchFamily="18" charset="0"/>
+                            </a:rPr>
+                          </m:ctrlPr>
+                        </m:sSubPr>
+                        <m:e>
+                          <m:r>
+                            <a:rPr lang="ru-RU" i="1">
+                              <a:latin typeface="Cambria Math"/>
+                            </a:rPr>
+                            <m:t>𝜆</m:t>
+                          </m:r>
+                        </m:e>
+                        <m:sub>
+                          <m:r>
+                            <a:rPr lang="en-US" i="1">
+                              <a:latin typeface="Cambria Math"/>
+                            </a:rPr>
+                            <m:t>𝑔𝑎𝑢𝑠𝑠</m:t>
+                          </m:r>
+                        </m:sub>
+                      </m:sSub>
+                      <m:r>
+                        <a:rPr lang="ru-RU" i="1">
+                          <a:latin typeface="Cambria Math"/>
+                        </a:rPr>
+                        <m:t>−</m:t>
+                      </m:r>
+                      <m:r>
+                        <a:rPr lang="ru-RU" i="1">
+                          <a:latin typeface="Cambria Math"/>
+                        </a:rPr>
+                        <m:t>∆</m:t>
+                      </m:r>
+                      <m:sSub>
+                        <m:sSubPr>
+                          <m:ctrlPr>
+                            <a:rPr lang="ru-RU" i="1">
+                              <a:latin typeface="Cambria Math" panose="02040503050406030204" pitchFamily="18" charset="0"/>
+                            </a:rPr>
+                          </m:ctrlPr>
+                        </m:sSubPr>
+                        <m:e>
+                          <m:r>
+                            <a:rPr lang="ru-RU" i="1">
+                              <a:latin typeface="Cambria Math"/>
+                            </a:rPr>
+                            <m:t>𝜆</m:t>
+                          </m:r>
+                        </m:e>
+                        <m:sub>
+                          <m:r>
+                            <a:rPr lang="ru-RU" i="1">
+                              <a:latin typeface="Cambria Math"/>
+                            </a:rPr>
+                            <m:t>𝑒𝑥</m:t>
+                          </m:r>
+                        </m:sub>
+                      </m:sSub>
+                    </m:oMath>
+                  </m:oMathPara>
+                </a14:m>
+                <a:endParaRPr lang="ru-RU" dirty="0"/>
+              </a:p>
+            </p:txBody>
+          </p:sp>
+        </mc:Choice>
+        <mc:Fallback>
+          <p:sp>
+            <p:nvSpPr>
+              <p:cNvPr id="8" name="TextBox 7"/>
+              <p:cNvSpPr txBox="1">
+                <a:spLocks noRot="1" noChangeAspect="1" noMove="1" noResize="1" noEditPoints="1" noAdjustHandles="1" noChangeArrowheads="1" noChangeShapeType="1" noTextEdit="1"/>
+              </p:cNvSpPr>
+              <p:nvPr/>
+            </p:nvSpPr>
+            <p:spPr>
+              <a:xfrm>
+                <a:off x="111760" y="3865594"/>
+                <a:ext cx="6309359" cy="1483355"/>
+              </a:xfrm>
+              <a:prstGeom prst="rect">
+                <a:avLst/>
+              </a:prstGeom>
+              <a:blipFill>
+                <a:blip r:embed="rId2"/>
+                <a:stretch>
+                  <a:fillRect t="-1633"/>
+                </a:stretch>
+              </a:blipFill>
+            </p:spPr>
+            <p:txBody>
+              <a:bodyPr/>
+              <a:lstStyle/>
+              <a:p>
+                <a:r>
+                  <a:rPr lang="ru-RU">
+                    <a:noFill/>
+                  </a:rPr>
+                  <a:t> </a:t>
+                </a:r>
+              </a:p>
+            </p:txBody>
+          </p:sp>
+        </mc:Fallback>
+      </mc:AlternateContent>
       <p:cxnSp>
         <p:nvCxnSpPr>
           <p:cNvPr id="10" name="Прямая соединительная линия 9"/>
@@ -4195,9 +5340,9 @@
           <p:nvPr/>
         </p:nvCxnSpPr>
         <p:spPr>
-          <a:xfrm rot="10800000" flipV="1">
-            <a:off x="5437414" y="3184227"/>
-            <a:ext cx="1377044" cy="1677889"/>
+          <a:xfrm flipH="1">
+            <a:off x="6421119" y="3184228"/>
+            <a:ext cx="393339" cy="1423044"/>
           </a:xfrm>
           <a:prstGeom prst="line">
             <a:avLst/>
@@ -4218,155 +5363,179 @@
           </a:fontRef>
         </p:style>
       </p:cxnSp>
-      <p:sp>
-        <p:nvSpPr>
-          <p:cNvPr id="19" name="TextBox 18"/>
-          <p:cNvSpPr txBox="1">
-            <a:spLocks noRot="1" noChangeAspect="1" noMove="1" noResize="1" noEditPoints="1" noAdjustHandles="1" noChangeArrowheads="1" noChangeShapeType="1" noTextEdit="1"/>
-          </p:cNvSpPr>
-          <p:nvPr/>
-        </p:nvSpPr>
-        <p:spPr>
-          <a:xfrm>
-            <a:off x="755576" y="5517232"/>
-            <a:ext cx="6624736" cy="874855"/>
-          </a:xfrm>
-          <a:prstGeom prst="rect">
-            <a:avLst/>
-          </a:prstGeom>
-          <a:blipFill rotWithShape="1">
-            <a:blip r:embed="rId2"/>
-            <a:stretch>
-              <a:fillRect/>
-            </a:stretch>
-          </a:blipFill>
-        </p:spPr>
-        <p:txBody>
-          <a:bodyPr/>
-          <a:lstStyle/>
-          <a:p>
-            <a:r>
-              <a:rPr lang="ru-RU">
-                <a:noFill/>
-              </a:rPr>
-              <a:t> </a:t>
-            </a:r>
-          </a:p>
-        </p:txBody>
-      </p:sp>
-      <p:sp>
-        <p:nvSpPr>
-          <p:cNvPr id="20" name="TextBox 19"/>
-          <p:cNvSpPr txBox="1"/>
-          <p:nvPr/>
-        </p:nvSpPr>
-        <p:spPr>
-          <a:xfrm rot="19664488">
-            <a:off x="32868" y="4718737"/>
-            <a:ext cx="6683004" cy="1015663"/>
-          </a:xfrm>
-          <a:prstGeom prst="rect">
-            <a:avLst/>
-          </a:prstGeom>
-          <a:noFill/>
-        </p:spPr>
-        <p:txBody>
-          <a:bodyPr wrap="square" rtlCol="0">
-            <a:spAutoFit/>
-          </a:bodyPr>
-          <a:lstStyle/>
-          <a:p>
-            <a:r>
-              <a:rPr lang="ru-RU" sz="6000" dirty="0" smtClean="0">
-                <a:solidFill>
-                  <a:srgbClr val="FF0000"/>
-                </a:solidFill>
-              </a:rPr>
-              <a:t>Доделать формулы</a:t>
-            </a:r>
-            <a:endParaRPr lang="ru-RU" sz="6000" dirty="0">
-              <a:solidFill>
-                <a:srgbClr val="FF0000"/>
-              </a:solidFill>
-            </a:endParaRPr>
-          </a:p>
-        </p:txBody>
-      </p:sp>
-      <p:sp>
-        <p:nvSpPr>
-          <p:cNvPr id="21" name="TextBox 20"/>
-          <p:cNvSpPr txBox="1"/>
-          <p:nvPr/>
-        </p:nvSpPr>
-        <p:spPr>
-          <a:xfrm>
-            <a:off x="7478486" y="4898572"/>
-            <a:ext cx="3869871" cy="1200329"/>
-          </a:xfrm>
-          <a:prstGeom prst="rect">
-            <a:avLst/>
-          </a:prstGeom>
-        </p:spPr>
-        <p:style>
-          <a:lnRef idx="2">
-            <a:schemeClr val="dk1"/>
-          </a:lnRef>
-          <a:fillRef idx="1">
-            <a:schemeClr val="lt1"/>
-          </a:fillRef>
-          <a:effectRef idx="0">
-            <a:schemeClr val="dk1"/>
-          </a:effectRef>
-          <a:fontRef idx="minor">
-            <a:schemeClr val="dk1"/>
-          </a:fontRef>
-        </p:style>
-        <p:txBody>
-          <a:bodyPr wrap="square" rtlCol="0">
-            <a:spAutoFit/>
-          </a:bodyPr>
-          <a:lstStyle/>
-          <a:p>
-            <a:r>
-              <a:rPr lang="ru-RU" sz="2400" dirty="0" smtClean="0"/>
-              <a:t>Значения для концентрации электронов:</a:t>
-            </a:r>
-            <a:r>
-              <a:rPr lang="en-US" sz="2400" dirty="0" smtClean="0"/>
-              <a:t>  </a:t>
-            </a:r>
-            <a:r>
-              <a:rPr lang="ru-RU" sz="2400" b="1" u="sng" dirty="0" smtClean="0"/>
-              <a:t>(</a:t>
-            </a:r>
-            <a:r>
-              <a:rPr lang="ru-RU" sz="2400" b="1" u="sng" dirty="0" smtClean="0"/>
-              <a:t>0.7 – 1.4) </a:t>
-            </a:r>
-            <a:r>
-              <a:rPr lang="ru-RU" sz="2400" b="1" u="sng" dirty="0" err="1" smtClean="0"/>
-              <a:t>х</a:t>
-            </a:r>
-            <a:r>
-              <a:rPr lang="ru-RU" sz="2400" b="1" u="sng" dirty="0" smtClean="0"/>
-              <a:t> 10</a:t>
-            </a:r>
-            <a:r>
-              <a:rPr lang="en-US" sz="2400" b="1" u="sng" dirty="0" smtClean="0"/>
-              <a:t>^15 </a:t>
-            </a:r>
-            <a:r>
-              <a:rPr lang="ru-RU" sz="2400" b="1" u="sng" dirty="0" smtClean="0"/>
-              <a:t>см</a:t>
-            </a:r>
-            <a:r>
-              <a:rPr lang="en-US" sz="2400" b="1" u="sng" dirty="0" smtClean="0"/>
-              <a:t>^-3</a:t>
-            </a:r>
-            <a:endParaRPr lang="ru-RU" sz="2400" b="1" u="sng" dirty="0"/>
-          </a:p>
-        </p:txBody>
-      </p:sp>
+      <mc:AlternateContent xmlns:mc="http://schemas.openxmlformats.org/markup-compatibility/2006">
+        <mc:Choice xmlns:a14="http://schemas.microsoft.com/office/drawing/2010/main" Requires="a14">
+          <p:sp>
+            <p:nvSpPr>
+              <p:cNvPr id="21" name="TextBox 20"/>
+              <p:cNvSpPr txBox="1"/>
+              <p:nvPr/>
+            </p:nvSpPr>
+            <p:spPr>
+              <a:xfrm>
+                <a:off x="7478486" y="4898572"/>
+                <a:ext cx="3869871" cy="1214115"/>
+              </a:xfrm>
+              <a:prstGeom prst="rect">
+                <a:avLst/>
+              </a:prstGeom>
+            </p:spPr>
+            <p:style>
+              <a:lnRef idx="2">
+                <a:schemeClr val="dk1"/>
+              </a:lnRef>
+              <a:fillRef idx="1">
+                <a:schemeClr val="lt1"/>
+              </a:fillRef>
+              <a:effectRef idx="0">
+                <a:schemeClr val="dk1"/>
+              </a:effectRef>
+              <a:fontRef idx="minor">
+                <a:schemeClr val="dk1"/>
+              </a:fontRef>
+            </p:style>
+            <p:txBody>
+              <a:bodyPr wrap="square" rtlCol="0">
+                <a:spAutoFit/>
+              </a:bodyPr>
+              <a:lstStyle/>
+              <a:p>
+                <a:r>
+                  <a:rPr lang="ru-RU" sz="2400" dirty="0" smtClean="0"/>
+                  <a:t>Значения для концентрации электронов:</a:t>
+                </a:r>
+                <a:r>
+                  <a:rPr lang="en-US" sz="2400" dirty="0" smtClean="0"/>
+                  <a:t>  </a:t>
+                </a:r>
+                <a:r>
+                  <a:rPr lang="ru-RU" sz="2400" b="1" u="sng" dirty="0" smtClean="0"/>
+                  <a:t>(0.7 – 1.4) </a:t>
+                </a:r>
+                <a14:m>
+                  <m:oMath xmlns:m="http://schemas.openxmlformats.org/officeDocument/2006/math">
+                    <m:r>
+                      <a:rPr lang="en-US" sz="2400" b="1" i="1" u="sng" dirty="0" smtClean="0">
+                        <a:latin typeface="Cambria Math" panose="02040503050406030204" pitchFamily="18" charset="0"/>
+                      </a:rPr>
+                      <m:t> </m:t>
+                    </m:r>
+                    <m:r>
+                      <a:rPr lang="en-US" sz="2400" b="1" i="1" u="sng" dirty="0" smtClean="0">
+                        <a:latin typeface="Cambria Math" panose="02040503050406030204" pitchFamily="18" charset="0"/>
+                        <a:ea typeface="Cambria Math" panose="02040503050406030204" pitchFamily="18" charset="0"/>
+                      </a:rPr>
+                      <m:t>×</m:t>
+                    </m:r>
+                    <m:sSup>
+                      <m:sSupPr>
+                        <m:ctrlPr>
+                          <a:rPr lang="en-US" sz="2400" b="1" i="1" u="sng" dirty="0" smtClean="0">
+                            <a:latin typeface="Cambria Math" panose="02040503050406030204" pitchFamily="18" charset="0"/>
+                            <a:ea typeface="Cambria Math" panose="02040503050406030204" pitchFamily="18" charset="0"/>
+                          </a:rPr>
+                        </m:ctrlPr>
+                      </m:sSupPr>
+                      <m:e>
+                        <m:r>
+                          <a:rPr lang="ru-RU" sz="2400" b="1" i="1" u="sng" dirty="0" smtClean="0">
+                            <a:latin typeface="Cambria Math" panose="02040503050406030204" pitchFamily="18" charset="0"/>
+                            <a:ea typeface="Cambria Math" panose="02040503050406030204" pitchFamily="18" charset="0"/>
+                          </a:rPr>
+                          <m:t>𝟏𝟎</m:t>
+                        </m:r>
+                      </m:e>
+                      <m:sup>
+                        <m:r>
+                          <a:rPr lang="ru-RU" sz="2400" b="1" i="1" u="sng" dirty="0" smtClean="0">
+                            <a:latin typeface="Cambria Math" panose="02040503050406030204" pitchFamily="18" charset="0"/>
+                            <a:ea typeface="Cambria Math" panose="02040503050406030204" pitchFamily="18" charset="0"/>
+                          </a:rPr>
+                          <m:t>𝟏𝟓</m:t>
+                        </m:r>
+                      </m:sup>
+                    </m:sSup>
+                    <m:sSup>
+                      <m:sSupPr>
+                        <m:ctrlPr>
+                          <a:rPr lang="en-US" sz="2400" b="1" i="1" u="sng" dirty="0" smtClean="0">
+                            <a:latin typeface="Cambria Math" panose="02040503050406030204" pitchFamily="18" charset="0"/>
+                            <a:ea typeface="Cambria Math" panose="02040503050406030204" pitchFamily="18" charset="0"/>
+                          </a:rPr>
+                        </m:ctrlPr>
+                      </m:sSupPr>
+                      <m:e>
+                        <m:r>
+                          <a:rPr lang="ru-RU" sz="2400" b="1" i="1" u="sng" dirty="0" smtClean="0">
+                            <a:latin typeface="Cambria Math" panose="02040503050406030204" pitchFamily="18" charset="0"/>
+                            <a:ea typeface="Cambria Math" panose="02040503050406030204" pitchFamily="18" charset="0"/>
+                          </a:rPr>
+                          <m:t>см</m:t>
+                        </m:r>
+                      </m:e>
+                      <m:sup>
+                        <m:r>
+                          <a:rPr lang="ru-RU" sz="2400" b="1" i="1" u="sng" dirty="0" smtClean="0">
+                            <a:latin typeface="Cambria Math" panose="02040503050406030204" pitchFamily="18" charset="0"/>
+                            <a:ea typeface="Cambria Math" panose="02040503050406030204" pitchFamily="18" charset="0"/>
+                          </a:rPr>
+                          <m:t>−</m:t>
+                        </m:r>
+                        <m:r>
+                          <a:rPr lang="ru-RU" sz="2400" b="1" i="1" u="sng" dirty="0" smtClean="0">
+                            <a:latin typeface="Cambria Math" panose="02040503050406030204" pitchFamily="18" charset="0"/>
+                            <a:ea typeface="Cambria Math" panose="02040503050406030204" pitchFamily="18" charset="0"/>
+                          </a:rPr>
+                          <m:t>𝟑</m:t>
+                        </m:r>
+                      </m:sup>
+                    </m:sSup>
+                  </m:oMath>
+                </a14:m>
+                <a:endParaRPr lang="ru-RU" sz="2400" b="1" u="sng" dirty="0"/>
+              </a:p>
+            </p:txBody>
+          </p:sp>
+        </mc:Choice>
+        <mc:Fallback>
+          <p:sp>
+            <p:nvSpPr>
+              <p:cNvPr id="21" name="TextBox 20"/>
+              <p:cNvSpPr txBox="1">
+                <a:spLocks noRot="1" noChangeAspect="1" noMove="1" noResize="1" noEditPoints="1" noAdjustHandles="1" noChangeArrowheads="1" noChangeShapeType="1" noTextEdit="1"/>
+              </p:cNvSpPr>
+              <p:nvPr/>
+            </p:nvSpPr>
+            <p:spPr>
+              <a:xfrm>
+                <a:off x="7478486" y="4898572"/>
+                <a:ext cx="3869871" cy="1214115"/>
+              </a:xfrm>
+              <a:prstGeom prst="rect">
+                <a:avLst/>
+              </a:prstGeom>
+              <a:blipFill>
+                <a:blip r:embed="rId3"/>
+                <a:stretch>
+                  <a:fillRect l="-2355" t="-3483" b="-9950"/>
+                </a:stretch>
+              </a:blipFill>
+            </p:spPr>
+            <p:txBody>
+              <a:bodyPr/>
+              <a:lstStyle/>
+              <a:p>
+                <a:r>
+                  <a:rPr lang="ru-RU">
+                    <a:noFill/>
+                  </a:rPr>
+                  <a:t> </a:t>
+                </a:r>
+              </a:p>
+            </p:txBody>
+          </p:sp>
+        </mc:Fallback>
+      </mc:AlternateContent>
       <p:cxnSp>
         <p:nvCxnSpPr>
           <p:cNvPr id="24" name="Прямая соединительная линия 23"/>
@@ -4378,8 +5547,8 @@
         </p:nvCxnSpPr>
         <p:spPr>
           <a:xfrm>
-            <a:off x="5437414" y="4862117"/>
-            <a:ext cx="2041072" cy="636620"/>
+            <a:off x="6421119" y="4607272"/>
+            <a:ext cx="1057367" cy="898358"/>
           </a:xfrm>
           <a:prstGeom prst="line">
             <a:avLst/>
@@ -4405,6 +5574,21 @@
   <p:clrMapOvr>
     <a:masterClrMapping/>
   </p:clrMapOvr>
+  <mc:AlternateContent xmlns:mc="http://schemas.openxmlformats.org/markup-compatibility/2006">
+    <mc:Choice xmlns:p14="http://schemas.microsoft.com/office/powerpoint/2010/main" Requires="p14">
+      <p:transition spd="slow" p14:dur="2000"/>
+    </mc:Choice>
+    <mc:Fallback>
+      <p:transition spd="slow"/>
+    </mc:Fallback>
+  </mc:AlternateContent>
+  <p:timing>
+    <p:tnLst>
+      <p:par>
+        <p:cTn id="1" dur="indefinite" restart="never" nodeType="tmRoot"/>
+      </p:par>
+    </p:tnLst>
+  </p:timing>
 </p:sld>
 </file>
 
@@ -4461,7 +5645,7 @@
           <a:blip r:embed="rId2">
             <a:extLst>
               <a:ext uri="{28A0092B-C50C-407E-A947-70E740481C1C}">
-                <a14:useLocalDpi xmlns:a14="http://schemas.microsoft.com/office/drawing/2010/main" xmlns="" val="0"/>
+                <a14:useLocalDpi xmlns:a14="http://schemas.microsoft.com/office/drawing/2010/main" val="0"/>
               </a:ext>
             </a:extLst>
           </a:blip>
@@ -4641,21 +5825,7 @@
                   <a:latin typeface="Times New Roman" panose="02020603050405020304" pitchFamily="18" charset="0"/>
                   <a:cs typeface="Times New Roman" panose="02020603050405020304" pitchFamily="18" charset="0"/>
                 </a:rPr>
-                <a:t>о</a:t>
-              </a:r>
-              <a:r>
-                <a:rPr lang="ru-RU" sz="2400" i="1" dirty="0" smtClean="0">
-                  <a:latin typeface="Times New Roman" panose="02020603050405020304" pitchFamily="18" charset="0"/>
-                  <a:cs typeface="Times New Roman" panose="02020603050405020304" pitchFamily="18" charset="0"/>
-                </a:rPr>
-                <a:t>.</a:t>
-              </a:r>
-              <a:r>
-                <a:rPr lang="ru-RU" sz="2400" i="1" dirty="0" smtClean="0">
-                  <a:latin typeface="Times New Roman" panose="02020603050405020304" pitchFamily="18" charset="0"/>
-                  <a:cs typeface="Times New Roman" panose="02020603050405020304" pitchFamily="18" charset="0"/>
-                </a:rPr>
-                <a:t>е</a:t>
+                <a:t>о.е</a:t>
               </a:r>
               <a:r>
                 <a:rPr lang="ru-RU" sz="2400" i="1" dirty="0" smtClean="0"/>
@@ -4722,6 +5892,21 @@
   <p:clrMapOvr>
     <a:masterClrMapping/>
   </p:clrMapOvr>
+  <mc:AlternateContent xmlns:mc="http://schemas.openxmlformats.org/markup-compatibility/2006">
+    <mc:Choice xmlns:p14="http://schemas.microsoft.com/office/powerpoint/2010/main" Requires="p14">
+      <p:transition spd="slow" p14:dur="2000"/>
+    </mc:Choice>
+    <mc:Fallback>
+      <p:transition spd="slow"/>
+    </mc:Fallback>
+  </mc:AlternateContent>
+  <p:timing>
+    <p:tnLst>
+      <p:par>
+        <p:cTn id="1" dur="indefinite" restart="never" nodeType="tmRoot"/>
+      </p:par>
+    </p:tnLst>
+  </p:timing>
 </p:sld>
 </file>
 
@@ -4857,11 +6042,56 @@
           </a:p>
         </p:txBody>
       </p:sp>
+      <p:pic>
+        <p:nvPicPr>
+          <p:cNvPr id="2" name="Рисунок 1"/>
+          <p:cNvPicPr>
+            <a:picLocks noChangeAspect="1"/>
+          </p:cNvPicPr>
+          <p:nvPr/>
+        </p:nvPicPr>
+        <p:blipFill>
+          <a:blip r:embed="rId2">
+            <a:extLst>
+              <a:ext uri="{28A0092B-C50C-407E-A947-70E740481C1C}">
+                <a14:useLocalDpi xmlns:a14="http://schemas.microsoft.com/office/drawing/2010/main" val="0"/>
+              </a:ext>
+            </a:extLst>
+          </a:blip>
+          <a:stretch>
+            <a:fillRect/>
+          </a:stretch>
+        </p:blipFill>
+        <p:spPr>
+          <a:xfrm>
+            <a:off x="1318260" y="1524182"/>
+            <a:ext cx="3321834" cy="3717290"/>
+          </a:xfrm>
+          <a:prstGeom prst="rect">
+            <a:avLst/>
+          </a:prstGeom>
+        </p:spPr>
+      </p:pic>
     </p:spTree>
   </p:cSld>
   <p:clrMapOvr>
     <a:masterClrMapping/>
   </p:clrMapOvr>
+  <mc:AlternateContent xmlns:mc="http://schemas.openxmlformats.org/markup-compatibility/2006">
+    <mc:Choice xmlns:p14="http://schemas.microsoft.com/office/powerpoint/2010/main" Requires="p14">
+      <p:transition spd="slow" p14:dur="2000"/>
+    </mc:Choice>
+    <mc:Fallback>
+      <p:transition spd="slow"/>
+    </mc:Fallback>
+  </mc:AlternateContent>
+  <p:timing>
+    <p:tnLst>
+      <p:par>
+        <p:cTn id="1" dur="indefinite" restart="never" nodeType="tmRoot"/>
+      </p:par>
+    </p:tnLst>
+  </p:timing>
 </p:sld>
 </file>
 
@@ -4945,7 +6175,7 @@
         </p:nvSpPr>
         <p:spPr>
           <a:xfrm>
-            <a:off x="571499" y="2090055"/>
+            <a:off x="693738" y="2088078"/>
             <a:ext cx="5306787" cy="3539430"/>
           </a:xfrm>
           <a:prstGeom prst="rect">
@@ -4965,8 +6195,13 @@
             </a:pPr>
             <a:r>
               <a:rPr lang="ru-RU" sz="2800" dirty="0" smtClean="0"/>
-              <a:t>  Спектры излучения нормировались на определенную длину волны</a:t>
-            </a:r>
+              <a:t>  Спектры излучения нормировались на определенную длину </a:t>
+            </a:r>
+            <a:r>
+              <a:rPr lang="ru-RU" sz="2800" dirty="0" smtClean="0"/>
+              <a:t>волны.</a:t>
+            </a:r>
+            <a:endParaRPr lang="ru-RU" sz="2800" dirty="0" smtClean="0"/>
           </a:p>
           <a:p>
             <a:pPr>
@@ -4975,8 +6210,13 @@
             </a:pPr>
             <a:r>
               <a:rPr lang="ru-RU" sz="2800" dirty="0" smtClean="0"/>
-              <a:t>  На получившийся спектр наносятся теоретические зависимости для разных энергий электронов</a:t>
-            </a:r>
+              <a:t>  На получившийся спектр наносятся теоретические зависимости для разных энергий </a:t>
+            </a:r>
+            <a:r>
+              <a:rPr lang="ru-RU" sz="2800" dirty="0" smtClean="0"/>
+              <a:t>электронов.</a:t>
+            </a:r>
+            <a:endParaRPr lang="ru-RU" sz="2800" dirty="0" smtClean="0"/>
           </a:p>
           <a:p>
             <a:r>
@@ -4998,7 +6238,7 @@
           <a:blip r:embed="rId2">
             <a:extLst>
               <a:ext uri="{28A0092B-C50C-407E-A947-70E740481C1C}">
-                <a14:useLocalDpi xmlns:a14="http://schemas.microsoft.com/office/drawing/2010/main" xmlns="" val="0"/>
+                <a14:useLocalDpi xmlns:a14="http://schemas.microsoft.com/office/drawing/2010/main" val="0"/>
               </a:ext>
             </a:extLst>
           </a:blip>
@@ -5016,49 +6256,423 @@
           </a:prstGeom>
         </p:spPr>
       </p:pic>
-      <p:sp>
-        <p:nvSpPr>
-          <p:cNvPr id="8" name="TextBox 7"/>
-          <p:cNvSpPr txBox="1"/>
-          <p:nvPr/>
-        </p:nvSpPr>
-        <p:spPr>
-          <a:xfrm rot="19664488">
-            <a:off x="32868" y="4718737"/>
-            <a:ext cx="6683004" cy="1015663"/>
-          </a:xfrm>
-          <a:prstGeom prst="rect">
-            <a:avLst/>
-          </a:prstGeom>
-          <a:noFill/>
-        </p:spPr>
-        <p:txBody>
-          <a:bodyPr wrap="square" rtlCol="0">
-            <a:spAutoFit/>
-          </a:bodyPr>
-          <a:lstStyle/>
-          <a:p>
-            <a:r>
-              <a:rPr lang="ru-RU" sz="6000" dirty="0" smtClean="0">
-                <a:solidFill>
-                  <a:srgbClr val="FF0000"/>
-                </a:solidFill>
-              </a:rPr>
-              <a:t>Доделать формулы</a:t>
-            </a:r>
-            <a:endParaRPr lang="ru-RU" sz="6000" dirty="0">
-              <a:solidFill>
-                <a:srgbClr val="FF0000"/>
-              </a:solidFill>
-            </a:endParaRPr>
-          </a:p>
-        </p:txBody>
-      </p:sp>
+      <mc:AlternateContent xmlns:mc="http://schemas.openxmlformats.org/markup-compatibility/2006">
+        <mc:Choice xmlns:a14="http://schemas.microsoft.com/office/drawing/2010/main" Requires="a14">
+          <p:sp>
+            <p:nvSpPr>
+              <p:cNvPr id="2" name="Прямоугольник 1"/>
+              <p:cNvSpPr/>
+              <p:nvPr/>
+            </p:nvSpPr>
+            <p:spPr>
+              <a:xfrm>
+                <a:off x="693738" y="5689489"/>
+                <a:ext cx="4637808" cy="945836"/>
+              </a:xfrm>
+              <a:prstGeom prst="rect">
+                <a:avLst/>
+              </a:prstGeom>
+            </p:spPr>
+            <p:txBody>
+              <a:bodyPr wrap="none">
+                <a:spAutoFit/>
+              </a:bodyPr>
+              <a:lstStyle/>
+              <a:p>
+                <a14:m>
+                  <m:oMathPara xmlns:m="http://schemas.openxmlformats.org/officeDocument/2006/math">
+                    <m:oMathParaPr>
+                      <m:jc m:val="centerGroup"/>
+                    </m:oMathParaPr>
+                    <m:oMath xmlns:m="http://schemas.openxmlformats.org/officeDocument/2006/math">
+                      <m:r>
+                        <a:rPr lang="ru-RU" sz="2400" i="1">
+                          <a:latin typeface="Cambria Math" panose="02040503050406030204" pitchFamily="18" charset="0"/>
+                        </a:rPr>
+                        <m:t>𝑑</m:t>
+                      </m:r>
+                      <m:sSub>
+                        <m:sSubPr>
+                          <m:ctrlPr>
+                            <a:rPr lang="ru-RU" sz="2400" i="1">
+                              <a:latin typeface="Cambria Math" panose="02040503050406030204" pitchFamily="18" charset="0"/>
+                            </a:rPr>
+                          </m:ctrlPr>
+                        </m:sSubPr>
+                        <m:e>
+                          <m:r>
+                            <a:rPr lang="ru-RU" sz="2400" i="1">
+                              <a:latin typeface="Cambria Math" panose="02040503050406030204" pitchFamily="18" charset="0"/>
+                            </a:rPr>
+                            <m:t>𝐽</m:t>
+                          </m:r>
+                        </m:e>
+                        <m:sub>
+                          <m:r>
+                            <a:rPr lang="ru-RU" sz="2400" i="1">
+                              <a:latin typeface="Cambria Math" panose="02040503050406030204" pitchFamily="18" charset="0"/>
+                            </a:rPr>
+                            <m:t>𝜆</m:t>
+                          </m:r>
+                        </m:sub>
+                      </m:sSub>
+                      <m:r>
+                        <a:rPr lang="ru-RU" sz="2400" i="0">
+                          <a:latin typeface="Cambria Math" panose="02040503050406030204" pitchFamily="18" charset="0"/>
+                        </a:rPr>
+                        <m:t>=</m:t>
+                      </m:r>
+                      <m:sSub>
+                        <m:sSubPr>
+                          <m:ctrlPr>
+                            <a:rPr lang="ru-RU" sz="2400" i="1">
+                              <a:latin typeface="Cambria Math" panose="02040503050406030204" pitchFamily="18" charset="0"/>
+                            </a:rPr>
+                          </m:ctrlPr>
+                        </m:sSubPr>
+                        <m:e>
+                          <m:r>
+                            <a:rPr lang="ru-RU" sz="2400" i="1">
+                              <a:latin typeface="Cambria Math" panose="02040503050406030204" pitchFamily="18" charset="0"/>
+                            </a:rPr>
+                            <m:t>𝐶</m:t>
+                          </m:r>
+                        </m:e>
+                        <m:sub>
+                          <m:r>
+                            <a:rPr lang="ru-RU" sz="2400" i="0">
+                              <a:latin typeface="Cambria Math" panose="02040503050406030204" pitchFamily="18" charset="0"/>
+                            </a:rPr>
+                            <m:t>1</m:t>
+                          </m:r>
+                        </m:sub>
+                      </m:sSub>
+                      <m:f>
+                        <m:fPr>
+                          <m:ctrlPr>
+                            <a:rPr lang="ru-RU" sz="2400" i="1">
+                              <a:latin typeface="Cambria Math" panose="02040503050406030204" pitchFamily="18" charset="0"/>
+                            </a:rPr>
+                          </m:ctrlPr>
+                        </m:fPr>
+                        <m:num>
+                          <m:sSub>
+                            <m:sSubPr>
+                              <m:ctrlPr>
+                                <a:rPr lang="ru-RU" sz="2400" i="1">
+                                  <a:latin typeface="Cambria Math" panose="02040503050406030204" pitchFamily="18" charset="0"/>
+                                </a:rPr>
+                              </m:ctrlPr>
+                            </m:sSubPr>
+                            <m:e>
+                              <m:r>
+                                <a:rPr lang="ru-RU" sz="2400" i="1">
+                                  <a:latin typeface="Cambria Math" panose="02040503050406030204" pitchFamily="18" charset="0"/>
+                                </a:rPr>
+                                <m:t>𝑛</m:t>
+                              </m:r>
+                            </m:e>
+                            <m:sub>
+                              <m:r>
+                                <a:rPr lang="ru-RU" sz="2400" i="1">
+                                  <a:latin typeface="Cambria Math" panose="02040503050406030204" pitchFamily="18" charset="0"/>
+                                </a:rPr>
+                                <m:t>𝑒</m:t>
+                              </m:r>
+                            </m:sub>
+                          </m:sSub>
+                          <m:sSup>
+                            <m:sSupPr>
+                              <m:ctrlPr>
+                                <a:rPr lang="ru-RU" sz="2400" i="1">
+                                  <a:latin typeface="Cambria Math" panose="02040503050406030204" pitchFamily="18" charset="0"/>
+                                </a:rPr>
+                              </m:ctrlPr>
+                            </m:sSupPr>
+                            <m:e>
+                              <m:r>
+                                <a:rPr lang="ru-RU" sz="2400" i="1">
+                                  <a:latin typeface="Cambria Math" panose="02040503050406030204" pitchFamily="18" charset="0"/>
+                                </a:rPr>
+                                <m:t>𝑛</m:t>
+                              </m:r>
+                            </m:e>
+                            <m:sup>
+                              <m:r>
+                                <a:rPr lang="ru-RU" sz="2400" i="0">
+                                  <a:latin typeface="Cambria Math" panose="02040503050406030204" pitchFamily="18" charset="0"/>
+                                </a:rPr>
+                                <m:t>+</m:t>
+                              </m:r>
+                            </m:sup>
+                          </m:sSup>
+                        </m:num>
+                        <m:den>
+                          <m:sSup>
+                            <m:sSupPr>
+                              <m:ctrlPr>
+                                <a:rPr lang="ru-RU" sz="2400" i="1">
+                                  <a:latin typeface="Cambria Math" panose="02040503050406030204" pitchFamily="18" charset="0"/>
+                                </a:rPr>
+                              </m:ctrlPr>
+                            </m:sSupPr>
+                            <m:e>
+                              <m:r>
+                                <a:rPr lang="ru-RU" sz="2400" i="1">
+                                  <a:latin typeface="Cambria Math" panose="02040503050406030204" pitchFamily="18" charset="0"/>
+                                </a:rPr>
+                                <m:t>𝜆</m:t>
+                              </m:r>
+                            </m:e>
+                            <m:sup>
+                              <m:r>
+                                <a:rPr lang="ru-RU" sz="2400" i="0">
+                                  <a:latin typeface="Cambria Math" panose="02040503050406030204" pitchFamily="18" charset="0"/>
+                                </a:rPr>
+                                <m:t>2</m:t>
+                              </m:r>
+                            </m:sup>
+                          </m:sSup>
+                          <m:sSup>
+                            <m:sSupPr>
+                              <m:ctrlPr>
+                                <a:rPr lang="ru-RU" sz="2400" i="1">
+                                  <a:latin typeface="Cambria Math" panose="02040503050406030204" pitchFamily="18" charset="0"/>
+                                </a:rPr>
+                              </m:ctrlPr>
+                            </m:sSupPr>
+                            <m:e>
+                              <m:sSub>
+                                <m:sSubPr>
+                                  <m:ctrlPr>
+                                    <a:rPr lang="ru-RU" sz="2400" i="1">
+                                      <a:latin typeface="Cambria Math" panose="02040503050406030204" pitchFamily="18" charset="0"/>
+                                    </a:rPr>
+                                  </m:ctrlPr>
+                                </m:sSubPr>
+                                <m:e>
+                                  <m:r>
+                                    <a:rPr lang="ru-RU" sz="2400" i="1">
+                                      <a:latin typeface="Cambria Math" panose="02040503050406030204" pitchFamily="18" charset="0"/>
+                                    </a:rPr>
+                                    <m:t>𝑇</m:t>
+                                  </m:r>
+                                </m:e>
+                                <m:sub>
+                                  <m:r>
+                                    <a:rPr lang="ru-RU" sz="2400" i="1">
+                                      <a:latin typeface="Cambria Math" panose="02040503050406030204" pitchFamily="18" charset="0"/>
+                                    </a:rPr>
+                                    <m:t>𝑒</m:t>
+                                  </m:r>
+                                </m:sub>
+                              </m:sSub>
+                            </m:e>
+                            <m:sup>
+                              <m:f>
+                                <m:fPr>
+                                  <m:type m:val="lin"/>
+                                  <m:ctrlPr>
+                                    <a:rPr lang="ru-RU" sz="2400" i="1">
+                                      <a:latin typeface="Cambria Math" panose="02040503050406030204" pitchFamily="18" charset="0"/>
+                                    </a:rPr>
+                                  </m:ctrlPr>
+                                </m:fPr>
+                                <m:num>
+                                  <m:r>
+                                    <a:rPr lang="ru-RU" sz="2400" i="0">
+                                      <a:latin typeface="Cambria Math" panose="02040503050406030204" pitchFamily="18" charset="0"/>
+                                    </a:rPr>
+                                    <m:t>1</m:t>
+                                  </m:r>
+                                </m:num>
+                                <m:den>
+                                  <m:r>
+                                    <a:rPr lang="ru-RU" sz="2400" i="0">
+                                      <a:latin typeface="Cambria Math" panose="02040503050406030204" pitchFamily="18" charset="0"/>
+                                    </a:rPr>
+                                    <m:t>2</m:t>
+                                  </m:r>
+                                </m:den>
+                              </m:f>
+                            </m:sup>
+                          </m:sSup>
+                        </m:den>
+                      </m:f>
+                      <m:func>
+                        <m:funcPr>
+                          <m:ctrlPr>
+                            <a:rPr lang="ru-RU" sz="2400" i="1">
+                              <a:latin typeface="Cambria Math" panose="02040503050406030204" pitchFamily="18" charset="0"/>
+                            </a:rPr>
+                          </m:ctrlPr>
+                        </m:funcPr>
+                        <m:fName>
+                          <m:r>
+                            <m:rPr>
+                              <m:sty m:val="p"/>
+                            </m:rPr>
+                            <a:rPr lang="ru-RU" sz="2400" i="0">
+                              <a:latin typeface="Cambria Math" panose="02040503050406030204" pitchFamily="18" charset="0"/>
+                            </a:rPr>
+                            <m:t>exp</m:t>
+                          </m:r>
+                        </m:fName>
+                        <m:e>
+                          <m:d>
+                            <m:dPr>
+                              <m:ctrlPr>
+                                <a:rPr lang="ru-RU" sz="2400" i="1">
+                                  <a:latin typeface="Cambria Math" panose="02040503050406030204" pitchFamily="18" charset="0"/>
+                                </a:rPr>
+                              </m:ctrlPr>
+                            </m:dPr>
+                            <m:e>
+                              <m:r>
+                                <a:rPr lang="ru-RU" sz="2400" i="0">
+                                  <a:latin typeface="Cambria Math" panose="02040503050406030204" pitchFamily="18" charset="0"/>
+                                </a:rPr>
+                                <m:t>−</m:t>
+                              </m:r>
+                              <m:f>
+                                <m:fPr>
+                                  <m:ctrlPr>
+                                    <a:rPr lang="ru-RU" sz="2400" i="1">
+                                      <a:latin typeface="Cambria Math" panose="02040503050406030204" pitchFamily="18" charset="0"/>
+                                    </a:rPr>
+                                  </m:ctrlPr>
+                                </m:fPr>
+                                <m:num>
+                                  <m:r>
+                                    <a:rPr lang="ru-RU" sz="2400" i="1">
+                                      <a:latin typeface="Cambria Math" panose="02040503050406030204" pitchFamily="18" charset="0"/>
+                                    </a:rPr>
+                                    <m:t>h𝑐</m:t>
+                                  </m:r>
+                                </m:num>
+                                <m:den>
+                                  <m:r>
+                                    <a:rPr lang="ru-RU" sz="2400" i="1">
+                                      <a:latin typeface="Cambria Math" panose="02040503050406030204" pitchFamily="18" charset="0"/>
+                                    </a:rPr>
+                                    <m:t>𝜆</m:t>
+                                  </m:r>
+                                  <m:r>
+                                    <a:rPr lang="ru-RU" sz="2400" i="1">
+                                      <a:latin typeface="Cambria Math" panose="02040503050406030204" pitchFamily="18" charset="0"/>
+                                    </a:rPr>
+                                    <m:t>𝑘</m:t>
+                                  </m:r>
+                                  <m:sSub>
+                                    <m:sSubPr>
+                                      <m:ctrlPr>
+                                        <a:rPr lang="ru-RU" sz="2400" i="1">
+                                          <a:latin typeface="Cambria Math" panose="02040503050406030204" pitchFamily="18" charset="0"/>
+                                        </a:rPr>
+                                      </m:ctrlPr>
+                                    </m:sSubPr>
+                                    <m:e>
+                                      <m:r>
+                                        <a:rPr lang="ru-RU" sz="2400" i="1">
+                                          <a:latin typeface="Cambria Math" panose="02040503050406030204" pitchFamily="18" charset="0"/>
+                                        </a:rPr>
+                                        <m:t>𝑇</m:t>
+                                      </m:r>
+                                    </m:e>
+                                    <m:sub>
+                                      <m:r>
+                                        <a:rPr lang="ru-RU" sz="2400" i="1">
+                                          <a:latin typeface="Cambria Math" panose="02040503050406030204" pitchFamily="18" charset="0"/>
+                                        </a:rPr>
+                                        <m:t>𝑒</m:t>
+                                      </m:r>
+                                    </m:sub>
+                                  </m:sSub>
+                                </m:den>
+                              </m:f>
+                            </m:e>
+                          </m:d>
+                        </m:e>
+                      </m:func>
+                      <m:r>
+                        <a:rPr lang="ru-RU" sz="2400" i="1">
+                          <a:latin typeface="Cambria Math" panose="02040503050406030204" pitchFamily="18" charset="0"/>
+                        </a:rPr>
+                        <m:t>𝑑</m:t>
+                      </m:r>
+                      <m:r>
+                        <a:rPr lang="ru-RU" sz="2400" i="1">
+                          <a:latin typeface="Cambria Math" panose="02040503050406030204" pitchFamily="18" charset="0"/>
+                        </a:rPr>
+                        <m:t>𝜆</m:t>
+                      </m:r>
+                    </m:oMath>
+                  </m:oMathPara>
+                </a14:m>
+                <a:endParaRPr lang="ru-RU" sz="2400" dirty="0"/>
+              </a:p>
+            </p:txBody>
+          </p:sp>
+        </mc:Choice>
+        <mc:Fallback>
+          <p:sp>
+            <p:nvSpPr>
+              <p:cNvPr id="2" name="Прямоугольник 1"/>
+              <p:cNvSpPr>
+                <a:spLocks noRot="1" noChangeAspect="1" noMove="1" noResize="1" noEditPoints="1" noAdjustHandles="1" noChangeArrowheads="1" noChangeShapeType="1" noTextEdit="1"/>
+              </p:cNvSpPr>
+              <p:nvPr/>
+            </p:nvSpPr>
+            <p:spPr>
+              <a:xfrm>
+                <a:off x="693738" y="5689489"/>
+                <a:ext cx="4637808" cy="945836"/>
+              </a:xfrm>
+              <a:prstGeom prst="rect">
+                <a:avLst/>
+              </a:prstGeom>
+              <a:blipFill>
+                <a:blip r:embed="rId3"/>
+                <a:stretch>
+                  <a:fillRect/>
+                </a:stretch>
+              </a:blipFill>
+            </p:spPr>
+            <p:txBody>
+              <a:bodyPr/>
+              <a:lstStyle/>
+              <a:p>
+                <a:r>
+                  <a:rPr lang="ru-RU">
+                    <a:noFill/>
+                  </a:rPr>
+                  <a:t> </a:t>
+                </a:r>
+              </a:p>
+            </p:txBody>
+          </p:sp>
+        </mc:Fallback>
+      </mc:AlternateContent>
     </p:spTree>
   </p:cSld>
   <p:clrMapOvr>
     <a:masterClrMapping/>
   </p:clrMapOvr>
+  <mc:AlternateContent xmlns:mc="http://schemas.openxmlformats.org/markup-compatibility/2006">
+    <mc:Choice xmlns:p14="http://schemas.microsoft.com/office/powerpoint/2010/main" Requires="p14">
+      <p:transition spd="slow" p14:dur="2000"/>
+    </mc:Choice>
+    <mc:Fallback>
+      <p:transition spd="slow"/>
+    </mc:Fallback>
+  </mc:AlternateContent>
+  <p:timing>
+    <p:tnLst>
+      <p:par>
+        <p:cTn id="1" dur="indefinite" restart="never" nodeType="tmRoot"/>
+      </p:par>
+    </p:tnLst>
+  </p:timing>
 </p:sld>
 </file>
 
@@ -5081,44 +6695,6 @@
       </p:grpSpPr>
       <p:sp>
         <p:nvSpPr>
-          <p:cNvPr id="2" name="Заголовок 1"/>
-          <p:cNvSpPr>
-            <a:spLocks noGrp="1"/>
-          </p:cNvSpPr>
-          <p:nvPr>
-            <p:ph type="title"/>
-          </p:nvPr>
-        </p:nvSpPr>
-        <p:spPr/>
-        <p:txBody>
-          <a:bodyPr/>
-          <a:lstStyle/>
-          <a:p>
-            <a:endParaRPr lang="ru-RU" dirty="0"/>
-          </a:p>
-        </p:txBody>
-      </p:sp>
-      <p:sp>
-        <p:nvSpPr>
-          <p:cNvPr id="3" name="Содержимое 2"/>
-          <p:cNvSpPr>
-            <a:spLocks noGrp="1"/>
-          </p:cNvSpPr>
-          <p:nvPr>
-            <p:ph idx="1"/>
-          </p:nvPr>
-        </p:nvSpPr>
-        <p:spPr/>
-        <p:txBody>
-          <a:bodyPr/>
-          <a:lstStyle/>
-          <a:p>
-            <a:endParaRPr lang="ru-RU"/>
-          </a:p>
-        </p:txBody>
-      </p:sp>
-      <p:sp>
-        <p:nvSpPr>
           <p:cNvPr id="4" name="Номер слайда 3"/>
           <p:cNvSpPr>
             <a:spLocks noGrp="1"/>
@@ -5141,11 +6717,1092 @@
           </a:p>
         </p:txBody>
       </p:sp>
+      <p:sp>
+        <p:nvSpPr>
+          <p:cNvPr id="5" name="TextBox 4"/>
+          <p:cNvSpPr txBox="1"/>
+          <p:nvPr/>
+        </p:nvSpPr>
+        <p:spPr>
+          <a:xfrm>
+            <a:off x="1499153" y="601317"/>
+            <a:ext cx="9193694" cy="584775"/>
+          </a:xfrm>
+          <a:prstGeom prst="rect">
+            <a:avLst/>
+          </a:prstGeom>
+          <a:noFill/>
+        </p:spPr>
+        <p:txBody>
+          <a:bodyPr wrap="square" rtlCol="0">
+            <a:spAutoFit/>
+          </a:bodyPr>
+          <a:lstStyle/>
+          <a:p>
+            <a:pPr algn="ctr"/>
+            <a:r>
+              <a:rPr lang="ru-RU" sz="3200" b="1" u="sng" dirty="0"/>
+              <a:t>Газодинамический поток после разряда</a:t>
+            </a:r>
+            <a:endParaRPr lang="ru-RU" sz="3200" b="1" u="sng" dirty="0"/>
+          </a:p>
+        </p:txBody>
+      </p:sp>
+      <p:sp>
+        <p:nvSpPr>
+          <p:cNvPr id="6" name="TextBox 5"/>
+          <p:cNvSpPr txBox="1"/>
+          <p:nvPr/>
+        </p:nvSpPr>
+        <p:spPr>
+          <a:xfrm>
+            <a:off x="1499153" y="1915049"/>
+            <a:ext cx="7740263" cy="4154984"/>
+          </a:xfrm>
+          <a:prstGeom prst="rect">
+            <a:avLst/>
+          </a:prstGeom>
+          <a:noFill/>
+        </p:spPr>
+        <p:txBody>
+          <a:bodyPr wrap="square" rtlCol="0">
+            <a:spAutoFit/>
+          </a:bodyPr>
+          <a:lstStyle/>
+          <a:p>
+            <a:pPr marL="342900" indent="-342900">
+              <a:buFont typeface="Wingdings" panose="05000000000000000000" pitchFamily="2" charset="2"/>
+              <a:buChar char="§"/>
+            </a:pPr>
+            <a:r>
+              <a:rPr lang="ru-RU" sz="2400" dirty="0" smtClean="0"/>
+              <a:t>Динамика газового потока после импульсной ионизации исследовалась с помощью высокоскоростного теневого метода.</a:t>
+            </a:r>
+          </a:p>
+          <a:p>
+            <a:pPr marL="342900" indent="-342900">
+              <a:buFont typeface="Wingdings" panose="05000000000000000000" pitchFamily="2" charset="2"/>
+              <a:buChar char="§"/>
+            </a:pPr>
+            <a:r>
+              <a:rPr lang="ru-RU" sz="2400" dirty="0" smtClean="0"/>
+              <a:t>В результате образуется квазистационарное сверхзвуковое течение длительностью 100-500 </a:t>
+            </a:r>
+            <a:r>
+              <a:rPr lang="ru-RU" sz="2400" dirty="0" err="1" smtClean="0"/>
+              <a:t>мкс</a:t>
+            </a:r>
+            <a:r>
+              <a:rPr lang="ru-RU" sz="2400" dirty="0"/>
+              <a:t> </a:t>
+            </a:r>
+            <a:r>
+              <a:rPr lang="ru-RU" sz="2400" dirty="0" smtClean="0"/>
+              <a:t>после дифракции плоской ударной волны на препятствие.</a:t>
+            </a:r>
+          </a:p>
+          <a:p>
+            <a:pPr marL="342900" indent="-342900">
+              <a:buFont typeface="Wingdings" panose="05000000000000000000" pitchFamily="2" charset="2"/>
+              <a:buChar char="§"/>
+            </a:pPr>
+            <a:r>
+              <a:rPr lang="ru-RU" sz="2400" dirty="0" smtClean="0"/>
+              <a:t>Быстрое выделение энергии вблизи наклонной ударной волны с изменением параметров газа приводит к генерированию сильной ударной волны взрывного типа.</a:t>
+            </a:r>
+            <a:endParaRPr lang="ru-RU" sz="2400" dirty="0"/>
+          </a:p>
+        </p:txBody>
+      </p:sp>
+    </p:spTree>
+    <p:extLst>
+      <p:ext uri="{BB962C8B-B14F-4D97-AF65-F5344CB8AC3E}">
+        <p14:creationId xmlns:p14="http://schemas.microsoft.com/office/powerpoint/2010/main" val="2489541074"/>
+      </p:ext>
+    </p:extLst>
+  </p:cSld>
+  <p:clrMapOvr>
+    <a:masterClrMapping/>
+  </p:clrMapOvr>
+  <mc:AlternateContent xmlns:mc="http://schemas.openxmlformats.org/markup-compatibility/2006">
+    <mc:Choice xmlns:p14="http://schemas.microsoft.com/office/powerpoint/2010/main" Requires="p14">
+      <p:transition spd="slow" p14:dur="2000"/>
+    </mc:Choice>
+    <mc:Fallback>
+      <p:transition spd="slow"/>
+    </mc:Fallback>
+  </mc:AlternateContent>
+  <p:timing>
+    <p:tnLst>
+      <p:par>
+        <p:cTn id="1" dur="indefinite" restart="never" nodeType="tmRoot"/>
+      </p:par>
+    </p:tnLst>
+  </p:timing>
+</p:sld>
+</file>
+
+<file path=ppt/slides/slide16.xml><?xml version="1.0" encoding="utf-8"?>
+<p:sld xmlns:a="http://schemas.openxmlformats.org/drawingml/2006/main" xmlns:r="http://schemas.openxmlformats.org/officeDocument/2006/relationships" xmlns:p="http://schemas.openxmlformats.org/presentationml/2006/main">
+  <p:cSld>
+    <p:spTree>
+      <p:nvGrpSpPr>
+        <p:cNvPr id="1" name=""/>
+        <p:cNvGrpSpPr/>
+        <p:nvPr/>
+      </p:nvGrpSpPr>
+      <p:grpSpPr>
+        <a:xfrm>
+          <a:off x="0" y="0"/>
+          <a:ext cx="0" cy="0"/>
+          <a:chOff x="0" y="0"/>
+          <a:chExt cx="0" cy="0"/>
+        </a:xfrm>
+      </p:grpSpPr>
+      <p:sp>
+        <p:nvSpPr>
+          <p:cNvPr id="4" name="Номер слайда 3"/>
+          <p:cNvSpPr>
+            <a:spLocks noGrp="1"/>
+          </p:cNvSpPr>
+          <p:nvPr>
+            <p:ph type="sldNum" sz="quarter" idx="12"/>
+          </p:nvPr>
+        </p:nvSpPr>
+        <p:spPr/>
+        <p:txBody>
+          <a:bodyPr/>
+          <a:lstStyle/>
+          <a:p>
+            <a:fld id="{8CACD6DE-6B5C-4860-B48C-56B6DE2E5FCB}" type="slidenum">
+              <a:rPr lang="ru-RU" smtClean="0"/>
+              <a:pPr/>
+              <a:t>16</a:t>
+            </a:fld>
+            <a:endParaRPr lang="ru-RU"/>
+          </a:p>
+        </p:txBody>
+      </p:sp>
+      <p:sp>
+        <p:nvSpPr>
+          <p:cNvPr id="5" name="TextBox 4"/>
+          <p:cNvSpPr txBox="1"/>
+          <p:nvPr/>
+        </p:nvSpPr>
+        <p:spPr>
+          <a:xfrm>
+            <a:off x="1499153" y="601317"/>
+            <a:ext cx="9193694" cy="584775"/>
+          </a:xfrm>
+          <a:prstGeom prst="rect">
+            <a:avLst/>
+          </a:prstGeom>
+          <a:noFill/>
+        </p:spPr>
+        <p:txBody>
+          <a:bodyPr wrap="square" rtlCol="0">
+            <a:spAutoFit/>
+          </a:bodyPr>
+          <a:lstStyle/>
+          <a:p>
+            <a:pPr algn="ctr"/>
+            <a:r>
+              <a:rPr lang="ru-RU" sz="3200" b="1" u="sng" dirty="0" smtClean="0"/>
+              <a:t>Выводы</a:t>
+            </a:r>
+            <a:endParaRPr lang="ru-RU" sz="3200" b="1" u="sng" dirty="0"/>
+          </a:p>
+        </p:txBody>
+      </p:sp>
+      <p:sp>
+        <p:nvSpPr>
+          <p:cNvPr id="6" name="TextBox 5"/>
+          <p:cNvSpPr txBox="1"/>
+          <p:nvPr/>
+        </p:nvSpPr>
+        <p:spPr>
+          <a:xfrm>
+            <a:off x="2936240" y="3749040"/>
+            <a:ext cx="184731" cy="369332"/>
+          </a:xfrm>
+          <a:prstGeom prst="rect">
+            <a:avLst/>
+          </a:prstGeom>
+          <a:noFill/>
+        </p:spPr>
+        <p:txBody>
+          <a:bodyPr wrap="none" rtlCol="0">
+            <a:spAutoFit/>
+          </a:bodyPr>
+          <a:lstStyle/>
+          <a:p>
+            <a:endParaRPr lang="ru-RU" dirty="0"/>
+          </a:p>
+        </p:txBody>
+      </p:sp>
+      <mc:AlternateContent xmlns:mc="http://schemas.openxmlformats.org/markup-compatibility/2006">
+        <mc:Choice xmlns:a14="http://schemas.microsoft.com/office/drawing/2010/main" Requires="a14">
+          <p:sp>
+            <p:nvSpPr>
+              <p:cNvPr id="7" name="TextBox 6"/>
+              <p:cNvSpPr txBox="1"/>
+              <p:nvPr/>
+            </p:nvSpPr>
+            <p:spPr>
+              <a:xfrm>
+                <a:off x="1752930" y="1849321"/>
+                <a:ext cx="9031025" cy="3799438"/>
+              </a:xfrm>
+              <a:prstGeom prst="rect">
+                <a:avLst/>
+              </a:prstGeom>
+              <a:noFill/>
+            </p:spPr>
+            <p:txBody>
+              <a:bodyPr wrap="square" rtlCol="0">
+                <a:spAutoFit/>
+              </a:bodyPr>
+              <a:lstStyle/>
+              <a:p>
+                <a:pPr marL="342900" indent="-342900">
+                  <a:buFont typeface="Wingdings" panose="05000000000000000000" pitchFamily="2" charset="2"/>
+                  <a:buChar char="ü"/>
+                </a:pPr>
+                <a:r>
+                  <a:rPr lang="ru-RU" sz="2400" dirty="0" smtClean="0"/>
+                  <a:t>Исследован поверхностный скользящий разряд наносекундной длительности в сверхзвуковых потоках воздуха с наклонной ударной волной в канале. </a:t>
+                </a:r>
+              </a:p>
+              <a:p>
+                <a:pPr marL="342900" indent="-342900">
+                  <a:buFont typeface="Wingdings" panose="05000000000000000000" pitchFamily="2" charset="2"/>
+                  <a:buChar char="ü"/>
+                </a:pPr>
+                <a:r>
+                  <a:rPr lang="ru-RU" sz="2400" dirty="0"/>
+                  <a:t>Концентрация электронов в канале разряда составляла </a:t>
+                </a:r>
+                <a:r>
+                  <a:rPr lang="ru-RU" sz="2400" b="1" dirty="0"/>
+                  <a:t>(0.7 – 1.4) </a:t>
+                </a:r>
+                <a14:m>
+                  <m:oMath xmlns:m="http://schemas.openxmlformats.org/officeDocument/2006/math">
+                    <m:r>
+                      <a:rPr lang="en-US" sz="2400" b="1" i="1" dirty="0">
+                        <a:latin typeface="Cambria Math" panose="02040503050406030204" pitchFamily="18" charset="0"/>
+                      </a:rPr>
+                      <m:t> </m:t>
+                    </m:r>
+                    <m:r>
+                      <a:rPr lang="en-US" sz="2400" b="1" i="1" dirty="0">
+                        <a:latin typeface="Cambria Math" panose="02040503050406030204" pitchFamily="18" charset="0"/>
+                        <a:ea typeface="Cambria Math" panose="02040503050406030204" pitchFamily="18" charset="0"/>
+                      </a:rPr>
+                      <m:t>×</m:t>
+                    </m:r>
+                    <m:sSup>
+                      <m:sSupPr>
+                        <m:ctrlPr>
+                          <a:rPr lang="en-US" sz="2400" b="1" i="1" dirty="0">
+                            <a:latin typeface="Cambria Math" panose="02040503050406030204" pitchFamily="18" charset="0"/>
+                            <a:ea typeface="Cambria Math" panose="02040503050406030204" pitchFamily="18" charset="0"/>
+                          </a:rPr>
+                        </m:ctrlPr>
+                      </m:sSupPr>
+                      <m:e>
+                        <m:r>
+                          <a:rPr lang="ru-RU" sz="2400" b="1" i="1" dirty="0">
+                            <a:latin typeface="Cambria Math" panose="02040503050406030204" pitchFamily="18" charset="0"/>
+                            <a:ea typeface="Cambria Math" panose="02040503050406030204" pitchFamily="18" charset="0"/>
+                          </a:rPr>
+                          <m:t>𝟏𝟎</m:t>
+                        </m:r>
+                      </m:e>
+                      <m:sup>
+                        <m:r>
+                          <a:rPr lang="ru-RU" sz="2400" b="1" i="1" dirty="0">
+                            <a:latin typeface="Cambria Math" panose="02040503050406030204" pitchFamily="18" charset="0"/>
+                            <a:ea typeface="Cambria Math" panose="02040503050406030204" pitchFamily="18" charset="0"/>
+                          </a:rPr>
+                          <m:t>𝟏𝟓</m:t>
+                        </m:r>
+                      </m:sup>
+                    </m:sSup>
+                    <m:sSup>
+                      <m:sSupPr>
+                        <m:ctrlPr>
+                          <a:rPr lang="en-US" sz="2400" b="1" i="1" dirty="0">
+                            <a:latin typeface="Cambria Math" panose="02040503050406030204" pitchFamily="18" charset="0"/>
+                            <a:ea typeface="Cambria Math" panose="02040503050406030204" pitchFamily="18" charset="0"/>
+                          </a:rPr>
+                        </m:ctrlPr>
+                      </m:sSupPr>
+                      <m:e>
+                        <m:r>
+                          <a:rPr lang="ru-RU" sz="2400" b="1" i="1" dirty="0">
+                            <a:latin typeface="Cambria Math" panose="02040503050406030204" pitchFamily="18" charset="0"/>
+                            <a:ea typeface="Cambria Math" panose="02040503050406030204" pitchFamily="18" charset="0"/>
+                          </a:rPr>
+                          <m:t>см</m:t>
+                        </m:r>
+                      </m:e>
+                      <m:sup>
+                        <m:r>
+                          <a:rPr lang="ru-RU" sz="2400" b="1" i="1" dirty="0">
+                            <a:latin typeface="Cambria Math" panose="02040503050406030204" pitchFamily="18" charset="0"/>
+                            <a:ea typeface="Cambria Math" panose="02040503050406030204" pitchFamily="18" charset="0"/>
+                          </a:rPr>
+                          <m:t>−</m:t>
+                        </m:r>
+                        <m:r>
+                          <a:rPr lang="ru-RU" sz="2400" b="1" i="1" dirty="0">
+                            <a:latin typeface="Cambria Math" panose="02040503050406030204" pitchFamily="18" charset="0"/>
+                            <a:ea typeface="Cambria Math" panose="02040503050406030204" pitchFamily="18" charset="0"/>
+                          </a:rPr>
+                          <m:t>𝟑</m:t>
+                        </m:r>
+                      </m:sup>
+                    </m:sSup>
+                    <m:r>
+                      <a:rPr lang="ru-RU" sz="2400" b="1" i="1" dirty="0" smtClean="0">
+                        <a:latin typeface="Cambria Math" panose="02040503050406030204" pitchFamily="18" charset="0"/>
+                        <a:ea typeface="Cambria Math" panose="02040503050406030204" pitchFamily="18" charset="0"/>
+                      </a:rPr>
+                      <m:t>.</m:t>
+                    </m:r>
+                  </m:oMath>
+                </a14:m>
+                <a:endParaRPr lang="ru-RU" sz="2400" dirty="0" smtClean="0"/>
+              </a:p>
+              <a:p>
+                <a:pPr marL="342900" indent="-342900">
+                  <a:buFont typeface="Wingdings" panose="05000000000000000000" pitchFamily="2" charset="2"/>
+                  <a:buChar char="ü"/>
+                </a:pPr>
+                <a:r>
+                  <a:rPr lang="ru-RU" sz="2400" dirty="0" smtClean="0"/>
+                  <a:t>Энергия </a:t>
+                </a:r>
+                <a:r>
+                  <a:rPr lang="ru-RU" sz="2400" dirty="0"/>
+                  <a:t>электронов составляла </a:t>
+                </a:r>
+                <a:r>
+                  <a:rPr lang="ru-RU" sz="2400" b="1" dirty="0"/>
+                  <a:t>1,8-2,2 </a:t>
+                </a:r>
+                <a:r>
+                  <a:rPr lang="ru-RU" sz="2400" b="1" dirty="0" smtClean="0"/>
+                  <a:t>эВ.</a:t>
+                </a:r>
+              </a:p>
+              <a:p>
+                <a:pPr marL="342900" indent="-342900">
+                  <a:buFont typeface="Wingdings" panose="05000000000000000000" pitchFamily="2" charset="2"/>
+                  <a:buChar char="ü"/>
+                </a:pPr>
+                <a:r>
+                  <a:rPr lang="ru-RU" sz="2400" dirty="0" smtClean="0"/>
+                  <a:t>Канал </a:t>
+                </a:r>
+                <a:r>
+                  <a:rPr lang="ru-RU" sz="2400" dirty="0"/>
+                  <a:t>локализованного разряда генерирует сильную ударную волну в потоке, приводящую к перестройке ударно-волновой структуры потока в течение </a:t>
+                </a:r>
+                <a:r>
+                  <a:rPr lang="ru-RU" sz="2400" dirty="0" smtClean="0"/>
+                  <a:t>100 </a:t>
+                </a:r>
+                <a:r>
+                  <a:rPr lang="ru-RU" sz="2400" dirty="0" err="1"/>
+                  <a:t>мкс</a:t>
+                </a:r>
+                <a:r>
+                  <a:rPr lang="ru-RU" sz="2400" dirty="0"/>
+                  <a:t> и последующей релаксации до стационарной конфигурации.</a:t>
+                </a:r>
+              </a:p>
+            </p:txBody>
+          </p:sp>
+        </mc:Choice>
+        <mc:Fallback>
+          <p:sp>
+            <p:nvSpPr>
+              <p:cNvPr id="7" name="TextBox 6"/>
+              <p:cNvSpPr txBox="1">
+                <a:spLocks noRot="1" noChangeAspect="1" noMove="1" noResize="1" noEditPoints="1" noAdjustHandles="1" noChangeArrowheads="1" noChangeShapeType="1" noTextEdit="1"/>
+              </p:cNvSpPr>
+              <p:nvPr/>
+            </p:nvSpPr>
+            <p:spPr>
+              <a:xfrm>
+                <a:off x="1752930" y="1849321"/>
+                <a:ext cx="9031025" cy="3799438"/>
+              </a:xfrm>
+              <a:prstGeom prst="rect">
+                <a:avLst/>
+              </a:prstGeom>
+              <a:blipFill>
+                <a:blip r:embed="rId2"/>
+                <a:stretch>
+                  <a:fillRect l="-945" t="-1282" r="-68" b="-2564"/>
+                </a:stretch>
+              </a:blipFill>
+            </p:spPr>
+            <p:txBody>
+              <a:bodyPr/>
+              <a:lstStyle/>
+              <a:p>
+                <a:r>
+                  <a:rPr lang="ru-RU">
+                    <a:noFill/>
+                  </a:rPr>
+                  <a:t> </a:t>
+                </a:r>
+              </a:p>
+            </p:txBody>
+          </p:sp>
+        </mc:Fallback>
+      </mc:AlternateContent>
+    </p:spTree>
+    <p:extLst>
+      <p:ext uri="{BB962C8B-B14F-4D97-AF65-F5344CB8AC3E}">
+        <p14:creationId xmlns:p14="http://schemas.microsoft.com/office/powerpoint/2010/main" val="1309183108"/>
+      </p:ext>
+    </p:extLst>
+  </p:cSld>
+  <p:clrMapOvr>
+    <a:masterClrMapping/>
+  </p:clrMapOvr>
+  <mc:AlternateContent xmlns:mc="http://schemas.openxmlformats.org/markup-compatibility/2006">
+    <mc:Choice xmlns:p14="http://schemas.microsoft.com/office/powerpoint/2010/main" Requires="p14">
+      <p:transition spd="slow" p14:dur="2000"/>
+    </mc:Choice>
+    <mc:Fallback>
+      <p:transition spd="slow"/>
+    </mc:Fallback>
+  </mc:AlternateContent>
+  <p:timing>
+    <p:tnLst>
+      <p:par>
+        <p:cTn id="1" dur="indefinite" restart="never" nodeType="tmRoot"/>
+      </p:par>
+    </p:tnLst>
+  </p:timing>
+</p:sld>
+</file>
+
+<file path=ppt/slides/slide17.xml><?xml version="1.0" encoding="utf-8"?>
+<p:sld xmlns:a="http://schemas.openxmlformats.org/drawingml/2006/main" xmlns:r="http://schemas.openxmlformats.org/officeDocument/2006/relationships" xmlns:p="http://schemas.openxmlformats.org/presentationml/2006/main">
+  <p:cSld>
+    <p:spTree>
+      <p:nvGrpSpPr>
+        <p:cNvPr id="1" name=""/>
+        <p:cNvGrpSpPr/>
+        <p:nvPr/>
+      </p:nvGrpSpPr>
+      <p:grpSpPr>
+        <a:xfrm>
+          <a:off x="0" y="0"/>
+          <a:ext cx="0" cy="0"/>
+          <a:chOff x="0" y="0"/>
+          <a:chExt cx="0" cy="0"/>
+        </a:xfrm>
+      </p:grpSpPr>
+      <p:sp>
+        <p:nvSpPr>
+          <p:cNvPr id="4" name="Номер слайда 3"/>
+          <p:cNvSpPr>
+            <a:spLocks noGrp="1"/>
+          </p:cNvSpPr>
+          <p:nvPr>
+            <p:ph type="sldNum" sz="quarter" idx="12"/>
+          </p:nvPr>
+        </p:nvSpPr>
+        <p:spPr/>
+        <p:txBody>
+          <a:bodyPr/>
+          <a:lstStyle/>
+          <a:p>
+            <a:fld id="{8CACD6DE-6B5C-4860-B48C-56B6DE2E5FCB}" type="slidenum">
+              <a:rPr lang="ru-RU" smtClean="0"/>
+              <a:pPr/>
+              <a:t>17</a:t>
+            </a:fld>
+            <a:endParaRPr lang="ru-RU"/>
+          </a:p>
+        </p:txBody>
+      </p:sp>
+      <p:sp>
+        <p:nvSpPr>
+          <p:cNvPr id="5" name="TextBox 4"/>
+          <p:cNvSpPr txBox="1"/>
+          <p:nvPr/>
+        </p:nvSpPr>
+        <p:spPr>
+          <a:xfrm>
+            <a:off x="1499153" y="601317"/>
+            <a:ext cx="9193694" cy="584775"/>
+          </a:xfrm>
+          <a:prstGeom prst="rect">
+            <a:avLst/>
+          </a:prstGeom>
+          <a:noFill/>
+        </p:spPr>
+        <p:txBody>
+          <a:bodyPr wrap="square" rtlCol="0">
+            <a:spAutoFit/>
+          </a:bodyPr>
+          <a:lstStyle/>
+          <a:p>
+            <a:pPr algn="ctr"/>
+            <a:r>
+              <a:rPr lang="ru-RU" sz="3200" b="1" u="sng" dirty="0" smtClean="0"/>
+              <a:t>Спектр тормозного излучения</a:t>
+            </a:r>
+            <a:endParaRPr lang="ru-RU" sz="3200" b="1" u="sng" dirty="0"/>
+          </a:p>
+        </p:txBody>
+      </p:sp>
+      <p:pic>
+        <p:nvPicPr>
+          <p:cNvPr id="6" name="Рисунок 5"/>
+          <p:cNvPicPr/>
+          <p:nvPr/>
+        </p:nvPicPr>
+        <p:blipFill>
+          <a:blip r:embed="rId2">
+            <a:extLst>
+              <a:ext uri="{28A0092B-C50C-407E-A947-70E740481C1C}">
+                <a14:useLocalDpi xmlns:a14="http://schemas.microsoft.com/office/drawing/2010/main" val="0"/>
+              </a:ext>
+            </a:extLst>
+          </a:blip>
+          <a:srcRect/>
+          <a:stretch>
+            <a:fillRect/>
+          </a:stretch>
+        </p:blipFill>
+        <p:spPr bwMode="auto">
+          <a:xfrm>
+            <a:off x="875982" y="2511424"/>
+            <a:ext cx="4640898" cy="3228976"/>
+          </a:xfrm>
+          <a:prstGeom prst="rect">
+            <a:avLst/>
+          </a:prstGeom>
+          <a:noFill/>
+        </p:spPr>
+      </p:pic>
+      <p:pic>
+        <p:nvPicPr>
+          <p:cNvPr id="7" name="Рисунок 6"/>
+          <p:cNvPicPr/>
+          <p:nvPr/>
+        </p:nvPicPr>
+        <p:blipFill>
+          <a:blip r:embed="rId3" cstate="print">
+            <a:extLst>
+              <a:ext uri="{28A0092B-C50C-407E-A947-70E740481C1C}">
+                <a14:useLocalDpi xmlns:a14="http://schemas.microsoft.com/office/drawing/2010/main" val="0"/>
+              </a:ext>
+            </a:extLst>
+          </a:blip>
+          <a:srcRect/>
+          <a:stretch>
+            <a:fillRect/>
+          </a:stretch>
+        </p:blipFill>
+        <p:spPr bwMode="auto">
+          <a:xfrm>
+            <a:off x="6527800" y="2667952"/>
+            <a:ext cx="4826000" cy="2915920"/>
+          </a:xfrm>
+          <a:prstGeom prst="rect">
+            <a:avLst/>
+          </a:prstGeom>
+          <a:noFill/>
+        </p:spPr>
+      </p:pic>
+      <mc:AlternateContent xmlns:mc="http://schemas.openxmlformats.org/markup-compatibility/2006">
+        <mc:Choice xmlns:a14="http://schemas.microsoft.com/office/drawing/2010/main" Requires="a14">
+          <p:sp>
+            <p:nvSpPr>
+              <p:cNvPr id="9" name="Прямоугольник 8"/>
+              <p:cNvSpPr/>
+              <p:nvPr/>
+            </p:nvSpPr>
+            <p:spPr>
+              <a:xfrm>
+                <a:off x="3777096" y="1308892"/>
+                <a:ext cx="4637808" cy="945836"/>
+              </a:xfrm>
+              <a:prstGeom prst="rect">
+                <a:avLst/>
+              </a:prstGeom>
+            </p:spPr>
+            <p:txBody>
+              <a:bodyPr wrap="none">
+                <a:spAutoFit/>
+              </a:bodyPr>
+              <a:lstStyle/>
+              <a:p>
+                <a14:m>
+                  <m:oMathPara xmlns:m="http://schemas.openxmlformats.org/officeDocument/2006/math">
+                    <m:oMathParaPr>
+                      <m:jc m:val="centerGroup"/>
+                    </m:oMathParaPr>
+                    <m:oMath xmlns:m="http://schemas.openxmlformats.org/officeDocument/2006/math">
+                      <m:r>
+                        <a:rPr lang="ru-RU" sz="2400" i="1">
+                          <a:latin typeface="Cambria Math" panose="02040503050406030204" pitchFamily="18" charset="0"/>
+                        </a:rPr>
+                        <m:t>𝑑</m:t>
+                      </m:r>
+                      <m:sSub>
+                        <m:sSubPr>
+                          <m:ctrlPr>
+                            <a:rPr lang="ru-RU" sz="2400" i="1">
+                              <a:latin typeface="Cambria Math" panose="02040503050406030204" pitchFamily="18" charset="0"/>
+                            </a:rPr>
+                          </m:ctrlPr>
+                        </m:sSubPr>
+                        <m:e>
+                          <m:r>
+                            <a:rPr lang="ru-RU" sz="2400" i="1">
+                              <a:latin typeface="Cambria Math" panose="02040503050406030204" pitchFamily="18" charset="0"/>
+                            </a:rPr>
+                            <m:t>𝐽</m:t>
+                          </m:r>
+                        </m:e>
+                        <m:sub>
+                          <m:r>
+                            <a:rPr lang="ru-RU" sz="2400" i="1">
+                              <a:latin typeface="Cambria Math" panose="02040503050406030204" pitchFamily="18" charset="0"/>
+                            </a:rPr>
+                            <m:t>𝜆</m:t>
+                          </m:r>
+                        </m:sub>
+                      </m:sSub>
+                      <m:r>
+                        <a:rPr lang="ru-RU" sz="2400" i="0">
+                          <a:latin typeface="Cambria Math" panose="02040503050406030204" pitchFamily="18" charset="0"/>
+                        </a:rPr>
+                        <m:t>=</m:t>
+                      </m:r>
+                      <m:sSub>
+                        <m:sSubPr>
+                          <m:ctrlPr>
+                            <a:rPr lang="ru-RU" sz="2400" i="1">
+                              <a:latin typeface="Cambria Math" panose="02040503050406030204" pitchFamily="18" charset="0"/>
+                            </a:rPr>
+                          </m:ctrlPr>
+                        </m:sSubPr>
+                        <m:e>
+                          <m:r>
+                            <a:rPr lang="ru-RU" sz="2400" i="1">
+                              <a:latin typeface="Cambria Math" panose="02040503050406030204" pitchFamily="18" charset="0"/>
+                            </a:rPr>
+                            <m:t>𝐶</m:t>
+                          </m:r>
+                        </m:e>
+                        <m:sub>
+                          <m:r>
+                            <a:rPr lang="ru-RU" sz="2400" i="0">
+                              <a:latin typeface="Cambria Math" panose="02040503050406030204" pitchFamily="18" charset="0"/>
+                            </a:rPr>
+                            <m:t>1</m:t>
+                          </m:r>
+                        </m:sub>
+                      </m:sSub>
+                      <m:f>
+                        <m:fPr>
+                          <m:ctrlPr>
+                            <a:rPr lang="ru-RU" sz="2400" i="1">
+                              <a:latin typeface="Cambria Math" panose="02040503050406030204" pitchFamily="18" charset="0"/>
+                            </a:rPr>
+                          </m:ctrlPr>
+                        </m:fPr>
+                        <m:num>
+                          <m:sSub>
+                            <m:sSubPr>
+                              <m:ctrlPr>
+                                <a:rPr lang="ru-RU" sz="2400" i="1">
+                                  <a:latin typeface="Cambria Math" panose="02040503050406030204" pitchFamily="18" charset="0"/>
+                                </a:rPr>
+                              </m:ctrlPr>
+                            </m:sSubPr>
+                            <m:e>
+                              <m:r>
+                                <a:rPr lang="ru-RU" sz="2400" i="1">
+                                  <a:latin typeface="Cambria Math" panose="02040503050406030204" pitchFamily="18" charset="0"/>
+                                </a:rPr>
+                                <m:t>𝑛</m:t>
+                              </m:r>
+                            </m:e>
+                            <m:sub>
+                              <m:r>
+                                <a:rPr lang="ru-RU" sz="2400" i="1">
+                                  <a:latin typeface="Cambria Math" panose="02040503050406030204" pitchFamily="18" charset="0"/>
+                                </a:rPr>
+                                <m:t>𝑒</m:t>
+                              </m:r>
+                            </m:sub>
+                          </m:sSub>
+                          <m:sSup>
+                            <m:sSupPr>
+                              <m:ctrlPr>
+                                <a:rPr lang="ru-RU" sz="2400" i="1">
+                                  <a:latin typeface="Cambria Math" panose="02040503050406030204" pitchFamily="18" charset="0"/>
+                                </a:rPr>
+                              </m:ctrlPr>
+                            </m:sSupPr>
+                            <m:e>
+                              <m:r>
+                                <a:rPr lang="ru-RU" sz="2400" i="1">
+                                  <a:latin typeface="Cambria Math" panose="02040503050406030204" pitchFamily="18" charset="0"/>
+                                </a:rPr>
+                                <m:t>𝑛</m:t>
+                              </m:r>
+                            </m:e>
+                            <m:sup>
+                              <m:r>
+                                <a:rPr lang="ru-RU" sz="2400" i="0">
+                                  <a:latin typeface="Cambria Math" panose="02040503050406030204" pitchFamily="18" charset="0"/>
+                                </a:rPr>
+                                <m:t>+</m:t>
+                              </m:r>
+                            </m:sup>
+                          </m:sSup>
+                        </m:num>
+                        <m:den>
+                          <m:sSup>
+                            <m:sSupPr>
+                              <m:ctrlPr>
+                                <a:rPr lang="ru-RU" sz="2400" i="1">
+                                  <a:latin typeface="Cambria Math" panose="02040503050406030204" pitchFamily="18" charset="0"/>
+                                </a:rPr>
+                              </m:ctrlPr>
+                            </m:sSupPr>
+                            <m:e>
+                              <m:r>
+                                <a:rPr lang="ru-RU" sz="2400" i="1">
+                                  <a:latin typeface="Cambria Math" panose="02040503050406030204" pitchFamily="18" charset="0"/>
+                                </a:rPr>
+                                <m:t>𝜆</m:t>
+                              </m:r>
+                            </m:e>
+                            <m:sup>
+                              <m:r>
+                                <a:rPr lang="ru-RU" sz="2400" i="0">
+                                  <a:latin typeface="Cambria Math" panose="02040503050406030204" pitchFamily="18" charset="0"/>
+                                </a:rPr>
+                                <m:t>2</m:t>
+                              </m:r>
+                            </m:sup>
+                          </m:sSup>
+                          <m:sSup>
+                            <m:sSupPr>
+                              <m:ctrlPr>
+                                <a:rPr lang="ru-RU" sz="2400" i="1">
+                                  <a:latin typeface="Cambria Math" panose="02040503050406030204" pitchFamily="18" charset="0"/>
+                                </a:rPr>
+                              </m:ctrlPr>
+                            </m:sSupPr>
+                            <m:e>
+                              <m:sSub>
+                                <m:sSubPr>
+                                  <m:ctrlPr>
+                                    <a:rPr lang="ru-RU" sz="2400" i="1">
+                                      <a:latin typeface="Cambria Math" panose="02040503050406030204" pitchFamily="18" charset="0"/>
+                                    </a:rPr>
+                                  </m:ctrlPr>
+                                </m:sSubPr>
+                                <m:e>
+                                  <m:r>
+                                    <a:rPr lang="ru-RU" sz="2400" i="1">
+                                      <a:latin typeface="Cambria Math" panose="02040503050406030204" pitchFamily="18" charset="0"/>
+                                    </a:rPr>
+                                    <m:t>𝑇</m:t>
+                                  </m:r>
+                                </m:e>
+                                <m:sub>
+                                  <m:r>
+                                    <a:rPr lang="ru-RU" sz="2400" i="1">
+                                      <a:latin typeface="Cambria Math" panose="02040503050406030204" pitchFamily="18" charset="0"/>
+                                    </a:rPr>
+                                    <m:t>𝑒</m:t>
+                                  </m:r>
+                                </m:sub>
+                              </m:sSub>
+                            </m:e>
+                            <m:sup>
+                              <m:f>
+                                <m:fPr>
+                                  <m:type m:val="lin"/>
+                                  <m:ctrlPr>
+                                    <a:rPr lang="ru-RU" sz="2400" i="1">
+                                      <a:latin typeface="Cambria Math" panose="02040503050406030204" pitchFamily="18" charset="0"/>
+                                    </a:rPr>
+                                  </m:ctrlPr>
+                                </m:fPr>
+                                <m:num>
+                                  <m:r>
+                                    <a:rPr lang="ru-RU" sz="2400" i="0">
+                                      <a:latin typeface="Cambria Math" panose="02040503050406030204" pitchFamily="18" charset="0"/>
+                                    </a:rPr>
+                                    <m:t>1</m:t>
+                                  </m:r>
+                                </m:num>
+                                <m:den>
+                                  <m:r>
+                                    <a:rPr lang="ru-RU" sz="2400" i="0">
+                                      <a:latin typeface="Cambria Math" panose="02040503050406030204" pitchFamily="18" charset="0"/>
+                                    </a:rPr>
+                                    <m:t>2</m:t>
+                                  </m:r>
+                                </m:den>
+                              </m:f>
+                            </m:sup>
+                          </m:sSup>
+                        </m:den>
+                      </m:f>
+                      <m:func>
+                        <m:funcPr>
+                          <m:ctrlPr>
+                            <a:rPr lang="ru-RU" sz="2400" i="1">
+                              <a:latin typeface="Cambria Math" panose="02040503050406030204" pitchFamily="18" charset="0"/>
+                            </a:rPr>
+                          </m:ctrlPr>
+                        </m:funcPr>
+                        <m:fName>
+                          <m:r>
+                            <m:rPr>
+                              <m:sty m:val="p"/>
+                            </m:rPr>
+                            <a:rPr lang="ru-RU" sz="2400" i="0">
+                              <a:latin typeface="Cambria Math" panose="02040503050406030204" pitchFamily="18" charset="0"/>
+                            </a:rPr>
+                            <m:t>exp</m:t>
+                          </m:r>
+                        </m:fName>
+                        <m:e>
+                          <m:d>
+                            <m:dPr>
+                              <m:ctrlPr>
+                                <a:rPr lang="ru-RU" sz="2400" i="1">
+                                  <a:latin typeface="Cambria Math" panose="02040503050406030204" pitchFamily="18" charset="0"/>
+                                </a:rPr>
+                              </m:ctrlPr>
+                            </m:dPr>
+                            <m:e>
+                              <m:r>
+                                <a:rPr lang="ru-RU" sz="2400" i="0">
+                                  <a:latin typeface="Cambria Math" panose="02040503050406030204" pitchFamily="18" charset="0"/>
+                                </a:rPr>
+                                <m:t>−</m:t>
+                              </m:r>
+                              <m:f>
+                                <m:fPr>
+                                  <m:ctrlPr>
+                                    <a:rPr lang="ru-RU" sz="2400" i="1">
+                                      <a:latin typeface="Cambria Math" panose="02040503050406030204" pitchFamily="18" charset="0"/>
+                                    </a:rPr>
+                                  </m:ctrlPr>
+                                </m:fPr>
+                                <m:num>
+                                  <m:r>
+                                    <a:rPr lang="ru-RU" sz="2400" i="1">
+                                      <a:latin typeface="Cambria Math" panose="02040503050406030204" pitchFamily="18" charset="0"/>
+                                    </a:rPr>
+                                    <m:t>h𝑐</m:t>
+                                  </m:r>
+                                </m:num>
+                                <m:den>
+                                  <m:r>
+                                    <a:rPr lang="ru-RU" sz="2400" i="1">
+                                      <a:latin typeface="Cambria Math" panose="02040503050406030204" pitchFamily="18" charset="0"/>
+                                    </a:rPr>
+                                    <m:t>𝜆</m:t>
+                                  </m:r>
+                                  <m:r>
+                                    <a:rPr lang="ru-RU" sz="2400" i="1">
+                                      <a:latin typeface="Cambria Math" panose="02040503050406030204" pitchFamily="18" charset="0"/>
+                                    </a:rPr>
+                                    <m:t>𝑘</m:t>
+                                  </m:r>
+                                  <m:sSub>
+                                    <m:sSubPr>
+                                      <m:ctrlPr>
+                                        <a:rPr lang="ru-RU" sz="2400" i="1">
+                                          <a:latin typeface="Cambria Math" panose="02040503050406030204" pitchFamily="18" charset="0"/>
+                                        </a:rPr>
+                                      </m:ctrlPr>
+                                    </m:sSubPr>
+                                    <m:e>
+                                      <m:r>
+                                        <a:rPr lang="ru-RU" sz="2400" i="1">
+                                          <a:latin typeface="Cambria Math" panose="02040503050406030204" pitchFamily="18" charset="0"/>
+                                        </a:rPr>
+                                        <m:t>𝑇</m:t>
+                                      </m:r>
+                                    </m:e>
+                                    <m:sub>
+                                      <m:r>
+                                        <a:rPr lang="ru-RU" sz="2400" i="1">
+                                          <a:latin typeface="Cambria Math" panose="02040503050406030204" pitchFamily="18" charset="0"/>
+                                        </a:rPr>
+                                        <m:t>𝑒</m:t>
+                                      </m:r>
+                                    </m:sub>
+                                  </m:sSub>
+                                </m:den>
+                              </m:f>
+                            </m:e>
+                          </m:d>
+                        </m:e>
+                      </m:func>
+                      <m:r>
+                        <a:rPr lang="ru-RU" sz="2400" i="1">
+                          <a:latin typeface="Cambria Math" panose="02040503050406030204" pitchFamily="18" charset="0"/>
+                        </a:rPr>
+                        <m:t>𝑑</m:t>
+                      </m:r>
+                      <m:r>
+                        <a:rPr lang="ru-RU" sz="2400" i="1">
+                          <a:latin typeface="Cambria Math" panose="02040503050406030204" pitchFamily="18" charset="0"/>
+                        </a:rPr>
+                        <m:t>𝜆</m:t>
+                      </m:r>
+                    </m:oMath>
+                  </m:oMathPara>
+                </a14:m>
+                <a:endParaRPr lang="ru-RU" sz="2400" dirty="0"/>
+              </a:p>
+            </p:txBody>
+          </p:sp>
+        </mc:Choice>
+        <mc:Fallback>
+          <p:sp>
+            <p:nvSpPr>
+              <p:cNvPr id="9" name="Прямоугольник 8"/>
+              <p:cNvSpPr>
+                <a:spLocks noRot="1" noChangeAspect="1" noMove="1" noResize="1" noEditPoints="1" noAdjustHandles="1" noChangeArrowheads="1" noChangeShapeType="1" noTextEdit="1"/>
+              </p:cNvSpPr>
+              <p:nvPr/>
+            </p:nvSpPr>
+            <p:spPr>
+              <a:xfrm>
+                <a:off x="3777096" y="1308892"/>
+                <a:ext cx="4637808" cy="945836"/>
+              </a:xfrm>
+              <a:prstGeom prst="rect">
+                <a:avLst/>
+              </a:prstGeom>
+              <a:blipFill>
+                <a:blip r:embed="rId4"/>
+                <a:stretch>
+                  <a:fillRect/>
+                </a:stretch>
+              </a:blipFill>
+            </p:spPr>
+            <p:txBody>
+              <a:bodyPr/>
+              <a:lstStyle/>
+              <a:p>
+                <a:r>
+                  <a:rPr lang="ru-RU">
+                    <a:noFill/>
+                  </a:rPr>
+                  <a:t> </a:t>
+                </a:r>
+              </a:p>
+            </p:txBody>
+          </p:sp>
+        </mc:Fallback>
+      </mc:AlternateContent>
+      <p:sp>
+        <p:nvSpPr>
+          <p:cNvPr id="10" name="TextBox 9"/>
+          <p:cNvSpPr txBox="1"/>
+          <p:nvPr/>
+        </p:nvSpPr>
+        <p:spPr>
+          <a:xfrm>
+            <a:off x="7012609" y="5697032"/>
+            <a:ext cx="3856382" cy="523220"/>
+          </a:xfrm>
+          <a:prstGeom prst="rect">
+            <a:avLst/>
+          </a:prstGeom>
+          <a:noFill/>
+        </p:spPr>
+        <p:txBody>
+          <a:bodyPr wrap="square" rtlCol="0">
+            <a:spAutoFit/>
+          </a:bodyPr>
+          <a:lstStyle/>
+          <a:p>
+            <a:pPr algn="ctr"/>
+            <a:r>
+              <a:rPr lang="ru-RU" sz="1400" dirty="0" smtClean="0"/>
+              <a:t>Рис. 1 Зависимость интенсивности тормозного спектра от энергии электронов</a:t>
+            </a:r>
+          </a:p>
+        </p:txBody>
+      </p:sp>
+      <p:sp>
+        <p:nvSpPr>
+          <p:cNvPr id="11" name="TextBox 10"/>
+          <p:cNvSpPr txBox="1"/>
+          <p:nvPr/>
+        </p:nvSpPr>
+        <p:spPr>
+          <a:xfrm>
+            <a:off x="1268240" y="5735486"/>
+            <a:ext cx="3856382" cy="523220"/>
+          </a:xfrm>
+          <a:prstGeom prst="rect">
+            <a:avLst/>
+          </a:prstGeom>
+          <a:noFill/>
+        </p:spPr>
+        <p:txBody>
+          <a:bodyPr wrap="square" rtlCol="0">
+            <a:spAutoFit/>
+          </a:bodyPr>
+          <a:lstStyle/>
+          <a:p>
+            <a:pPr algn="ctr"/>
+            <a:r>
+              <a:rPr lang="ru-RU" sz="1400" dirty="0" smtClean="0"/>
+              <a:t>Рис. 1 Зависимость интенсивности тормозного спектра от длины волны</a:t>
+            </a:r>
+            <a:endParaRPr lang="ru-RU" sz="1400" dirty="0"/>
+          </a:p>
+        </p:txBody>
+      </p:sp>
     </p:spTree>
   </p:cSld>
   <p:clrMapOvr>
     <a:masterClrMapping/>
   </p:clrMapOvr>
+  <mc:AlternateContent xmlns:mc="http://schemas.openxmlformats.org/markup-compatibility/2006">
+    <mc:Choice xmlns:p14="http://schemas.microsoft.com/office/powerpoint/2010/main" Requires="p14">
+      <p:transition spd="slow" p14:dur="2000"/>
+    </mc:Choice>
+    <mc:Fallback>
+      <p:transition spd="slow"/>
+    </mc:Fallback>
+  </mc:AlternateContent>
+  <p:timing>
+    <p:tnLst>
+      <p:par>
+        <p:cTn id="1" dur="indefinite" restart="never" nodeType="tmRoot"/>
+      </p:par>
+    </p:tnLst>
+  </p:timing>
 </p:sld>
 </file>
 
@@ -5252,8 +7909,13 @@
             </a:pPr>
             <a:r>
               <a:rPr lang="ru-RU" sz="2400" dirty="0" smtClean="0"/>
-              <a:t>Воздействие на режимы течения</a:t>
-            </a:r>
+              <a:t>Воздействие на режимы </a:t>
+            </a:r>
+            <a:r>
+              <a:rPr lang="ru-RU" sz="2400" dirty="0" smtClean="0"/>
+              <a:t>течения.</a:t>
+            </a:r>
+            <a:endParaRPr lang="ru-RU" sz="2400" dirty="0" smtClean="0"/>
           </a:p>
           <a:p>
             <a:pPr marL="285750" indent="-285750">
@@ -5277,8 +7939,9 @@
             </a:r>
             <a:r>
               <a:rPr lang="ru-RU" sz="2400" dirty="0" smtClean="0"/>
-              <a:t>слое</a:t>
-            </a:r>
+              <a:t>слое.</a:t>
+            </a:r>
+            <a:endParaRPr lang="ru-RU" sz="2400" dirty="0" smtClean="0"/>
           </a:p>
           <a:p>
             <a:pPr marL="285750" indent="-285750">
@@ -5294,8 +7957,9 @@
             </a:r>
             <a:r>
               <a:rPr lang="ru-RU" sz="2400" dirty="0" smtClean="0"/>
-              <a:t>волн</a:t>
-            </a:r>
+              <a:t>волн.</a:t>
+            </a:r>
+            <a:endParaRPr lang="ru-RU" sz="2400" dirty="0" smtClean="0"/>
           </a:p>
           <a:p>
             <a:pPr marL="285750" indent="-285750">
@@ -5307,8 +7971,13 @@
             </a:pPr>
             <a:r>
               <a:rPr lang="ru-RU" sz="2400" dirty="0"/>
-              <a:t>Управление процессами горения</a:t>
-            </a:r>
+              <a:t>Управление процессами </a:t>
+            </a:r>
+            <a:r>
+              <a:rPr lang="ru-RU" sz="2400" dirty="0" smtClean="0"/>
+              <a:t>горения.</a:t>
+            </a:r>
+            <a:endParaRPr lang="ru-RU" sz="2400" dirty="0"/>
           </a:p>
           <a:p>
             <a:pPr algn="ctr"/>
@@ -5336,8 +8005,8 @@
           <a:blip r:embed="rId2" cstate="print">
             <a:extLst>
               <a:ext uri="{BEBA8EAE-BF5A-486C-A8C5-ECC9F3942E4B}">
-                <a14:imgProps xmlns:a14="http://schemas.microsoft.com/office/drawing/2010/main" xmlns="">
-                  <a14:imgLayer r:embed="rId6">
+                <a14:imgProps xmlns:a14="http://schemas.microsoft.com/office/drawing/2010/main">
+                  <a14:imgLayer r:embed="rId3">
                     <a14:imgEffect>
                       <a14:backgroundRemoval t="10000" b="90000" l="2500" r="99063"/>
                     </a14:imgEffect>
@@ -5345,7 +8014,7 @@
                 </a14:imgProps>
               </a:ext>
               <a:ext uri="{28A0092B-C50C-407E-A947-70E740481C1C}">
-                <a14:useLocalDpi xmlns:a14="http://schemas.microsoft.com/office/drawing/2010/main" xmlns="" val="0"/>
+                <a14:useLocalDpi xmlns:a14="http://schemas.microsoft.com/office/drawing/2010/main" val="0"/>
               </a:ext>
             </a:extLst>
           </a:blip>
@@ -5366,13 +8035,21 @@
     </p:spTree>
     <p:extLst>
       <p:ext uri="{BB962C8B-B14F-4D97-AF65-F5344CB8AC3E}">
-        <p14:creationId xmlns:p14="http://schemas.microsoft.com/office/powerpoint/2010/main" xmlns="" val="3958921981"/>
+        <p14:creationId xmlns:p14="http://schemas.microsoft.com/office/powerpoint/2010/main" val="3958921981"/>
       </p:ext>
     </p:extLst>
   </p:cSld>
   <p:clrMapOvr>
     <a:masterClrMapping/>
   </p:clrMapOvr>
+  <mc:AlternateContent xmlns:mc="http://schemas.openxmlformats.org/markup-compatibility/2006">
+    <mc:Choice xmlns:p14="http://schemas.microsoft.com/office/powerpoint/2010/main" Requires="p14">
+      <p:transition spd="slow" p14:dur="2000"/>
+    </mc:Choice>
+    <mc:Fallback>
+      <p:transition spd="slow"/>
+    </mc:Fallback>
+  </mc:AlternateContent>
   <p:timing>
     <p:tnLst>
       <p:par>
@@ -5486,12 +8163,13 @@
             </a:pPr>
             <a:r>
               <a:rPr lang="ru-RU" sz="2400" dirty="0" smtClean="0"/>
-              <a:t> </a:t>
+              <a:t>  С помощью методов эмиссионной спектроскопии оценить характер </a:t>
             </a:r>
             <a:r>
               <a:rPr lang="ru-RU" sz="2400" dirty="0" smtClean="0"/>
-              <a:t> С помощью методов эмиссионной спектроскопии оценить характер разряда</a:t>
-            </a:r>
+              <a:t>разряда.</a:t>
+            </a:r>
+            <a:endParaRPr lang="ru-RU" sz="2400" dirty="0" smtClean="0"/>
           </a:p>
           <a:p>
             <a:pPr>
@@ -5503,8 +8181,13 @@
             </a:pPr>
             <a:r>
               <a:rPr lang="ru-RU" sz="2400" dirty="0" smtClean="0"/>
-              <a:t>  Анализ развития поверхностного скользящего разряда наносекундной длительности в сверхзвуковом потоке воздуха с наклонной ударной волной</a:t>
-            </a:r>
+              <a:t>  Анализ развития поверхностного скользящего разряда наносекундной длительности в сверхзвуковом потоке воздуха с наклонной ударной </a:t>
+            </a:r>
+            <a:r>
+              <a:rPr lang="ru-RU" sz="2400" dirty="0" smtClean="0"/>
+              <a:t>волной.</a:t>
+            </a:r>
+            <a:endParaRPr lang="ru-RU" sz="2400" dirty="0" smtClean="0"/>
           </a:p>
           <a:p>
             <a:pPr>
@@ -5516,7 +8199,11 @@
             </a:pPr>
             <a:r>
               <a:rPr lang="ru-RU" sz="2400" dirty="0" smtClean="0"/>
-              <a:t>  Определение структуры поля течения после разряда</a:t>
+              <a:t>  Определение структуры поля течения после </a:t>
+            </a:r>
+            <a:r>
+              <a:rPr lang="ru-RU" sz="2400" dirty="0" smtClean="0"/>
+              <a:t>разряда.</a:t>
             </a:r>
             <a:endParaRPr lang="ru-RU" sz="2400" dirty="0"/>
           </a:p>
@@ -5527,6 +8214,14 @@
   <p:clrMapOvr>
     <a:masterClrMapping/>
   </p:clrMapOvr>
+  <mc:AlternateContent xmlns:mc="http://schemas.openxmlformats.org/markup-compatibility/2006">
+    <mc:Choice xmlns:p14="http://schemas.microsoft.com/office/powerpoint/2010/main" Requires="p14">
+      <p:transition spd="slow" p14:dur="2000"/>
+    </mc:Choice>
+    <mc:Fallback>
+      <p:transition spd="slow"/>
+    </mc:Fallback>
+  </mc:AlternateContent>
   <p:timing>
     <p:tnLst>
       <p:par>
@@ -5633,7 +8328,11 @@
           <a:p>
             <a:r>
               <a:rPr lang="ru-RU" sz="2400" dirty="0" smtClean="0"/>
-              <a:t>Для эффективного использования поверхностного разряда необходима диагностика параметров</a:t>
+              <a:t>Для эффективного использования поверхностного разряда необходима диагностика </a:t>
+            </a:r>
+            <a:r>
+              <a:rPr lang="ru-RU" sz="2400" dirty="0" smtClean="0"/>
+              <a:t>параметров.</a:t>
             </a:r>
             <a:endParaRPr lang="ru-RU" sz="2400" dirty="0"/>
           </a:p>
@@ -5663,8 +8362,13 @@
           <a:p>
             <a:r>
               <a:rPr lang="ru-RU" sz="2400" dirty="0"/>
-              <a:t>Преимущество бесконтактных методов исследования плазмы – отсутствие возмущений объекта диагностической аппаратурой</a:t>
-            </a:r>
+              <a:t>Преимущество бесконтактных методов исследования плазмы – отсутствие возмущений объекта диагностической </a:t>
+            </a:r>
+            <a:r>
+              <a:rPr lang="ru-RU" sz="2400" dirty="0" smtClean="0"/>
+              <a:t>аппаратурой.</a:t>
+            </a:r>
+            <a:endParaRPr lang="ru-RU" sz="2400" dirty="0"/>
           </a:p>
         </p:txBody>
       </p:sp>
@@ -5731,13 +8435,21 @@
     </p:spTree>
     <p:extLst>
       <p:ext uri="{BB962C8B-B14F-4D97-AF65-F5344CB8AC3E}">
-        <p14:creationId xmlns:p14="http://schemas.microsoft.com/office/powerpoint/2010/main" xmlns="" val="2440608627"/>
+        <p14:creationId xmlns:p14="http://schemas.microsoft.com/office/powerpoint/2010/main" val="2440608627"/>
       </p:ext>
     </p:extLst>
   </p:cSld>
   <p:clrMapOvr>
     <a:masterClrMapping/>
   </p:clrMapOvr>
+  <mc:AlternateContent xmlns:mc="http://schemas.openxmlformats.org/markup-compatibility/2006">
+    <mc:Choice xmlns:p14="http://schemas.microsoft.com/office/powerpoint/2010/main" Requires="p14">
+      <p:transition spd="slow" p14:dur="2000"/>
+    </mc:Choice>
+    <mc:Fallback>
+      <p:transition spd="slow"/>
+    </mc:Fallback>
+  </mc:AlternateContent>
   <p:timing>
     <p:tnLst>
       <p:par>
@@ -5846,7 +8558,7 @@
             <a:blip r:embed="rId2">
               <a:extLst>
                 <a:ext uri="{28A0092B-C50C-407E-A947-70E740481C1C}">
-                  <a14:useLocalDpi xmlns:a14="http://schemas.microsoft.com/office/drawing/2010/main" xmlns="" val="0"/>
+                  <a14:useLocalDpi xmlns:a14="http://schemas.microsoft.com/office/drawing/2010/main" val="0"/>
                 </a:ext>
               </a:extLst>
             </a:blip>
@@ -6035,13 +8747,21 @@
     </p:spTree>
     <p:extLst>
       <p:ext uri="{BB962C8B-B14F-4D97-AF65-F5344CB8AC3E}">
-        <p14:creationId xmlns:p14="http://schemas.microsoft.com/office/powerpoint/2010/main" xmlns="" val="161007600"/>
+        <p14:creationId xmlns:p14="http://schemas.microsoft.com/office/powerpoint/2010/main" val="161007600"/>
       </p:ext>
     </p:extLst>
   </p:cSld>
   <p:clrMapOvr>
     <a:masterClrMapping/>
   </p:clrMapOvr>
+  <mc:AlternateContent xmlns:mc="http://schemas.openxmlformats.org/markup-compatibility/2006">
+    <mc:Choice xmlns:p14="http://schemas.microsoft.com/office/powerpoint/2010/main" Requires="p14">
+      <p:transition spd="slow" p14:dur="2000"/>
+    </mc:Choice>
+    <mc:Fallback>
+      <p:transition spd="slow"/>
+    </mc:Fallback>
+  </mc:AlternateContent>
   <p:timing>
     <p:tnLst>
       <p:par>
@@ -6201,7 +8921,7 @@
             <a:blip r:embed="rId2">
               <a:extLst>
                 <a:ext uri="{28A0092B-C50C-407E-A947-70E740481C1C}">
-                  <a14:useLocalDpi xmlns:a14="http://schemas.microsoft.com/office/drawing/2010/main" xmlns="" val="0"/>
+                  <a14:useLocalDpi xmlns:a14="http://schemas.microsoft.com/office/drawing/2010/main" val="0"/>
                 </a:ext>
               </a:extLst>
             </a:blip>
@@ -6230,14 +8950,14 @@
             </a:effectLst>
             <a:extLst>
               <a:ext uri="{909E8E84-426E-40DD-AFC4-6F175D3DCCD1}">
-                <a14:hiddenFill xmlns:a14="http://schemas.microsoft.com/office/drawing/2010/main" xmlns="">
+                <a14:hiddenFill xmlns:a14="http://schemas.microsoft.com/office/drawing/2010/main">
                   <a:solidFill>
                     <a:schemeClr val="accent1"/>
                   </a:solidFill>
                 </a14:hiddenFill>
               </a:ext>
               <a:ext uri="{91240B29-F687-4F45-9708-019B960494DF}">
-                <a14:hiddenLine xmlns:a14="http://schemas.microsoft.com/office/drawing/2010/main" xmlns="" w="9525">
+                <a14:hiddenLine xmlns:a14="http://schemas.microsoft.com/office/drawing/2010/main" w="9525">
                   <a:solidFill>
                     <a:schemeClr val="tx1"/>
                   </a:solidFill>
@@ -6443,13 +9163,21 @@
     </p:spTree>
     <p:extLst>
       <p:ext uri="{BB962C8B-B14F-4D97-AF65-F5344CB8AC3E}">
-        <p14:creationId xmlns:p14="http://schemas.microsoft.com/office/powerpoint/2010/main" xmlns="" val="2103522515"/>
+        <p14:creationId xmlns:p14="http://schemas.microsoft.com/office/powerpoint/2010/main" val="2103522515"/>
       </p:ext>
     </p:extLst>
   </p:cSld>
   <p:clrMapOvr>
     <a:masterClrMapping/>
   </p:clrMapOvr>
+  <mc:AlternateContent xmlns:mc="http://schemas.openxmlformats.org/markup-compatibility/2006">
+    <mc:Choice xmlns:p14="http://schemas.microsoft.com/office/powerpoint/2010/main" Requires="p14">
+      <p:transition spd="slow" p14:dur="2000"/>
+    </mc:Choice>
+    <mc:Fallback>
+      <p:transition spd="slow"/>
+    </mc:Fallback>
+  </mc:AlternateContent>
   <p:timing>
     <p:tnLst>
       <p:par>
@@ -6544,7 +9272,7 @@
           <a:blip r:embed="rId2">
             <a:extLst>
               <a:ext uri="{28A0092B-C50C-407E-A947-70E740481C1C}">
-                <a14:useLocalDpi xmlns:a14="http://schemas.microsoft.com/office/drawing/2010/main" xmlns="" val="0"/>
+                <a14:useLocalDpi xmlns:a14="http://schemas.microsoft.com/office/drawing/2010/main" val="0"/>
               </a:ext>
             </a:extLst>
           </a:blip>
@@ -6568,14 +9296,14 @@
           <a:effectLst/>
           <a:extLst>
             <a:ext uri="{909E8E84-426E-40DD-AFC4-6F175D3DCCD1}">
-              <a14:hiddenFill xmlns:a14="http://schemas.microsoft.com/office/drawing/2010/main" xmlns="">
+              <a14:hiddenFill xmlns:a14="http://schemas.microsoft.com/office/drawing/2010/main">
                 <a:solidFill>
                   <a:schemeClr val="accent1"/>
                 </a:solidFill>
               </a14:hiddenFill>
             </a:ext>
             <a:ext uri="{91240B29-F687-4F45-9708-019B960494DF}">
-              <a14:hiddenLine xmlns:a14="http://schemas.microsoft.com/office/drawing/2010/main" xmlns="" w="9525">
+              <a14:hiddenLine xmlns:a14="http://schemas.microsoft.com/office/drawing/2010/main" w="9525">
                 <a:solidFill>
                   <a:schemeClr val="tx1"/>
                 </a:solidFill>
@@ -6585,7 +9313,7 @@
               </a14:hiddenLine>
             </a:ext>
             <a:ext uri="{AF507438-7753-43E0-B8FC-AC1667EBCBE1}">
-              <a14:hiddenEffects xmlns:a14="http://schemas.microsoft.com/office/drawing/2010/main" xmlns="">
+              <a14:hiddenEffects xmlns:a14="http://schemas.microsoft.com/office/drawing/2010/main">
                 <a:effectLst>
                   <a:outerShdw dist="35921" dir="2700000" algn="ctr" rotWithShape="0">
                     <a:schemeClr val="bg2"/>
@@ -6803,13 +9531,21 @@
     </p:spTree>
     <p:extLst>
       <p:ext uri="{BB962C8B-B14F-4D97-AF65-F5344CB8AC3E}">
-        <p14:creationId xmlns:p14="http://schemas.microsoft.com/office/powerpoint/2010/main" xmlns="" val="3277487579"/>
+        <p14:creationId xmlns:p14="http://schemas.microsoft.com/office/powerpoint/2010/main" val="3277487579"/>
       </p:ext>
     </p:extLst>
   </p:cSld>
   <p:clrMapOvr>
     <a:masterClrMapping/>
   </p:clrMapOvr>
+  <mc:AlternateContent xmlns:mc="http://schemas.openxmlformats.org/markup-compatibility/2006">
+    <mc:Choice xmlns:p14="http://schemas.microsoft.com/office/powerpoint/2010/main" Requires="p14">
+      <p:transition spd="slow" p14:dur="2000"/>
+    </mc:Choice>
+    <mc:Fallback>
+      <p:transition spd="slow"/>
+    </mc:Fallback>
+  </mc:AlternateContent>
   <p:timing>
     <p:tnLst>
       <p:par>
@@ -6938,6 +9674,10 @@
               <a:rPr lang="ru-RU" sz="2400" dirty="0" err="1" smtClean="0"/>
               <a:t>нм</a:t>
             </a:r>
+            <a:r>
+              <a:rPr lang="ru-RU" sz="2400" dirty="0" smtClean="0"/>
+              <a:t>.</a:t>
+            </a:r>
             <a:endParaRPr lang="ru-RU" sz="2400" dirty="0" smtClean="0"/>
           </a:p>
           <a:p>
@@ -6947,8 +9687,13 @@
             </a:pPr>
             <a:r>
               <a:rPr lang="ru-RU" sz="2400" dirty="0" smtClean="0"/>
-              <a:t>Специальный шунт регистрировал ток разряда, данные выводились на осциллограф</a:t>
-            </a:r>
+              <a:t>Специальный шунт регистрировал ток разряда, данные выводились на </a:t>
+            </a:r>
+            <a:r>
+              <a:rPr lang="ru-RU" sz="2400" dirty="0" smtClean="0"/>
+              <a:t>осциллограф.</a:t>
+            </a:r>
+            <a:endParaRPr lang="ru-RU" sz="2400" dirty="0" smtClean="0"/>
           </a:p>
           <a:p>
             <a:pPr marL="285750" indent="-285750">
@@ -6957,8 +9702,13 @@
             </a:pPr>
             <a:r>
               <a:rPr lang="ru-RU" sz="2400" dirty="0" smtClean="0"/>
-              <a:t>Фотокамеры фиксировали излучение разряда</a:t>
-            </a:r>
+              <a:t>Фотокамеры фиксировали излучение </a:t>
+            </a:r>
+            <a:r>
+              <a:rPr lang="ru-RU" sz="2400" dirty="0" smtClean="0"/>
+              <a:t>разряда.</a:t>
+            </a:r>
+            <a:endParaRPr lang="ru-RU" sz="2400" dirty="0" smtClean="0"/>
           </a:p>
           <a:p>
             <a:pPr marL="285750" indent="-285750">
@@ -6975,8 +9725,9 @@
             </a:r>
             <a:r>
               <a:rPr lang="ru-RU" sz="2400" dirty="0" smtClean="0"/>
-              <a:t>.)</a:t>
-            </a:r>
+              <a:t>).</a:t>
+            </a:r>
+            <a:endParaRPr lang="ru-RU" sz="2400" dirty="0" smtClean="0"/>
           </a:p>
           <a:p>
             <a:pPr marL="285750" indent="-285750">
@@ -6985,7 +9736,11 @@
             </a:pPr>
             <a:r>
               <a:rPr lang="ru-RU" sz="2400" dirty="0" smtClean="0"/>
-              <a:t>Эволюция структуры потока регистрировалась с помощью высокоскоростного теневого изображения</a:t>
+              <a:t>Эволюция структуры потока регистрировалась с помощью высокоскоростного теневого </a:t>
+            </a:r>
+            <a:r>
+              <a:rPr lang="ru-RU" sz="2400" dirty="0" smtClean="0"/>
+              <a:t>изображения.</a:t>
             </a:r>
             <a:endParaRPr lang="ru-RU" sz="2400" dirty="0"/>
           </a:p>
@@ -6994,13 +9749,21 @@
     </p:spTree>
     <p:extLst>
       <p:ext uri="{BB962C8B-B14F-4D97-AF65-F5344CB8AC3E}">
-        <p14:creationId xmlns:p14="http://schemas.microsoft.com/office/powerpoint/2010/main" xmlns="" val="1400278723"/>
+        <p14:creationId xmlns:p14="http://schemas.microsoft.com/office/powerpoint/2010/main" val="1400278723"/>
       </p:ext>
     </p:extLst>
   </p:cSld>
   <p:clrMapOvr>
     <a:masterClrMapping/>
   </p:clrMapOvr>
+  <mc:AlternateContent xmlns:mc="http://schemas.openxmlformats.org/markup-compatibility/2006">
+    <mc:Choice xmlns:p14="http://schemas.microsoft.com/office/powerpoint/2010/main" Requires="p14">
+      <p:transition spd="slow" p14:dur="2000"/>
+    </mc:Choice>
+    <mc:Fallback>
+      <p:transition spd="slow"/>
+    </mc:Fallback>
+  </mc:AlternateContent>
   <p:timing>
     <p:tnLst>
       <p:par>
@@ -7095,7 +9858,7 @@
           <a:blip r:embed="rId2">
             <a:extLst>
               <a:ext uri="{28A0092B-C50C-407E-A947-70E740481C1C}">
-                <a14:useLocalDpi xmlns:a14="http://schemas.microsoft.com/office/drawing/2010/main" xmlns="" val="0"/>
+                <a14:useLocalDpi xmlns:a14="http://schemas.microsoft.com/office/drawing/2010/main" val="0"/>
               </a:ext>
             </a:extLst>
           </a:blip>
@@ -7339,7 +10102,7 @@
           <a:blip r:embed="rId3" cstate="print">
             <a:extLst>
               <a:ext uri="{28A0092B-C50C-407E-A947-70E740481C1C}">
-                <a14:useLocalDpi xmlns:a14="http://schemas.microsoft.com/office/drawing/2010/main" xmlns="" val="0"/>
+                <a14:useLocalDpi xmlns:a14="http://schemas.microsoft.com/office/drawing/2010/main" val="0"/>
               </a:ext>
             </a:extLst>
           </a:blip>
@@ -7406,13 +10169,21 @@
     </p:spTree>
     <p:extLst>
       <p:ext uri="{BB962C8B-B14F-4D97-AF65-F5344CB8AC3E}">
-        <p14:creationId xmlns:p14="http://schemas.microsoft.com/office/powerpoint/2010/main" xmlns="" val="900591817"/>
+        <p14:creationId xmlns:p14="http://schemas.microsoft.com/office/powerpoint/2010/main" val="900591817"/>
       </p:ext>
     </p:extLst>
   </p:cSld>
   <p:clrMapOvr>
     <a:masterClrMapping/>
   </p:clrMapOvr>
+  <mc:AlternateContent xmlns:mc="http://schemas.openxmlformats.org/markup-compatibility/2006">
+    <mc:Choice xmlns:p14="http://schemas.microsoft.com/office/powerpoint/2010/main" Requires="p14">
+      <p:transition spd="slow" p14:dur="2000"/>
+    </mc:Choice>
+    <mc:Fallback>
+      <p:transition spd="slow"/>
+    </mc:Fallback>
+  </mc:AlternateContent>
   <p:timing>
     <p:tnLst>
       <p:par>
@@ -7678,7 +10449,7 @@
   <a:extraClrSchemeLst/>
   <a:extLst>
     <a:ext uri="{05A4C25C-085E-4340-85A3-A5531E510DB2}">
-      <thm15:themeFamily xmlns:thm15="http://schemas.microsoft.com/office/thememl/2012/main" xmlns="" name="Office Theme" id="{62F939B6-93AF-4DB8-9C6B-D6C7DFDC589F}" vid="{4A3C46E8-61CC-4603-A589-7422A47A8E4A}"/>
+      <thm15:themeFamily xmlns:thm15="http://schemas.microsoft.com/office/thememl/2012/main" name="Office Theme" id="{62F939B6-93AF-4DB8-9C6B-D6C7DFDC589F}" vid="{4A3C46E8-61CC-4603-A589-7422A47A8E4A}"/>
     </a:ext>
   </a:extLst>
 </a:theme>
@@ -7939,7 +10710,7 @@
   <a:extraClrSchemeLst/>
   <a:extLst>
     <a:ext uri="{05A4C25C-085E-4340-85A3-A5531E510DB2}">
-      <thm15:themeFamily xmlns:thm15="http://schemas.microsoft.com/office/thememl/2012/main" xmlns="" name="Office Theme" id="{62F939B6-93AF-4DB8-9C6B-D6C7DFDC589F}" vid="{4A3C46E8-61CC-4603-A589-7422A47A8E4A}"/>
+      <thm15:themeFamily xmlns:thm15="http://schemas.microsoft.com/office/thememl/2012/main" name="Office Theme" id="{62F939B6-93AF-4DB8-9C6B-D6C7DFDC589F}" vid="{4A3C46E8-61CC-4603-A589-7422A47A8E4A}"/>
     </a:ext>
   </a:extLst>
 </a:theme>

--- a/конференция/конференция.pptx
+++ b/конференция/конференция.pptx
@@ -8167,7 +8167,7 @@
             </a:r>
             <a:r>
               <a:rPr lang="ru-RU" sz="2400" dirty="0" smtClean="0"/>
-              <a:t>разряда.</a:t>
+              <a:t>и параметры разряда.</a:t>
             </a:r>
             <a:endParaRPr lang="ru-RU" sz="2400" dirty="0" smtClean="0"/>
           </a:p>
@@ -8298,7 +8298,11 @@
             <a:pPr algn="ctr"/>
             <a:r>
               <a:rPr lang="ru-RU" sz="3200" b="1" u="sng" dirty="0" smtClean="0"/>
-              <a:t>Диагностика параметров плазмы</a:t>
+              <a:t>Диагностика </a:t>
+            </a:r>
+            <a:r>
+              <a:rPr lang="ru-RU" sz="3200" b="1" u="sng" smtClean="0"/>
+              <a:t>параметров разряда</a:t>
             </a:r>
             <a:endParaRPr lang="ru-RU" sz="3200" b="1" u="sng" dirty="0"/>
           </a:p>

--- a/конференция/конференция.pptx
+++ b/конференция/конференция.pptx
@@ -6072,6 +6072,44 @@
           </a:prstGeom>
         </p:spPr>
       </p:pic>
+      <p:sp>
+        <p:nvSpPr>
+          <p:cNvPr id="3" name="TextBox 2"/>
+          <p:cNvSpPr txBox="1"/>
+          <p:nvPr/>
+        </p:nvSpPr>
+        <p:spPr>
+          <a:xfrm rot="20701548">
+            <a:off x="6107285" y="2917830"/>
+            <a:ext cx="4253305" cy="646331"/>
+          </a:xfrm>
+          <a:prstGeom prst="rect">
+            <a:avLst/>
+          </a:prstGeom>
+          <a:noFill/>
+        </p:spPr>
+        <p:txBody>
+          <a:bodyPr wrap="square" rtlCol="0">
+            <a:spAutoFit/>
+          </a:bodyPr>
+          <a:lstStyle/>
+          <a:p>
+            <a:r>
+              <a:rPr lang="ru-RU" dirty="0" smtClean="0">
+                <a:solidFill>
+                  <a:srgbClr val="FF0000"/>
+                </a:solidFill>
+              </a:rPr>
+              <a:t>Вставить пример рекомбинационного спектра</a:t>
+            </a:r>
+            <a:endParaRPr lang="ru-RU" dirty="0">
+              <a:solidFill>
+                <a:srgbClr val="FF0000"/>
+              </a:solidFill>
+            </a:endParaRPr>
+          </a:p>
+        </p:txBody>
+      </p:sp>
     </p:spTree>
   </p:cSld>
   <p:clrMapOvr>
@@ -6970,7 +7008,7 @@
                 </a:pPr>
                 <a:r>
                   <a:rPr lang="ru-RU" sz="2400" dirty="0" smtClean="0"/>
-                  <a:t>Исследован поверхностный скользящий разряд наносекундной длительности в сверхзвуковых потоках воздуха с наклонной ударной волной в канале. </a:t>
+                  <a:t>Исследован поверхностный скользящий разряд наносекундной длительности в сверхзвуковых потоках воздуха и неподвижном воздухе с наклонной ударной волной в канале. </a:t>
                 </a:r>
               </a:p>
               <a:p>
@@ -8301,7 +8339,7 @@
               <a:t>Диагностика </a:t>
             </a:r>
             <a:r>
-              <a:rPr lang="ru-RU" sz="3200" b="1" u="sng" smtClean="0"/>
+              <a:rPr lang="ru-RU" sz="3200" b="1" u="sng" dirty="0" smtClean="0"/>
               <a:t>параметров разряда</a:t>
             </a:r>
             <a:endParaRPr lang="ru-RU" sz="3200" b="1" u="sng" dirty="0"/>
